--- a/poster/aspire_2024.pptx
+++ b/poster/aspire_2024.pptx
@@ -105,8 +105,31 @@
     </a:lvl9pPr>
   </p:defaultTextStyle>
   <p:extLst>
+    <p:ext uri="{521415D9-36F7-43E2-AB2F-B90AF26B5E84}">
+      <p14:sectionLst xmlns:p14="http://schemas.microsoft.com/office/powerpoint/2010/main">
+        <p14:section name="ASPIRE Poster" id="{A4D27D52-F626-481F-9CBB-2848CCFCD3AD}">
+          <p14:sldIdLst/>
+        </p14:section>
+        <p14:section name="Untitled Section" id="{08364930-87B3-4A4A-919B-38E3A935B2BC}">
+          <p14:sldIdLst>
+            <p14:sldId id="256"/>
+          </p14:sldIdLst>
+        </p14:section>
+      </p14:sectionLst>
+    </p:ext>
     <p:ext uri="{EFAFB233-063F-42B5-8137-9DF3F51BA10A}">
-      <p15:sldGuideLst xmlns:p15="http://schemas.microsoft.com/office/powerpoint/2012/main"/>
+      <p15:sldGuideLst xmlns:p15="http://schemas.microsoft.com/office/powerpoint/2012/main">
+        <p15:guide id="1" orient="horz" pos="12048" userDrawn="1">
+          <p15:clr>
+            <a:srgbClr val="A4A3A4"/>
+          </p15:clr>
+        </p15:guide>
+        <p15:guide id="2" pos="13824" userDrawn="1">
+          <p15:clr>
+            <a:srgbClr val="A4A3A4"/>
+          </p15:clr>
+        </p15:guide>
+      </p15:sldGuideLst>
     </p:ext>
   </p:extLst>
 </p:presentation>
@@ -243,7 +266,7 @@
           <a:p>
             <a:fld id="{5E7D15C8-03A2-F24E-A8BF-1046E36358E7}" type="datetimeFigureOut">
               <a:rPr lang="en-US" smtClean="0"/>
-              <a:t>3/17/2024</a:t>
+              <a:t>5/29/2024</a:t>
             </a:fld>
             <a:endParaRPr lang="en-US"/>
           </a:p>
@@ -413,7 +436,7 @@
           <a:p>
             <a:fld id="{5E7D15C8-03A2-F24E-A8BF-1046E36358E7}" type="datetimeFigureOut">
               <a:rPr lang="en-US" smtClean="0"/>
-              <a:t>3/17/2024</a:t>
+              <a:t>5/29/2024</a:t>
             </a:fld>
             <a:endParaRPr lang="en-US"/>
           </a:p>
@@ -593,7 +616,7 @@
           <a:p>
             <a:fld id="{5E7D15C8-03A2-F24E-A8BF-1046E36358E7}" type="datetimeFigureOut">
               <a:rPr lang="en-US" smtClean="0"/>
-              <a:t>3/17/2024</a:t>
+              <a:t>5/29/2024</a:t>
             </a:fld>
             <a:endParaRPr lang="en-US"/>
           </a:p>
@@ -763,7 +786,7 @@
           <a:p>
             <a:fld id="{5E7D15C8-03A2-F24E-A8BF-1046E36358E7}" type="datetimeFigureOut">
               <a:rPr lang="en-US" smtClean="0"/>
-              <a:t>3/17/2024</a:t>
+              <a:t>5/29/2024</a:t>
             </a:fld>
             <a:endParaRPr lang="en-US"/>
           </a:p>
@@ -1007,7 +1030,7 @@
           <a:p>
             <a:fld id="{5E7D15C8-03A2-F24E-A8BF-1046E36358E7}" type="datetimeFigureOut">
               <a:rPr lang="en-US" smtClean="0"/>
-              <a:t>3/17/2024</a:t>
+              <a:t>5/29/2024</a:t>
             </a:fld>
             <a:endParaRPr lang="en-US"/>
           </a:p>
@@ -1239,7 +1262,7 @@
           <a:p>
             <a:fld id="{5E7D15C8-03A2-F24E-A8BF-1046E36358E7}" type="datetimeFigureOut">
               <a:rPr lang="en-US" smtClean="0"/>
-              <a:t>3/17/2024</a:t>
+              <a:t>5/29/2024</a:t>
             </a:fld>
             <a:endParaRPr lang="en-US"/>
           </a:p>
@@ -1606,7 +1629,7 @@
           <a:p>
             <a:fld id="{5E7D15C8-03A2-F24E-A8BF-1046E36358E7}" type="datetimeFigureOut">
               <a:rPr lang="en-US" smtClean="0"/>
-              <a:t>3/17/2024</a:t>
+              <a:t>5/29/2024</a:t>
             </a:fld>
             <a:endParaRPr lang="en-US"/>
           </a:p>
@@ -1724,7 +1747,7 @@
           <a:p>
             <a:fld id="{5E7D15C8-03A2-F24E-A8BF-1046E36358E7}" type="datetimeFigureOut">
               <a:rPr lang="en-US" smtClean="0"/>
-              <a:t>3/17/2024</a:t>
+              <a:t>5/29/2024</a:t>
             </a:fld>
             <a:endParaRPr lang="en-US"/>
           </a:p>
@@ -1819,7 +1842,7 @@
           <a:p>
             <a:fld id="{5E7D15C8-03A2-F24E-A8BF-1046E36358E7}" type="datetimeFigureOut">
               <a:rPr lang="en-US" smtClean="0"/>
-              <a:t>3/17/2024</a:t>
+              <a:t>5/29/2024</a:t>
             </a:fld>
             <a:endParaRPr lang="en-US"/>
           </a:p>
@@ -2096,7 +2119,7 @@
           <a:p>
             <a:fld id="{5E7D15C8-03A2-F24E-A8BF-1046E36358E7}" type="datetimeFigureOut">
               <a:rPr lang="en-US" smtClean="0"/>
-              <a:t>3/17/2024</a:t>
+              <a:t>5/29/2024</a:t>
             </a:fld>
             <a:endParaRPr lang="en-US"/>
           </a:p>
@@ -2353,7 +2376,7 @@
           <a:p>
             <a:fld id="{5E7D15C8-03A2-F24E-A8BF-1046E36358E7}" type="datetimeFigureOut">
               <a:rPr lang="en-US" smtClean="0"/>
-              <a:t>3/17/2024</a:t>
+              <a:t>5/29/2024</a:t>
             </a:fld>
             <a:endParaRPr lang="en-US"/>
           </a:p>
@@ -2566,7 +2589,7 @@
           <a:p>
             <a:fld id="{5E7D15C8-03A2-F24E-A8BF-1046E36358E7}" type="datetimeFigureOut">
               <a:rPr lang="en-US" smtClean="0"/>
-              <a:t>3/17/2024</a:t>
+              <a:t>5/29/2024</a:t>
             </a:fld>
             <a:endParaRPr lang="en-US"/>
           </a:p>
@@ -2985,8 +3008,8 @@
         </p:nvSpPr>
         <p:spPr>
           <a:xfrm>
-            <a:off x="5931896" y="889740"/>
-            <a:ext cx="27432000" cy="1862048"/>
+            <a:off x="4104389" y="2032494"/>
+            <a:ext cx="35382235" cy="1708160"/>
           </a:xfrm>
           <a:prstGeom prst="rect">
             <a:avLst/>
@@ -2999,19 +3022,20 @@
           </a:bodyPr>
           <a:lstStyle/>
           <a:p>
+            <a:pPr algn="ctr"/>
             <a:r>
-              <a:rPr lang="en-US" sz="11500" dirty="0"/>
-              <a:t>ASPIRE Poster 2024</a:t>
+              <a:rPr lang="en-US" sz="10500" dirty="0"/>
+              <a:t>Hopfield Networks: Comparing Sparse and Magnitude Pruning</a:t>
             </a:r>
           </a:p>
         </p:txBody>
       </p:sp>
       <p:pic>
         <p:nvPicPr>
-          <p:cNvPr id="5" name="Picture 4">
+          <p:cNvPr id="6" name="Picture 5">
             <a:extLst>
               <a:ext uri="{FF2B5EF4-FFF2-40B4-BE49-F238E27FC236}">
-                <a16:creationId xmlns:a16="http://schemas.microsoft.com/office/drawing/2014/main" id="{0DD7C6F9-E12B-87E3-2F96-A06E60AFFE66}"/>
+                <a16:creationId xmlns:a16="http://schemas.microsoft.com/office/drawing/2014/main" id="{856D757C-928B-F001-A679-DB619266875D}"/>
               </a:ext>
             </a:extLst>
           </p:cNvPr>
@@ -3028,38 +3052,8 @@
         </p:blipFill>
         <p:spPr>
           <a:xfrm>
-            <a:off x="383435" y="441779"/>
-            <a:ext cx="4801314" cy="6487185"/>
-          </a:xfrm>
-          <a:prstGeom prst="rect">
-            <a:avLst/>
-          </a:prstGeom>
-        </p:spPr>
-      </p:pic>
-      <p:pic>
-        <p:nvPicPr>
-          <p:cNvPr id="6" name="Picture 5">
-            <a:extLst>
-              <a:ext uri="{FF2B5EF4-FFF2-40B4-BE49-F238E27FC236}">
-                <a16:creationId xmlns:a16="http://schemas.microsoft.com/office/drawing/2014/main" id="{856D757C-928B-F001-A679-DB619266875D}"/>
-              </a:ext>
-            </a:extLst>
-          </p:cNvPr>
-          <p:cNvPicPr>
-            <a:picLocks noChangeAspect="1"/>
-          </p:cNvPicPr>
-          <p:nvPr/>
-        </p:nvPicPr>
-        <p:blipFill>
-          <a:blip r:embed="rId3"/>
-          <a:stretch>
-            <a:fillRect/>
-          </a:stretch>
-        </p:blipFill>
-        <p:spPr>
-          <a:xfrm>
-            <a:off x="32588279" y="798103"/>
-            <a:ext cx="5222829" cy="5343737"/>
+            <a:off x="297297" y="1498776"/>
+            <a:ext cx="4229647" cy="4327563"/>
           </a:xfrm>
           <a:prstGeom prst="rect">
             <a:avLst/>
@@ -3083,8 +3077,8 @@
         </p:nvSpPr>
         <p:spPr>
           <a:xfrm>
-            <a:off x="6080097" y="4559082"/>
-            <a:ext cx="26864585" cy="2370008"/>
+            <a:off x="5806923" y="3880381"/>
+            <a:ext cx="31977165" cy="2400657"/>
           </a:xfrm>
           <a:prstGeom prst="rect">
             <a:avLst/>
@@ -3099,7 +3093,7 @@
           <a:p>
             <a:pPr algn="ctr"/>
             <a:r>
-              <a:rPr lang="en-US" sz="8801" dirty="0">
+              <a:rPr lang="en-US" sz="7500" dirty="0">
                 <a:solidFill>
                   <a:schemeClr val="tx1">
                     <a:lumMod val="65000"/>
@@ -3113,7 +3107,7 @@
           <a:p>
             <a:pPr algn="ctr"/>
             <a:r>
-              <a:rPr lang="en-US" sz="6000" i="1" dirty="0">
+              <a:rPr lang="en-US" sz="7500" i="1" dirty="0">
                 <a:solidFill>
                   <a:schemeClr val="tx1">
                     <a:lumMod val="65000"/>
@@ -3121,7 +3115,7 @@
                   </a:schemeClr>
                 </a:solidFill>
               </a:rPr>
-              <a:t>University of California, Davis and the Center for Neuroscience</a:t>
+              <a:t>Center for Neuroscience, University of California, Davis</a:t>
             </a:r>
           </a:p>
         </p:txBody>
@@ -3141,14 +3135,14 @@
           <p:nvPr/>
         </p:nvPicPr>
         <p:blipFill rotWithShape="1">
-          <a:blip r:embed="rId4"/>
+          <a:blip r:embed="rId3"/>
           <a:srcRect l="5448" t="9677" r="6203" b="8132"/>
           <a:stretch/>
         </p:blipFill>
         <p:spPr>
           <a:xfrm>
-            <a:off x="38022848" y="441778"/>
-            <a:ext cx="5484918" cy="5634192"/>
+            <a:off x="39431387" y="1490178"/>
+            <a:ext cx="4229647" cy="4344758"/>
           </a:xfrm>
           <a:prstGeom prst="rect">
             <a:avLst/>
@@ -3169,8 +3163,8 @@
         </p:nvSpPr>
         <p:spPr>
           <a:xfrm>
-            <a:off x="1001489" y="7881258"/>
-            <a:ext cx="13349096" cy="29633807"/>
+            <a:off x="1001489" y="6831316"/>
+            <a:ext cx="13349096" cy="30520155"/>
           </a:xfrm>
           <a:prstGeom prst="roundRect">
             <a:avLst/>
@@ -3224,8 +3218,8 @@
         </p:nvSpPr>
         <p:spPr>
           <a:xfrm>
-            <a:off x="6172288" y="7888598"/>
-            <a:ext cx="4705279" cy="1200329"/>
+            <a:off x="5999147" y="7020639"/>
+            <a:ext cx="3602545" cy="1200329"/>
           </a:xfrm>
           <a:prstGeom prst="rect">
             <a:avLst/>
@@ -3239,43 +3233,8 @@
           <a:lstStyle/>
           <a:p>
             <a:r>
-              <a:rPr lang="en-US" sz="7200" dirty="0"/>
+              <a:rPr lang="en-US" sz="7200" b="1" u="sng" dirty="0"/>
               <a:t>Abstract</a:t>
-            </a:r>
-          </a:p>
-        </p:txBody>
-      </p:sp>
-      <p:sp>
-        <p:nvSpPr>
-          <p:cNvPr id="13" name="TextBox 12">
-            <a:extLst>
-              <a:ext uri="{FF2B5EF4-FFF2-40B4-BE49-F238E27FC236}">
-                <a16:creationId xmlns:a16="http://schemas.microsoft.com/office/drawing/2014/main" id="{96D71C5E-57FC-5303-6E30-05C0FED04AC8}"/>
-              </a:ext>
-            </a:extLst>
-          </p:cNvPr>
-          <p:cNvSpPr txBox="1"/>
-          <p:nvPr/>
-        </p:nvSpPr>
-        <p:spPr>
-          <a:xfrm>
-            <a:off x="5323397" y="27034265"/>
-            <a:ext cx="4705279" cy="1200329"/>
-          </a:xfrm>
-          <a:prstGeom prst="rect">
-            <a:avLst/>
-          </a:prstGeom>
-          <a:noFill/>
-        </p:spPr>
-        <p:txBody>
-          <a:bodyPr wrap="square" rtlCol="0">
-            <a:spAutoFit/>
-          </a:bodyPr>
-          <a:lstStyle/>
-          <a:p>
-            <a:r>
-              <a:rPr lang="en-US" sz="7200" dirty="0"/>
-              <a:t>Background</a:t>
             </a:r>
           </a:p>
         </p:txBody>
@@ -3294,8 +3253,8 @@
         </p:nvSpPr>
         <p:spPr>
           <a:xfrm>
-            <a:off x="15484591" y="7881258"/>
-            <a:ext cx="13349096" cy="29633807"/>
+            <a:off x="15293876" y="6831315"/>
+            <a:ext cx="13349096" cy="30520155"/>
           </a:xfrm>
           <a:prstGeom prst="roundRect">
             <a:avLst/>
@@ -3337,76 +3296,6 @@
       </p:sp>
       <p:sp>
         <p:nvSpPr>
-          <p:cNvPr id="21" name="TextBox 20">
-            <a:extLst>
-              <a:ext uri="{FF2B5EF4-FFF2-40B4-BE49-F238E27FC236}">
-                <a16:creationId xmlns:a16="http://schemas.microsoft.com/office/drawing/2014/main" id="{3CB3F5B8-B698-9376-3120-F0ECC39129BA}"/>
-              </a:ext>
-            </a:extLst>
-          </p:cNvPr>
-          <p:cNvSpPr txBox="1"/>
-          <p:nvPr/>
-        </p:nvSpPr>
-        <p:spPr>
-          <a:xfrm>
-            <a:off x="5824370" y="30568323"/>
-            <a:ext cx="4705279" cy="1200329"/>
-          </a:xfrm>
-          <a:prstGeom prst="rect">
-            <a:avLst/>
-          </a:prstGeom>
-          <a:noFill/>
-        </p:spPr>
-        <p:txBody>
-          <a:bodyPr wrap="square" rtlCol="0">
-            <a:spAutoFit/>
-          </a:bodyPr>
-          <a:lstStyle/>
-          <a:p>
-            <a:r>
-              <a:rPr lang="en-US" sz="7200" dirty="0"/>
-              <a:t>Objective</a:t>
-            </a:r>
-          </a:p>
-        </p:txBody>
-      </p:sp>
-      <p:sp>
-        <p:nvSpPr>
-          <p:cNvPr id="22" name="TextBox 21">
-            <a:extLst>
-              <a:ext uri="{FF2B5EF4-FFF2-40B4-BE49-F238E27FC236}">
-                <a16:creationId xmlns:a16="http://schemas.microsoft.com/office/drawing/2014/main" id="{57A99FE2-6063-B64C-D841-02585151AD90}"/>
-              </a:ext>
-            </a:extLst>
-          </p:cNvPr>
-          <p:cNvSpPr txBox="1"/>
-          <p:nvPr/>
-        </p:nvSpPr>
-        <p:spPr>
-          <a:xfrm>
-            <a:off x="20645945" y="8442596"/>
-            <a:ext cx="4705279" cy="1200329"/>
-          </a:xfrm>
-          <a:prstGeom prst="rect">
-            <a:avLst/>
-          </a:prstGeom>
-          <a:noFill/>
-        </p:spPr>
-        <p:txBody>
-          <a:bodyPr wrap="square" rtlCol="0">
-            <a:spAutoFit/>
-          </a:bodyPr>
-          <a:lstStyle/>
-          <a:p>
-            <a:r>
-              <a:rPr lang="en-US" sz="7200" dirty="0"/>
-              <a:t>Methods</a:t>
-            </a:r>
-          </a:p>
-        </p:txBody>
-      </p:sp>
-      <p:sp>
-        <p:nvSpPr>
           <p:cNvPr id="23" name="Rounded Rectangle 22">
             <a:extLst>
               <a:ext uri="{FF2B5EF4-FFF2-40B4-BE49-F238E27FC236}">
@@ -3419,8 +3308,8 @@
         </p:nvSpPr>
         <p:spPr>
           <a:xfrm>
-            <a:off x="29754157" y="7881258"/>
-            <a:ext cx="13349096" cy="29633807"/>
+            <a:off x="29754157" y="6831314"/>
+            <a:ext cx="13349096" cy="30520155"/>
           </a:xfrm>
           <a:prstGeom prst="roundRect">
             <a:avLst/>
@@ -3474,8 +3363,8 @@
         </p:nvSpPr>
         <p:spPr>
           <a:xfrm>
-            <a:off x="35324990" y="7881260"/>
-            <a:ext cx="4705279" cy="1200329"/>
+            <a:off x="35225517" y="32426932"/>
+            <a:ext cx="3001033" cy="1200329"/>
           </a:xfrm>
           <a:prstGeom prst="rect">
             <a:avLst/>
@@ -3489,7 +3378,7 @@
           <a:lstStyle/>
           <a:p>
             <a:r>
-              <a:rPr lang="en-US" sz="7200" dirty="0"/>
+              <a:rPr lang="en-US" sz="7200" b="1" u="sng" dirty="0"/>
               <a:t>Results</a:t>
             </a:r>
           </a:p>
@@ -3497,10 +3386,10 @@
       </p:sp>
       <p:sp>
         <p:nvSpPr>
-          <p:cNvPr id="25" name="TextBox 24">
+          <p:cNvPr id="40" name="TextBox 39">
             <a:extLst>
               <a:ext uri="{FF2B5EF4-FFF2-40B4-BE49-F238E27FC236}">
-                <a16:creationId xmlns:a16="http://schemas.microsoft.com/office/drawing/2014/main" id="{5CD0A039-A54A-0BA7-5B7C-DA5ADC83179A}"/>
+                <a16:creationId xmlns:a16="http://schemas.microsoft.com/office/drawing/2014/main" id="{D3C1BD6F-C161-6286-6515-A71D45E045F6}"/>
               </a:ext>
             </a:extLst>
           </p:cNvPr>
@@ -3509,8 +3398,8 @@
         </p:nvSpPr>
         <p:spPr>
           <a:xfrm>
-            <a:off x="30131318" y="32783889"/>
-            <a:ext cx="10136744" cy="2308324"/>
+            <a:off x="1917141" y="8282126"/>
+            <a:ext cx="11987385" cy="4062651"/>
           </a:xfrm>
           <a:prstGeom prst="rect">
             <a:avLst/>
@@ -3524,18 +3413,337 @@
           <a:lstStyle/>
           <a:p>
             <a:r>
-              <a:rPr lang="en-US" sz="7200" dirty="0"/>
-              <a:t>References and acknowledgements</a:t>
+              <a:rPr lang="en-US" sz="4300" dirty="0"/>
+              <a:t>	This research aimed to examine sparse and magnitude pruning in Hopfield networks (HNs). HNs at evenly spaced sparsity and magnitude intervals were tested the number of matching pixels of the retrieved pattern to the original input. Different levels of noise were tested. Revealed … </a:t>
             </a:r>
           </a:p>
         </p:txBody>
       </p:sp>
-      <p:sp>
-        <p:nvSpPr>
-          <p:cNvPr id="26" name="TextBox 25">
+      <p:grpSp>
+        <p:nvGrpSpPr>
+          <p:cNvPr id="49" name="Group 48">
             <a:extLst>
               <a:ext uri="{FF2B5EF4-FFF2-40B4-BE49-F238E27FC236}">
-                <a16:creationId xmlns:a16="http://schemas.microsoft.com/office/drawing/2014/main" id="{DEDA9B38-7B42-53E9-D0D1-47676C2211D3}"/>
+                <a16:creationId xmlns:a16="http://schemas.microsoft.com/office/drawing/2014/main" id="{7743D12C-969E-708C-7797-B9F82F90922B}"/>
+              </a:ext>
+            </a:extLst>
+          </p:cNvPr>
+          <p:cNvGrpSpPr/>
+          <p:nvPr/>
+        </p:nvGrpSpPr>
+        <p:grpSpPr>
+          <a:xfrm>
+            <a:off x="1847164" y="12725507"/>
+            <a:ext cx="11987386" cy="6583386"/>
+            <a:chOff x="1847164" y="12725507"/>
+            <a:chExt cx="11987386" cy="6583386"/>
+          </a:xfrm>
+        </p:grpSpPr>
+        <p:sp>
+          <p:nvSpPr>
+            <p:cNvPr id="13" name="TextBox 12">
+              <a:extLst>
+                <a:ext uri="{FF2B5EF4-FFF2-40B4-BE49-F238E27FC236}">
+                  <a16:creationId xmlns:a16="http://schemas.microsoft.com/office/drawing/2014/main" id="{96D71C5E-57FC-5303-6E30-05C0FED04AC8}"/>
+                </a:ext>
+              </a:extLst>
+            </p:cNvPr>
+            <p:cNvSpPr txBox="1"/>
+            <p:nvPr/>
+          </p:nvSpPr>
+          <p:spPr>
+            <a:xfrm>
+              <a:off x="5557332" y="12725507"/>
+              <a:ext cx="4705279" cy="1200329"/>
+            </a:xfrm>
+            <a:prstGeom prst="rect">
+              <a:avLst/>
+            </a:prstGeom>
+            <a:noFill/>
+          </p:spPr>
+          <p:txBody>
+            <a:bodyPr wrap="square" rtlCol="0">
+              <a:spAutoFit/>
+            </a:bodyPr>
+            <a:lstStyle/>
+            <a:p>
+              <a:r>
+                <a:rPr lang="en-US" sz="7200" b="1" u="sng" dirty="0"/>
+                <a:t>Background</a:t>
+              </a:r>
+            </a:p>
+          </p:txBody>
+        </p:sp>
+        <p:sp>
+          <p:nvSpPr>
+            <p:cNvPr id="27" name="TextBox 26">
+              <a:extLst>
+                <a:ext uri="{FF2B5EF4-FFF2-40B4-BE49-F238E27FC236}">
+                  <a16:creationId xmlns:a16="http://schemas.microsoft.com/office/drawing/2014/main" id="{CCC5C11D-5DAA-475F-EB8E-A95AEB052D49}"/>
+                </a:ext>
+              </a:extLst>
+            </p:cNvPr>
+            <p:cNvSpPr txBox="1"/>
+            <p:nvPr/>
+          </p:nvSpPr>
+          <p:spPr>
+            <a:xfrm>
+              <a:off x="1847164" y="13922803"/>
+              <a:ext cx="11987386" cy="5386090"/>
+            </a:xfrm>
+            <a:prstGeom prst="rect">
+              <a:avLst/>
+            </a:prstGeom>
+            <a:noFill/>
+          </p:spPr>
+          <p:txBody>
+            <a:bodyPr wrap="square" rtlCol="0">
+              <a:spAutoFit/>
+            </a:bodyPr>
+            <a:lstStyle/>
+            <a:p>
+              <a:pPr marL="685800" indent="-685800">
+                <a:buFont typeface="Arial" panose="020B0604020202020204" pitchFamily="34" charset="0"/>
+                <a:buChar char="•"/>
+              </a:pPr>
+              <a:r>
+                <a:rPr lang="en-US" sz="4300" dirty="0"/>
+                <a:t>HNs are recurrent artificial neural networks with the ability to store and recall patterns</a:t>
+              </a:r>
+            </a:p>
+            <a:p>
+              <a:pPr marL="685800" indent="-685800">
+                <a:buFont typeface="Arial" panose="020B0604020202020204" pitchFamily="34" charset="0"/>
+                <a:buChar char="•"/>
+              </a:pPr>
+              <a:r>
+                <a:rPr lang="en-US" sz="4300" dirty="0"/>
+                <a:t>HNs are content-addressable memory systems, making them capable of retrieving stored patterns when presented with noisy inputs</a:t>
+              </a:r>
+            </a:p>
+            <a:p>
+              <a:pPr marL="685800" indent="-685800">
+                <a:buFont typeface="Arial" panose="020B0604020202020204" pitchFamily="34" charset="0"/>
+                <a:buChar char="•"/>
+              </a:pPr>
+              <a:r>
+                <a:rPr lang="en-US" sz="4300" dirty="0"/>
+                <a:t>Hopfield Networks minimize an energy function over time, converging into a stable state that corresponds to a stored pattern</a:t>
+              </a:r>
+            </a:p>
+          </p:txBody>
+        </p:sp>
+      </p:grpSp>
+      <p:grpSp>
+        <p:nvGrpSpPr>
+          <p:cNvPr id="55" name="Group 54">
+            <a:extLst>
+              <a:ext uri="{FF2B5EF4-FFF2-40B4-BE49-F238E27FC236}">
+                <a16:creationId xmlns:a16="http://schemas.microsoft.com/office/drawing/2014/main" id="{E0F197F7-0D3C-E036-5DDD-930A946E3539}"/>
+              </a:ext>
+            </a:extLst>
+          </p:cNvPr>
+          <p:cNvGrpSpPr/>
+          <p:nvPr/>
+        </p:nvGrpSpPr>
+        <p:grpSpPr>
+          <a:xfrm>
+            <a:off x="31819963" y="34641910"/>
+            <a:ext cx="9812144" cy="2716433"/>
+            <a:chOff x="31819963" y="34308083"/>
+            <a:chExt cx="9812144" cy="2716433"/>
+          </a:xfrm>
+        </p:grpSpPr>
+        <p:grpSp>
+          <p:nvGrpSpPr>
+            <p:cNvPr id="50" name="Group 49">
+              <a:extLst>
+                <a:ext uri="{FF2B5EF4-FFF2-40B4-BE49-F238E27FC236}">
+                  <a16:creationId xmlns:a16="http://schemas.microsoft.com/office/drawing/2014/main" id="{2FA4672C-9405-44D9-13DB-4E5B4BDDC3F9}"/>
+                </a:ext>
+              </a:extLst>
+            </p:cNvPr>
+            <p:cNvGrpSpPr/>
+            <p:nvPr/>
+          </p:nvGrpSpPr>
+          <p:grpSpPr>
+            <a:xfrm>
+              <a:off x="31819963" y="34308083"/>
+              <a:ext cx="9812144" cy="1412104"/>
+              <a:chOff x="31819963" y="34308083"/>
+              <a:chExt cx="9812144" cy="1412104"/>
+            </a:xfrm>
+          </p:grpSpPr>
+          <p:sp>
+            <p:nvSpPr>
+              <p:cNvPr id="25" name="TextBox 24">
+                <a:extLst>
+                  <a:ext uri="{FF2B5EF4-FFF2-40B4-BE49-F238E27FC236}">
+                    <a16:creationId xmlns:a16="http://schemas.microsoft.com/office/drawing/2014/main" id="{5CD0A039-A54A-0BA7-5B7C-DA5ADC83179A}"/>
+                  </a:ext>
+                </a:extLst>
+              </p:cNvPr>
+              <p:cNvSpPr txBox="1"/>
+              <p:nvPr/>
+            </p:nvSpPr>
+            <p:spPr>
+              <a:xfrm>
+                <a:off x="34033637" y="34308083"/>
+                <a:ext cx="5384800" cy="861774"/>
+              </a:xfrm>
+              <a:prstGeom prst="rect">
+                <a:avLst/>
+              </a:prstGeom>
+              <a:noFill/>
+            </p:spPr>
+            <p:txBody>
+              <a:bodyPr wrap="square" rtlCol="0">
+                <a:spAutoFit/>
+              </a:bodyPr>
+              <a:lstStyle/>
+              <a:p>
+                <a:r>
+                  <a:rPr lang="en-US" sz="5000" b="1" u="sng" dirty="0"/>
+                  <a:t>Acknowledgements</a:t>
+                </a:r>
+              </a:p>
+            </p:txBody>
+          </p:sp>
+          <p:sp>
+            <p:nvSpPr>
+              <p:cNvPr id="19" name="TextBox 18">
+                <a:extLst>
+                  <a:ext uri="{FF2B5EF4-FFF2-40B4-BE49-F238E27FC236}">
+                    <a16:creationId xmlns:a16="http://schemas.microsoft.com/office/drawing/2014/main" id="{50483BB5-7A5E-76D8-C022-C8493A19211B}"/>
+                  </a:ext>
+                </a:extLst>
+              </p:cNvPr>
+              <p:cNvSpPr txBox="1"/>
+              <p:nvPr/>
+            </p:nvSpPr>
+            <p:spPr>
+              <a:xfrm>
+                <a:off x="31819963" y="35166189"/>
+                <a:ext cx="9812144" cy="553998"/>
+              </a:xfrm>
+              <a:prstGeom prst="rect">
+                <a:avLst/>
+              </a:prstGeom>
+              <a:noFill/>
+            </p:spPr>
+            <p:txBody>
+              <a:bodyPr wrap="square" rtlCol="0">
+                <a:spAutoFit/>
+              </a:bodyPr>
+              <a:lstStyle/>
+              <a:p>
+                <a:pPr algn="ctr"/>
+                <a:r>
+                  <a:rPr lang="en-US" sz="3000" dirty="0"/>
+                  <a:t>Thank you to Dr. Chaudhuri for his endless support and insight</a:t>
+                </a:r>
+              </a:p>
+            </p:txBody>
+          </p:sp>
+        </p:grpSp>
+        <p:grpSp>
+          <p:nvGrpSpPr>
+            <p:cNvPr id="54" name="Group 53">
+              <a:extLst>
+                <a:ext uri="{FF2B5EF4-FFF2-40B4-BE49-F238E27FC236}">
+                  <a16:creationId xmlns:a16="http://schemas.microsoft.com/office/drawing/2014/main" id="{F3EEB5A8-5393-4FB7-A34A-676CB05C2710}"/>
+                </a:ext>
+              </a:extLst>
+            </p:cNvPr>
+            <p:cNvGrpSpPr/>
+            <p:nvPr/>
+          </p:nvGrpSpPr>
+          <p:grpSpPr>
+            <a:xfrm>
+              <a:off x="31819963" y="35779479"/>
+              <a:ext cx="9812144" cy="1245037"/>
+              <a:chOff x="31819963" y="35779479"/>
+              <a:chExt cx="9812144" cy="1245037"/>
+            </a:xfrm>
+          </p:grpSpPr>
+          <p:sp>
+            <p:nvSpPr>
+              <p:cNvPr id="17" name="TextBox 16">
+                <a:extLst>
+                  <a:ext uri="{FF2B5EF4-FFF2-40B4-BE49-F238E27FC236}">
+                    <a16:creationId xmlns:a16="http://schemas.microsoft.com/office/drawing/2014/main" id="{A25FE9D8-7F5F-8E57-81A7-5AE58AECAA8F}"/>
+                  </a:ext>
+                </a:extLst>
+              </p:cNvPr>
+              <p:cNvSpPr txBox="1"/>
+              <p:nvPr/>
+            </p:nvSpPr>
+            <p:spPr>
+              <a:xfrm>
+                <a:off x="34696222" y="35779479"/>
+                <a:ext cx="4059630" cy="784830"/>
+              </a:xfrm>
+              <a:prstGeom prst="rect">
+                <a:avLst/>
+              </a:prstGeom>
+              <a:noFill/>
+            </p:spPr>
+            <p:txBody>
+              <a:bodyPr wrap="square" rtlCol="0">
+                <a:spAutoFit/>
+              </a:bodyPr>
+              <a:lstStyle/>
+              <a:p>
+                <a:r>
+                  <a:rPr lang="en-US" sz="4500" b="1" u="sng" dirty="0"/>
+                  <a:t>Data Availability</a:t>
+                </a:r>
+              </a:p>
+            </p:txBody>
+          </p:sp>
+          <p:sp>
+            <p:nvSpPr>
+              <p:cNvPr id="15" name="TextBox 14">
+                <a:extLst>
+                  <a:ext uri="{FF2B5EF4-FFF2-40B4-BE49-F238E27FC236}">
+                    <a16:creationId xmlns:a16="http://schemas.microsoft.com/office/drawing/2014/main" id="{27267F8A-055A-2DAD-49A7-530C661B87CE}"/>
+                  </a:ext>
+                </a:extLst>
+              </p:cNvPr>
+              <p:cNvSpPr txBox="1"/>
+              <p:nvPr/>
+            </p:nvSpPr>
+            <p:spPr>
+              <a:xfrm>
+                <a:off x="31819963" y="36532073"/>
+                <a:ext cx="9812144" cy="492443"/>
+              </a:xfrm>
+              <a:prstGeom prst="rect">
+                <a:avLst/>
+              </a:prstGeom>
+              <a:noFill/>
+            </p:spPr>
+            <p:txBody>
+              <a:bodyPr wrap="square" rtlCol="0">
+                <a:spAutoFit/>
+              </a:bodyPr>
+              <a:lstStyle/>
+              <a:p>
+                <a:r>
+                  <a:rPr lang="en-US" sz="2600" dirty="0"/>
+                  <a:t>GitHub Repository: https://github.com/BrianLi-hello/hopfield-pruning </a:t>
+                </a:r>
+              </a:p>
+            </p:txBody>
+          </p:sp>
+        </p:grpSp>
+      </p:grpSp>
+      <p:sp>
+        <p:nvSpPr>
+          <p:cNvPr id="22" name="TextBox 21">
+            <a:extLst>
+              <a:ext uri="{FF2B5EF4-FFF2-40B4-BE49-F238E27FC236}">
+                <a16:creationId xmlns:a16="http://schemas.microsoft.com/office/drawing/2014/main" id="{57A99FE2-6063-B64C-D841-02585151AD90}"/>
               </a:ext>
             </a:extLst>
           </p:cNvPr>
@@ -3544,8 +3752,8 @@
         </p:nvSpPr>
         <p:spPr>
           <a:xfrm>
-            <a:off x="34611864" y="21701307"/>
-            <a:ext cx="4705279" cy="1200329"/>
+            <a:off x="20287589" y="7042482"/>
+            <a:ext cx="3698086" cy="1200329"/>
           </a:xfrm>
           <a:prstGeom prst="rect">
             <a:avLst/>
@@ -3559,18 +3767,110 @@
           <a:lstStyle/>
           <a:p>
             <a:r>
-              <a:rPr lang="en-US" sz="7200" dirty="0"/>
-              <a:t>Discussion</a:t>
+              <a:rPr lang="en-US" sz="7200" b="1" u="sng" dirty="0"/>
+              <a:t>Methods</a:t>
             </a:r>
           </a:p>
         </p:txBody>
       </p:sp>
       <p:sp>
         <p:nvSpPr>
-          <p:cNvPr id="27" name="TextBox 26">
+          <p:cNvPr id="18" name="Rectangle 17">
             <a:extLst>
               <a:ext uri="{FF2B5EF4-FFF2-40B4-BE49-F238E27FC236}">
-                <a16:creationId xmlns:a16="http://schemas.microsoft.com/office/drawing/2014/main" id="{B7D7BFD5-F91F-A419-DEE7-447D84132108}"/>
+                <a16:creationId xmlns:a16="http://schemas.microsoft.com/office/drawing/2014/main" id="{A126CB67-CFA7-A7CD-A644-3CE223CDA507}"/>
+              </a:ext>
+            </a:extLst>
+          </p:cNvPr>
+          <p:cNvSpPr/>
+          <p:nvPr/>
+        </p:nvSpPr>
+        <p:spPr>
+          <a:xfrm>
+            <a:off x="0" y="37814865"/>
+            <a:ext cx="43891200" cy="1124913"/>
+          </a:xfrm>
+          <a:prstGeom prst="rect">
+            <a:avLst/>
+          </a:prstGeom>
+        </p:spPr>
+        <p:style>
+          <a:lnRef idx="2">
+            <a:schemeClr val="accent1">
+              <a:shade val="50000"/>
+            </a:schemeClr>
+          </a:lnRef>
+          <a:fillRef idx="1">
+            <a:schemeClr val="accent1"/>
+          </a:fillRef>
+          <a:effectRef idx="0">
+            <a:schemeClr val="accent1"/>
+          </a:effectRef>
+          <a:fontRef idx="minor">
+            <a:schemeClr val="lt1"/>
+          </a:fontRef>
+        </p:style>
+        <p:txBody>
+          <a:bodyPr rtlCol="0" anchor="ctr"/>
+          <a:lstStyle/>
+          <a:p>
+            <a:pPr algn="ctr"/>
+            <a:endParaRPr lang="en-US"/>
+          </a:p>
+        </p:txBody>
+      </p:sp>
+      <p:sp>
+        <p:nvSpPr>
+          <p:cNvPr id="30" name="Rectangle 29">
+            <a:extLst>
+              <a:ext uri="{FF2B5EF4-FFF2-40B4-BE49-F238E27FC236}">
+                <a16:creationId xmlns:a16="http://schemas.microsoft.com/office/drawing/2014/main" id="{71F62159-C9CD-E513-4AFA-AB8A41D9D165}"/>
+              </a:ext>
+            </a:extLst>
+          </p:cNvPr>
+          <p:cNvSpPr/>
+          <p:nvPr/>
+        </p:nvSpPr>
+        <p:spPr>
+          <a:xfrm>
+            <a:off x="-29498" y="5552"/>
+            <a:ext cx="43920697" cy="1124913"/>
+          </a:xfrm>
+          <a:prstGeom prst="rect">
+            <a:avLst/>
+          </a:prstGeom>
+        </p:spPr>
+        <p:style>
+          <a:lnRef idx="2">
+            <a:schemeClr val="accent1">
+              <a:shade val="50000"/>
+            </a:schemeClr>
+          </a:lnRef>
+          <a:fillRef idx="1">
+            <a:schemeClr val="accent1"/>
+          </a:fillRef>
+          <a:effectRef idx="0">
+            <a:schemeClr val="accent1"/>
+          </a:effectRef>
+          <a:fontRef idx="minor">
+            <a:schemeClr val="lt1"/>
+          </a:fontRef>
+        </p:style>
+        <p:txBody>
+          <a:bodyPr rtlCol="0" anchor="ctr"/>
+          <a:lstStyle/>
+          <a:p>
+            <a:pPr algn="ctr"/>
+            <a:endParaRPr lang="en-US"/>
+          </a:p>
+        </p:txBody>
+      </p:sp>
+      <p:sp>
+        <p:nvSpPr>
+          <p:cNvPr id="16" name="TextBox 15">
+            <a:extLst>
+              <a:ext uri="{FF2B5EF4-FFF2-40B4-BE49-F238E27FC236}">
+                <a16:creationId xmlns:a16="http://schemas.microsoft.com/office/drawing/2014/main" id="{C594F51D-23D5-902A-E337-2F05127BDFB9}"/>
               </a:ext>
             </a:extLst>
           </p:cNvPr>
@@ -3579,8 +3879,8 @@
         </p:nvSpPr>
         <p:spPr>
           <a:xfrm>
-            <a:off x="1576357" y="9050546"/>
-            <a:ext cx="12774226" cy="17820263"/>
+            <a:off x="16928425" y="24383158"/>
+            <a:ext cx="3324301" cy="707886"/>
           </a:xfrm>
           <a:prstGeom prst="rect">
             <a:avLst/>
@@ -3594,63 +3894,3290 @@
           <a:lstStyle/>
           <a:p>
             <a:r>
-              <a:rPr lang="en-US" sz="7200" dirty="0"/>
-              <a:t>This poster template is here to help you get started! The design of this poster is completely up to you and your mentor/co-authors. </a:t>
+              <a:rPr lang="en-US" sz="4000" b="0" i="0" u="sng" dirty="0">
+                <a:effectLst/>
+                <a:latin typeface="Söhne"/>
+              </a:rPr>
+              <a:t>Sparse Pruning</a:t>
             </a:r>
           </a:p>
-          <a:p>
-            <a:endParaRPr lang="en-US" sz="7200" dirty="0"/>
-          </a:p>
+        </p:txBody>
+      </p:sp>
+      <p:sp>
+        <p:nvSpPr>
+          <p:cNvPr id="28" name="TextBox 27">
+            <a:extLst>
+              <a:ext uri="{FF2B5EF4-FFF2-40B4-BE49-F238E27FC236}">
+                <a16:creationId xmlns:a16="http://schemas.microsoft.com/office/drawing/2014/main" id="{24CC8388-E815-F14A-1AE2-A28033B1563B}"/>
+              </a:ext>
+            </a:extLst>
+          </p:cNvPr>
+          <p:cNvSpPr txBox="1"/>
+          <p:nvPr/>
+        </p:nvSpPr>
+        <p:spPr>
+          <a:xfrm>
+            <a:off x="30478707" y="33537872"/>
+            <a:ext cx="12494654" cy="784830"/>
+          </a:xfrm>
+          <a:prstGeom prst="rect">
+            <a:avLst/>
+          </a:prstGeom>
+          <a:noFill/>
+        </p:spPr>
+        <p:txBody>
+          <a:bodyPr wrap="square" rtlCol="0">
+            <a:spAutoFit/>
+          </a:bodyPr>
+          <a:lstStyle/>
           <a:p>
             <a:r>
-              <a:rPr lang="en-US" sz="7200" dirty="0"/>
-              <a:t>The only constraints include: </a:t>
+              <a:rPr lang="en-US" sz="4500" b="0" i="0" dirty="0">
+                <a:effectLst/>
+                <a:latin typeface="Söhne"/>
+              </a:rPr>
+              <a:t>Magnitude pruning …</a:t>
             </a:r>
           </a:p>
-          <a:p>
-            <a:pPr marL="857299" indent="-857299">
-              <a:buFont typeface="Arial" panose="020B0604020202020204" pitchFamily="34" charset="0"/>
-              <a:buChar char="•"/>
-            </a:pPr>
+        </p:txBody>
+      </p:sp>
+      <p:grpSp>
+        <p:nvGrpSpPr>
+          <p:cNvPr id="44" name="Group 43">
+            <a:extLst>
+              <a:ext uri="{FF2B5EF4-FFF2-40B4-BE49-F238E27FC236}">
+                <a16:creationId xmlns:a16="http://schemas.microsoft.com/office/drawing/2014/main" id="{E29F254C-B0BF-B8F4-EB24-5F58E87E53E4}"/>
+              </a:ext>
+            </a:extLst>
+          </p:cNvPr>
+          <p:cNvGrpSpPr/>
+          <p:nvPr/>
+        </p:nvGrpSpPr>
+        <p:grpSpPr>
+          <a:xfrm>
+            <a:off x="1808954" y="32346744"/>
+            <a:ext cx="12025596" cy="4615645"/>
+            <a:chOff x="1808954" y="32346744"/>
+            <a:chExt cx="12025596" cy="4615645"/>
+          </a:xfrm>
+        </p:grpSpPr>
+        <p:sp>
+          <p:nvSpPr>
+            <p:cNvPr id="21" name="TextBox 20">
+              <a:extLst>
+                <a:ext uri="{FF2B5EF4-FFF2-40B4-BE49-F238E27FC236}">
+                  <a16:creationId xmlns:a16="http://schemas.microsoft.com/office/drawing/2014/main" id="{3CB3F5B8-B698-9376-3120-F0ECC39129BA}"/>
+                </a:ext>
+              </a:extLst>
+            </p:cNvPr>
+            <p:cNvSpPr txBox="1"/>
+            <p:nvPr/>
+          </p:nvSpPr>
+          <p:spPr>
+            <a:xfrm>
+              <a:off x="5650578" y="32346744"/>
+              <a:ext cx="4215713" cy="1200329"/>
+            </a:xfrm>
+            <a:prstGeom prst="rect">
+              <a:avLst/>
+            </a:prstGeom>
+            <a:noFill/>
+          </p:spPr>
+          <p:txBody>
+            <a:bodyPr wrap="square" rtlCol="0">
+              <a:spAutoFit/>
+            </a:bodyPr>
+            <a:lstStyle/>
+            <a:p>
+              <a:r>
+                <a:rPr lang="en-US" sz="7200" b="1" u="sng" dirty="0"/>
+                <a:t>Objectives</a:t>
+              </a:r>
+            </a:p>
+          </p:txBody>
+        </p:sp>
+        <p:sp>
+          <p:nvSpPr>
+            <p:cNvPr id="31" name="TextBox 30">
+              <a:extLst>
+                <a:ext uri="{FF2B5EF4-FFF2-40B4-BE49-F238E27FC236}">
+                  <a16:creationId xmlns:a16="http://schemas.microsoft.com/office/drawing/2014/main" id="{B7E42F62-4AA3-6FA1-3404-19BD1C953AB6}"/>
+                </a:ext>
+              </a:extLst>
+            </p:cNvPr>
+            <p:cNvSpPr txBox="1"/>
+            <p:nvPr/>
+          </p:nvSpPr>
+          <p:spPr>
+            <a:xfrm>
+              <a:off x="1808954" y="33561458"/>
+              <a:ext cx="12025596" cy="3400931"/>
+            </a:xfrm>
+            <a:prstGeom prst="rect">
+              <a:avLst/>
+            </a:prstGeom>
+            <a:noFill/>
+          </p:spPr>
+          <p:txBody>
+            <a:bodyPr wrap="square" rtlCol="0">
+              <a:spAutoFit/>
+            </a:bodyPr>
+            <a:lstStyle/>
+            <a:p>
+              <a:pPr marL="685800" indent="-685800">
+                <a:buFont typeface="Arial" panose="020B0604020202020204" pitchFamily="34" charset="0"/>
+                <a:buChar char="•"/>
+              </a:pPr>
+              <a:r>
+                <a:rPr lang="en-US" sz="4300" dirty="0"/>
+                <a:t>Discover accurate methods to compare sparse and magnitude pruning of the weight matrix</a:t>
+              </a:r>
+            </a:p>
+            <a:p>
+              <a:pPr marL="685800" indent="-685800">
+                <a:buFont typeface="Arial" panose="020B0604020202020204" pitchFamily="34" charset="0"/>
+                <a:buChar char="•"/>
+              </a:pPr>
+              <a:r>
+                <a:rPr lang="en-US" sz="4300" dirty="0"/>
+                <a:t>Investigate the performance of HNs in retrieving 16x16 and 28x28 binary images in the Caltech 101 </a:t>
+              </a:r>
+              <a:r>
+                <a:rPr lang="en-US" sz="4400" b="0" i="0" dirty="0">
+                  <a:effectLst/>
+                  <a:latin typeface="Söhne"/>
+                </a:rPr>
+                <a:t>Silhouettes Data Set</a:t>
+              </a:r>
+              <a:endParaRPr lang="en-US" sz="4300" dirty="0"/>
+            </a:p>
+          </p:txBody>
+        </p:sp>
+      </p:grpSp>
+      <mc:AlternateContent xmlns:mc="http://schemas.openxmlformats.org/markup-compatibility/2006" xmlns:a14="http://schemas.microsoft.com/office/drawing/2010/main">
+        <mc:Choice Requires="a14">
+          <p:sp>
+            <p:nvSpPr>
+              <p:cNvPr id="59" name="TextBox 58">
+                <a:extLst>
+                  <a:ext uri="{FF2B5EF4-FFF2-40B4-BE49-F238E27FC236}">
+                    <a16:creationId xmlns:a16="http://schemas.microsoft.com/office/drawing/2014/main" id="{B05C5E3E-C9FF-E169-2F7C-E38C2A49FC35}"/>
+                  </a:ext>
+                </a:extLst>
+              </p:cNvPr>
+              <p:cNvSpPr txBox="1"/>
+              <p:nvPr/>
+            </p:nvSpPr>
+            <p:spPr>
+              <a:xfrm>
+                <a:off x="2094156" y="19556079"/>
+                <a:ext cx="4865575" cy="2159694"/>
+              </a:xfrm>
+              <a:prstGeom prst="rect">
+                <a:avLst/>
+              </a:prstGeom>
+              <a:noFill/>
+            </p:spPr>
+            <p:txBody>
+              <a:bodyPr wrap="square" lIns="0" tIns="0" rIns="0" bIns="0" rtlCol="0">
+                <a:spAutoFit/>
+              </a:bodyPr>
+              <a:lstStyle/>
+              <a:p>
+                <a:pPr algn="ctr"/>
+                <a14:m>
+                  <m:oMathPara xmlns:m="http://schemas.openxmlformats.org/officeDocument/2006/math">
+                    <m:oMathParaPr>
+                      <m:jc m:val="centerGroup"/>
+                    </m:oMathParaPr>
+                    <m:oMath xmlns:m="http://schemas.openxmlformats.org/officeDocument/2006/math">
+                      <m:r>
+                        <a:rPr lang="en-US" sz="3600" i="1" dirty="0" smtClean="0">
+                          <a:latin typeface="Cambria Math" panose="02040503050406030204" pitchFamily="18" charset="0"/>
+                        </a:rPr>
+                        <m:t>𝑑</m:t>
+                      </m:r>
+                      <m:r>
+                        <a:rPr lang="en-US" sz="3500" dirty="0" smtClean="0">
+                          <a:solidFill>
+                            <a:schemeClr val="tx1"/>
+                          </a:solidFill>
+                          <a:latin typeface="Cambria Math" panose="02040503050406030204" pitchFamily="18" charset="0"/>
+                        </a:rPr>
+                        <m:t>≔</m:t>
+                      </m:r>
+                      <m:r>
+                        <m:rPr>
+                          <m:sty m:val="p"/>
+                        </m:rPr>
+                        <a:rPr lang="en-US" sz="3500" b="0" i="0" dirty="0" smtClean="0">
+                          <a:solidFill>
+                            <a:schemeClr val="tx1"/>
+                          </a:solidFill>
+                          <a:latin typeface="Cambria Math" panose="02040503050406030204" pitchFamily="18" charset="0"/>
+                        </a:rPr>
+                        <m:t>input</m:t>
+                      </m:r>
+                      <m:r>
+                        <a:rPr lang="en-US" sz="3500" b="0" i="0" dirty="0" smtClean="0">
+                          <a:solidFill>
+                            <a:schemeClr val="tx1"/>
+                          </a:solidFill>
+                          <a:latin typeface="Cambria Math" panose="02040503050406030204" pitchFamily="18" charset="0"/>
+                        </a:rPr>
+                        <m:t> </m:t>
+                      </m:r>
+                      <m:r>
+                        <m:rPr>
+                          <m:sty m:val="p"/>
+                        </m:rPr>
+                        <a:rPr lang="en-US" sz="3500" b="0" i="0" dirty="0" smtClean="0">
+                          <a:solidFill>
+                            <a:schemeClr val="tx1"/>
+                          </a:solidFill>
+                          <a:latin typeface="Cambria Math" panose="02040503050406030204" pitchFamily="18" charset="0"/>
+                        </a:rPr>
+                        <m:t>length</m:t>
+                      </m:r>
+                    </m:oMath>
+                  </m:oMathPara>
+                </a14:m>
+                <a:endParaRPr lang="en-US" sz="3500" dirty="0">
+                  <a:solidFill>
+                    <a:schemeClr val="tx1"/>
+                  </a:solidFill>
+                  <a:latin typeface="Cambria" panose="02040503050406030204" pitchFamily="18" charset="0"/>
+                  <a:ea typeface="Cambria" panose="02040503050406030204" pitchFamily="18" charset="0"/>
+                </a:endParaRPr>
+              </a:p>
+              <a:p>
+                <a:pPr algn="ctr"/>
+                <a14:m>
+                  <m:oMathPara xmlns:m="http://schemas.openxmlformats.org/officeDocument/2006/math">
+                    <m:oMathParaPr>
+                      <m:jc m:val="centerGroup"/>
+                    </m:oMathParaPr>
+                    <m:oMath xmlns:m="http://schemas.openxmlformats.org/officeDocument/2006/math">
+                      <m:r>
+                        <a:rPr lang="en-US" sz="3600" i="1" dirty="0">
+                          <a:latin typeface="Cambria Math" panose="02040503050406030204" pitchFamily="18" charset="0"/>
+                        </a:rPr>
+                        <m:t>𝑟</m:t>
+                      </m:r>
+                      <m:r>
+                        <a:rPr lang="en-US" sz="3500" dirty="0" smtClean="0">
+                          <a:solidFill>
+                            <a:schemeClr val="tx1"/>
+                          </a:solidFill>
+                          <a:latin typeface="Cambria Math" panose="02040503050406030204" pitchFamily="18" charset="0"/>
+                        </a:rPr>
+                        <m:t>≔</m:t>
+                      </m:r>
+                      <m:r>
+                        <m:rPr>
+                          <m:sty m:val="p"/>
+                        </m:rPr>
+                        <a:rPr lang="en-US" sz="3500" b="0" i="0" dirty="0" smtClean="0">
+                          <a:solidFill>
+                            <a:schemeClr val="tx1"/>
+                          </a:solidFill>
+                          <a:latin typeface="Cambria Math" panose="02040503050406030204" pitchFamily="18" charset="0"/>
+                        </a:rPr>
+                        <m:t>state</m:t>
+                      </m:r>
+                      <m:r>
+                        <a:rPr lang="en-US" sz="3500" b="0" i="0" dirty="0" smtClean="0">
+                          <a:solidFill>
+                            <a:schemeClr val="tx1"/>
+                          </a:solidFill>
+                          <a:latin typeface="Cambria Math" panose="02040503050406030204" pitchFamily="18" charset="0"/>
+                        </a:rPr>
+                        <m:t> </m:t>
+                      </m:r>
+                      <m:r>
+                        <m:rPr>
+                          <m:sty m:val="p"/>
+                        </m:rPr>
+                        <a:rPr lang="en-US" sz="3500" b="0" i="0" dirty="0" smtClean="0">
+                          <a:solidFill>
+                            <a:schemeClr val="tx1"/>
+                          </a:solidFill>
+                          <a:latin typeface="Cambria Math" panose="02040503050406030204" pitchFamily="18" charset="0"/>
+                        </a:rPr>
+                        <m:t>vector</m:t>
+                      </m:r>
+                    </m:oMath>
+                  </m:oMathPara>
+                </a14:m>
+                <a:endParaRPr lang="en-US" sz="3500" b="0" dirty="0">
+                  <a:solidFill>
+                    <a:schemeClr val="tx1"/>
+                  </a:solidFill>
+                  <a:latin typeface="Cambria" panose="02040503050406030204" pitchFamily="18" charset="0"/>
+                </a:endParaRPr>
+              </a:p>
+              <a:p>
+                <a:pPr algn="ctr"/>
+                <a:r>
+                  <a:rPr lang="en-US" sz="3500" b="0" dirty="0">
+                    <a:solidFill>
+                      <a:schemeClr val="tx1"/>
+                    </a:solidFill>
+                    <a:latin typeface="Cambria" panose="02040503050406030204" pitchFamily="18" charset="0"/>
+                  </a:rPr>
+                  <a:t>b </a:t>
+                </a:r>
+                <a14:m>
+                  <m:oMath xmlns:m="http://schemas.openxmlformats.org/officeDocument/2006/math">
+                    <m:r>
+                      <a:rPr lang="en-US" sz="3500" dirty="0" smtClean="0">
+                        <a:solidFill>
+                          <a:schemeClr val="tx1"/>
+                        </a:solidFill>
+                        <a:latin typeface="Cambria Math" panose="02040503050406030204" pitchFamily="18" charset="0"/>
+                      </a:rPr>
+                      <m:t>≔</m:t>
+                    </m:r>
+                    <m:r>
+                      <m:rPr>
+                        <m:sty m:val="p"/>
+                      </m:rPr>
+                      <a:rPr lang="en-US" sz="3500" b="0" i="0" dirty="0" smtClean="0">
+                        <a:solidFill>
+                          <a:schemeClr val="tx1"/>
+                        </a:solidFill>
+                        <a:latin typeface="Cambria Math" panose="02040503050406030204" pitchFamily="18" charset="0"/>
+                      </a:rPr>
+                      <m:t>bias</m:t>
+                    </m:r>
+                    <m:r>
+                      <a:rPr lang="en-US" sz="3500" b="0" i="0" dirty="0" smtClean="0">
+                        <a:solidFill>
+                          <a:schemeClr val="tx1"/>
+                        </a:solidFill>
+                        <a:latin typeface="Cambria Math" panose="02040503050406030204" pitchFamily="18" charset="0"/>
+                      </a:rPr>
+                      <m:t> </m:t>
+                    </m:r>
+                    <m:r>
+                      <m:rPr>
+                        <m:sty m:val="p"/>
+                      </m:rPr>
+                      <a:rPr lang="en-US" sz="3500" b="0" i="0" dirty="0" smtClean="0">
+                        <a:solidFill>
+                          <a:schemeClr val="tx1"/>
+                        </a:solidFill>
+                        <a:latin typeface="Cambria Math" panose="02040503050406030204" pitchFamily="18" charset="0"/>
+                      </a:rPr>
+                      <m:t>vector</m:t>
+                    </m:r>
+                  </m:oMath>
+                </a14:m>
+                <a:endParaRPr lang="en-US" sz="3500" b="0" i="0" dirty="0">
+                  <a:solidFill>
+                    <a:schemeClr val="tx1"/>
+                  </a:solidFill>
+                  <a:latin typeface="Cambria Math" panose="02040503050406030204" pitchFamily="18" charset="0"/>
+                </a:endParaRPr>
+              </a:p>
+              <a:p>
+                <a:pPr algn="ctr"/>
+                <a:r>
+                  <a:rPr lang="el-GR" sz="3500" dirty="0">
+                    <a:latin typeface="Cambria" panose="02040503050406030204" pitchFamily="18" charset="0"/>
+                  </a:rPr>
+                  <a:t>η</a:t>
+                </a:r>
+                <a:r>
+                  <a:rPr lang="en-US" sz="3500" dirty="0">
+                    <a:latin typeface="Cambria" panose="02040503050406030204" pitchFamily="18" charset="0"/>
+                  </a:rPr>
+                  <a:t> </a:t>
+                </a:r>
+                <a14:m>
+                  <m:oMath xmlns:m="http://schemas.openxmlformats.org/officeDocument/2006/math">
+                    <m:r>
+                      <a:rPr lang="en-US" sz="3500" dirty="0">
+                        <a:latin typeface="Cambria Math" panose="02040503050406030204" pitchFamily="18" charset="0"/>
+                      </a:rPr>
+                      <m:t>≔</m:t>
+                    </m:r>
+                    <m:r>
+                      <m:rPr>
+                        <m:sty m:val="p"/>
+                      </m:rPr>
+                      <a:rPr lang="en-US" sz="3500" b="0" i="0" dirty="0" smtClean="0">
+                        <a:latin typeface="Cambria Math" panose="02040503050406030204" pitchFamily="18" charset="0"/>
+                      </a:rPr>
+                      <m:t>random</m:t>
+                    </m:r>
+                    <m:r>
+                      <a:rPr lang="en-US" sz="3500" b="0" i="0" dirty="0" smtClean="0">
+                        <a:latin typeface="Cambria Math" panose="02040503050406030204" pitchFamily="18" charset="0"/>
+                      </a:rPr>
+                      <m:t> </m:t>
+                    </m:r>
+                    <m:r>
+                      <m:rPr>
+                        <m:sty m:val="p"/>
+                      </m:rPr>
+                      <a:rPr lang="en-US" sz="3500" b="0" i="0" dirty="0" smtClean="0">
+                        <a:latin typeface="Cambria Math" panose="02040503050406030204" pitchFamily="18" charset="0"/>
+                      </a:rPr>
+                      <m:t>index</m:t>
+                    </m:r>
+                    <m:r>
+                      <a:rPr lang="en-US" sz="3500" b="0" i="0" dirty="0" smtClean="0">
+                        <a:latin typeface="Cambria Math" panose="02040503050406030204" pitchFamily="18" charset="0"/>
+                      </a:rPr>
+                      <m:t> </m:t>
+                    </m:r>
+                    <m:r>
+                      <m:rPr>
+                        <m:sty m:val="p"/>
+                      </m:rPr>
+                      <a:rPr lang="en-US" sz="3500" b="0" i="0" dirty="0" smtClean="0">
+                        <a:latin typeface="Cambria Math" panose="02040503050406030204" pitchFamily="18" charset="0"/>
+                      </a:rPr>
+                      <m:t>vector</m:t>
+                    </m:r>
+                  </m:oMath>
+                </a14:m>
+                <a:endParaRPr lang="en-US" sz="3500" b="0" dirty="0">
+                  <a:solidFill>
+                    <a:schemeClr val="tx1"/>
+                  </a:solidFill>
+                  <a:latin typeface="Cambria" panose="02040503050406030204" pitchFamily="18" charset="0"/>
+                </a:endParaRPr>
+              </a:p>
+            </p:txBody>
+          </p:sp>
+        </mc:Choice>
+        <mc:Fallback xmlns="">
+          <p:sp>
+            <p:nvSpPr>
+              <p:cNvPr id="59" name="TextBox 58">
+                <a:extLst>
+                  <a:ext uri="{FF2B5EF4-FFF2-40B4-BE49-F238E27FC236}">
+                    <a16:creationId xmlns:a16="http://schemas.microsoft.com/office/drawing/2014/main" id="{B05C5E3E-C9FF-E169-2F7C-E38C2A49FC35}"/>
+                  </a:ext>
+                </a:extLst>
+              </p:cNvPr>
+              <p:cNvSpPr txBox="1">
+                <a:spLocks noRot="1" noChangeAspect="1" noMove="1" noResize="1" noEditPoints="1" noAdjustHandles="1" noChangeArrowheads="1" noChangeShapeType="1" noTextEdit="1"/>
+              </p:cNvSpPr>
+              <p:nvPr/>
+            </p:nvSpPr>
+            <p:spPr>
+              <a:xfrm>
+                <a:off x="2094156" y="19556079"/>
+                <a:ext cx="4865575" cy="2159694"/>
+              </a:xfrm>
+              <a:prstGeom prst="rect">
+                <a:avLst/>
+              </a:prstGeom>
+              <a:blipFill>
+                <a:blip r:embed="rId4"/>
+                <a:stretch>
+                  <a:fillRect l="-5388" b="-11864"/>
+                </a:stretch>
+              </a:blipFill>
+            </p:spPr>
+            <p:txBody>
+              <a:bodyPr/>
+              <a:lstStyle/>
+              <a:p>
+                <a:r>
+                  <a:rPr lang="en-US">
+                    <a:noFill/>
+                  </a:rPr>
+                  <a:t> </a:t>
+                </a:r>
+              </a:p>
+            </p:txBody>
+          </p:sp>
+        </mc:Fallback>
+      </mc:AlternateContent>
+      <mc:AlternateContent xmlns:mc="http://schemas.openxmlformats.org/markup-compatibility/2006" xmlns:a14="http://schemas.microsoft.com/office/drawing/2010/main">
+        <mc:Choice Requires="a14">
+          <p:sp>
+            <p:nvSpPr>
+              <p:cNvPr id="74" name="TextBox 73">
+                <a:extLst>
+                  <a:ext uri="{FF2B5EF4-FFF2-40B4-BE49-F238E27FC236}">
+                    <a16:creationId xmlns:a16="http://schemas.microsoft.com/office/drawing/2014/main" id="{6FD9BC91-28D5-AE71-0963-86D147BD02CC}"/>
+                  </a:ext>
+                </a:extLst>
+              </p:cNvPr>
+              <p:cNvSpPr txBox="1"/>
+              <p:nvPr/>
+            </p:nvSpPr>
+            <p:spPr>
+              <a:xfrm>
+                <a:off x="7118642" y="20186316"/>
+                <a:ext cx="5073596" cy="1201419"/>
+              </a:xfrm>
+              <a:prstGeom prst="rect">
+                <a:avLst/>
+              </a:prstGeom>
+              <a:noFill/>
+            </p:spPr>
+            <p:txBody>
+              <a:bodyPr wrap="square" lIns="0" tIns="0" rIns="0" bIns="0" rtlCol="0">
+                <a:spAutoFit/>
+              </a:bodyPr>
+              <a:lstStyle/>
+              <a:p>
+                <a:pPr algn="ctr"/>
+                <a14:m>
+                  <m:oMathPara xmlns:m="http://schemas.openxmlformats.org/officeDocument/2006/math">
+                    <m:oMathParaPr>
+                      <m:jc m:val="centerGroup"/>
+                    </m:oMathParaPr>
+                    <m:oMath xmlns:m="http://schemas.openxmlformats.org/officeDocument/2006/math">
+                      <m:r>
+                        <a:rPr lang="en-US" sz="3500" b="0" i="1" smtClean="0">
+                          <a:solidFill>
+                            <a:schemeClr val="tx1"/>
+                          </a:solidFill>
+                          <a:latin typeface="Cambria Math" panose="02040503050406030204" pitchFamily="18" charset="0"/>
+                          <a:ea typeface="Cambria" panose="02040503050406030204" pitchFamily="18" charset="0"/>
+                        </a:rPr>
+                        <m:t>𝑠𝑖𝑔𝑛</m:t>
+                      </m:r>
+                      <m:r>
+                        <a:rPr lang="en-US" sz="3500" b="0" i="1" smtClean="0">
+                          <a:solidFill>
+                            <a:schemeClr val="tx1"/>
+                          </a:solidFill>
+                          <a:latin typeface="Cambria Math" panose="02040503050406030204" pitchFamily="18" charset="0"/>
+                          <a:ea typeface="Cambria" panose="02040503050406030204" pitchFamily="18" charset="0"/>
+                        </a:rPr>
+                        <m:t>(</m:t>
+                      </m:r>
+                      <m:r>
+                        <a:rPr lang="en-US" sz="3500" b="0" i="1" smtClean="0">
+                          <a:solidFill>
+                            <a:schemeClr val="tx1"/>
+                          </a:solidFill>
+                          <a:latin typeface="Cambria Math" panose="02040503050406030204" pitchFamily="18" charset="0"/>
+                          <a:ea typeface="Cambria" panose="02040503050406030204" pitchFamily="18" charset="0"/>
+                        </a:rPr>
+                        <m:t>𝑥</m:t>
+                      </m:r>
+                      <m:r>
+                        <a:rPr lang="en-US" sz="3500" b="0" i="1" smtClean="0">
+                          <a:solidFill>
+                            <a:schemeClr val="tx1"/>
+                          </a:solidFill>
+                          <a:latin typeface="Cambria Math" panose="02040503050406030204" pitchFamily="18" charset="0"/>
+                          <a:ea typeface="Cambria" panose="02040503050406030204" pitchFamily="18" charset="0"/>
+                        </a:rPr>
+                        <m:t>)=</m:t>
+                      </m:r>
+                      <m:d>
+                        <m:dPr>
+                          <m:begChr m:val="{"/>
+                          <m:endChr m:val=""/>
+                          <m:ctrlPr>
+                            <a:rPr lang="en-US" sz="3500" b="0" i="1" smtClean="0">
+                              <a:solidFill>
+                                <a:schemeClr val="tx1"/>
+                              </a:solidFill>
+                              <a:latin typeface="Cambria Math" panose="02040503050406030204" pitchFamily="18" charset="0"/>
+                              <a:ea typeface="Cambria" panose="02040503050406030204" pitchFamily="18" charset="0"/>
+                            </a:rPr>
+                          </m:ctrlPr>
+                        </m:dPr>
+                        <m:e>
+                          <m:eqArr>
+                            <m:eqArrPr>
+                              <m:ctrlPr>
+                                <a:rPr lang="en-US" sz="3500" b="0" i="1" smtClean="0">
+                                  <a:solidFill>
+                                    <a:schemeClr val="tx1"/>
+                                  </a:solidFill>
+                                  <a:latin typeface="Cambria Math" panose="02040503050406030204" pitchFamily="18" charset="0"/>
+                                  <a:ea typeface="Cambria" panose="02040503050406030204" pitchFamily="18" charset="0"/>
+                                </a:rPr>
+                              </m:ctrlPr>
+                            </m:eqArrPr>
+                            <m:e>
+                              <m:r>
+                                <a:rPr lang="en-US" sz="3500" b="0" i="1" smtClean="0">
+                                  <a:solidFill>
+                                    <a:schemeClr val="tx1"/>
+                                  </a:solidFill>
+                                  <a:latin typeface="Cambria Math" panose="02040503050406030204" pitchFamily="18" charset="0"/>
+                                  <a:ea typeface="Cambria" panose="02040503050406030204" pitchFamily="18" charset="0"/>
+                                </a:rPr>
+                                <m:t>+1 </m:t>
+                              </m:r>
+                              <m:r>
+                                <m:rPr>
+                                  <m:sty m:val="p"/>
+                                </m:rPr>
+                                <a:rPr lang="en-US" sz="3500" b="0" i="0" smtClean="0">
+                                  <a:solidFill>
+                                    <a:schemeClr val="tx1"/>
+                                  </a:solidFill>
+                                  <a:latin typeface="Cambria Math" panose="02040503050406030204" pitchFamily="18" charset="0"/>
+                                  <a:ea typeface="Cambria" panose="02040503050406030204" pitchFamily="18" charset="0"/>
+                                </a:rPr>
+                                <m:t>if</m:t>
+                              </m:r>
+                              <m:r>
+                                <a:rPr lang="en-US" sz="3500" b="0" i="1" smtClean="0">
+                                  <a:solidFill>
+                                    <a:schemeClr val="tx1"/>
+                                  </a:solidFill>
+                                  <a:latin typeface="Cambria Math" panose="02040503050406030204" pitchFamily="18" charset="0"/>
+                                  <a:ea typeface="Cambria" panose="02040503050406030204" pitchFamily="18" charset="0"/>
+                                </a:rPr>
+                                <m:t> </m:t>
+                              </m:r>
+                              <m:r>
+                                <a:rPr lang="en-US" sz="3500" b="0" i="1" smtClean="0">
+                                  <a:solidFill>
+                                    <a:schemeClr val="tx1"/>
+                                  </a:solidFill>
+                                  <a:latin typeface="Cambria Math" panose="02040503050406030204" pitchFamily="18" charset="0"/>
+                                  <a:ea typeface="Cambria" panose="02040503050406030204" pitchFamily="18" charset="0"/>
+                                </a:rPr>
+                                <m:t>𝑥</m:t>
+                              </m:r>
+                              <m:r>
+                                <a:rPr lang="en-US" sz="3500" b="0" i="1" smtClean="0">
+                                  <a:solidFill>
+                                    <a:schemeClr val="tx1"/>
+                                  </a:solidFill>
+                                  <a:latin typeface="Cambria Math" panose="02040503050406030204" pitchFamily="18" charset="0"/>
+                                  <a:ea typeface="Cambria" panose="02040503050406030204" pitchFamily="18" charset="0"/>
+                                </a:rPr>
+                                <m:t>≥0</m:t>
+                              </m:r>
+                            </m:e>
+                            <m:e>
+                              <m:r>
+                                <a:rPr lang="en-US" sz="3500" b="0" i="1" smtClean="0">
+                                  <a:latin typeface="Cambria Math" panose="02040503050406030204" pitchFamily="18" charset="0"/>
+                                </a:rPr>
+                                <m:t>−1 </m:t>
+                              </m:r>
+                              <m:r>
+                                <m:rPr>
+                                  <m:sty m:val="p"/>
+                                </m:rPr>
+                                <a:rPr lang="en-US" sz="3500" b="0" i="0" smtClean="0">
+                                  <a:latin typeface="Cambria Math" panose="02040503050406030204" pitchFamily="18" charset="0"/>
+                                </a:rPr>
+                                <m:t>if</m:t>
+                              </m:r>
+                              <m:r>
+                                <a:rPr lang="en-US" sz="3500" b="0" i="1" smtClean="0">
+                                  <a:latin typeface="Cambria Math" panose="02040503050406030204" pitchFamily="18" charset="0"/>
+                                </a:rPr>
+                                <m:t> </m:t>
+                              </m:r>
+                              <m:r>
+                                <a:rPr lang="en-US" sz="3500" b="0" i="1" smtClean="0">
+                                  <a:latin typeface="Cambria Math" panose="02040503050406030204" pitchFamily="18" charset="0"/>
+                                </a:rPr>
+                                <m:t>𝑥</m:t>
+                              </m:r>
+                              <m:r>
+                                <a:rPr lang="en-US" sz="3500" b="0" i="1" smtClean="0">
+                                  <a:latin typeface="Cambria Math" panose="02040503050406030204" pitchFamily="18" charset="0"/>
+                                </a:rPr>
+                                <m:t>&lt;0</m:t>
+                              </m:r>
+                            </m:e>
+                          </m:eqArr>
+                        </m:e>
+                      </m:d>
+                    </m:oMath>
+                  </m:oMathPara>
+                </a14:m>
+                <a:endParaRPr lang="en-US" sz="3500" dirty="0">
+                  <a:solidFill>
+                    <a:schemeClr val="tx1"/>
+                  </a:solidFill>
+                  <a:latin typeface="Cambria" panose="02040503050406030204" pitchFamily="18" charset="0"/>
+                  <a:ea typeface="Cambria" panose="02040503050406030204" pitchFamily="18" charset="0"/>
+                </a:endParaRPr>
+              </a:p>
+            </p:txBody>
+          </p:sp>
+        </mc:Choice>
+        <mc:Fallback xmlns="">
+          <p:sp>
+            <p:nvSpPr>
+              <p:cNvPr id="74" name="TextBox 73">
+                <a:extLst>
+                  <a:ext uri="{FF2B5EF4-FFF2-40B4-BE49-F238E27FC236}">
+                    <a16:creationId xmlns:a16="http://schemas.microsoft.com/office/drawing/2014/main" id="{6FD9BC91-28D5-AE71-0963-86D147BD02CC}"/>
+                  </a:ext>
+                </a:extLst>
+              </p:cNvPr>
+              <p:cNvSpPr txBox="1">
+                <a:spLocks noRot="1" noChangeAspect="1" noMove="1" noResize="1" noEditPoints="1" noAdjustHandles="1" noChangeArrowheads="1" noChangeShapeType="1" noTextEdit="1"/>
+              </p:cNvSpPr>
+              <p:nvPr/>
+            </p:nvSpPr>
+            <p:spPr>
+              <a:xfrm>
+                <a:off x="7118642" y="20186316"/>
+                <a:ext cx="5073596" cy="1201419"/>
+              </a:xfrm>
+              <a:prstGeom prst="rect">
+                <a:avLst/>
+              </a:prstGeom>
+              <a:blipFill>
+                <a:blip r:embed="rId5"/>
+                <a:stretch>
+                  <a:fillRect/>
+                </a:stretch>
+              </a:blipFill>
+            </p:spPr>
+            <p:txBody>
+              <a:bodyPr/>
+              <a:lstStyle/>
+              <a:p>
+                <a:r>
+                  <a:rPr lang="en-US">
+                    <a:noFill/>
+                  </a:rPr>
+                  <a:t> </a:t>
+                </a:r>
+              </a:p>
+            </p:txBody>
+          </p:sp>
+        </mc:Fallback>
+      </mc:AlternateContent>
+      <p:grpSp>
+        <p:nvGrpSpPr>
+          <p:cNvPr id="35" name="Group 34">
+            <a:extLst>
+              <a:ext uri="{FF2B5EF4-FFF2-40B4-BE49-F238E27FC236}">
+                <a16:creationId xmlns:a16="http://schemas.microsoft.com/office/drawing/2014/main" id="{941F8054-7BE7-5C41-CF2C-5E8C596D5E3F}"/>
+              </a:ext>
+            </a:extLst>
+          </p:cNvPr>
+          <p:cNvGrpSpPr/>
+          <p:nvPr/>
+        </p:nvGrpSpPr>
+        <p:grpSpPr>
+          <a:xfrm>
+            <a:off x="1448120" y="21896591"/>
+            <a:ext cx="12502029" cy="5185533"/>
+            <a:chOff x="1448120" y="21896591"/>
+            <a:chExt cx="12502029" cy="5185533"/>
+          </a:xfrm>
+        </p:grpSpPr>
+        <p:sp>
+          <p:nvSpPr>
+            <p:cNvPr id="70" name="TextBox 69">
+              <a:extLst>
+                <a:ext uri="{FF2B5EF4-FFF2-40B4-BE49-F238E27FC236}">
+                  <a16:creationId xmlns:a16="http://schemas.microsoft.com/office/drawing/2014/main" id="{9E21499A-754B-5DB8-5AFA-A8D7BE80CDF5}"/>
+                </a:ext>
+              </a:extLst>
+            </p:cNvPr>
+            <p:cNvSpPr txBox="1"/>
+            <p:nvPr/>
+          </p:nvSpPr>
+          <p:spPr>
+            <a:xfrm>
+              <a:off x="1448122" y="21896591"/>
+              <a:ext cx="4109210" cy="661720"/>
+            </a:xfrm>
+            <a:prstGeom prst="rect">
+              <a:avLst/>
+            </a:prstGeom>
+            <a:noFill/>
+          </p:spPr>
+          <p:txBody>
+            <a:bodyPr wrap="square" lIns="0" tIns="0" rIns="0" bIns="0" rtlCol="0">
+              <a:spAutoFit/>
+            </a:bodyPr>
+            <a:lstStyle/>
+            <a:p>
+              <a:pPr algn="r"/>
+              <a:r>
+                <a:rPr lang="en-US" sz="4300" dirty="0"/>
+                <a:t>Inputs:</a:t>
+              </a:r>
+              <a:endParaRPr lang="en-US" sz="4300" dirty="0">
+                <a:solidFill>
+                  <a:schemeClr val="tx1"/>
+                </a:solidFill>
+                <a:latin typeface="Cambria" panose="02040503050406030204" pitchFamily="18" charset="0"/>
+                <a:ea typeface="Cambria" panose="02040503050406030204" pitchFamily="18" charset="0"/>
+              </a:endParaRPr>
+            </a:p>
+          </p:txBody>
+        </p:sp>
+        <p:sp>
+          <p:nvSpPr>
+            <p:cNvPr id="71" name="TextBox 70">
+              <a:extLst>
+                <a:ext uri="{FF2B5EF4-FFF2-40B4-BE49-F238E27FC236}">
+                  <a16:creationId xmlns:a16="http://schemas.microsoft.com/office/drawing/2014/main" id="{1DD61F3A-0F3C-BDA2-6FBB-B904AFF0C6C9}"/>
+                </a:ext>
+              </a:extLst>
+            </p:cNvPr>
+            <p:cNvSpPr txBox="1"/>
+            <p:nvPr/>
+          </p:nvSpPr>
+          <p:spPr>
+            <a:xfrm>
+              <a:off x="1448120" y="23203559"/>
+              <a:ext cx="4109211" cy="661720"/>
+            </a:xfrm>
+            <a:prstGeom prst="rect">
+              <a:avLst/>
+            </a:prstGeom>
+            <a:noFill/>
+          </p:spPr>
+          <p:txBody>
+            <a:bodyPr wrap="square" lIns="0" tIns="0" rIns="0" bIns="0" rtlCol="0">
+              <a:spAutoFit/>
+            </a:bodyPr>
+            <a:lstStyle/>
+            <a:p>
+              <a:pPr algn="r"/>
+              <a:r>
+                <a:rPr lang="en-US" sz="4300" dirty="0"/>
+                <a:t>Weight matrix: </a:t>
+              </a:r>
+              <a:endParaRPr lang="en-US" sz="4300" dirty="0">
+                <a:solidFill>
+                  <a:schemeClr val="tx1"/>
+                </a:solidFill>
+                <a:latin typeface="Cambria" panose="02040503050406030204" pitchFamily="18" charset="0"/>
+                <a:ea typeface="Cambria" panose="02040503050406030204" pitchFamily="18" charset="0"/>
+              </a:endParaRPr>
+            </a:p>
+          </p:txBody>
+        </p:sp>
+        <p:sp>
+          <p:nvSpPr>
+            <p:cNvPr id="73" name="TextBox 72">
+              <a:extLst>
+                <a:ext uri="{FF2B5EF4-FFF2-40B4-BE49-F238E27FC236}">
+                  <a16:creationId xmlns:a16="http://schemas.microsoft.com/office/drawing/2014/main" id="{0ADE9BCB-24E1-A592-D52E-EB2A00C73FD6}"/>
+                </a:ext>
+              </a:extLst>
+            </p:cNvPr>
+            <p:cNvSpPr txBox="1"/>
+            <p:nvPr/>
+          </p:nvSpPr>
+          <p:spPr>
+            <a:xfrm>
+              <a:off x="1448122" y="24788272"/>
+              <a:ext cx="4109210" cy="661720"/>
+            </a:xfrm>
+            <a:prstGeom prst="rect">
+              <a:avLst/>
+            </a:prstGeom>
+            <a:noFill/>
+          </p:spPr>
+          <p:txBody>
+            <a:bodyPr wrap="square" lIns="0" tIns="0" rIns="0" bIns="0" rtlCol="0">
+              <a:spAutoFit/>
+            </a:bodyPr>
+            <a:lstStyle/>
+            <a:p>
+              <a:pPr algn="r"/>
+              <a:r>
+                <a:rPr lang="en-US" sz="4300" dirty="0"/>
+                <a:t>Energy function: </a:t>
+              </a:r>
+              <a:endParaRPr lang="en-US" sz="4300" dirty="0">
+                <a:solidFill>
+                  <a:schemeClr val="tx1"/>
+                </a:solidFill>
+                <a:latin typeface="Cambria" panose="02040503050406030204" pitchFamily="18" charset="0"/>
+                <a:ea typeface="Cambria" panose="02040503050406030204" pitchFamily="18" charset="0"/>
+              </a:endParaRPr>
+            </a:p>
+          </p:txBody>
+        </p:sp>
+        <p:sp>
+          <p:nvSpPr>
+            <p:cNvPr id="7" name="TextBox 6">
+              <a:extLst>
+                <a:ext uri="{FF2B5EF4-FFF2-40B4-BE49-F238E27FC236}">
+                  <a16:creationId xmlns:a16="http://schemas.microsoft.com/office/drawing/2014/main" id="{92FA0A23-8E70-9CBC-1866-3F92C9FF5A57}"/>
+                </a:ext>
+              </a:extLst>
+            </p:cNvPr>
+            <p:cNvSpPr txBox="1"/>
+            <p:nvPr/>
+          </p:nvSpPr>
+          <p:spPr>
+            <a:xfrm>
+              <a:off x="1482390" y="25758685"/>
+              <a:ext cx="4109210" cy="1323439"/>
+            </a:xfrm>
+            <a:prstGeom prst="rect">
+              <a:avLst/>
+            </a:prstGeom>
+            <a:noFill/>
+          </p:spPr>
+          <p:txBody>
+            <a:bodyPr wrap="square" lIns="0" tIns="0" rIns="0" bIns="0" rtlCol="0">
+              <a:spAutoFit/>
+            </a:bodyPr>
+            <a:lstStyle/>
+            <a:p>
+              <a:pPr algn="r"/>
+              <a:r>
+                <a:rPr lang="en-US" sz="4300" dirty="0"/>
+                <a:t>Asynchronous update rule: </a:t>
+              </a:r>
+              <a:endParaRPr lang="en-US" sz="4300" dirty="0">
+                <a:solidFill>
+                  <a:schemeClr val="tx1"/>
+                </a:solidFill>
+                <a:latin typeface="Cambria" panose="02040503050406030204" pitchFamily="18" charset="0"/>
+                <a:ea typeface="Cambria" panose="02040503050406030204" pitchFamily="18" charset="0"/>
+              </a:endParaRPr>
+            </a:p>
+          </p:txBody>
+        </p:sp>
+        <p:grpSp>
+          <p:nvGrpSpPr>
+            <p:cNvPr id="33" name="Group 32">
+              <a:extLst>
+                <a:ext uri="{FF2B5EF4-FFF2-40B4-BE49-F238E27FC236}">
+                  <a16:creationId xmlns:a16="http://schemas.microsoft.com/office/drawing/2014/main" id="{BA63DD7E-F039-AA5B-3AE5-358690B14FBD}"/>
+                </a:ext>
+              </a:extLst>
+            </p:cNvPr>
+            <p:cNvGrpSpPr/>
+            <p:nvPr/>
+          </p:nvGrpSpPr>
+          <p:grpSpPr>
+            <a:xfrm>
+              <a:off x="5360732" y="21973077"/>
+              <a:ext cx="8589417" cy="4742405"/>
+              <a:chOff x="5360732" y="21973077"/>
+              <a:chExt cx="8589417" cy="4742405"/>
+            </a:xfrm>
+          </p:grpSpPr>
+          <mc:AlternateContent xmlns:mc="http://schemas.openxmlformats.org/markup-compatibility/2006" xmlns:a14="http://schemas.microsoft.com/office/drawing/2010/main">
+            <mc:Choice Requires="a14">
+              <p:sp>
+                <p:nvSpPr>
+                  <p:cNvPr id="51" name="TextBox 50">
+                    <a:extLst>
+                      <a:ext uri="{FF2B5EF4-FFF2-40B4-BE49-F238E27FC236}">
+                        <a16:creationId xmlns:a16="http://schemas.microsoft.com/office/drawing/2014/main" id="{B4D5F08D-B9F7-556F-DDC5-F8999995071A}"/>
+                      </a:ext>
+                    </a:extLst>
+                  </p:cNvPr>
+                  <p:cNvSpPr txBox="1"/>
+                  <p:nvPr/>
+                </p:nvSpPr>
+                <p:spPr>
+                  <a:xfrm>
+                    <a:off x="5360732" y="21973077"/>
+                    <a:ext cx="8589417" cy="516873"/>
+                  </a:xfrm>
+                  <a:prstGeom prst="rect">
+                    <a:avLst/>
+                  </a:prstGeom>
+                  <a:noFill/>
+                </p:spPr>
+                <p:txBody>
+                  <a:bodyPr wrap="square" lIns="0" tIns="0" rIns="0" bIns="0" rtlCol="0">
+                    <a:spAutoFit/>
+                  </a:bodyPr>
+                  <a:lstStyle/>
+                  <a:p>
+                    <a:pPr algn="ctr"/>
+                    <a14:m>
+                      <m:oMathPara xmlns:m="http://schemas.openxmlformats.org/officeDocument/2006/math">
+                        <m:oMathParaPr>
+                          <m:jc m:val="centerGroup"/>
+                        </m:oMathParaPr>
+                        <m:oMath xmlns:m="http://schemas.openxmlformats.org/officeDocument/2006/math">
+                          <m:sSub>
+                            <m:sSubPr>
+                              <m:ctrlPr>
+                                <a:rPr lang="en-US" sz="3300" i="1" smtClean="0">
+                                  <a:solidFill>
+                                    <a:schemeClr val="tx1"/>
+                                  </a:solidFill>
+                                  <a:latin typeface="Cambria Math" panose="02040503050406030204" pitchFamily="18" charset="0"/>
+                                </a:rPr>
+                              </m:ctrlPr>
+                            </m:sSubPr>
+                            <m:e>
+                              <m:r>
+                                <a:rPr lang="en-US" sz="3300" i="1">
+                                  <a:solidFill>
+                                    <a:schemeClr val="tx1"/>
+                                  </a:solidFill>
+                                  <a:latin typeface="Cambria Math" panose="02040503050406030204" pitchFamily="18" charset="0"/>
+                                </a:rPr>
+                                <m:t>𝑥</m:t>
+                              </m:r>
+                            </m:e>
+                            <m:sub>
+                              <m:r>
+                                <a:rPr lang="en-US" sz="3300" i="1">
+                                  <a:solidFill>
+                                    <a:schemeClr val="tx1"/>
+                                  </a:solidFill>
+                                  <a:latin typeface="Cambria Math" panose="02040503050406030204" pitchFamily="18" charset="0"/>
+                                </a:rPr>
+                                <m:t>𝑖</m:t>
+                              </m:r>
+                            </m:sub>
+                          </m:sSub>
+                          <m:r>
+                            <a:rPr lang="en-US" sz="3300" i="0">
+                              <a:solidFill>
+                                <a:schemeClr val="tx1"/>
+                              </a:solidFill>
+                              <a:latin typeface="Cambria Math" panose="02040503050406030204" pitchFamily="18" charset="0"/>
+                            </a:rPr>
+                            <m:t>∈</m:t>
+                          </m:r>
+                          <m:sSup>
+                            <m:sSupPr>
+                              <m:ctrlPr>
+                                <a:rPr lang="en-US" sz="3300" i="1">
+                                  <a:solidFill>
+                                    <a:schemeClr val="tx1"/>
+                                  </a:solidFill>
+                                  <a:latin typeface="Cambria Math" panose="02040503050406030204" pitchFamily="18" charset="0"/>
+                                </a:rPr>
+                              </m:ctrlPr>
+                            </m:sSupPr>
+                            <m:e>
+                              <m:d>
+                                <m:dPr>
+                                  <m:begChr m:val="{"/>
+                                  <m:endChr m:val="}"/>
+                                  <m:ctrlPr>
+                                    <a:rPr lang="en-US" sz="3300" i="1">
+                                      <a:solidFill>
+                                        <a:schemeClr val="tx1"/>
+                                      </a:solidFill>
+                                      <a:latin typeface="Cambria Math" panose="02040503050406030204" pitchFamily="18" charset="0"/>
+                                    </a:rPr>
+                                  </m:ctrlPr>
+                                </m:dPr>
+                                <m:e>
+                                  <m:r>
+                                    <a:rPr lang="en-US" sz="3300" i="0">
+                                      <a:solidFill>
+                                        <a:schemeClr val="tx1"/>
+                                      </a:solidFill>
+                                      <a:latin typeface="Cambria Math" panose="02040503050406030204" pitchFamily="18" charset="0"/>
+                                    </a:rPr>
+                                    <m:t>−1,</m:t>
+                                  </m:r>
+                                  <m:r>
+                                    <a:rPr lang="en-US" sz="3300" b="0" i="0" smtClean="0">
+                                      <a:solidFill>
+                                        <a:schemeClr val="tx1"/>
+                                      </a:solidFill>
+                                      <a:latin typeface="Cambria Math" panose="02040503050406030204" pitchFamily="18" charset="0"/>
+                                    </a:rPr>
+                                    <m:t> </m:t>
+                                  </m:r>
+                                  <m:r>
+                                    <a:rPr lang="en-US" sz="3300" i="0">
+                                      <a:solidFill>
+                                        <a:schemeClr val="tx1"/>
+                                      </a:solidFill>
+                                      <a:latin typeface="Cambria Math" panose="02040503050406030204" pitchFamily="18" charset="0"/>
+                                    </a:rPr>
+                                    <m:t>1</m:t>
+                                  </m:r>
+                                </m:e>
+                              </m:d>
+                            </m:e>
+                            <m:sup>
+                              <m:r>
+                                <a:rPr lang="en-US" sz="3300" i="1">
+                                  <a:solidFill>
+                                    <a:schemeClr val="tx1"/>
+                                  </a:solidFill>
+                                  <a:latin typeface="Cambria Math" panose="02040503050406030204" pitchFamily="18" charset="0"/>
+                                </a:rPr>
+                                <m:t>𝑑</m:t>
+                              </m:r>
+                            </m:sup>
+                          </m:sSup>
+                        </m:oMath>
+                      </m:oMathPara>
+                    </a14:m>
+                    <a:endParaRPr lang="en-US" sz="3300" dirty="0">
+                      <a:solidFill>
+                        <a:schemeClr val="tx1"/>
+                      </a:solidFill>
+                      <a:latin typeface="Cambria" panose="02040503050406030204" pitchFamily="18" charset="0"/>
+                      <a:ea typeface="Cambria" panose="02040503050406030204" pitchFamily="18" charset="0"/>
+                    </a:endParaRPr>
+                  </a:p>
+                </p:txBody>
+              </p:sp>
+            </mc:Choice>
+            <mc:Fallback xmlns="">
+              <p:sp>
+                <p:nvSpPr>
+                  <p:cNvPr id="51" name="TextBox 50">
+                    <a:extLst>
+                      <a:ext uri="{FF2B5EF4-FFF2-40B4-BE49-F238E27FC236}">
+                        <a16:creationId xmlns:a16="http://schemas.microsoft.com/office/drawing/2014/main" id="{B4D5F08D-B9F7-556F-DDC5-F8999995071A}"/>
+                      </a:ext>
+                    </a:extLst>
+                  </p:cNvPr>
+                  <p:cNvSpPr txBox="1">
+                    <a:spLocks noRot="1" noChangeAspect="1" noMove="1" noResize="1" noEditPoints="1" noAdjustHandles="1" noChangeArrowheads="1" noChangeShapeType="1" noTextEdit="1"/>
+                  </p:cNvSpPr>
+                  <p:nvPr/>
+                </p:nvSpPr>
+                <p:spPr>
+                  <a:xfrm>
+                    <a:off x="5360732" y="21973077"/>
+                    <a:ext cx="8589417" cy="516873"/>
+                  </a:xfrm>
+                  <a:prstGeom prst="rect">
+                    <a:avLst/>
+                  </a:prstGeom>
+                  <a:blipFill>
+                    <a:blip r:embed="rId6"/>
+                    <a:stretch>
+                      <a:fillRect/>
+                    </a:stretch>
+                  </a:blipFill>
+                </p:spPr>
+                <p:txBody>
+                  <a:bodyPr/>
+                  <a:lstStyle/>
+                  <a:p>
+                    <a:r>
+                      <a:rPr lang="en-US">
+                        <a:noFill/>
+                      </a:rPr>
+                      <a:t> </a:t>
+                    </a:r>
+                  </a:p>
+                </p:txBody>
+              </p:sp>
+            </mc:Fallback>
+          </mc:AlternateContent>
+          <mc:AlternateContent xmlns:mc="http://schemas.openxmlformats.org/markup-compatibility/2006" xmlns:a14="http://schemas.microsoft.com/office/drawing/2010/main">
+            <mc:Choice Requires="a14">
+              <p:sp>
+                <p:nvSpPr>
+                  <p:cNvPr id="52" name="TextBox 51">
+                    <a:extLst>
+                      <a:ext uri="{FF2B5EF4-FFF2-40B4-BE49-F238E27FC236}">
+                        <a16:creationId xmlns:a16="http://schemas.microsoft.com/office/drawing/2014/main" id="{E5F7748C-FC27-F919-B2FA-EFC6EFA3EDAF}"/>
+                      </a:ext>
+                    </a:extLst>
+                  </p:cNvPr>
+                  <p:cNvSpPr txBox="1"/>
+                  <p:nvPr/>
+                </p:nvSpPr>
+                <p:spPr>
+                  <a:xfrm>
+                    <a:off x="5360732" y="23001495"/>
+                    <a:ext cx="8589417" cy="1232325"/>
+                  </a:xfrm>
+                  <a:prstGeom prst="rect">
+                    <a:avLst/>
+                  </a:prstGeom>
+                  <a:noFill/>
+                </p:spPr>
+                <p:txBody>
+                  <a:bodyPr wrap="square" lIns="0" tIns="0" rIns="0" bIns="0" rtlCol="0">
+                    <a:spAutoFit/>
+                  </a:bodyPr>
+                  <a:lstStyle/>
+                  <a:p>
+                    <a:pPr algn="ctr"/>
+                    <a14:m>
+                      <m:oMathPara xmlns:m="http://schemas.openxmlformats.org/officeDocument/2006/math">
+                        <m:oMathParaPr>
+                          <m:jc m:val="centerGroup"/>
+                        </m:oMathParaPr>
+                        <m:oMath xmlns:m="http://schemas.openxmlformats.org/officeDocument/2006/math">
+                          <m:r>
+                            <a:rPr lang="en-US" sz="3300" i="1" dirty="0" smtClean="0">
+                              <a:solidFill>
+                                <a:schemeClr val="tx1"/>
+                              </a:solidFill>
+                              <a:latin typeface="Cambria Math" panose="02040503050406030204" pitchFamily="18" charset="0"/>
+                            </a:rPr>
+                            <m:t>𝑊</m:t>
+                          </m:r>
+                          <m:r>
+                            <a:rPr lang="en-US" sz="3300" i="0" dirty="0">
+                              <a:solidFill>
+                                <a:schemeClr val="tx1"/>
+                              </a:solidFill>
+                              <a:latin typeface="Cambria Math" panose="02040503050406030204" pitchFamily="18" charset="0"/>
+                            </a:rPr>
+                            <m:t>=</m:t>
+                          </m:r>
+                          <m:nary>
+                            <m:naryPr>
+                              <m:chr m:val="∑"/>
+                              <m:limLoc m:val="undOvr"/>
+                              <m:grow m:val="on"/>
+                              <m:supHide m:val="on"/>
+                              <m:ctrlPr>
+                                <a:rPr lang="en-US" sz="3300" i="1" dirty="0">
+                                  <a:solidFill>
+                                    <a:schemeClr val="tx1"/>
+                                  </a:solidFill>
+                                  <a:latin typeface="Cambria Math" panose="02040503050406030204" pitchFamily="18" charset="0"/>
+                                </a:rPr>
+                              </m:ctrlPr>
+                            </m:naryPr>
+                            <m:sub>
+                              <m:r>
+                                <a:rPr lang="en-US" sz="3300" i="1" dirty="0">
+                                  <a:solidFill>
+                                    <a:schemeClr val="tx1"/>
+                                  </a:solidFill>
+                                  <a:latin typeface="Cambria Math" panose="02040503050406030204" pitchFamily="18" charset="0"/>
+                                </a:rPr>
+                                <m:t>𝑖</m:t>
+                              </m:r>
+                            </m:sub>
+                            <m:sup/>
+                            <m:e>
+                              <m:sSub>
+                                <m:sSubPr>
+                                  <m:ctrlPr>
+                                    <a:rPr lang="en-US" sz="3300" i="1" dirty="0">
+                                      <a:solidFill>
+                                        <a:schemeClr val="tx1"/>
+                                      </a:solidFill>
+                                      <a:latin typeface="Cambria Math" panose="02040503050406030204" pitchFamily="18" charset="0"/>
+                                    </a:rPr>
+                                  </m:ctrlPr>
+                                </m:sSubPr>
+                                <m:e>
+                                  <m:r>
+                                    <a:rPr lang="en-US" sz="3300" i="1" dirty="0">
+                                      <a:solidFill>
+                                        <a:schemeClr val="tx1"/>
+                                      </a:solidFill>
+                                      <a:latin typeface="Cambria Math" panose="02040503050406030204" pitchFamily="18" charset="0"/>
+                                    </a:rPr>
+                                    <m:t>𝑥</m:t>
+                                  </m:r>
+                                </m:e>
+                                <m:sub>
+                                  <m:r>
+                                    <a:rPr lang="en-US" sz="3300" i="1" dirty="0">
+                                      <a:solidFill>
+                                        <a:schemeClr val="tx1"/>
+                                      </a:solidFill>
+                                      <a:latin typeface="Cambria Math" panose="02040503050406030204" pitchFamily="18" charset="0"/>
+                                    </a:rPr>
+                                    <m:t>𝑖</m:t>
+                                  </m:r>
+                                </m:sub>
+                              </m:sSub>
+                              <m:sSubSup>
+                                <m:sSubSupPr>
+                                  <m:ctrlPr>
+                                    <a:rPr lang="en-US" sz="3300" i="1" dirty="0">
+                                      <a:solidFill>
+                                        <a:schemeClr val="tx1"/>
+                                      </a:solidFill>
+                                      <a:latin typeface="Cambria Math" panose="02040503050406030204" pitchFamily="18" charset="0"/>
+                                    </a:rPr>
+                                  </m:ctrlPr>
+                                </m:sSubSupPr>
+                                <m:e>
+                                  <m:r>
+                                    <a:rPr lang="en-US" sz="3300" i="1" dirty="0">
+                                      <a:solidFill>
+                                        <a:schemeClr val="tx1"/>
+                                      </a:solidFill>
+                                      <a:latin typeface="Cambria Math" panose="02040503050406030204" pitchFamily="18" charset="0"/>
+                                    </a:rPr>
+                                    <m:t>𝑥</m:t>
+                                  </m:r>
+                                </m:e>
+                                <m:sub>
+                                  <m:r>
+                                    <a:rPr lang="en-US" sz="3300" i="1" dirty="0">
+                                      <a:solidFill>
+                                        <a:schemeClr val="tx1"/>
+                                      </a:solidFill>
+                                      <a:latin typeface="Cambria Math" panose="02040503050406030204" pitchFamily="18" charset="0"/>
+                                    </a:rPr>
+                                    <m:t>𝑖</m:t>
+                                  </m:r>
+                                </m:sub>
+                                <m:sup>
+                                  <m:r>
+                                    <a:rPr lang="en-US" sz="3300" i="1" dirty="0">
+                                      <a:solidFill>
+                                        <a:schemeClr val="tx1"/>
+                                      </a:solidFill>
+                                      <a:latin typeface="Cambria Math" panose="02040503050406030204" pitchFamily="18" charset="0"/>
+                                    </a:rPr>
+                                    <m:t>𝑇</m:t>
+                                  </m:r>
+                                </m:sup>
+                              </m:sSubSup>
+                            </m:e>
+                          </m:nary>
+                        </m:oMath>
+                      </m:oMathPara>
+                    </a14:m>
+                    <a:endParaRPr lang="en-US" sz="3300" dirty="0">
+                      <a:solidFill>
+                        <a:schemeClr val="tx1"/>
+                      </a:solidFill>
+                      <a:latin typeface="Cambria" panose="02040503050406030204" pitchFamily="18" charset="0"/>
+                      <a:ea typeface="Cambria" panose="02040503050406030204" pitchFamily="18" charset="0"/>
+                    </a:endParaRPr>
+                  </a:p>
+                </p:txBody>
+              </p:sp>
+            </mc:Choice>
+            <mc:Fallback xmlns="">
+              <p:sp>
+                <p:nvSpPr>
+                  <p:cNvPr id="52" name="TextBox 51">
+                    <a:extLst>
+                      <a:ext uri="{FF2B5EF4-FFF2-40B4-BE49-F238E27FC236}">
+                        <a16:creationId xmlns:a16="http://schemas.microsoft.com/office/drawing/2014/main" id="{E5F7748C-FC27-F919-B2FA-EFC6EFA3EDAF}"/>
+                      </a:ext>
+                    </a:extLst>
+                  </p:cNvPr>
+                  <p:cNvSpPr txBox="1">
+                    <a:spLocks noRot="1" noChangeAspect="1" noMove="1" noResize="1" noEditPoints="1" noAdjustHandles="1" noChangeArrowheads="1" noChangeShapeType="1" noTextEdit="1"/>
+                  </p:cNvSpPr>
+                  <p:nvPr/>
+                </p:nvSpPr>
+                <p:spPr>
+                  <a:xfrm>
+                    <a:off x="5360732" y="23001495"/>
+                    <a:ext cx="8589417" cy="1232325"/>
+                  </a:xfrm>
+                  <a:prstGeom prst="rect">
+                    <a:avLst/>
+                  </a:prstGeom>
+                  <a:blipFill>
+                    <a:blip r:embed="rId7"/>
+                    <a:stretch>
+                      <a:fillRect/>
+                    </a:stretch>
+                  </a:blipFill>
+                </p:spPr>
+                <p:txBody>
+                  <a:bodyPr/>
+                  <a:lstStyle/>
+                  <a:p>
+                    <a:r>
+                      <a:rPr lang="en-US">
+                        <a:noFill/>
+                      </a:rPr>
+                      <a:t> </a:t>
+                    </a:r>
+                  </a:p>
+                </p:txBody>
+              </p:sp>
+            </mc:Fallback>
+          </mc:AlternateContent>
+          <mc:AlternateContent xmlns:mc="http://schemas.openxmlformats.org/markup-compatibility/2006" xmlns:a14="http://schemas.microsoft.com/office/drawing/2010/main">
+            <mc:Choice Requires="a14">
+              <p:sp>
+                <p:nvSpPr>
+                  <p:cNvPr id="53" name="TextBox 52">
+                    <a:extLst>
+                      <a:ext uri="{FF2B5EF4-FFF2-40B4-BE49-F238E27FC236}">
+                        <a16:creationId xmlns:a16="http://schemas.microsoft.com/office/drawing/2014/main" id="{66E211D9-C951-653B-EC25-CBEC95284484}"/>
+                      </a:ext>
+                    </a:extLst>
+                  </p:cNvPr>
+                  <p:cNvSpPr txBox="1"/>
+                  <p:nvPr/>
+                </p:nvSpPr>
+                <p:spPr>
+                  <a:xfrm>
+                    <a:off x="5360732" y="24639688"/>
+                    <a:ext cx="8589417" cy="950709"/>
+                  </a:xfrm>
+                  <a:prstGeom prst="rect">
+                    <a:avLst/>
+                  </a:prstGeom>
+                  <a:noFill/>
+                </p:spPr>
+                <p:txBody>
+                  <a:bodyPr wrap="square" lIns="0" tIns="0" rIns="0" bIns="0" rtlCol="0">
+                    <a:spAutoFit/>
+                  </a:bodyPr>
+                  <a:lstStyle/>
+                  <a:p>
+                    <a:pPr algn="ctr"/>
+                    <a14:m>
+                      <m:oMathPara xmlns:m="http://schemas.openxmlformats.org/officeDocument/2006/math">
+                        <m:oMathParaPr>
+                          <m:jc m:val="centerGroup"/>
+                        </m:oMathParaPr>
+                        <m:oMath xmlns:m="http://schemas.openxmlformats.org/officeDocument/2006/math">
+                          <m:r>
+                            <a:rPr lang="en-US" sz="3300" i="1" dirty="0" smtClean="0">
+                              <a:solidFill>
+                                <a:schemeClr val="tx1"/>
+                              </a:solidFill>
+                              <a:latin typeface="Cambria Math" panose="02040503050406030204" pitchFamily="18" charset="0"/>
+                            </a:rPr>
+                            <m:t>𝐸</m:t>
+                          </m:r>
+                          <m:r>
+                            <a:rPr lang="en-US" sz="3300" i="0" dirty="0">
+                              <a:solidFill>
+                                <a:schemeClr val="tx1"/>
+                              </a:solidFill>
+                              <a:latin typeface="Cambria Math" panose="02040503050406030204" pitchFamily="18" charset="0"/>
+                            </a:rPr>
+                            <m:t>=−</m:t>
+                          </m:r>
+                          <m:f>
+                            <m:fPr>
+                              <m:ctrlPr>
+                                <a:rPr lang="en-US" sz="3300" i="1" dirty="0">
+                                  <a:solidFill>
+                                    <a:schemeClr val="tx1"/>
+                                  </a:solidFill>
+                                  <a:latin typeface="Cambria Math" panose="02040503050406030204" pitchFamily="18" charset="0"/>
+                                </a:rPr>
+                              </m:ctrlPr>
+                            </m:fPr>
+                            <m:num>
+                              <m:r>
+                                <a:rPr lang="en-US" sz="3300" i="0" dirty="0">
+                                  <a:solidFill>
+                                    <a:schemeClr val="tx1"/>
+                                  </a:solidFill>
+                                  <a:latin typeface="Cambria Math" panose="02040503050406030204" pitchFamily="18" charset="0"/>
+                                </a:rPr>
+                                <m:t>1</m:t>
+                              </m:r>
+                            </m:num>
+                            <m:den>
+                              <m:r>
+                                <a:rPr lang="en-US" sz="3300" i="0" dirty="0">
+                                  <a:solidFill>
+                                    <a:schemeClr val="tx1"/>
+                                  </a:solidFill>
+                                  <a:latin typeface="Cambria Math" panose="02040503050406030204" pitchFamily="18" charset="0"/>
+                                </a:rPr>
+                                <m:t>2</m:t>
+                              </m:r>
+                            </m:den>
+                          </m:f>
+                          <m:sSup>
+                            <m:sSupPr>
+                              <m:ctrlPr>
+                                <a:rPr lang="en-US" sz="3300" i="1" dirty="0" smtClean="0">
+                                  <a:solidFill>
+                                    <a:schemeClr val="tx1"/>
+                                  </a:solidFill>
+                                  <a:latin typeface="Cambria Math" panose="02040503050406030204" pitchFamily="18" charset="0"/>
+                                </a:rPr>
+                              </m:ctrlPr>
+                            </m:sSupPr>
+                            <m:e>
+                              <m:r>
+                                <a:rPr lang="en-US" sz="3300" b="0" i="1" dirty="0" smtClean="0">
+                                  <a:solidFill>
+                                    <a:schemeClr val="tx1"/>
+                                  </a:solidFill>
+                                  <a:latin typeface="Cambria Math" panose="02040503050406030204" pitchFamily="18" charset="0"/>
+                                </a:rPr>
+                                <m:t>𝑟</m:t>
+                              </m:r>
+                            </m:e>
+                            <m:sup>
+                              <m:r>
+                                <a:rPr lang="en-US" sz="3300" b="0" i="1" dirty="0" smtClean="0">
+                                  <a:solidFill>
+                                    <a:schemeClr val="tx1"/>
+                                  </a:solidFill>
+                                  <a:latin typeface="Cambria Math" panose="02040503050406030204" pitchFamily="18" charset="0"/>
+                                </a:rPr>
+                                <m:t>𝑇</m:t>
+                              </m:r>
+                            </m:sup>
+                          </m:sSup>
+                          <m:r>
+                            <a:rPr lang="en-US" sz="3300" b="0" i="1" dirty="0" smtClean="0">
+                              <a:solidFill>
+                                <a:schemeClr val="tx1"/>
+                              </a:solidFill>
+                              <a:latin typeface="Cambria Math" panose="02040503050406030204" pitchFamily="18" charset="0"/>
+                            </a:rPr>
+                            <m:t>𝑊𝑟</m:t>
+                          </m:r>
+                          <m:r>
+                            <a:rPr lang="en-US" sz="3300" i="0" dirty="0">
+                              <a:solidFill>
+                                <a:schemeClr val="tx1"/>
+                              </a:solidFill>
+                              <a:latin typeface="Cambria Math" panose="02040503050406030204" pitchFamily="18" charset="0"/>
+                            </a:rPr>
+                            <m:t>−</m:t>
+                          </m:r>
+                          <m:sSup>
+                            <m:sSupPr>
+                              <m:ctrlPr>
+                                <a:rPr lang="en-US" sz="3300" i="1" dirty="0" smtClean="0">
+                                  <a:solidFill>
+                                    <a:schemeClr val="tx1"/>
+                                  </a:solidFill>
+                                  <a:latin typeface="Cambria Math" panose="02040503050406030204" pitchFamily="18" charset="0"/>
+                                </a:rPr>
+                              </m:ctrlPr>
+                            </m:sSupPr>
+                            <m:e>
+                              <m:r>
+                                <a:rPr lang="en-US" sz="3300" i="0" dirty="0">
+                                  <a:solidFill>
+                                    <a:schemeClr val="tx1"/>
+                                  </a:solidFill>
+                                  <a:latin typeface="Cambria Math" panose="02040503050406030204" pitchFamily="18" charset="0"/>
+                                </a:rPr>
+                                <m:t>𝑏</m:t>
+                              </m:r>
+                            </m:e>
+                            <m:sup>
+                              <m:r>
+                                <a:rPr lang="en-US" sz="3300" i="0" dirty="0">
+                                  <a:solidFill>
+                                    <a:schemeClr val="tx1"/>
+                                  </a:solidFill>
+                                  <a:latin typeface="Cambria Math" panose="02040503050406030204" pitchFamily="18" charset="0"/>
+                                </a:rPr>
+                                <m:t>𝑇</m:t>
+                              </m:r>
+                            </m:sup>
+                          </m:sSup>
+                          <m:r>
+                            <a:rPr lang="en-US" sz="3300" i="0" dirty="0">
+                              <a:solidFill>
+                                <a:schemeClr val="tx1"/>
+                              </a:solidFill>
+                              <a:latin typeface="Cambria Math" panose="02040503050406030204" pitchFamily="18" charset="0"/>
+                            </a:rPr>
+                            <m:t>⋅</m:t>
+                          </m:r>
+                          <m:r>
+                            <a:rPr lang="en-US" sz="3300" i="1" dirty="0">
+                              <a:solidFill>
+                                <a:schemeClr val="tx1"/>
+                              </a:solidFill>
+                              <a:latin typeface="Cambria Math" panose="02040503050406030204" pitchFamily="18" charset="0"/>
+                            </a:rPr>
+                            <m:t>𝑟</m:t>
+                          </m:r>
+                        </m:oMath>
+                      </m:oMathPara>
+                    </a14:m>
+                    <a:endParaRPr lang="en-US" sz="3300" dirty="0">
+                      <a:solidFill>
+                        <a:schemeClr val="tx1"/>
+                      </a:solidFill>
+                      <a:latin typeface="Cambria" panose="02040503050406030204" pitchFamily="18" charset="0"/>
+                      <a:ea typeface="Cambria" panose="02040503050406030204" pitchFamily="18" charset="0"/>
+                    </a:endParaRPr>
+                  </a:p>
+                </p:txBody>
+              </p:sp>
+            </mc:Choice>
+            <mc:Fallback xmlns="">
+              <p:sp>
+                <p:nvSpPr>
+                  <p:cNvPr id="53" name="TextBox 52">
+                    <a:extLst>
+                      <a:ext uri="{FF2B5EF4-FFF2-40B4-BE49-F238E27FC236}">
+                        <a16:creationId xmlns:a16="http://schemas.microsoft.com/office/drawing/2014/main" id="{66E211D9-C951-653B-EC25-CBEC95284484}"/>
+                      </a:ext>
+                    </a:extLst>
+                  </p:cNvPr>
+                  <p:cNvSpPr txBox="1">
+                    <a:spLocks noRot="1" noChangeAspect="1" noMove="1" noResize="1" noEditPoints="1" noAdjustHandles="1" noChangeArrowheads="1" noChangeShapeType="1" noTextEdit="1"/>
+                  </p:cNvSpPr>
+                  <p:nvPr/>
+                </p:nvSpPr>
+                <p:spPr>
+                  <a:xfrm>
+                    <a:off x="5360732" y="24639688"/>
+                    <a:ext cx="8589417" cy="950709"/>
+                  </a:xfrm>
+                  <a:prstGeom prst="rect">
+                    <a:avLst/>
+                  </a:prstGeom>
+                  <a:blipFill>
+                    <a:blip r:embed="rId8"/>
+                    <a:stretch>
+                      <a:fillRect/>
+                    </a:stretch>
+                  </a:blipFill>
+                </p:spPr>
+                <p:txBody>
+                  <a:bodyPr/>
+                  <a:lstStyle/>
+                  <a:p>
+                    <a:r>
+                      <a:rPr lang="en-US">
+                        <a:noFill/>
+                      </a:rPr>
+                      <a:t> </a:t>
+                    </a:r>
+                  </a:p>
+                </p:txBody>
+              </p:sp>
+            </mc:Fallback>
+          </mc:AlternateContent>
+          <mc:AlternateContent xmlns:mc="http://schemas.openxmlformats.org/markup-compatibility/2006">
+            <mc:Choice xmlns:a14="http://schemas.microsoft.com/office/drawing/2010/main" Requires="a14">
+              <p:sp>
+                <p:nvSpPr>
+                  <p:cNvPr id="14" name="TextBox 13">
+                    <a:extLst>
+                      <a:ext uri="{FF2B5EF4-FFF2-40B4-BE49-F238E27FC236}">
+                        <a16:creationId xmlns:a16="http://schemas.microsoft.com/office/drawing/2014/main" id="{854CC427-CE62-15B7-AE76-1108C42C7865}"/>
+                      </a:ext>
+                    </a:extLst>
+                  </p:cNvPr>
+                  <p:cNvSpPr txBox="1"/>
+                  <p:nvPr/>
+                </p:nvSpPr>
+                <p:spPr>
+                  <a:xfrm>
+                    <a:off x="5360732" y="26238428"/>
+                    <a:ext cx="8589417" cy="477054"/>
+                  </a:xfrm>
+                  <a:prstGeom prst="rect">
+                    <a:avLst/>
+                  </a:prstGeom>
+                  <a:noFill/>
+                </p:spPr>
+                <p:txBody>
+                  <a:bodyPr wrap="square" lIns="0" tIns="0" rIns="0" bIns="0" rtlCol="0">
+                    <a:spAutoFit/>
+                  </a:bodyPr>
+                  <a:lstStyle/>
+                  <a:p>
+                    <a:pPr algn="ctr"/>
+                    <a14:m>
+                      <m:oMathPara xmlns:m="http://schemas.openxmlformats.org/officeDocument/2006/math">
+                        <m:oMathParaPr>
+                          <m:jc m:val="centerGroup"/>
+                        </m:oMathParaPr>
+                        <m:oMath xmlns:m="http://schemas.openxmlformats.org/officeDocument/2006/math">
+                          <m:r>
+                            <a:rPr lang="en-US" sz="3100" b="0" i="1" smtClean="0">
+                              <a:solidFill>
+                                <a:schemeClr val="tx1"/>
+                              </a:solidFill>
+                              <a:latin typeface="Cambria Math" panose="02040503050406030204" pitchFamily="18" charset="0"/>
+                              <a:ea typeface="Cambria" panose="02040503050406030204" pitchFamily="18" charset="0"/>
+                            </a:rPr>
+                            <m:t>𝑟</m:t>
+                          </m:r>
+                          <m:d>
+                            <m:dPr>
+                              <m:ctrlPr>
+                                <a:rPr lang="en-US" sz="3100" b="0" i="1" smtClean="0">
+                                  <a:solidFill>
+                                    <a:schemeClr val="tx1"/>
+                                  </a:solidFill>
+                                  <a:latin typeface="Cambria Math" panose="02040503050406030204" pitchFamily="18" charset="0"/>
+                                  <a:ea typeface="Cambria" panose="02040503050406030204" pitchFamily="18" charset="0"/>
+                                </a:rPr>
+                              </m:ctrlPr>
+                            </m:dPr>
+                            <m:e>
+                              <m:r>
+                                <a:rPr lang="en-US" sz="3100" b="0" i="1" smtClean="0">
+                                  <a:solidFill>
+                                    <a:schemeClr val="tx1"/>
+                                  </a:solidFill>
+                                  <a:latin typeface="Cambria Math" panose="02040503050406030204" pitchFamily="18" charset="0"/>
+                                  <a:ea typeface="Cambria" panose="02040503050406030204" pitchFamily="18" charset="0"/>
+                                </a:rPr>
+                                <m:t>𝑡</m:t>
+                              </m:r>
+                              <m:r>
+                                <a:rPr lang="en-US" sz="3100" b="0" i="1" smtClean="0">
+                                  <a:solidFill>
+                                    <a:schemeClr val="tx1"/>
+                                  </a:solidFill>
+                                  <a:latin typeface="Cambria Math" panose="02040503050406030204" pitchFamily="18" charset="0"/>
+                                  <a:ea typeface="Cambria" panose="02040503050406030204" pitchFamily="18" charset="0"/>
+                                </a:rPr>
+                                <m:t>+1</m:t>
+                              </m:r>
+                            </m:e>
+                          </m:d>
+                          <m:r>
+                            <a:rPr lang="en-US" sz="3100" b="0" i="1" smtClean="0">
+                              <a:solidFill>
+                                <a:schemeClr val="tx1"/>
+                              </a:solidFill>
+                              <a:latin typeface="Cambria Math" panose="02040503050406030204" pitchFamily="18" charset="0"/>
+                              <a:ea typeface="Cambria" panose="02040503050406030204" pitchFamily="18" charset="0"/>
+                            </a:rPr>
+                            <m:t>=</m:t>
+                          </m:r>
+                          <m:r>
+                            <a:rPr lang="en-US" sz="3100" b="0" i="1" smtClean="0">
+                              <a:solidFill>
+                                <a:schemeClr val="tx1"/>
+                              </a:solidFill>
+                              <a:latin typeface="Cambria Math" panose="02040503050406030204" pitchFamily="18" charset="0"/>
+                              <a:ea typeface="Cambria" panose="02040503050406030204" pitchFamily="18" charset="0"/>
+                            </a:rPr>
+                            <m:t>𝑟</m:t>
+                          </m:r>
+                          <m:d>
+                            <m:dPr>
+                              <m:ctrlPr>
+                                <a:rPr lang="en-US" sz="3100" b="0" i="1" smtClean="0">
+                                  <a:solidFill>
+                                    <a:schemeClr val="tx1"/>
+                                  </a:solidFill>
+                                  <a:latin typeface="Cambria Math" panose="02040503050406030204" pitchFamily="18" charset="0"/>
+                                  <a:ea typeface="Cambria" panose="02040503050406030204" pitchFamily="18" charset="0"/>
+                                </a:rPr>
+                              </m:ctrlPr>
+                            </m:dPr>
+                            <m:e>
+                              <m:r>
+                                <a:rPr lang="en-US" sz="3100" b="0" i="1" smtClean="0">
+                                  <a:solidFill>
+                                    <a:schemeClr val="tx1"/>
+                                  </a:solidFill>
+                                  <a:latin typeface="Cambria Math" panose="02040503050406030204" pitchFamily="18" charset="0"/>
+                                  <a:ea typeface="Cambria" panose="02040503050406030204" pitchFamily="18" charset="0"/>
+                                </a:rPr>
+                                <m:t>𝑡</m:t>
+                              </m:r>
+                            </m:e>
+                          </m:d>
+                          <m:r>
+                            <a:rPr lang="en-US" sz="3100" b="0" i="1" smtClean="0">
+                              <a:solidFill>
+                                <a:schemeClr val="tx1"/>
+                              </a:solidFill>
+                              <a:latin typeface="Cambria Math" panose="02040503050406030204" pitchFamily="18" charset="0"/>
+                              <a:ea typeface="Cambria" panose="02040503050406030204" pitchFamily="18" charset="0"/>
+                            </a:rPr>
+                            <m:t>+</m:t>
+                          </m:r>
+                          <m:r>
+                            <m:rPr>
+                              <m:nor/>
+                            </m:rPr>
+                            <a:rPr lang="el-GR" sz="3100" dirty="0">
+                              <a:latin typeface="Cambria" panose="02040503050406030204" pitchFamily="18" charset="0"/>
+                            </a:rPr>
+                            <m:t>η</m:t>
+                          </m:r>
+                          <m:r>
+                            <a:rPr lang="en-US" sz="3100" b="0" i="1" dirty="0" smtClean="0">
+                              <a:latin typeface="Cambria Math" panose="02040503050406030204" pitchFamily="18" charset="0"/>
+                            </a:rPr>
+                            <m:t>(</m:t>
+                          </m:r>
+                          <m:r>
+                            <a:rPr lang="en-US" sz="3100" b="0" i="1" dirty="0" smtClean="0">
+                              <a:latin typeface="Cambria Math" panose="02040503050406030204" pitchFamily="18" charset="0"/>
+                            </a:rPr>
+                            <m:t>𝑡</m:t>
+                          </m:r>
+                          <m:r>
+                            <a:rPr lang="en-US" sz="3100" b="0" i="1" dirty="0" smtClean="0">
+                              <a:latin typeface="Cambria Math" panose="02040503050406030204" pitchFamily="18" charset="0"/>
+                            </a:rPr>
+                            <m:t>)∘</m:t>
+                          </m:r>
+                          <m:r>
+                            <a:rPr lang="en-US" sz="3100" b="0" i="1" smtClean="0">
+                              <a:solidFill>
+                                <a:schemeClr val="tx1"/>
+                              </a:solidFill>
+                              <a:latin typeface="Cambria Math" panose="02040503050406030204" pitchFamily="18" charset="0"/>
+                              <a:ea typeface="Cambria" panose="02040503050406030204" pitchFamily="18" charset="0"/>
+                            </a:rPr>
+                            <m:t>𝑠𝑖𝑔𝑛</m:t>
+                          </m:r>
+                          <m:r>
+                            <a:rPr lang="en-US" sz="3100" b="0" i="1" smtClean="0">
+                              <a:solidFill>
+                                <a:schemeClr val="tx1"/>
+                              </a:solidFill>
+                              <a:latin typeface="Cambria Math" panose="02040503050406030204" pitchFamily="18" charset="0"/>
+                              <a:ea typeface="Cambria" panose="02040503050406030204" pitchFamily="18" charset="0"/>
+                            </a:rPr>
+                            <m:t>(</m:t>
+                          </m:r>
+                          <m:r>
+                            <a:rPr lang="en-US" sz="3100" b="0" i="1" smtClean="0">
+                              <a:solidFill>
+                                <a:schemeClr val="tx1"/>
+                              </a:solidFill>
+                              <a:latin typeface="Cambria Math" panose="02040503050406030204" pitchFamily="18" charset="0"/>
+                              <a:ea typeface="Cambria" panose="02040503050406030204" pitchFamily="18" charset="0"/>
+                            </a:rPr>
+                            <m:t>𝑊𝑟</m:t>
+                          </m:r>
+                          <m:r>
+                            <a:rPr lang="en-US" sz="3100" b="0" i="1" smtClean="0">
+                              <a:solidFill>
+                                <a:schemeClr val="tx1"/>
+                              </a:solidFill>
+                              <a:latin typeface="Cambria Math" panose="02040503050406030204" pitchFamily="18" charset="0"/>
+                              <a:ea typeface="Cambria" panose="02040503050406030204" pitchFamily="18" charset="0"/>
+                            </a:rPr>
+                            <m:t>(</m:t>
+                          </m:r>
+                          <m:r>
+                            <a:rPr lang="en-US" sz="3100" b="0" i="1" smtClean="0">
+                              <a:solidFill>
+                                <a:schemeClr val="tx1"/>
+                              </a:solidFill>
+                              <a:latin typeface="Cambria Math" panose="02040503050406030204" pitchFamily="18" charset="0"/>
+                              <a:ea typeface="Cambria" panose="02040503050406030204" pitchFamily="18" charset="0"/>
+                            </a:rPr>
+                            <m:t>𝑡</m:t>
+                          </m:r>
+                          <m:r>
+                            <a:rPr lang="en-US" sz="3100" b="0" i="1" smtClean="0">
+                              <a:solidFill>
+                                <a:schemeClr val="tx1"/>
+                              </a:solidFill>
+                              <a:latin typeface="Cambria Math" panose="02040503050406030204" pitchFamily="18" charset="0"/>
+                              <a:ea typeface="Cambria" panose="02040503050406030204" pitchFamily="18" charset="0"/>
+                            </a:rPr>
+                            <m:t>)−</m:t>
+                          </m:r>
+                          <m:r>
+                            <a:rPr lang="en-US" sz="3100" b="0" i="1" smtClean="0">
+                              <a:latin typeface="Cambria Math" panose="02040503050406030204" pitchFamily="18" charset="0"/>
+                              <a:ea typeface="Cambria" panose="02040503050406030204" pitchFamily="18" charset="0"/>
+                            </a:rPr>
+                            <m:t>𝑏</m:t>
+                          </m:r>
+                          <m:r>
+                            <a:rPr lang="en-US" sz="3100" b="0" i="1" smtClean="0">
+                              <a:latin typeface="Cambria Math" panose="02040503050406030204" pitchFamily="18" charset="0"/>
+                              <a:ea typeface="Cambria" panose="02040503050406030204" pitchFamily="18" charset="0"/>
+                            </a:rPr>
+                            <m:t>)</m:t>
+                          </m:r>
+                        </m:oMath>
+                      </m:oMathPara>
+                    </a14:m>
+                    <a:endParaRPr lang="en-US" sz="3100" dirty="0">
+                      <a:solidFill>
+                        <a:schemeClr val="tx1"/>
+                      </a:solidFill>
+                      <a:latin typeface="Cambria" panose="02040503050406030204" pitchFamily="18" charset="0"/>
+                      <a:ea typeface="Cambria" panose="02040503050406030204" pitchFamily="18" charset="0"/>
+                    </a:endParaRPr>
+                  </a:p>
+                </p:txBody>
+              </p:sp>
+            </mc:Choice>
+            <mc:Fallback>
+              <p:sp>
+                <p:nvSpPr>
+                  <p:cNvPr id="14" name="TextBox 13">
+                    <a:extLst>
+                      <a:ext uri="{FF2B5EF4-FFF2-40B4-BE49-F238E27FC236}">
+                        <a16:creationId xmlns:a16="http://schemas.microsoft.com/office/drawing/2014/main" id="{854CC427-CE62-15B7-AE76-1108C42C7865}"/>
+                      </a:ext>
+                    </a:extLst>
+                  </p:cNvPr>
+                  <p:cNvSpPr txBox="1">
+                    <a:spLocks noRot="1" noChangeAspect="1" noMove="1" noResize="1" noEditPoints="1" noAdjustHandles="1" noChangeArrowheads="1" noChangeShapeType="1" noTextEdit="1"/>
+                  </p:cNvSpPr>
+                  <p:nvPr/>
+                </p:nvSpPr>
+                <p:spPr>
+                  <a:xfrm>
+                    <a:off x="5360732" y="26238428"/>
+                    <a:ext cx="8589417" cy="477054"/>
+                  </a:xfrm>
+                  <a:prstGeom prst="rect">
+                    <a:avLst/>
+                  </a:prstGeom>
+                  <a:blipFill>
+                    <a:blip r:embed="rId9"/>
+                    <a:stretch>
+                      <a:fillRect/>
+                    </a:stretch>
+                  </a:blipFill>
+                </p:spPr>
+                <p:txBody>
+                  <a:bodyPr/>
+                  <a:lstStyle/>
+                  <a:p>
+                    <a:r>
+                      <a:rPr lang="en-US">
+                        <a:noFill/>
+                      </a:rPr>
+                      <a:t> </a:t>
+                    </a:r>
+                  </a:p>
+                </p:txBody>
+              </p:sp>
+            </mc:Fallback>
+          </mc:AlternateContent>
+        </p:grpSp>
+      </p:grpSp>
+      <p:sp>
+        <p:nvSpPr>
+          <p:cNvPr id="2" name="TextBox 1">
+            <a:extLst>
+              <a:ext uri="{FF2B5EF4-FFF2-40B4-BE49-F238E27FC236}">
+                <a16:creationId xmlns:a16="http://schemas.microsoft.com/office/drawing/2014/main" id="{94609B7C-ED16-01C6-7FEB-04D80F9DD017}"/>
+              </a:ext>
+            </a:extLst>
+          </p:cNvPr>
+          <p:cNvSpPr txBox="1"/>
+          <p:nvPr/>
+        </p:nvSpPr>
+        <p:spPr>
+          <a:xfrm>
+            <a:off x="23247897" y="24351482"/>
+            <a:ext cx="4175962" cy="707886"/>
+          </a:xfrm>
+          <a:prstGeom prst="rect">
+            <a:avLst/>
+          </a:prstGeom>
+          <a:noFill/>
+        </p:spPr>
+        <p:txBody>
+          <a:bodyPr wrap="square" rtlCol="0">
+            <a:spAutoFit/>
+          </a:bodyPr>
+          <a:lstStyle/>
+          <a:p>
             <a:r>
-              <a:rPr lang="en-US" sz="7200" b="1" dirty="0"/>
-              <a:t>Size</a:t>
+              <a:rPr lang="en-US" sz="4000" b="0" i="0" u="sng" dirty="0">
+                <a:effectLst/>
+                <a:latin typeface="Söhne"/>
+              </a:rPr>
+              <a:t>Magnitude Pruning</a:t>
             </a:r>
-            <a:r>
-              <a:rPr lang="en-US" sz="7200" dirty="0"/>
-              <a:t> – please make sure the poster is 48” wide and 42” tall.</a:t>
-            </a:r>
-          </a:p>
-          <a:p>
-            <a:pPr marL="857299" indent="-857299">
-              <a:buFont typeface="Arial" panose="020B0604020202020204" pitchFamily="34" charset="0"/>
-              <a:buChar char="•"/>
-            </a:pPr>
-            <a:r>
-              <a:rPr lang="en-US" sz="7200" b="1" dirty="0"/>
-              <a:t>Color</a:t>
-            </a:r>
-            <a:r>
-              <a:rPr lang="en-US" sz="7200" dirty="0"/>
-              <a:t> – we ask that you don’t use large blocks of dark ink (e.g., background colors) for the printer’s sake</a:t>
-            </a:r>
-          </a:p>
-          <a:p>
-            <a:pPr marL="857299" indent="-857299">
-              <a:buFont typeface="Arial" panose="020B0604020202020204" pitchFamily="34" charset="0"/>
-              <a:buChar char="•"/>
-            </a:pPr>
-            <a:r>
-              <a:rPr lang="en-US" sz="7200" b="1" dirty="0"/>
-              <a:t>Logos</a:t>
-            </a:r>
-            <a:r>
-              <a:rPr lang="en-US" sz="7200" dirty="0"/>
-              <a:t> – please include the ASPIRE logo to help identify ASPIRE students’ work. We want you to stand out!</a:t>
-            </a:r>
-          </a:p>
-        </p:txBody>
-      </p:sp>
+          </a:p>
+        </p:txBody>
+      </p:sp>
+      <p:grpSp>
+        <p:nvGrpSpPr>
+          <p:cNvPr id="48" name="Group 47">
+            <a:extLst>
+              <a:ext uri="{FF2B5EF4-FFF2-40B4-BE49-F238E27FC236}">
+                <a16:creationId xmlns:a16="http://schemas.microsoft.com/office/drawing/2014/main" id="{3FB3A1E9-268B-F82A-BF03-A5CC6A126B11}"/>
+              </a:ext>
+            </a:extLst>
+          </p:cNvPr>
+          <p:cNvGrpSpPr/>
+          <p:nvPr/>
+        </p:nvGrpSpPr>
+        <p:grpSpPr>
+          <a:xfrm>
+            <a:off x="1399708" y="27323101"/>
+            <a:ext cx="12648290" cy="5219884"/>
+            <a:chOff x="1399708" y="27323101"/>
+            <a:chExt cx="12648290" cy="5219884"/>
+          </a:xfrm>
+        </p:grpSpPr>
+        <p:grpSp>
+          <p:nvGrpSpPr>
+            <p:cNvPr id="75" name="Group 74">
+              <a:extLst>
+                <a:ext uri="{FF2B5EF4-FFF2-40B4-BE49-F238E27FC236}">
+                  <a16:creationId xmlns:a16="http://schemas.microsoft.com/office/drawing/2014/main" id="{351336EB-D767-2D72-EB75-57E938EDD067}"/>
+                </a:ext>
+              </a:extLst>
+            </p:cNvPr>
+            <p:cNvGrpSpPr/>
+            <p:nvPr/>
+          </p:nvGrpSpPr>
+          <p:grpSpPr>
+            <a:xfrm>
+              <a:off x="1399708" y="27330687"/>
+              <a:ext cx="5409361" cy="5205105"/>
+              <a:chOff x="2693897" y="26811022"/>
+              <a:chExt cx="5409361" cy="5205105"/>
+            </a:xfrm>
+          </p:grpSpPr>
+          <p:pic>
+            <p:nvPicPr>
+              <p:cNvPr id="62" name="Graphic 61">
+                <a:extLst>
+                  <a:ext uri="{FF2B5EF4-FFF2-40B4-BE49-F238E27FC236}">
+                    <a16:creationId xmlns:a16="http://schemas.microsoft.com/office/drawing/2014/main" id="{4A92EC2B-C0B1-4491-AB4D-5D2BF9A76ED5}"/>
+                  </a:ext>
+                </a:extLst>
+              </p:cNvPr>
+              <p:cNvPicPr>
+                <a:picLocks noChangeAspect="1"/>
+              </p:cNvPicPr>
+              <p:nvPr/>
+            </p:nvPicPr>
+            <p:blipFill>
+              <a:blip r:embed="rId10">
+                <a:extLst>
+                  <a:ext uri="{96DAC541-7B7A-43D3-8B79-37D633B846F1}">
+                    <asvg:svgBlip xmlns:asvg="http://schemas.microsoft.com/office/drawing/2016/SVG/main" r:embed="rId11"/>
+                  </a:ext>
+                </a:extLst>
+              </a:blip>
+              <a:stretch>
+                <a:fillRect/>
+              </a:stretch>
+            </p:blipFill>
+            <p:spPr>
+              <a:xfrm>
+                <a:off x="2693897" y="26811022"/>
+                <a:ext cx="5409361" cy="5205105"/>
+              </a:xfrm>
+              <a:prstGeom prst="rect">
+                <a:avLst/>
+              </a:prstGeom>
+            </p:spPr>
+          </p:pic>
+          <mc:AlternateContent xmlns:mc="http://schemas.openxmlformats.org/markup-compatibility/2006" xmlns:a14="http://schemas.microsoft.com/office/drawing/2010/main">
+            <mc:Choice Requires="a14">
+              <p:sp>
+                <p:nvSpPr>
+                  <p:cNvPr id="58" name="TextBox 57">
+                    <a:extLst>
+                      <a:ext uri="{FF2B5EF4-FFF2-40B4-BE49-F238E27FC236}">
+                        <a16:creationId xmlns:a16="http://schemas.microsoft.com/office/drawing/2014/main" id="{7A3ACF50-76FF-88E1-C307-7811C783BA08}"/>
+                      </a:ext>
+                    </a:extLst>
+                  </p:cNvPr>
+                  <p:cNvSpPr txBox="1"/>
+                  <p:nvPr/>
+                </p:nvSpPr>
+                <p:spPr>
+                  <a:xfrm>
+                    <a:off x="5328890" y="27014656"/>
+                    <a:ext cx="381277" cy="445284"/>
+                  </a:xfrm>
+                  <a:prstGeom prst="rect">
+                    <a:avLst/>
+                  </a:prstGeom>
+                  <a:noFill/>
+                </p:spPr>
+                <p:txBody>
+                  <a:bodyPr wrap="square" lIns="0" tIns="0" rIns="0" bIns="0" rtlCol="0">
+                    <a:spAutoFit/>
+                  </a:bodyPr>
+                  <a:lstStyle/>
+                  <a:p>
+                    <a:pPr algn="ctr"/>
+                    <a14:m>
+                      <m:oMathPara xmlns:m="http://schemas.openxmlformats.org/officeDocument/2006/math">
+                        <m:oMathParaPr>
+                          <m:jc m:val="centerGroup"/>
+                        </m:oMathParaPr>
+                        <m:oMath xmlns:m="http://schemas.openxmlformats.org/officeDocument/2006/math">
+                          <m:sSub>
+                            <m:sSubPr>
+                              <m:ctrlPr>
+                                <a:rPr lang="en-US" sz="3500" i="1" smtClean="0">
+                                  <a:solidFill>
+                                    <a:schemeClr val="tx1"/>
+                                  </a:solidFill>
+                                  <a:latin typeface="Cambria Math" panose="02040503050406030204" pitchFamily="18" charset="0"/>
+                                  <a:ea typeface="Cambria" panose="02040503050406030204" pitchFamily="18" charset="0"/>
+                                </a:rPr>
+                              </m:ctrlPr>
+                            </m:sSubPr>
+                            <m:e>
+                              <m:r>
+                                <a:rPr lang="en-US" sz="3500" b="0" i="1" smtClean="0">
+                                  <a:solidFill>
+                                    <a:schemeClr val="tx1"/>
+                                  </a:solidFill>
+                                  <a:latin typeface="Cambria Math" panose="02040503050406030204" pitchFamily="18" charset="0"/>
+                                  <a:ea typeface="Cambria" panose="02040503050406030204" pitchFamily="18" charset="0"/>
+                                </a:rPr>
+                                <m:t>𝑟</m:t>
+                              </m:r>
+                            </m:e>
+                            <m:sub>
+                              <m:r>
+                                <a:rPr lang="en-US" sz="3500" b="0" i="1" smtClean="0">
+                                  <a:solidFill>
+                                    <a:schemeClr val="tx1"/>
+                                  </a:solidFill>
+                                  <a:latin typeface="Cambria Math" panose="02040503050406030204" pitchFamily="18" charset="0"/>
+                                  <a:ea typeface="Cambria" panose="02040503050406030204" pitchFamily="18" charset="0"/>
+                                </a:rPr>
+                                <m:t>1</m:t>
+                              </m:r>
+                            </m:sub>
+                          </m:sSub>
+                        </m:oMath>
+                      </m:oMathPara>
+                    </a14:m>
+                    <a:endParaRPr lang="en-US" sz="3500" dirty="0">
+                      <a:solidFill>
+                        <a:schemeClr val="tx1"/>
+                      </a:solidFill>
+                      <a:latin typeface="Cambria" panose="02040503050406030204" pitchFamily="18" charset="0"/>
+                      <a:ea typeface="Cambria" panose="02040503050406030204" pitchFamily="18" charset="0"/>
+                    </a:endParaRPr>
+                  </a:p>
+                </p:txBody>
+              </p:sp>
+            </mc:Choice>
+            <mc:Fallback xmlns="">
+              <p:sp>
+                <p:nvSpPr>
+                  <p:cNvPr id="58" name="TextBox 57">
+                    <a:extLst>
+                      <a:ext uri="{FF2B5EF4-FFF2-40B4-BE49-F238E27FC236}">
+                        <a16:creationId xmlns:a16="http://schemas.microsoft.com/office/drawing/2014/main" id="{7A3ACF50-76FF-88E1-C307-7811C783BA08}"/>
+                      </a:ext>
+                    </a:extLst>
+                  </p:cNvPr>
+                  <p:cNvSpPr txBox="1">
+                    <a:spLocks noRot="1" noChangeAspect="1" noMove="1" noResize="1" noEditPoints="1" noAdjustHandles="1" noChangeArrowheads="1" noChangeShapeType="1" noTextEdit="1"/>
+                  </p:cNvSpPr>
+                  <p:nvPr/>
+                </p:nvSpPr>
+                <p:spPr>
+                  <a:xfrm>
+                    <a:off x="5328890" y="27014656"/>
+                    <a:ext cx="381277" cy="445284"/>
+                  </a:xfrm>
+                  <a:prstGeom prst="rect">
+                    <a:avLst/>
+                  </a:prstGeom>
+                  <a:blipFill>
+                    <a:blip r:embed="rId12"/>
+                    <a:stretch>
+                      <a:fillRect l="-9677" b="-17568"/>
+                    </a:stretch>
+                  </a:blipFill>
+                </p:spPr>
+                <p:txBody>
+                  <a:bodyPr/>
+                  <a:lstStyle/>
+                  <a:p>
+                    <a:r>
+                      <a:rPr lang="en-US">
+                        <a:noFill/>
+                      </a:rPr>
+                      <a:t> </a:t>
+                    </a:r>
+                  </a:p>
+                </p:txBody>
+              </p:sp>
+            </mc:Fallback>
+          </mc:AlternateContent>
+          <mc:AlternateContent xmlns:mc="http://schemas.openxmlformats.org/markup-compatibility/2006" xmlns:a14="http://schemas.microsoft.com/office/drawing/2010/main">
+            <mc:Choice Requires="a14">
+              <p:sp>
+                <p:nvSpPr>
+                  <p:cNvPr id="63" name="TextBox 62">
+                    <a:extLst>
+                      <a:ext uri="{FF2B5EF4-FFF2-40B4-BE49-F238E27FC236}">
+                        <a16:creationId xmlns:a16="http://schemas.microsoft.com/office/drawing/2014/main" id="{73AE35D4-D180-27EE-7F77-4A029354D8A7}"/>
+                      </a:ext>
+                    </a:extLst>
+                  </p:cNvPr>
+                  <p:cNvSpPr txBox="1"/>
+                  <p:nvPr/>
+                </p:nvSpPr>
+                <p:spPr>
+                  <a:xfrm>
+                    <a:off x="3099301" y="28539653"/>
+                    <a:ext cx="402936" cy="445284"/>
+                  </a:xfrm>
+                  <a:prstGeom prst="rect">
+                    <a:avLst/>
+                  </a:prstGeom>
+                  <a:noFill/>
+                </p:spPr>
+                <p:txBody>
+                  <a:bodyPr wrap="square" lIns="0" tIns="0" rIns="0" bIns="0" rtlCol="0">
+                    <a:spAutoFit/>
+                  </a:bodyPr>
+                  <a:lstStyle/>
+                  <a:p>
+                    <a:pPr algn="ctr"/>
+                    <a14:m>
+                      <m:oMathPara xmlns:m="http://schemas.openxmlformats.org/officeDocument/2006/math">
+                        <m:oMathParaPr>
+                          <m:jc m:val="centerGroup"/>
+                        </m:oMathParaPr>
+                        <m:oMath xmlns:m="http://schemas.openxmlformats.org/officeDocument/2006/math">
+                          <m:sSub>
+                            <m:sSubPr>
+                              <m:ctrlPr>
+                                <a:rPr lang="en-US" sz="3500" i="1" smtClean="0">
+                                  <a:solidFill>
+                                    <a:schemeClr val="tx1"/>
+                                  </a:solidFill>
+                                  <a:latin typeface="Cambria Math" panose="02040503050406030204" pitchFamily="18" charset="0"/>
+                                  <a:ea typeface="Cambria" panose="02040503050406030204" pitchFamily="18" charset="0"/>
+                                </a:rPr>
+                              </m:ctrlPr>
+                            </m:sSubPr>
+                            <m:e>
+                              <m:r>
+                                <a:rPr lang="en-US" sz="3500" b="0" i="1" smtClean="0">
+                                  <a:solidFill>
+                                    <a:schemeClr val="tx1"/>
+                                  </a:solidFill>
+                                  <a:latin typeface="Cambria Math" panose="02040503050406030204" pitchFamily="18" charset="0"/>
+                                  <a:ea typeface="Cambria" panose="02040503050406030204" pitchFamily="18" charset="0"/>
+                                </a:rPr>
+                                <m:t>𝑟</m:t>
+                              </m:r>
+                            </m:e>
+                            <m:sub>
+                              <m:r>
+                                <a:rPr lang="en-US" sz="3500" b="0" i="1" smtClean="0">
+                                  <a:solidFill>
+                                    <a:schemeClr val="tx1"/>
+                                  </a:solidFill>
+                                  <a:latin typeface="Cambria Math" panose="02040503050406030204" pitchFamily="18" charset="0"/>
+                                  <a:ea typeface="Cambria" panose="02040503050406030204" pitchFamily="18" charset="0"/>
+                                </a:rPr>
+                                <m:t>2</m:t>
+                              </m:r>
+                            </m:sub>
+                          </m:sSub>
+                        </m:oMath>
+                      </m:oMathPara>
+                    </a14:m>
+                    <a:endParaRPr lang="en-US" sz="3500" dirty="0">
+                      <a:solidFill>
+                        <a:schemeClr val="tx1"/>
+                      </a:solidFill>
+                      <a:latin typeface="Cambria" panose="02040503050406030204" pitchFamily="18" charset="0"/>
+                      <a:ea typeface="Cambria" panose="02040503050406030204" pitchFamily="18" charset="0"/>
+                    </a:endParaRPr>
+                  </a:p>
+                </p:txBody>
+              </p:sp>
+            </mc:Choice>
+            <mc:Fallback xmlns="">
+              <p:sp>
+                <p:nvSpPr>
+                  <p:cNvPr id="63" name="TextBox 62">
+                    <a:extLst>
+                      <a:ext uri="{FF2B5EF4-FFF2-40B4-BE49-F238E27FC236}">
+                        <a16:creationId xmlns:a16="http://schemas.microsoft.com/office/drawing/2014/main" id="{73AE35D4-D180-27EE-7F77-4A029354D8A7}"/>
+                      </a:ext>
+                    </a:extLst>
+                  </p:cNvPr>
+                  <p:cNvSpPr txBox="1">
+                    <a:spLocks noRot="1" noChangeAspect="1" noMove="1" noResize="1" noEditPoints="1" noAdjustHandles="1" noChangeArrowheads="1" noChangeShapeType="1" noTextEdit="1"/>
+                  </p:cNvSpPr>
+                  <p:nvPr/>
+                </p:nvSpPr>
+                <p:spPr>
+                  <a:xfrm>
+                    <a:off x="3099301" y="28539653"/>
+                    <a:ext cx="402936" cy="445284"/>
+                  </a:xfrm>
+                  <a:prstGeom prst="rect">
+                    <a:avLst/>
+                  </a:prstGeom>
+                  <a:blipFill>
+                    <a:blip r:embed="rId13"/>
+                    <a:stretch>
+                      <a:fillRect l="-7576" b="-17808"/>
+                    </a:stretch>
+                  </a:blipFill>
+                </p:spPr>
+                <p:txBody>
+                  <a:bodyPr/>
+                  <a:lstStyle/>
+                  <a:p>
+                    <a:r>
+                      <a:rPr lang="en-US">
+                        <a:noFill/>
+                      </a:rPr>
+                      <a:t> </a:t>
+                    </a:r>
+                  </a:p>
+                </p:txBody>
+              </p:sp>
+            </mc:Fallback>
+          </mc:AlternateContent>
+          <mc:AlternateContent xmlns:mc="http://schemas.openxmlformats.org/markup-compatibility/2006" xmlns:a14="http://schemas.microsoft.com/office/drawing/2010/main">
+            <mc:Choice Requires="a14">
+              <p:sp>
+                <p:nvSpPr>
+                  <p:cNvPr id="64" name="TextBox 63">
+                    <a:extLst>
+                      <a:ext uri="{FF2B5EF4-FFF2-40B4-BE49-F238E27FC236}">
+                        <a16:creationId xmlns:a16="http://schemas.microsoft.com/office/drawing/2014/main" id="{6C899C02-07C1-4977-8A5A-271F6CBAEA9B}"/>
+                      </a:ext>
+                    </a:extLst>
+                  </p:cNvPr>
+                  <p:cNvSpPr txBox="1"/>
+                  <p:nvPr/>
+                </p:nvSpPr>
+                <p:spPr>
+                  <a:xfrm>
+                    <a:off x="3723888" y="31153584"/>
+                    <a:ext cx="646053" cy="445284"/>
+                  </a:xfrm>
+                  <a:prstGeom prst="rect">
+                    <a:avLst/>
+                  </a:prstGeom>
+                  <a:noFill/>
+                </p:spPr>
+                <p:txBody>
+                  <a:bodyPr wrap="square" lIns="0" tIns="0" rIns="0" bIns="0" rtlCol="0">
+                    <a:spAutoFit/>
+                  </a:bodyPr>
+                  <a:lstStyle/>
+                  <a:p>
+                    <a:pPr algn="ctr"/>
+                    <a14:m>
+                      <m:oMathPara xmlns:m="http://schemas.openxmlformats.org/officeDocument/2006/math">
+                        <m:oMathParaPr>
+                          <m:jc m:val="centerGroup"/>
+                        </m:oMathParaPr>
+                        <m:oMath xmlns:m="http://schemas.openxmlformats.org/officeDocument/2006/math">
+                          <m:sSub>
+                            <m:sSubPr>
+                              <m:ctrlPr>
+                                <a:rPr lang="en-US" sz="3500" i="1" smtClean="0">
+                                  <a:solidFill>
+                                    <a:schemeClr val="tx1"/>
+                                  </a:solidFill>
+                                  <a:latin typeface="Cambria Math" panose="02040503050406030204" pitchFamily="18" charset="0"/>
+                                  <a:ea typeface="Cambria" panose="02040503050406030204" pitchFamily="18" charset="0"/>
+                                </a:rPr>
+                              </m:ctrlPr>
+                            </m:sSubPr>
+                            <m:e>
+                              <m:r>
+                                <a:rPr lang="en-US" sz="3500" b="0" i="1" smtClean="0">
+                                  <a:solidFill>
+                                    <a:schemeClr val="tx1"/>
+                                  </a:solidFill>
+                                  <a:latin typeface="Cambria Math" panose="02040503050406030204" pitchFamily="18" charset="0"/>
+                                  <a:ea typeface="Cambria" panose="02040503050406030204" pitchFamily="18" charset="0"/>
+                                </a:rPr>
+                                <m:t>𝑟</m:t>
+                              </m:r>
+                            </m:e>
+                            <m:sub>
+                              <m:r>
+                                <a:rPr lang="en-US" sz="3500" b="0" i="1" smtClean="0">
+                                  <a:solidFill>
+                                    <a:schemeClr val="tx1"/>
+                                  </a:solidFill>
+                                  <a:latin typeface="Cambria Math" panose="02040503050406030204" pitchFamily="18" charset="0"/>
+                                  <a:ea typeface="Cambria" panose="02040503050406030204" pitchFamily="18" charset="0"/>
+                                </a:rPr>
+                                <m:t>3</m:t>
+                              </m:r>
+                            </m:sub>
+                          </m:sSub>
+                        </m:oMath>
+                      </m:oMathPara>
+                    </a14:m>
+                    <a:endParaRPr lang="en-US" sz="3500" dirty="0">
+                      <a:solidFill>
+                        <a:schemeClr val="tx1"/>
+                      </a:solidFill>
+                      <a:latin typeface="Cambria" panose="02040503050406030204" pitchFamily="18" charset="0"/>
+                      <a:ea typeface="Cambria" panose="02040503050406030204" pitchFamily="18" charset="0"/>
+                    </a:endParaRPr>
+                  </a:p>
+                </p:txBody>
+              </p:sp>
+            </mc:Choice>
+            <mc:Fallback xmlns="">
+              <p:sp>
+                <p:nvSpPr>
+                  <p:cNvPr id="64" name="TextBox 63">
+                    <a:extLst>
+                      <a:ext uri="{FF2B5EF4-FFF2-40B4-BE49-F238E27FC236}">
+                        <a16:creationId xmlns:a16="http://schemas.microsoft.com/office/drawing/2014/main" id="{6C899C02-07C1-4977-8A5A-271F6CBAEA9B}"/>
+                      </a:ext>
+                    </a:extLst>
+                  </p:cNvPr>
+                  <p:cNvSpPr txBox="1">
+                    <a:spLocks noRot="1" noChangeAspect="1" noMove="1" noResize="1" noEditPoints="1" noAdjustHandles="1" noChangeArrowheads="1" noChangeShapeType="1" noTextEdit="1"/>
+                  </p:cNvSpPr>
+                  <p:nvPr/>
+                </p:nvSpPr>
+                <p:spPr>
+                  <a:xfrm>
+                    <a:off x="3723888" y="31153584"/>
+                    <a:ext cx="646053" cy="445284"/>
+                  </a:xfrm>
+                  <a:prstGeom prst="rect">
+                    <a:avLst/>
+                  </a:prstGeom>
+                  <a:blipFill>
+                    <a:blip r:embed="rId14"/>
+                    <a:stretch>
+                      <a:fillRect b="-17568"/>
+                    </a:stretch>
+                  </a:blipFill>
+                </p:spPr>
+                <p:txBody>
+                  <a:bodyPr/>
+                  <a:lstStyle/>
+                  <a:p>
+                    <a:r>
+                      <a:rPr lang="en-US">
+                        <a:noFill/>
+                      </a:rPr>
+                      <a:t> </a:t>
+                    </a:r>
+                  </a:p>
+                </p:txBody>
+              </p:sp>
+            </mc:Fallback>
+          </mc:AlternateContent>
+          <mc:AlternateContent xmlns:mc="http://schemas.openxmlformats.org/markup-compatibility/2006" xmlns:a14="http://schemas.microsoft.com/office/drawing/2010/main">
+            <mc:Choice Requires="a14">
+              <p:sp>
+                <p:nvSpPr>
+                  <p:cNvPr id="65" name="TextBox 64">
+                    <a:extLst>
+                      <a:ext uri="{FF2B5EF4-FFF2-40B4-BE49-F238E27FC236}">
+                        <a16:creationId xmlns:a16="http://schemas.microsoft.com/office/drawing/2014/main" id="{2380B307-1573-1CFC-AE00-0397754DFB83}"/>
+                      </a:ext>
+                    </a:extLst>
+                  </p:cNvPr>
+                  <p:cNvSpPr txBox="1"/>
+                  <p:nvPr/>
+                </p:nvSpPr>
+                <p:spPr>
+                  <a:xfrm>
+                    <a:off x="6447493" y="31183564"/>
+                    <a:ext cx="646053" cy="445284"/>
+                  </a:xfrm>
+                  <a:prstGeom prst="rect">
+                    <a:avLst/>
+                  </a:prstGeom>
+                  <a:noFill/>
+                </p:spPr>
+                <p:txBody>
+                  <a:bodyPr wrap="square" lIns="0" tIns="0" rIns="0" bIns="0" rtlCol="0">
+                    <a:spAutoFit/>
+                  </a:bodyPr>
+                  <a:lstStyle/>
+                  <a:p>
+                    <a:pPr algn="ctr"/>
+                    <a14:m>
+                      <m:oMathPara xmlns:m="http://schemas.openxmlformats.org/officeDocument/2006/math">
+                        <m:oMathParaPr>
+                          <m:jc m:val="centerGroup"/>
+                        </m:oMathParaPr>
+                        <m:oMath xmlns:m="http://schemas.openxmlformats.org/officeDocument/2006/math">
+                          <m:sSub>
+                            <m:sSubPr>
+                              <m:ctrlPr>
+                                <a:rPr lang="en-US" sz="3500" i="1" smtClean="0">
+                                  <a:solidFill>
+                                    <a:schemeClr val="tx1"/>
+                                  </a:solidFill>
+                                  <a:latin typeface="Cambria Math" panose="02040503050406030204" pitchFamily="18" charset="0"/>
+                                  <a:ea typeface="Cambria" panose="02040503050406030204" pitchFamily="18" charset="0"/>
+                                </a:rPr>
+                              </m:ctrlPr>
+                            </m:sSubPr>
+                            <m:e>
+                              <m:r>
+                                <a:rPr lang="en-US" sz="3500" b="0" i="1" smtClean="0">
+                                  <a:solidFill>
+                                    <a:schemeClr val="tx1"/>
+                                  </a:solidFill>
+                                  <a:latin typeface="Cambria Math" panose="02040503050406030204" pitchFamily="18" charset="0"/>
+                                  <a:ea typeface="Cambria" panose="02040503050406030204" pitchFamily="18" charset="0"/>
+                                </a:rPr>
+                                <m:t>𝑟</m:t>
+                              </m:r>
+                            </m:e>
+                            <m:sub>
+                              <m:r>
+                                <a:rPr lang="en-US" sz="3500" b="0" i="1" smtClean="0">
+                                  <a:solidFill>
+                                    <a:schemeClr val="tx1"/>
+                                  </a:solidFill>
+                                  <a:latin typeface="Cambria Math" panose="02040503050406030204" pitchFamily="18" charset="0"/>
+                                  <a:ea typeface="Cambria" panose="02040503050406030204" pitchFamily="18" charset="0"/>
+                                </a:rPr>
+                                <m:t>4</m:t>
+                              </m:r>
+                            </m:sub>
+                          </m:sSub>
+                        </m:oMath>
+                      </m:oMathPara>
+                    </a14:m>
+                    <a:endParaRPr lang="en-US" sz="3500" dirty="0">
+                      <a:solidFill>
+                        <a:schemeClr val="tx1"/>
+                      </a:solidFill>
+                      <a:latin typeface="Cambria" panose="02040503050406030204" pitchFamily="18" charset="0"/>
+                      <a:ea typeface="Cambria" panose="02040503050406030204" pitchFamily="18" charset="0"/>
+                    </a:endParaRPr>
+                  </a:p>
+                </p:txBody>
+              </p:sp>
+            </mc:Choice>
+            <mc:Fallback xmlns="">
+              <p:sp>
+                <p:nvSpPr>
+                  <p:cNvPr id="65" name="TextBox 64">
+                    <a:extLst>
+                      <a:ext uri="{FF2B5EF4-FFF2-40B4-BE49-F238E27FC236}">
+                        <a16:creationId xmlns:a16="http://schemas.microsoft.com/office/drawing/2014/main" id="{2380B307-1573-1CFC-AE00-0397754DFB83}"/>
+                      </a:ext>
+                    </a:extLst>
+                  </p:cNvPr>
+                  <p:cNvSpPr txBox="1">
+                    <a:spLocks noRot="1" noChangeAspect="1" noMove="1" noResize="1" noEditPoints="1" noAdjustHandles="1" noChangeArrowheads="1" noChangeShapeType="1" noTextEdit="1"/>
+                  </p:cNvSpPr>
+                  <p:nvPr/>
+                </p:nvSpPr>
+                <p:spPr>
+                  <a:xfrm>
+                    <a:off x="6447493" y="31183564"/>
+                    <a:ext cx="646053" cy="445284"/>
+                  </a:xfrm>
+                  <a:prstGeom prst="rect">
+                    <a:avLst/>
+                  </a:prstGeom>
+                  <a:blipFill>
+                    <a:blip r:embed="rId15"/>
+                    <a:stretch>
+                      <a:fillRect b="-19178"/>
+                    </a:stretch>
+                  </a:blipFill>
+                </p:spPr>
+                <p:txBody>
+                  <a:bodyPr/>
+                  <a:lstStyle/>
+                  <a:p>
+                    <a:r>
+                      <a:rPr lang="en-US">
+                        <a:noFill/>
+                      </a:rPr>
+                      <a:t> </a:t>
+                    </a:r>
+                  </a:p>
+                </p:txBody>
+              </p:sp>
+            </mc:Fallback>
+          </mc:AlternateContent>
+          <mc:AlternateContent xmlns:mc="http://schemas.openxmlformats.org/markup-compatibility/2006" xmlns:a14="http://schemas.microsoft.com/office/drawing/2010/main">
+            <mc:Choice Requires="a14">
+              <p:sp>
+                <p:nvSpPr>
+                  <p:cNvPr id="66" name="TextBox 65">
+                    <a:extLst>
+                      <a:ext uri="{FF2B5EF4-FFF2-40B4-BE49-F238E27FC236}">
+                        <a16:creationId xmlns:a16="http://schemas.microsoft.com/office/drawing/2014/main" id="{D1551B19-F02E-ED86-0104-10EC96C912E9}"/>
+                      </a:ext>
+                    </a:extLst>
+                  </p:cNvPr>
+                  <p:cNvSpPr txBox="1"/>
+                  <p:nvPr/>
+                </p:nvSpPr>
+                <p:spPr>
+                  <a:xfrm>
+                    <a:off x="7448330" y="28628427"/>
+                    <a:ext cx="455414" cy="445284"/>
+                  </a:xfrm>
+                  <a:prstGeom prst="rect">
+                    <a:avLst/>
+                  </a:prstGeom>
+                  <a:noFill/>
+                </p:spPr>
+                <p:txBody>
+                  <a:bodyPr wrap="square" lIns="0" tIns="0" rIns="0" bIns="0" rtlCol="0">
+                    <a:spAutoFit/>
+                  </a:bodyPr>
+                  <a:lstStyle/>
+                  <a:p>
+                    <a:pPr algn="ctr"/>
+                    <a14:m>
+                      <m:oMathPara xmlns:m="http://schemas.openxmlformats.org/officeDocument/2006/math">
+                        <m:oMathParaPr>
+                          <m:jc m:val="centerGroup"/>
+                        </m:oMathParaPr>
+                        <m:oMath xmlns:m="http://schemas.openxmlformats.org/officeDocument/2006/math">
+                          <m:sSub>
+                            <m:sSubPr>
+                              <m:ctrlPr>
+                                <a:rPr lang="en-US" sz="3500" i="1" smtClean="0">
+                                  <a:solidFill>
+                                    <a:schemeClr val="tx1"/>
+                                  </a:solidFill>
+                                  <a:latin typeface="Cambria Math" panose="02040503050406030204" pitchFamily="18" charset="0"/>
+                                  <a:ea typeface="Cambria" panose="02040503050406030204" pitchFamily="18" charset="0"/>
+                                </a:rPr>
+                              </m:ctrlPr>
+                            </m:sSubPr>
+                            <m:e>
+                              <m:r>
+                                <a:rPr lang="en-US" sz="3500" b="0" i="1" smtClean="0">
+                                  <a:solidFill>
+                                    <a:schemeClr val="tx1"/>
+                                  </a:solidFill>
+                                  <a:latin typeface="Cambria Math" panose="02040503050406030204" pitchFamily="18" charset="0"/>
+                                  <a:ea typeface="Cambria" panose="02040503050406030204" pitchFamily="18" charset="0"/>
+                                </a:rPr>
+                                <m:t>𝑟</m:t>
+                              </m:r>
+                            </m:e>
+                            <m:sub>
+                              <m:r>
+                                <a:rPr lang="en-US" sz="3500" b="0" i="1" smtClean="0">
+                                  <a:solidFill>
+                                    <a:schemeClr val="tx1"/>
+                                  </a:solidFill>
+                                  <a:latin typeface="Cambria Math" panose="02040503050406030204" pitchFamily="18" charset="0"/>
+                                  <a:ea typeface="Cambria" panose="02040503050406030204" pitchFamily="18" charset="0"/>
+                                </a:rPr>
+                                <m:t>5</m:t>
+                              </m:r>
+                            </m:sub>
+                          </m:sSub>
+                        </m:oMath>
+                      </m:oMathPara>
+                    </a14:m>
+                    <a:endParaRPr lang="en-US" sz="3500" dirty="0">
+                      <a:solidFill>
+                        <a:schemeClr val="tx1"/>
+                      </a:solidFill>
+                      <a:latin typeface="Cambria" panose="02040503050406030204" pitchFamily="18" charset="0"/>
+                      <a:ea typeface="Cambria" panose="02040503050406030204" pitchFamily="18" charset="0"/>
+                    </a:endParaRPr>
+                  </a:p>
+                </p:txBody>
+              </p:sp>
+            </mc:Choice>
+            <mc:Fallback xmlns="">
+              <p:sp>
+                <p:nvSpPr>
+                  <p:cNvPr id="66" name="TextBox 65">
+                    <a:extLst>
+                      <a:ext uri="{FF2B5EF4-FFF2-40B4-BE49-F238E27FC236}">
+                        <a16:creationId xmlns:a16="http://schemas.microsoft.com/office/drawing/2014/main" id="{D1551B19-F02E-ED86-0104-10EC96C912E9}"/>
+                      </a:ext>
+                    </a:extLst>
+                  </p:cNvPr>
+                  <p:cNvSpPr txBox="1">
+                    <a:spLocks noRot="1" noChangeAspect="1" noMove="1" noResize="1" noEditPoints="1" noAdjustHandles="1" noChangeArrowheads="1" noChangeShapeType="1" noTextEdit="1"/>
+                  </p:cNvSpPr>
+                  <p:nvPr/>
+                </p:nvSpPr>
+                <p:spPr>
+                  <a:xfrm>
+                    <a:off x="7448330" y="28628427"/>
+                    <a:ext cx="455414" cy="445284"/>
+                  </a:xfrm>
+                  <a:prstGeom prst="rect">
+                    <a:avLst/>
+                  </a:prstGeom>
+                  <a:blipFill>
+                    <a:blip r:embed="rId16"/>
+                    <a:stretch>
+                      <a:fillRect l="-1351" b="-19178"/>
+                    </a:stretch>
+                  </a:blipFill>
+                </p:spPr>
+                <p:txBody>
+                  <a:bodyPr/>
+                  <a:lstStyle/>
+                  <a:p>
+                    <a:r>
+                      <a:rPr lang="en-US">
+                        <a:noFill/>
+                      </a:rPr>
+                      <a:t> </a:t>
+                    </a:r>
+                  </a:p>
+                </p:txBody>
+              </p:sp>
+            </mc:Fallback>
+          </mc:AlternateContent>
+        </p:grpSp>
+        <p:grpSp>
+          <p:nvGrpSpPr>
+            <p:cNvPr id="47" name="Group 46">
+              <a:extLst>
+                <a:ext uri="{FF2B5EF4-FFF2-40B4-BE49-F238E27FC236}">
+                  <a16:creationId xmlns:a16="http://schemas.microsoft.com/office/drawing/2014/main" id="{08660012-B81C-DBFD-1A30-8BD9C4874689}"/>
+                </a:ext>
+              </a:extLst>
+            </p:cNvPr>
+            <p:cNvGrpSpPr/>
+            <p:nvPr/>
+          </p:nvGrpSpPr>
+          <p:grpSpPr>
+            <a:xfrm>
+              <a:off x="6505637" y="27323101"/>
+              <a:ext cx="7542361" cy="5219884"/>
+              <a:chOff x="6505637" y="27230221"/>
+              <a:chExt cx="7542361" cy="5219884"/>
+            </a:xfrm>
+          </p:grpSpPr>
+          <p:pic>
+            <p:nvPicPr>
+              <p:cNvPr id="42" name="Picture 41" descr="A colorful graph with red dots">
+                <a:extLst>
+                  <a:ext uri="{FF2B5EF4-FFF2-40B4-BE49-F238E27FC236}">
+                    <a16:creationId xmlns:a16="http://schemas.microsoft.com/office/drawing/2014/main" id="{C49D3B07-707F-FFB5-FF17-03FFBCF6A282}"/>
+                  </a:ext>
+                </a:extLst>
+              </p:cNvPr>
+              <p:cNvPicPr>
+                <a:picLocks noChangeAspect="1"/>
+              </p:cNvPicPr>
+              <p:nvPr/>
+            </p:nvPicPr>
+            <p:blipFill>
+              <a:blip r:embed="rId17"/>
+              <a:stretch>
+                <a:fillRect/>
+              </a:stretch>
+            </p:blipFill>
+            <p:spPr>
+              <a:xfrm>
+                <a:off x="8762784" y="27495593"/>
+                <a:ext cx="5285214" cy="4622940"/>
+              </a:xfrm>
+              <a:prstGeom prst="rect">
+                <a:avLst/>
+              </a:prstGeom>
+            </p:spPr>
+          </p:pic>
+          <p:sp>
+            <p:nvSpPr>
+              <p:cNvPr id="45" name="TextBox 44">
+                <a:extLst>
+                  <a:ext uri="{FF2B5EF4-FFF2-40B4-BE49-F238E27FC236}">
+                    <a16:creationId xmlns:a16="http://schemas.microsoft.com/office/drawing/2014/main" id="{2CFFC752-7DB4-FB51-BD5D-324139516525}"/>
+                  </a:ext>
+                </a:extLst>
+              </p:cNvPr>
+              <p:cNvSpPr txBox="1"/>
+              <p:nvPr/>
+            </p:nvSpPr>
+            <p:spPr>
+              <a:xfrm>
+                <a:off x="6505637" y="27230221"/>
+                <a:ext cx="2505593" cy="892552"/>
+              </a:xfrm>
+              <a:prstGeom prst="rect">
+                <a:avLst/>
+              </a:prstGeom>
+              <a:noFill/>
+            </p:spPr>
+            <p:txBody>
+              <a:bodyPr wrap="square" rtlCol="0">
+                <a:spAutoFit/>
+              </a:bodyPr>
+              <a:lstStyle/>
+              <a:p>
+                <a:pPr algn="ctr"/>
+                <a:r>
+                  <a:rPr lang="en-US" sz="2600" dirty="0">
+                    <a:latin typeface="Söhne"/>
+                  </a:rPr>
+                  <a:t>Randomly Initialized State</a:t>
+                </a:r>
+                <a:endParaRPr lang="en-US" sz="2600" b="0" i="0" dirty="0">
+                  <a:effectLst/>
+                  <a:latin typeface="Söhne"/>
+                </a:endParaRPr>
+              </a:p>
+            </p:txBody>
+          </p:sp>
+          <p:sp>
+            <p:nvSpPr>
+              <p:cNvPr id="46" name="TextBox 45">
+                <a:extLst>
+                  <a:ext uri="{FF2B5EF4-FFF2-40B4-BE49-F238E27FC236}">
+                    <a16:creationId xmlns:a16="http://schemas.microsoft.com/office/drawing/2014/main" id="{CF35FA97-7180-0503-4124-3F2AC9B4CCA2}"/>
+                  </a:ext>
+                </a:extLst>
+              </p:cNvPr>
+              <p:cNvSpPr txBox="1"/>
+              <p:nvPr/>
+            </p:nvSpPr>
+            <p:spPr>
+              <a:xfrm>
+                <a:off x="8762784" y="31957662"/>
+                <a:ext cx="2901505" cy="492443"/>
+              </a:xfrm>
+              <a:prstGeom prst="rect">
+                <a:avLst/>
+              </a:prstGeom>
+              <a:noFill/>
+            </p:spPr>
+            <p:txBody>
+              <a:bodyPr wrap="square" rtlCol="0">
+                <a:spAutoFit/>
+              </a:bodyPr>
+              <a:lstStyle/>
+              <a:p>
+                <a:pPr algn="ctr"/>
+                <a:r>
+                  <a:rPr lang="en-US" sz="2600" dirty="0">
+                    <a:latin typeface="Söhne"/>
+                  </a:rPr>
+                  <a:t>Final Stable State</a:t>
+                </a:r>
+              </a:p>
+            </p:txBody>
+          </p:sp>
+        </p:grpSp>
+      </p:grpSp>
+      <p:pic>
+        <p:nvPicPr>
+          <p:cNvPr id="34" name="Picture 33">
+            <a:extLst>
+              <a:ext uri="{FF2B5EF4-FFF2-40B4-BE49-F238E27FC236}">
+                <a16:creationId xmlns:a16="http://schemas.microsoft.com/office/drawing/2014/main" id="{B7F435BF-8256-8EAC-D658-01E729F6AD7C}"/>
+              </a:ext>
+            </a:extLst>
+          </p:cNvPr>
+          <p:cNvPicPr>
+            <a:picLocks noChangeAspect="1"/>
+          </p:cNvPicPr>
+          <p:nvPr/>
+        </p:nvPicPr>
+        <p:blipFill>
+          <a:blip r:embed="rId18"/>
+          <a:stretch>
+            <a:fillRect/>
+          </a:stretch>
+        </p:blipFill>
+        <p:spPr>
+          <a:xfrm>
+            <a:off x="16764322" y="8453978"/>
+            <a:ext cx="4905375" cy="4524375"/>
+          </a:xfrm>
+          <a:prstGeom prst="rect">
+            <a:avLst/>
+          </a:prstGeom>
+        </p:spPr>
+      </p:pic>
+      <p:pic>
+        <p:nvPicPr>
+          <p:cNvPr id="56" name="Picture 55">
+            <a:extLst>
+              <a:ext uri="{FF2B5EF4-FFF2-40B4-BE49-F238E27FC236}">
+                <a16:creationId xmlns:a16="http://schemas.microsoft.com/office/drawing/2014/main" id="{520B931B-3E00-73DE-0CDE-7986AAEAF22C}"/>
+              </a:ext>
+            </a:extLst>
+          </p:cNvPr>
+          <p:cNvPicPr>
+            <a:picLocks noChangeAspect="1"/>
+          </p:cNvPicPr>
+          <p:nvPr/>
+        </p:nvPicPr>
+        <p:blipFill>
+          <a:blip r:embed="rId19"/>
+          <a:stretch>
+            <a:fillRect/>
+          </a:stretch>
+        </p:blipFill>
+        <p:spPr>
+          <a:xfrm>
+            <a:off x="22141343" y="8435913"/>
+            <a:ext cx="6096000" cy="4572000"/>
+          </a:xfrm>
+          <a:prstGeom prst="rect">
+            <a:avLst/>
+          </a:prstGeom>
+        </p:spPr>
+      </p:pic>
+      <p:pic>
+        <p:nvPicPr>
+          <p:cNvPr id="68" name="Picture 67">
+            <a:extLst>
+              <a:ext uri="{FF2B5EF4-FFF2-40B4-BE49-F238E27FC236}">
+                <a16:creationId xmlns:a16="http://schemas.microsoft.com/office/drawing/2014/main" id="{293BF0C1-D22F-F599-3866-8775BB3FC296}"/>
+              </a:ext>
+            </a:extLst>
+          </p:cNvPr>
+          <p:cNvPicPr>
+            <a:picLocks noChangeAspect="1"/>
+          </p:cNvPicPr>
+          <p:nvPr/>
+        </p:nvPicPr>
+        <p:blipFill rotWithShape="1">
+          <a:blip r:embed="rId20"/>
+          <a:srcRect b="74516"/>
+          <a:stretch/>
+        </p:blipFill>
+        <p:spPr>
+          <a:xfrm>
+            <a:off x="16021582" y="13168080"/>
+            <a:ext cx="12230100" cy="2400658"/>
+          </a:xfrm>
+          <a:prstGeom prst="rect">
+            <a:avLst/>
+          </a:prstGeom>
+        </p:spPr>
+      </p:pic>
+      <p:pic>
+        <p:nvPicPr>
+          <p:cNvPr id="72" name="Picture 71">
+            <a:extLst>
+              <a:ext uri="{FF2B5EF4-FFF2-40B4-BE49-F238E27FC236}">
+                <a16:creationId xmlns:a16="http://schemas.microsoft.com/office/drawing/2014/main" id="{FC9FE949-84E0-8CC0-820F-1E84DBC11FF4}"/>
+              </a:ext>
+            </a:extLst>
+          </p:cNvPr>
+          <p:cNvPicPr>
+            <a:picLocks noChangeAspect="1"/>
+          </p:cNvPicPr>
+          <p:nvPr/>
+        </p:nvPicPr>
+        <p:blipFill>
+          <a:blip r:embed="rId21"/>
+          <a:stretch>
+            <a:fillRect/>
+          </a:stretch>
+        </p:blipFill>
+        <p:spPr>
+          <a:xfrm>
+            <a:off x="15449070" y="15568738"/>
+            <a:ext cx="6463565" cy="8618086"/>
+          </a:xfrm>
+          <a:prstGeom prst="rect">
+            <a:avLst/>
+          </a:prstGeom>
+        </p:spPr>
+      </p:pic>
+      <p:pic>
+        <p:nvPicPr>
+          <p:cNvPr id="81" name="Picture 80">
+            <a:extLst>
+              <a:ext uri="{FF2B5EF4-FFF2-40B4-BE49-F238E27FC236}">
+                <a16:creationId xmlns:a16="http://schemas.microsoft.com/office/drawing/2014/main" id="{F4C7B820-2552-CA30-4451-B8BF5AE8B64F}"/>
+              </a:ext>
+            </a:extLst>
+          </p:cNvPr>
+          <p:cNvPicPr>
+            <a:picLocks noChangeAspect="1"/>
+          </p:cNvPicPr>
+          <p:nvPr/>
+        </p:nvPicPr>
+        <p:blipFill>
+          <a:blip r:embed="rId22"/>
+          <a:stretch>
+            <a:fillRect/>
+          </a:stretch>
+        </p:blipFill>
+        <p:spPr>
+          <a:xfrm>
+            <a:off x="22093229" y="15539761"/>
+            <a:ext cx="6485298" cy="8647064"/>
+          </a:xfrm>
+          <a:prstGeom prst="rect">
+            <a:avLst/>
+          </a:prstGeom>
+        </p:spPr>
+      </p:pic>
+      <p:pic>
+        <p:nvPicPr>
+          <p:cNvPr id="87" name="Picture 86">
+            <a:extLst>
+              <a:ext uri="{FF2B5EF4-FFF2-40B4-BE49-F238E27FC236}">
+                <a16:creationId xmlns:a16="http://schemas.microsoft.com/office/drawing/2014/main" id="{4356ACE9-05EE-5B71-B3B2-84C18E6B83E2}"/>
+              </a:ext>
+            </a:extLst>
+          </p:cNvPr>
+          <p:cNvPicPr>
+            <a:picLocks noChangeAspect="1"/>
+          </p:cNvPicPr>
+          <p:nvPr/>
+        </p:nvPicPr>
+        <p:blipFill>
+          <a:blip r:embed="rId23"/>
+          <a:stretch>
+            <a:fillRect/>
+          </a:stretch>
+        </p:blipFill>
+        <p:spPr>
+          <a:xfrm>
+            <a:off x="16275857" y="25136242"/>
+            <a:ext cx="4629437" cy="3830046"/>
+          </a:xfrm>
+          <a:prstGeom prst="rect">
+            <a:avLst/>
+          </a:prstGeom>
+        </p:spPr>
+      </p:pic>
+      <p:pic>
+        <p:nvPicPr>
+          <p:cNvPr id="89" name="Picture 88">
+            <a:extLst>
+              <a:ext uri="{FF2B5EF4-FFF2-40B4-BE49-F238E27FC236}">
+                <a16:creationId xmlns:a16="http://schemas.microsoft.com/office/drawing/2014/main" id="{5D486DEC-2124-C83B-6F54-9408E2CF5C6B}"/>
+              </a:ext>
+            </a:extLst>
+          </p:cNvPr>
+          <p:cNvPicPr>
+            <a:picLocks noChangeAspect="1"/>
+          </p:cNvPicPr>
+          <p:nvPr/>
+        </p:nvPicPr>
+        <p:blipFill>
+          <a:blip r:embed="rId24"/>
+          <a:stretch>
+            <a:fillRect/>
+          </a:stretch>
+        </p:blipFill>
+        <p:spPr>
+          <a:xfrm>
+            <a:off x="15857428" y="29078720"/>
+            <a:ext cx="5646848" cy="7529131"/>
+          </a:xfrm>
+          <a:prstGeom prst="rect">
+            <a:avLst/>
+          </a:prstGeom>
+        </p:spPr>
+      </p:pic>
+      <p:pic>
+        <p:nvPicPr>
+          <p:cNvPr id="99" name="Picture 98">
+            <a:extLst>
+              <a:ext uri="{FF2B5EF4-FFF2-40B4-BE49-F238E27FC236}">
+                <a16:creationId xmlns:a16="http://schemas.microsoft.com/office/drawing/2014/main" id="{C83A2037-4368-34EE-E5D6-2A0DFCF3BAE8}"/>
+              </a:ext>
+            </a:extLst>
+          </p:cNvPr>
+          <p:cNvPicPr>
+            <a:picLocks noChangeAspect="1"/>
+          </p:cNvPicPr>
+          <p:nvPr/>
+        </p:nvPicPr>
+        <p:blipFill>
+          <a:blip r:embed="rId25"/>
+          <a:stretch>
+            <a:fillRect/>
+          </a:stretch>
+        </p:blipFill>
+        <p:spPr>
+          <a:xfrm>
+            <a:off x="29832027" y="19871080"/>
+            <a:ext cx="6518808" cy="4043311"/>
+          </a:xfrm>
+          <a:prstGeom prst="rect">
+            <a:avLst/>
+          </a:prstGeom>
+        </p:spPr>
+      </p:pic>
+      <p:pic>
+        <p:nvPicPr>
+          <p:cNvPr id="105" name="Picture 104">
+            <a:extLst>
+              <a:ext uri="{FF2B5EF4-FFF2-40B4-BE49-F238E27FC236}">
+                <a16:creationId xmlns:a16="http://schemas.microsoft.com/office/drawing/2014/main" id="{2A8E478C-40D2-A8B9-4E1F-EF90E96065D6}"/>
+              </a:ext>
+            </a:extLst>
+          </p:cNvPr>
+          <p:cNvPicPr>
+            <a:picLocks noChangeAspect="1"/>
+          </p:cNvPicPr>
+          <p:nvPr/>
+        </p:nvPicPr>
+        <p:blipFill>
+          <a:blip r:embed="rId26"/>
+          <a:stretch>
+            <a:fillRect/>
+          </a:stretch>
+        </p:blipFill>
+        <p:spPr>
+          <a:xfrm>
+            <a:off x="36497198" y="19880919"/>
+            <a:ext cx="6518809" cy="4043312"/>
+          </a:xfrm>
+          <a:prstGeom prst="rect">
+            <a:avLst/>
+          </a:prstGeom>
+        </p:spPr>
+      </p:pic>
+      <p:pic>
+        <p:nvPicPr>
+          <p:cNvPr id="111" name="Picture 110">
+            <a:extLst>
+              <a:ext uri="{FF2B5EF4-FFF2-40B4-BE49-F238E27FC236}">
+                <a16:creationId xmlns:a16="http://schemas.microsoft.com/office/drawing/2014/main" id="{63500B43-AE5B-D4F2-EBD0-B1CDEF130AE8}"/>
+              </a:ext>
+            </a:extLst>
+          </p:cNvPr>
+          <p:cNvPicPr>
+            <a:picLocks noChangeAspect="1"/>
+          </p:cNvPicPr>
+          <p:nvPr/>
+        </p:nvPicPr>
+        <p:blipFill>
+          <a:blip r:embed="rId27"/>
+          <a:stretch>
+            <a:fillRect/>
+          </a:stretch>
+        </p:blipFill>
+        <p:spPr>
+          <a:xfrm>
+            <a:off x="32379463" y="6945876"/>
+            <a:ext cx="7942743" cy="6328495"/>
+          </a:xfrm>
+          <a:prstGeom prst="rect">
+            <a:avLst/>
+          </a:prstGeom>
+        </p:spPr>
+      </p:pic>
+      <p:pic>
+        <p:nvPicPr>
+          <p:cNvPr id="113" name="Picture 112">
+            <a:extLst>
+              <a:ext uri="{FF2B5EF4-FFF2-40B4-BE49-F238E27FC236}">
+                <a16:creationId xmlns:a16="http://schemas.microsoft.com/office/drawing/2014/main" id="{6FCF18CA-4510-51CF-1B32-3CA67B268E94}"/>
+              </a:ext>
+            </a:extLst>
+          </p:cNvPr>
+          <p:cNvPicPr>
+            <a:picLocks noChangeAspect="1"/>
+          </p:cNvPicPr>
+          <p:nvPr/>
+        </p:nvPicPr>
+        <p:blipFill>
+          <a:blip r:embed="rId28"/>
+          <a:stretch>
+            <a:fillRect/>
+          </a:stretch>
+        </p:blipFill>
+        <p:spPr>
+          <a:xfrm>
+            <a:off x="32481655" y="13274371"/>
+            <a:ext cx="8031085" cy="6424868"/>
+          </a:xfrm>
+          <a:prstGeom prst="rect">
+            <a:avLst/>
+          </a:prstGeom>
+        </p:spPr>
+      </p:pic>
+      <p:pic>
+        <p:nvPicPr>
+          <p:cNvPr id="115" name="Picture 114">
+            <a:extLst>
+              <a:ext uri="{FF2B5EF4-FFF2-40B4-BE49-F238E27FC236}">
+                <a16:creationId xmlns:a16="http://schemas.microsoft.com/office/drawing/2014/main" id="{244DB2D0-22A4-E18D-FD48-ED1BAE9907A3}"/>
+              </a:ext>
+            </a:extLst>
+          </p:cNvPr>
+          <p:cNvPicPr>
+            <a:picLocks noChangeAspect="1"/>
+          </p:cNvPicPr>
+          <p:nvPr/>
+        </p:nvPicPr>
+        <p:blipFill>
+          <a:blip r:embed="rId29"/>
+          <a:stretch>
+            <a:fillRect/>
+          </a:stretch>
+        </p:blipFill>
+        <p:spPr>
+          <a:xfrm>
+            <a:off x="32588458" y="23977917"/>
+            <a:ext cx="7604861" cy="8557875"/>
+          </a:xfrm>
+          <a:prstGeom prst="rect">
+            <a:avLst/>
+          </a:prstGeom>
+        </p:spPr>
+      </p:pic>
+      <p:pic>
+        <p:nvPicPr>
+          <p:cNvPr id="119" name="Picture 118">
+            <a:extLst>
+              <a:ext uri="{FF2B5EF4-FFF2-40B4-BE49-F238E27FC236}">
+                <a16:creationId xmlns:a16="http://schemas.microsoft.com/office/drawing/2014/main" id="{46D3606A-2CF4-CA60-BC45-D3B0EEE7F06A}"/>
+              </a:ext>
+            </a:extLst>
+          </p:cNvPr>
+          <p:cNvPicPr>
+            <a:picLocks noChangeAspect="1"/>
+          </p:cNvPicPr>
+          <p:nvPr/>
+        </p:nvPicPr>
+        <p:blipFill>
+          <a:blip r:embed="rId30"/>
+          <a:stretch>
+            <a:fillRect/>
+          </a:stretch>
+        </p:blipFill>
+        <p:spPr>
+          <a:xfrm>
+            <a:off x="22985908" y="25059368"/>
+            <a:ext cx="4629437" cy="3999834"/>
+          </a:xfrm>
+          <a:prstGeom prst="rect">
+            <a:avLst/>
+          </a:prstGeom>
+        </p:spPr>
+      </p:pic>
+      <p:pic>
+        <p:nvPicPr>
+          <p:cNvPr id="121" name="Picture 120">
+            <a:extLst>
+              <a:ext uri="{FF2B5EF4-FFF2-40B4-BE49-F238E27FC236}">
+                <a16:creationId xmlns:a16="http://schemas.microsoft.com/office/drawing/2014/main" id="{61D16655-C175-D398-FC79-A83687B4C9C9}"/>
+              </a:ext>
+            </a:extLst>
+          </p:cNvPr>
+          <p:cNvPicPr>
+            <a:picLocks noChangeAspect="1"/>
+          </p:cNvPicPr>
+          <p:nvPr/>
+        </p:nvPicPr>
+        <p:blipFill>
+          <a:blip r:embed="rId31"/>
+          <a:stretch>
+            <a:fillRect/>
+          </a:stretch>
+        </p:blipFill>
+        <p:spPr>
+          <a:xfrm>
+            <a:off x="22610167" y="29148092"/>
+            <a:ext cx="5463140" cy="7395680"/>
+          </a:xfrm>
+          <a:prstGeom prst="rect">
+            <a:avLst/>
+          </a:prstGeom>
+        </p:spPr>
+      </p:pic>
     </p:spTree>
     <p:extLst>
       <p:ext uri="{BB962C8B-B14F-4D97-AF65-F5344CB8AC3E}">
@@ -3915,7 +7442,27 @@
       </a:bgFillStyleLst>
     </a:fmtScheme>
   </a:themeElements>
-  <a:objectDefaults/>
+  <a:objectDefaults>
+    <a:lnDef>
+      <a:spPr/>
+      <a:bodyPr/>
+      <a:lstStyle/>
+      <a:style>
+        <a:lnRef idx="1">
+          <a:schemeClr val="dk1"/>
+        </a:lnRef>
+        <a:fillRef idx="0">
+          <a:schemeClr val="dk1"/>
+        </a:fillRef>
+        <a:effectRef idx="0">
+          <a:schemeClr val="dk1"/>
+        </a:effectRef>
+        <a:fontRef idx="minor">
+          <a:schemeClr val="tx1"/>
+        </a:fontRef>
+      </a:style>
+    </a:lnDef>
+  </a:objectDefaults>
   <a:extraClrSchemeLst/>
   <a:extLst>
     <a:ext uri="{05A4C25C-085E-4340-85A3-A5531E510DB2}">

--- a/poster/aspire_2024.pptx
+++ b/poster/aspire_2024.pptx
@@ -266,7 +266,7 @@
           <a:p>
             <a:fld id="{5E7D15C8-03A2-F24E-A8BF-1046E36358E7}" type="datetimeFigureOut">
               <a:rPr lang="en-US" smtClean="0"/>
-              <a:t>5/29/2024</a:t>
+              <a:t>5/30/2024</a:t>
             </a:fld>
             <a:endParaRPr lang="en-US"/>
           </a:p>
@@ -436,7 +436,7 @@
           <a:p>
             <a:fld id="{5E7D15C8-03A2-F24E-A8BF-1046E36358E7}" type="datetimeFigureOut">
               <a:rPr lang="en-US" smtClean="0"/>
-              <a:t>5/29/2024</a:t>
+              <a:t>5/30/2024</a:t>
             </a:fld>
             <a:endParaRPr lang="en-US"/>
           </a:p>
@@ -616,7 +616,7 @@
           <a:p>
             <a:fld id="{5E7D15C8-03A2-F24E-A8BF-1046E36358E7}" type="datetimeFigureOut">
               <a:rPr lang="en-US" smtClean="0"/>
-              <a:t>5/29/2024</a:t>
+              <a:t>5/30/2024</a:t>
             </a:fld>
             <a:endParaRPr lang="en-US"/>
           </a:p>
@@ -786,7 +786,7 @@
           <a:p>
             <a:fld id="{5E7D15C8-03A2-F24E-A8BF-1046E36358E7}" type="datetimeFigureOut">
               <a:rPr lang="en-US" smtClean="0"/>
-              <a:t>5/29/2024</a:t>
+              <a:t>5/30/2024</a:t>
             </a:fld>
             <a:endParaRPr lang="en-US"/>
           </a:p>
@@ -1030,7 +1030,7 @@
           <a:p>
             <a:fld id="{5E7D15C8-03A2-F24E-A8BF-1046E36358E7}" type="datetimeFigureOut">
               <a:rPr lang="en-US" smtClean="0"/>
-              <a:t>5/29/2024</a:t>
+              <a:t>5/30/2024</a:t>
             </a:fld>
             <a:endParaRPr lang="en-US"/>
           </a:p>
@@ -1262,7 +1262,7 @@
           <a:p>
             <a:fld id="{5E7D15C8-03A2-F24E-A8BF-1046E36358E7}" type="datetimeFigureOut">
               <a:rPr lang="en-US" smtClean="0"/>
-              <a:t>5/29/2024</a:t>
+              <a:t>5/30/2024</a:t>
             </a:fld>
             <a:endParaRPr lang="en-US"/>
           </a:p>
@@ -1629,7 +1629,7 @@
           <a:p>
             <a:fld id="{5E7D15C8-03A2-F24E-A8BF-1046E36358E7}" type="datetimeFigureOut">
               <a:rPr lang="en-US" smtClean="0"/>
-              <a:t>5/29/2024</a:t>
+              <a:t>5/30/2024</a:t>
             </a:fld>
             <a:endParaRPr lang="en-US"/>
           </a:p>
@@ -1747,7 +1747,7 @@
           <a:p>
             <a:fld id="{5E7D15C8-03A2-F24E-A8BF-1046E36358E7}" type="datetimeFigureOut">
               <a:rPr lang="en-US" smtClean="0"/>
-              <a:t>5/29/2024</a:t>
+              <a:t>5/30/2024</a:t>
             </a:fld>
             <a:endParaRPr lang="en-US"/>
           </a:p>
@@ -1842,7 +1842,7 @@
           <a:p>
             <a:fld id="{5E7D15C8-03A2-F24E-A8BF-1046E36358E7}" type="datetimeFigureOut">
               <a:rPr lang="en-US" smtClean="0"/>
-              <a:t>5/29/2024</a:t>
+              <a:t>5/30/2024</a:t>
             </a:fld>
             <a:endParaRPr lang="en-US"/>
           </a:p>
@@ -2119,7 +2119,7 @@
           <a:p>
             <a:fld id="{5E7D15C8-03A2-F24E-A8BF-1046E36358E7}" type="datetimeFigureOut">
               <a:rPr lang="en-US" smtClean="0"/>
-              <a:t>5/29/2024</a:t>
+              <a:t>5/30/2024</a:t>
             </a:fld>
             <a:endParaRPr lang="en-US"/>
           </a:p>
@@ -2376,7 +2376,7 @@
           <a:p>
             <a:fld id="{5E7D15C8-03A2-F24E-A8BF-1046E36358E7}" type="datetimeFigureOut">
               <a:rPr lang="en-US" smtClean="0"/>
-              <a:t>5/29/2024</a:t>
+              <a:t>5/30/2024</a:t>
             </a:fld>
             <a:endParaRPr lang="en-US"/>
           </a:p>
@@ -2589,7 +2589,7 @@
           <a:p>
             <a:fld id="{5E7D15C8-03A2-F24E-A8BF-1046E36358E7}" type="datetimeFigureOut">
               <a:rPr lang="en-US" smtClean="0"/>
-              <a:t>5/29/2024</a:t>
+              <a:t>5/30/2024</a:t>
             </a:fld>
             <a:endParaRPr lang="en-US"/>
           </a:p>
@@ -3253,7 +3253,7 @@
         </p:nvSpPr>
         <p:spPr>
           <a:xfrm>
-            <a:off x="15293876" y="6831315"/>
+            <a:off x="15354512" y="6831315"/>
             <a:ext cx="13349096" cy="30520155"/>
           </a:xfrm>
           <a:prstGeom prst="roundRect">
@@ -3536,10 +3536,10 @@
       </p:grpSp>
       <p:grpSp>
         <p:nvGrpSpPr>
-          <p:cNvPr id="55" name="Group 54">
+          <p:cNvPr id="50" name="Group 49">
             <a:extLst>
               <a:ext uri="{FF2B5EF4-FFF2-40B4-BE49-F238E27FC236}">
-                <a16:creationId xmlns:a16="http://schemas.microsoft.com/office/drawing/2014/main" id="{E0F197F7-0D3C-E036-5DDD-930A946E3539}"/>
+                <a16:creationId xmlns:a16="http://schemas.microsoft.com/office/drawing/2014/main" id="{2FA4672C-9405-44D9-13DB-4E5B4BDDC3F9}"/>
               </a:ext>
             </a:extLst>
           </p:cNvPr>
@@ -3548,195 +3548,174 @@
         </p:nvGrpSpPr>
         <p:grpSpPr>
           <a:xfrm>
-            <a:off x="31819963" y="34641910"/>
-            <a:ext cx="9812144" cy="2716433"/>
+            <a:off x="31819963" y="34851460"/>
+            <a:ext cx="9812144" cy="1412104"/>
             <a:chOff x="31819963" y="34308083"/>
-            <a:chExt cx="9812144" cy="2716433"/>
+            <a:chExt cx="9812144" cy="1412104"/>
           </a:xfrm>
         </p:grpSpPr>
-        <p:grpSp>
-          <p:nvGrpSpPr>
-            <p:cNvPr id="50" name="Group 49">
+        <p:sp>
+          <p:nvSpPr>
+            <p:cNvPr id="25" name="TextBox 24">
               <a:extLst>
                 <a:ext uri="{FF2B5EF4-FFF2-40B4-BE49-F238E27FC236}">
-                  <a16:creationId xmlns:a16="http://schemas.microsoft.com/office/drawing/2014/main" id="{2FA4672C-9405-44D9-13DB-4E5B4BDDC3F9}"/>
+                  <a16:creationId xmlns:a16="http://schemas.microsoft.com/office/drawing/2014/main" id="{5CD0A039-A54A-0BA7-5B7C-DA5ADC83179A}"/>
                 </a:ext>
               </a:extLst>
             </p:cNvPr>
-            <p:cNvGrpSpPr/>
+            <p:cNvSpPr txBox="1"/>
             <p:nvPr/>
-          </p:nvGrpSpPr>
-          <p:grpSpPr>
+          </p:nvSpPr>
+          <p:spPr>
             <a:xfrm>
-              <a:off x="31819963" y="34308083"/>
-              <a:ext cx="9812144" cy="1412104"/>
-              <a:chOff x="31819963" y="34308083"/>
-              <a:chExt cx="9812144" cy="1412104"/>
+              <a:off x="34033637" y="34308083"/>
+              <a:ext cx="5384800" cy="861774"/>
             </a:xfrm>
-          </p:grpSpPr>
-          <p:sp>
-            <p:nvSpPr>
-              <p:cNvPr id="25" name="TextBox 24">
-                <a:extLst>
-                  <a:ext uri="{FF2B5EF4-FFF2-40B4-BE49-F238E27FC236}">
-                    <a16:creationId xmlns:a16="http://schemas.microsoft.com/office/drawing/2014/main" id="{5CD0A039-A54A-0BA7-5B7C-DA5ADC83179A}"/>
-                  </a:ext>
-                </a:extLst>
-              </p:cNvPr>
-              <p:cNvSpPr txBox="1"/>
-              <p:nvPr/>
-            </p:nvSpPr>
-            <p:spPr>
-              <a:xfrm>
-                <a:off x="34033637" y="34308083"/>
-                <a:ext cx="5384800" cy="861774"/>
-              </a:xfrm>
-              <a:prstGeom prst="rect">
-                <a:avLst/>
-              </a:prstGeom>
-              <a:noFill/>
-            </p:spPr>
-            <p:txBody>
-              <a:bodyPr wrap="square" rtlCol="0">
-                <a:spAutoFit/>
-              </a:bodyPr>
-              <a:lstStyle/>
-              <a:p>
-                <a:r>
-                  <a:rPr lang="en-US" sz="5000" b="1" u="sng" dirty="0"/>
-                  <a:t>Acknowledgements</a:t>
-                </a:r>
-              </a:p>
-            </p:txBody>
-          </p:sp>
-          <p:sp>
-            <p:nvSpPr>
-              <p:cNvPr id="19" name="TextBox 18">
-                <a:extLst>
-                  <a:ext uri="{FF2B5EF4-FFF2-40B4-BE49-F238E27FC236}">
-                    <a16:creationId xmlns:a16="http://schemas.microsoft.com/office/drawing/2014/main" id="{50483BB5-7A5E-76D8-C022-C8493A19211B}"/>
-                  </a:ext>
-                </a:extLst>
-              </p:cNvPr>
-              <p:cNvSpPr txBox="1"/>
-              <p:nvPr/>
-            </p:nvSpPr>
-            <p:spPr>
-              <a:xfrm>
-                <a:off x="31819963" y="35166189"/>
-                <a:ext cx="9812144" cy="553998"/>
-              </a:xfrm>
-              <a:prstGeom prst="rect">
-                <a:avLst/>
-              </a:prstGeom>
-              <a:noFill/>
-            </p:spPr>
-            <p:txBody>
-              <a:bodyPr wrap="square" rtlCol="0">
-                <a:spAutoFit/>
-              </a:bodyPr>
-              <a:lstStyle/>
-              <a:p>
-                <a:pPr algn="ctr"/>
-                <a:r>
-                  <a:rPr lang="en-US" sz="3000" dirty="0"/>
-                  <a:t>Thank you to Dr. Chaudhuri for his endless support and insight</a:t>
-                </a:r>
-              </a:p>
-            </p:txBody>
-          </p:sp>
-        </p:grpSp>
-        <p:grpSp>
-          <p:nvGrpSpPr>
-            <p:cNvPr id="54" name="Group 53">
+            <a:prstGeom prst="rect">
+              <a:avLst/>
+            </a:prstGeom>
+            <a:noFill/>
+          </p:spPr>
+          <p:txBody>
+            <a:bodyPr wrap="square" rtlCol="0">
+              <a:spAutoFit/>
+            </a:bodyPr>
+            <a:lstStyle/>
+            <a:p>
+              <a:r>
+                <a:rPr lang="en-US" sz="5000" b="1" u="sng" dirty="0"/>
+                <a:t>Acknowledgements</a:t>
+              </a:r>
+            </a:p>
+          </p:txBody>
+        </p:sp>
+        <p:sp>
+          <p:nvSpPr>
+            <p:cNvPr id="19" name="TextBox 18">
               <a:extLst>
                 <a:ext uri="{FF2B5EF4-FFF2-40B4-BE49-F238E27FC236}">
-                  <a16:creationId xmlns:a16="http://schemas.microsoft.com/office/drawing/2014/main" id="{F3EEB5A8-5393-4FB7-A34A-676CB05C2710}"/>
+                  <a16:creationId xmlns:a16="http://schemas.microsoft.com/office/drawing/2014/main" id="{50483BB5-7A5E-76D8-C022-C8493A19211B}"/>
                 </a:ext>
               </a:extLst>
             </p:cNvPr>
-            <p:cNvGrpSpPr/>
+            <p:cNvSpPr txBox="1"/>
             <p:nvPr/>
-          </p:nvGrpSpPr>
-          <p:grpSpPr>
+          </p:nvSpPr>
+          <p:spPr>
             <a:xfrm>
-              <a:off x="31819963" y="35779479"/>
-              <a:ext cx="9812144" cy="1245037"/>
-              <a:chOff x="31819963" y="35779479"/>
-              <a:chExt cx="9812144" cy="1245037"/>
+              <a:off x="31819963" y="35166189"/>
+              <a:ext cx="9812144" cy="553998"/>
             </a:xfrm>
-          </p:grpSpPr>
-          <p:sp>
-            <p:nvSpPr>
-              <p:cNvPr id="17" name="TextBox 16">
-                <a:extLst>
-                  <a:ext uri="{FF2B5EF4-FFF2-40B4-BE49-F238E27FC236}">
-                    <a16:creationId xmlns:a16="http://schemas.microsoft.com/office/drawing/2014/main" id="{A25FE9D8-7F5F-8E57-81A7-5AE58AECAA8F}"/>
-                  </a:ext>
-                </a:extLst>
-              </p:cNvPr>
-              <p:cNvSpPr txBox="1"/>
-              <p:nvPr/>
-            </p:nvSpPr>
-            <p:spPr>
-              <a:xfrm>
-                <a:off x="34696222" y="35779479"/>
-                <a:ext cx="4059630" cy="784830"/>
-              </a:xfrm>
-              <a:prstGeom prst="rect">
-                <a:avLst/>
-              </a:prstGeom>
-              <a:noFill/>
-            </p:spPr>
-            <p:txBody>
-              <a:bodyPr wrap="square" rtlCol="0">
-                <a:spAutoFit/>
-              </a:bodyPr>
-              <a:lstStyle/>
-              <a:p>
-                <a:r>
-                  <a:rPr lang="en-US" sz="4500" b="1" u="sng" dirty="0"/>
-                  <a:t>Data Availability</a:t>
-                </a:r>
-              </a:p>
-            </p:txBody>
-          </p:sp>
-          <p:sp>
-            <p:nvSpPr>
-              <p:cNvPr id="15" name="TextBox 14">
-                <a:extLst>
-                  <a:ext uri="{FF2B5EF4-FFF2-40B4-BE49-F238E27FC236}">
-                    <a16:creationId xmlns:a16="http://schemas.microsoft.com/office/drawing/2014/main" id="{27267F8A-055A-2DAD-49A7-530C661B87CE}"/>
-                  </a:ext>
-                </a:extLst>
-              </p:cNvPr>
-              <p:cNvSpPr txBox="1"/>
-              <p:nvPr/>
-            </p:nvSpPr>
-            <p:spPr>
-              <a:xfrm>
-                <a:off x="31819963" y="36532073"/>
-                <a:ext cx="9812144" cy="492443"/>
-              </a:xfrm>
-              <a:prstGeom prst="rect">
-                <a:avLst/>
-              </a:prstGeom>
-              <a:noFill/>
-            </p:spPr>
-            <p:txBody>
-              <a:bodyPr wrap="square" rtlCol="0">
-                <a:spAutoFit/>
-              </a:bodyPr>
-              <a:lstStyle/>
-              <a:p>
-                <a:r>
-                  <a:rPr lang="en-US" sz="2600" dirty="0"/>
-                  <a:t>GitHub Repository: https://github.com/BrianLi-hello/hopfield-pruning </a:t>
-                </a:r>
-              </a:p>
-            </p:txBody>
-          </p:sp>
-        </p:grpSp>
+            <a:prstGeom prst="rect">
+              <a:avLst/>
+            </a:prstGeom>
+            <a:noFill/>
+          </p:spPr>
+          <p:txBody>
+            <a:bodyPr wrap="square" rtlCol="0">
+              <a:spAutoFit/>
+            </a:bodyPr>
+            <a:lstStyle/>
+            <a:p>
+              <a:pPr algn="ctr"/>
+              <a:r>
+                <a:rPr lang="en-US" sz="3000" dirty="0"/>
+                <a:t>Thank you to Dr. Chaudhuri for his endless support and insight</a:t>
+              </a:r>
+            </a:p>
+          </p:txBody>
+        </p:sp>
+      </p:grpSp>
+      <p:grpSp>
+        <p:nvGrpSpPr>
+          <p:cNvPr id="54" name="Group 53">
+            <a:extLst>
+              <a:ext uri="{FF2B5EF4-FFF2-40B4-BE49-F238E27FC236}">
+                <a16:creationId xmlns:a16="http://schemas.microsoft.com/office/drawing/2014/main" id="{F3EEB5A8-5393-4FB7-A34A-676CB05C2710}"/>
+              </a:ext>
+            </a:extLst>
+          </p:cNvPr>
+          <p:cNvGrpSpPr/>
+          <p:nvPr/>
+        </p:nvGrpSpPr>
+        <p:grpSpPr>
+          <a:xfrm>
+            <a:off x="31819963" y="36113306"/>
+            <a:ext cx="9812144" cy="1245037"/>
+            <a:chOff x="31819963" y="35779479"/>
+            <a:chExt cx="9812144" cy="1245037"/>
+          </a:xfrm>
+        </p:grpSpPr>
+        <p:sp>
+          <p:nvSpPr>
+            <p:cNvPr id="17" name="TextBox 16">
+              <a:extLst>
+                <a:ext uri="{FF2B5EF4-FFF2-40B4-BE49-F238E27FC236}">
+                  <a16:creationId xmlns:a16="http://schemas.microsoft.com/office/drawing/2014/main" id="{A25FE9D8-7F5F-8E57-81A7-5AE58AECAA8F}"/>
+                </a:ext>
+              </a:extLst>
+            </p:cNvPr>
+            <p:cNvSpPr txBox="1"/>
+            <p:nvPr/>
+          </p:nvSpPr>
+          <p:spPr>
+            <a:xfrm>
+              <a:off x="34696222" y="35779479"/>
+              <a:ext cx="4059630" cy="784830"/>
+            </a:xfrm>
+            <a:prstGeom prst="rect">
+              <a:avLst/>
+            </a:prstGeom>
+            <a:noFill/>
+          </p:spPr>
+          <p:txBody>
+            <a:bodyPr wrap="square" rtlCol="0">
+              <a:spAutoFit/>
+            </a:bodyPr>
+            <a:lstStyle/>
+            <a:p>
+              <a:r>
+                <a:rPr lang="en-US" sz="4500" b="1" u="sng" dirty="0"/>
+                <a:t>Data Availability</a:t>
+              </a:r>
+            </a:p>
+          </p:txBody>
+        </p:sp>
+        <p:sp>
+          <p:nvSpPr>
+            <p:cNvPr id="15" name="TextBox 14">
+              <a:extLst>
+                <a:ext uri="{FF2B5EF4-FFF2-40B4-BE49-F238E27FC236}">
+                  <a16:creationId xmlns:a16="http://schemas.microsoft.com/office/drawing/2014/main" id="{27267F8A-055A-2DAD-49A7-530C661B87CE}"/>
+                </a:ext>
+              </a:extLst>
+            </p:cNvPr>
+            <p:cNvSpPr txBox="1"/>
+            <p:nvPr/>
+          </p:nvSpPr>
+          <p:spPr>
+            <a:xfrm>
+              <a:off x="31819963" y="36532073"/>
+              <a:ext cx="9812144" cy="492443"/>
+            </a:xfrm>
+            <a:prstGeom prst="rect">
+              <a:avLst/>
+            </a:prstGeom>
+            <a:noFill/>
+          </p:spPr>
+          <p:txBody>
+            <a:bodyPr wrap="square" rtlCol="0">
+              <a:spAutoFit/>
+            </a:bodyPr>
+            <a:lstStyle/>
+            <a:p>
+              <a:r>
+                <a:rPr lang="en-US" sz="2600" dirty="0"/>
+                <a:t>GitHub Repository: https://github.com/BrianLi-hello/hopfield-pruning </a:t>
+              </a:r>
+            </a:p>
+          </p:txBody>
+        </p:sp>
       </p:grpSp>
       <p:sp>
         <p:nvSpPr>
@@ -3917,8 +3896,8 @@
         </p:nvSpPr>
         <p:spPr>
           <a:xfrm>
-            <a:off x="30478707" y="33537872"/>
-            <a:ext cx="12494654" cy="784830"/>
+            <a:off x="31209958" y="33537872"/>
+            <a:ext cx="11032150" cy="1431161"/>
           </a:xfrm>
           <a:prstGeom prst="rect">
             <a:avLst/>
@@ -3932,11 +3911,11 @@
           <a:lstStyle/>
           <a:p>
             <a:r>
-              <a:rPr lang="en-US" sz="4500" b="0" i="0" dirty="0">
+              <a:rPr lang="en-US" sz="2900" b="0" i="0" dirty="0">
                 <a:effectLst/>
                 <a:latin typeface="Söhne"/>
               </a:rPr>
-              <a:t>Magnitude pruning …</a:t>
+              <a:t>Sparse and magnitude pruning perform roughly the same across various percentages of flipped pixels. This similarity is due to the robustness and redundancy in the weights of the HN that correspond to stored patterns.</a:t>
             </a:r>
           </a:p>
         </p:txBody>
@@ -5548,8 +5527,8 @@
               </p:sp>
             </mc:Fallback>
           </mc:AlternateContent>
-          <mc:AlternateContent xmlns:mc="http://schemas.openxmlformats.org/markup-compatibility/2006">
-            <mc:Choice xmlns:a14="http://schemas.microsoft.com/office/drawing/2010/main" Requires="a14">
+          <mc:AlternateContent xmlns:mc="http://schemas.openxmlformats.org/markup-compatibility/2006" xmlns:a14="http://schemas.microsoft.com/office/drawing/2010/main">
+            <mc:Choice Requires="a14">
               <p:sp>
                 <p:nvSpPr>
                   <p:cNvPr id="14" name="TextBox 13">
@@ -5800,7 +5779,7 @@
                 </p:txBody>
               </p:sp>
             </mc:Choice>
-            <mc:Fallback>
+            <mc:Fallback xmlns="">
               <p:sp>
                 <p:nvSpPr>
                   <p:cNvPr id="14" name="TextBox 13">
@@ -6960,8 +6939,8 @@
         </p:blipFill>
         <p:spPr>
           <a:xfrm>
-            <a:off x="15857428" y="29078720"/>
-            <a:ext cx="5646848" cy="7529131"/>
+            <a:off x="15943768" y="29078721"/>
+            <a:ext cx="5560507" cy="7414010"/>
           </a:xfrm>
           <a:prstGeom prst="rect">
             <a:avLst/>
@@ -7090,10 +7069,10 @@
       </p:pic>
       <p:pic>
         <p:nvPicPr>
-          <p:cNvPr id="115" name="Picture 114">
+          <p:cNvPr id="119" name="Picture 118">
             <a:extLst>
               <a:ext uri="{FF2B5EF4-FFF2-40B4-BE49-F238E27FC236}">
-                <a16:creationId xmlns:a16="http://schemas.microsoft.com/office/drawing/2014/main" id="{244DB2D0-22A4-E18D-FD48-ED1BAE9907A3}"/>
+                <a16:creationId xmlns:a16="http://schemas.microsoft.com/office/drawing/2014/main" id="{46D3606A-2CF4-CA60-BC45-D3B0EEE7F06A}"/>
               </a:ext>
             </a:extLst>
           </p:cNvPr>
@@ -7110,8 +7089,8 @@
         </p:blipFill>
         <p:spPr>
           <a:xfrm>
-            <a:off x="32588458" y="23977917"/>
-            <a:ext cx="7604861" cy="8557875"/>
+            <a:off x="22985908" y="25059368"/>
+            <a:ext cx="4629437" cy="3999834"/>
           </a:xfrm>
           <a:prstGeom prst="rect">
             <a:avLst/>
@@ -7120,10 +7099,10 @@
       </p:pic>
       <p:pic>
         <p:nvPicPr>
-          <p:cNvPr id="119" name="Picture 118">
+          <p:cNvPr id="26" name="Picture 25">
             <a:extLst>
               <a:ext uri="{FF2B5EF4-FFF2-40B4-BE49-F238E27FC236}">
-                <a16:creationId xmlns:a16="http://schemas.microsoft.com/office/drawing/2014/main" id="{46D3606A-2CF4-CA60-BC45-D3B0EEE7F06A}"/>
+                <a16:creationId xmlns:a16="http://schemas.microsoft.com/office/drawing/2014/main" id="{36BE6560-BD2D-8B0D-4B96-0144DC372D3E}"/>
               </a:ext>
             </a:extLst>
           </p:cNvPr>
@@ -7140,8 +7119,8 @@
         </p:blipFill>
         <p:spPr>
           <a:xfrm>
-            <a:off x="22985908" y="25059368"/>
-            <a:ext cx="4629437" cy="3999834"/>
+            <a:off x="22553844" y="29182343"/>
+            <a:ext cx="5479928" cy="7306572"/>
           </a:xfrm>
           <a:prstGeom prst="rect">
             <a:avLst/>
@@ -7150,10 +7129,10 @@
       </p:pic>
       <p:pic>
         <p:nvPicPr>
-          <p:cNvPr id="121" name="Picture 120">
+          <p:cNvPr id="39" name="Picture 38">
             <a:extLst>
               <a:ext uri="{FF2B5EF4-FFF2-40B4-BE49-F238E27FC236}">
-                <a16:creationId xmlns:a16="http://schemas.microsoft.com/office/drawing/2014/main" id="{61D16655-C175-D398-FC79-A83687B4C9C9}"/>
+                <a16:creationId xmlns:a16="http://schemas.microsoft.com/office/drawing/2014/main" id="{4A6CB7CF-B017-604C-D1A8-98A3B20D58BE}"/>
               </a:ext>
             </a:extLst>
           </p:cNvPr>
@@ -7170,8 +7149,8 @@
         </p:blipFill>
         <p:spPr>
           <a:xfrm>
-            <a:off x="22610167" y="29148092"/>
-            <a:ext cx="5463140" cy="7395680"/>
+            <a:off x="32050133" y="24062889"/>
+            <a:ext cx="8601403" cy="8601403"/>
           </a:xfrm>
           <a:prstGeom prst="rect">
             <a:avLst/>

--- a/poster/aspire_2024.pptx
+++ b/poster/aspire_2024.pptx
@@ -3398,8 +3398,8 @@
         </p:nvSpPr>
         <p:spPr>
           <a:xfrm>
-            <a:off x="1917141" y="8282126"/>
-            <a:ext cx="11987385" cy="4062651"/>
+            <a:off x="1916278" y="8193299"/>
+            <a:ext cx="11987385" cy="4724370"/>
           </a:xfrm>
           <a:prstGeom prst="rect">
             <a:avLst/>
@@ -3414,7 +3414,7 @@
           <a:p>
             <a:r>
               <a:rPr lang="en-US" sz="4300" dirty="0"/>
-              <a:t>	This research aimed to examine sparse and magnitude pruning in Hopfield networks (HNs). HNs at evenly spaced sparsity and magnitude intervals were tested the number of matching pixels of the retrieved pattern to the original input. Different levels of noise were tested. Revealed … </a:t>
+              <a:t>	This research aimed to examine sparse and magnitude pruning in Hopfield networks (HNs). HNs at evenly spaced sparsity and magnitude intervals were tested. The performance of retrieved patterns were evaluated on the number of matching pixels. Various percentages of noise were introduced to evaluate the performance of these pruning methods.</a:t>
             </a:r>
           </a:p>
         </p:txBody>
@@ -3896,8 +3896,8 @@
         </p:nvSpPr>
         <p:spPr>
           <a:xfrm>
-            <a:off x="31209958" y="33537872"/>
-            <a:ext cx="11032150" cy="1431161"/>
+            <a:off x="30861000" y="33537872"/>
+            <a:ext cx="11730065" cy="1477328"/>
           </a:xfrm>
           <a:prstGeom prst="rect">
             <a:avLst/>
@@ -3911,7 +3911,7 @@
           <a:lstStyle/>
           <a:p>
             <a:r>
-              <a:rPr lang="en-US" sz="2900" b="0" i="0" dirty="0">
+              <a:rPr lang="en-US" sz="3000" b="0" i="0" dirty="0">
                 <a:effectLst/>
                 <a:latin typeface="Söhne"/>
               </a:rPr>

--- a/poster/aspire_2024.pptx
+++ b/poster/aspire_2024.pptx
@@ -2994,42 +2994,6 @@
           <a:chExt cx="0" cy="0"/>
         </a:xfrm>
       </p:grpSpPr>
-      <p:sp>
-        <p:nvSpPr>
-          <p:cNvPr id="4" name="TextBox 3">
-            <a:extLst>
-              <a:ext uri="{FF2B5EF4-FFF2-40B4-BE49-F238E27FC236}">
-                <a16:creationId xmlns:a16="http://schemas.microsoft.com/office/drawing/2014/main" id="{0260E9AA-A881-85B1-187E-9C12B24F7F7C}"/>
-              </a:ext>
-            </a:extLst>
-          </p:cNvPr>
-          <p:cNvSpPr txBox="1"/>
-          <p:nvPr/>
-        </p:nvSpPr>
-        <p:spPr>
-          <a:xfrm>
-            <a:off x="4104389" y="2032494"/>
-            <a:ext cx="35382235" cy="1708160"/>
-          </a:xfrm>
-          <a:prstGeom prst="rect">
-            <a:avLst/>
-          </a:prstGeom>
-          <a:noFill/>
-        </p:spPr>
-        <p:txBody>
-          <a:bodyPr wrap="square" rtlCol="0">
-            <a:spAutoFit/>
-          </a:bodyPr>
-          <a:lstStyle/>
-          <a:p>
-            <a:pPr algn="ctr"/>
-            <a:r>
-              <a:rPr lang="en-US" sz="10500" dirty="0"/>
-              <a:t>Hopfield Networks: Comparing Sparse and Magnitude Pruning</a:t>
-            </a:r>
-          </a:p>
-        </p:txBody>
-      </p:sp>
       <p:pic>
         <p:nvPicPr>
           <p:cNvPr id="6" name="Picture 5">
@@ -3063,63 +3027,106 @@
           </a:solidFill>
         </p:spPr>
       </p:pic>
-      <p:sp>
-        <p:nvSpPr>
-          <p:cNvPr id="8" name="TextBox 7">
+      <p:grpSp>
+        <p:nvGrpSpPr>
+          <p:cNvPr id="104" name="Group 103">
             <a:extLst>
               <a:ext uri="{FF2B5EF4-FFF2-40B4-BE49-F238E27FC236}">
-                <a16:creationId xmlns:a16="http://schemas.microsoft.com/office/drawing/2014/main" id="{E7ED4E1E-96C8-2FE2-D8FD-B5A16BE20541}"/>
+                <a16:creationId xmlns:a16="http://schemas.microsoft.com/office/drawing/2014/main" id="{71A380BA-B449-BD15-F414-68EC2322C6AC}"/>
               </a:ext>
             </a:extLst>
           </p:cNvPr>
-          <p:cNvSpPr txBox="1"/>
+          <p:cNvGrpSpPr/>
           <p:nvPr/>
-        </p:nvSpPr>
-        <p:spPr>
+        </p:nvGrpSpPr>
+        <p:grpSpPr>
           <a:xfrm>
-            <a:off x="5806923" y="3880381"/>
-            <a:ext cx="31977165" cy="2400657"/>
+            <a:off x="4139439" y="2032494"/>
+            <a:ext cx="35382235" cy="4402432"/>
+            <a:chOff x="4104389" y="2032494"/>
+            <a:chExt cx="35382235" cy="4402432"/>
           </a:xfrm>
-          <a:prstGeom prst="rect">
-            <a:avLst/>
-          </a:prstGeom>
-          <a:noFill/>
-        </p:spPr>
-        <p:txBody>
-          <a:bodyPr wrap="square" rtlCol="0">
-            <a:spAutoFit/>
-          </a:bodyPr>
-          <a:lstStyle/>
-          <a:p>
-            <a:pPr algn="ctr"/>
-            <a:r>
-              <a:rPr lang="en-US" sz="7500" dirty="0">
-                <a:solidFill>
-                  <a:schemeClr val="tx1">
-                    <a:lumMod val="65000"/>
-                    <a:lumOff val="35000"/>
-                  </a:schemeClr>
-                </a:solidFill>
-              </a:rPr>
-              <a:t>Brian Li</a:t>
-            </a:r>
-          </a:p>
-          <a:p>
-            <a:pPr algn="ctr"/>
-            <a:r>
-              <a:rPr lang="en-US" sz="7500" i="1" dirty="0">
-                <a:solidFill>
-                  <a:schemeClr val="tx1">
-                    <a:lumMod val="65000"/>
-                    <a:lumOff val="35000"/>
-                  </a:schemeClr>
-                </a:solidFill>
-              </a:rPr>
-              <a:t>Center for Neuroscience, University of California, Davis</a:t>
-            </a:r>
-          </a:p>
-        </p:txBody>
-      </p:sp>
+        </p:grpSpPr>
+        <p:sp>
+          <p:nvSpPr>
+            <p:cNvPr id="4" name="TextBox 3">
+              <a:extLst>
+                <a:ext uri="{FF2B5EF4-FFF2-40B4-BE49-F238E27FC236}">
+                  <a16:creationId xmlns:a16="http://schemas.microsoft.com/office/drawing/2014/main" id="{0260E9AA-A881-85B1-187E-9C12B24F7F7C}"/>
+                </a:ext>
+              </a:extLst>
+            </p:cNvPr>
+            <p:cNvSpPr txBox="1"/>
+            <p:nvPr/>
+          </p:nvSpPr>
+          <p:spPr>
+            <a:xfrm>
+              <a:off x="4104389" y="2032494"/>
+              <a:ext cx="35382235" cy="1738938"/>
+            </a:xfrm>
+            <a:prstGeom prst="rect">
+              <a:avLst/>
+            </a:prstGeom>
+            <a:noFill/>
+          </p:spPr>
+          <p:txBody>
+            <a:bodyPr wrap="square" rtlCol="0">
+              <a:spAutoFit/>
+            </a:bodyPr>
+            <a:lstStyle/>
+            <a:p>
+              <a:pPr algn="ctr"/>
+              <a:r>
+                <a:rPr lang="en-US" sz="10500" dirty="0"/>
+                <a:t>Hopfield Networks: Comparing Sparse and Magnitude Pruning</a:t>
+              </a:r>
+            </a:p>
+          </p:txBody>
+        </p:sp>
+        <p:sp>
+          <p:nvSpPr>
+            <p:cNvPr id="8" name="TextBox 7">
+              <a:extLst>
+                <a:ext uri="{FF2B5EF4-FFF2-40B4-BE49-F238E27FC236}">
+                  <a16:creationId xmlns:a16="http://schemas.microsoft.com/office/drawing/2014/main" id="{E7ED4E1E-96C8-2FE2-D8FD-B5A16BE20541}"/>
+                </a:ext>
+              </a:extLst>
+            </p:cNvPr>
+            <p:cNvSpPr txBox="1"/>
+            <p:nvPr/>
+          </p:nvSpPr>
+          <p:spPr>
+            <a:xfrm>
+              <a:off x="5806923" y="3880381"/>
+              <a:ext cx="31977165" cy="2554545"/>
+            </a:xfrm>
+            <a:prstGeom prst="rect">
+              <a:avLst/>
+            </a:prstGeom>
+            <a:noFill/>
+          </p:spPr>
+          <p:txBody>
+            <a:bodyPr wrap="square" rtlCol="0">
+              <a:spAutoFit/>
+            </a:bodyPr>
+            <a:lstStyle/>
+            <a:p>
+              <a:pPr algn="ctr"/>
+              <a:r>
+                <a:rPr lang="en-US" sz="8000" dirty="0"/>
+                <a:t>Brian Li</a:t>
+              </a:r>
+            </a:p>
+            <a:p>
+              <a:pPr algn="ctr"/>
+              <a:r>
+                <a:rPr lang="en-US" sz="8000" i="1" dirty="0"/>
+                <a:t>Center for Neuroscience, University of California, Davis</a:t>
+              </a:r>
+            </a:p>
+          </p:txBody>
+        </p:sp>
+      </p:grpSp>
       <p:pic>
         <p:nvPicPr>
           <p:cNvPr id="10" name="Picture 9" descr="Logo&#10;&#10;Description automatically generated">
@@ -3141,7 +3148,7 @@
         </p:blipFill>
         <p:spPr>
           <a:xfrm>
-            <a:off x="39431387" y="1490178"/>
+            <a:off x="39363203" y="1269123"/>
             <a:ext cx="4229647" cy="4344758"/>
           </a:xfrm>
           <a:prstGeom prst="rect">
@@ -3206,41 +3213,6 @@
       </p:sp>
       <p:sp>
         <p:nvSpPr>
-          <p:cNvPr id="12" name="TextBox 11">
-            <a:extLst>
-              <a:ext uri="{FF2B5EF4-FFF2-40B4-BE49-F238E27FC236}">
-                <a16:creationId xmlns:a16="http://schemas.microsoft.com/office/drawing/2014/main" id="{6C6EF6E8-1ADB-0DAA-D5A8-ACA213D57094}"/>
-              </a:ext>
-            </a:extLst>
-          </p:cNvPr>
-          <p:cNvSpPr txBox="1"/>
-          <p:nvPr/>
-        </p:nvSpPr>
-        <p:spPr>
-          <a:xfrm>
-            <a:off x="5999147" y="7020639"/>
-            <a:ext cx="3602545" cy="1200329"/>
-          </a:xfrm>
-          <a:prstGeom prst="rect">
-            <a:avLst/>
-          </a:prstGeom>
-          <a:noFill/>
-        </p:spPr>
-        <p:txBody>
-          <a:bodyPr wrap="square" rtlCol="0">
-            <a:spAutoFit/>
-          </a:bodyPr>
-          <a:lstStyle/>
-          <a:p>
-            <a:r>
-              <a:rPr lang="en-US" sz="7200" b="1" u="sng" dirty="0"/>
-              <a:t>Abstract</a:t>
-            </a:r>
-          </a:p>
-        </p:txBody>
-      </p:sp>
-      <p:sp>
-        <p:nvSpPr>
           <p:cNvPr id="20" name="Rounded Rectangle 19">
             <a:extLst>
               <a:ext uri="{FF2B5EF4-FFF2-40B4-BE49-F238E27FC236}">
@@ -3253,7 +3225,7 @@
         </p:nvSpPr>
         <p:spPr>
           <a:xfrm>
-            <a:off x="15354512" y="6831315"/>
+            <a:off x="15200302" y="6831315"/>
             <a:ext cx="13349096" cy="30520155"/>
           </a:xfrm>
           <a:prstGeom prst="roundRect">
@@ -3308,7 +3280,7 @@
         </p:nvSpPr>
         <p:spPr>
           <a:xfrm>
-            <a:off x="29754157" y="6831314"/>
+            <a:off x="29360758" y="6848608"/>
             <a:ext cx="13349096" cy="30520155"/>
           </a:xfrm>
           <a:prstGeom prst="roundRect">
@@ -3346,409 +3318,6 @@
           <a:p>
             <a:pPr algn="ctr"/>
             <a:endParaRPr lang="en-US"/>
-          </a:p>
-        </p:txBody>
-      </p:sp>
-      <p:sp>
-        <p:nvSpPr>
-          <p:cNvPr id="24" name="TextBox 23">
-            <a:extLst>
-              <a:ext uri="{FF2B5EF4-FFF2-40B4-BE49-F238E27FC236}">
-                <a16:creationId xmlns:a16="http://schemas.microsoft.com/office/drawing/2014/main" id="{E764A168-943E-4FA4-9845-5972A6CAF640}"/>
-              </a:ext>
-            </a:extLst>
-          </p:cNvPr>
-          <p:cNvSpPr txBox="1"/>
-          <p:nvPr/>
-        </p:nvSpPr>
-        <p:spPr>
-          <a:xfrm>
-            <a:off x="35225517" y="32426932"/>
-            <a:ext cx="3001033" cy="1200329"/>
-          </a:xfrm>
-          <a:prstGeom prst="rect">
-            <a:avLst/>
-          </a:prstGeom>
-          <a:noFill/>
-        </p:spPr>
-        <p:txBody>
-          <a:bodyPr wrap="square" rtlCol="0">
-            <a:spAutoFit/>
-          </a:bodyPr>
-          <a:lstStyle/>
-          <a:p>
-            <a:r>
-              <a:rPr lang="en-US" sz="7200" b="1" u="sng" dirty="0"/>
-              <a:t>Results</a:t>
-            </a:r>
-          </a:p>
-        </p:txBody>
-      </p:sp>
-      <p:sp>
-        <p:nvSpPr>
-          <p:cNvPr id="40" name="TextBox 39">
-            <a:extLst>
-              <a:ext uri="{FF2B5EF4-FFF2-40B4-BE49-F238E27FC236}">
-                <a16:creationId xmlns:a16="http://schemas.microsoft.com/office/drawing/2014/main" id="{D3C1BD6F-C161-6286-6515-A71D45E045F6}"/>
-              </a:ext>
-            </a:extLst>
-          </p:cNvPr>
-          <p:cNvSpPr txBox="1"/>
-          <p:nvPr/>
-        </p:nvSpPr>
-        <p:spPr>
-          <a:xfrm>
-            <a:off x="1916278" y="8193299"/>
-            <a:ext cx="11987385" cy="4724370"/>
-          </a:xfrm>
-          <a:prstGeom prst="rect">
-            <a:avLst/>
-          </a:prstGeom>
-          <a:noFill/>
-        </p:spPr>
-        <p:txBody>
-          <a:bodyPr wrap="square" rtlCol="0">
-            <a:spAutoFit/>
-          </a:bodyPr>
-          <a:lstStyle/>
-          <a:p>
-            <a:r>
-              <a:rPr lang="en-US" sz="4300" dirty="0"/>
-              <a:t>	This research aimed to examine sparse and magnitude pruning in Hopfield networks (HNs). HNs at evenly spaced sparsity and magnitude intervals were tested. The performance of retrieved patterns were evaluated on the number of matching pixels. Various percentages of noise were introduced to evaluate the performance of these pruning methods.</a:t>
-            </a:r>
-          </a:p>
-        </p:txBody>
-      </p:sp>
-      <p:grpSp>
-        <p:nvGrpSpPr>
-          <p:cNvPr id="49" name="Group 48">
-            <a:extLst>
-              <a:ext uri="{FF2B5EF4-FFF2-40B4-BE49-F238E27FC236}">
-                <a16:creationId xmlns:a16="http://schemas.microsoft.com/office/drawing/2014/main" id="{7743D12C-969E-708C-7797-B9F82F90922B}"/>
-              </a:ext>
-            </a:extLst>
-          </p:cNvPr>
-          <p:cNvGrpSpPr/>
-          <p:nvPr/>
-        </p:nvGrpSpPr>
-        <p:grpSpPr>
-          <a:xfrm>
-            <a:off x="1847164" y="12725507"/>
-            <a:ext cx="11987386" cy="6583386"/>
-            <a:chOff x="1847164" y="12725507"/>
-            <a:chExt cx="11987386" cy="6583386"/>
-          </a:xfrm>
-        </p:grpSpPr>
-        <p:sp>
-          <p:nvSpPr>
-            <p:cNvPr id="13" name="TextBox 12">
-              <a:extLst>
-                <a:ext uri="{FF2B5EF4-FFF2-40B4-BE49-F238E27FC236}">
-                  <a16:creationId xmlns:a16="http://schemas.microsoft.com/office/drawing/2014/main" id="{96D71C5E-57FC-5303-6E30-05C0FED04AC8}"/>
-                </a:ext>
-              </a:extLst>
-            </p:cNvPr>
-            <p:cNvSpPr txBox="1"/>
-            <p:nvPr/>
-          </p:nvSpPr>
-          <p:spPr>
-            <a:xfrm>
-              <a:off x="5557332" y="12725507"/>
-              <a:ext cx="4705279" cy="1200329"/>
-            </a:xfrm>
-            <a:prstGeom prst="rect">
-              <a:avLst/>
-            </a:prstGeom>
-            <a:noFill/>
-          </p:spPr>
-          <p:txBody>
-            <a:bodyPr wrap="square" rtlCol="0">
-              <a:spAutoFit/>
-            </a:bodyPr>
-            <a:lstStyle/>
-            <a:p>
-              <a:r>
-                <a:rPr lang="en-US" sz="7200" b="1" u="sng" dirty="0"/>
-                <a:t>Background</a:t>
-              </a:r>
-            </a:p>
-          </p:txBody>
-        </p:sp>
-        <p:sp>
-          <p:nvSpPr>
-            <p:cNvPr id="27" name="TextBox 26">
-              <a:extLst>
-                <a:ext uri="{FF2B5EF4-FFF2-40B4-BE49-F238E27FC236}">
-                  <a16:creationId xmlns:a16="http://schemas.microsoft.com/office/drawing/2014/main" id="{CCC5C11D-5DAA-475F-EB8E-A95AEB052D49}"/>
-                </a:ext>
-              </a:extLst>
-            </p:cNvPr>
-            <p:cNvSpPr txBox="1"/>
-            <p:nvPr/>
-          </p:nvSpPr>
-          <p:spPr>
-            <a:xfrm>
-              <a:off x="1847164" y="13922803"/>
-              <a:ext cx="11987386" cy="5386090"/>
-            </a:xfrm>
-            <a:prstGeom prst="rect">
-              <a:avLst/>
-            </a:prstGeom>
-            <a:noFill/>
-          </p:spPr>
-          <p:txBody>
-            <a:bodyPr wrap="square" rtlCol="0">
-              <a:spAutoFit/>
-            </a:bodyPr>
-            <a:lstStyle/>
-            <a:p>
-              <a:pPr marL="685800" indent="-685800">
-                <a:buFont typeface="Arial" panose="020B0604020202020204" pitchFamily="34" charset="0"/>
-                <a:buChar char="•"/>
-              </a:pPr>
-              <a:r>
-                <a:rPr lang="en-US" sz="4300" dirty="0"/>
-                <a:t>HNs are recurrent artificial neural networks with the ability to store and recall patterns</a:t>
-              </a:r>
-            </a:p>
-            <a:p>
-              <a:pPr marL="685800" indent="-685800">
-                <a:buFont typeface="Arial" panose="020B0604020202020204" pitchFamily="34" charset="0"/>
-                <a:buChar char="•"/>
-              </a:pPr>
-              <a:r>
-                <a:rPr lang="en-US" sz="4300" dirty="0"/>
-                <a:t>HNs are content-addressable memory systems, making them capable of retrieving stored patterns when presented with noisy inputs</a:t>
-              </a:r>
-            </a:p>
-            <a:p>
-              <a:pPr marL="685800" indent="-685800">
-                <a:buFont typeface="Arial" panose="020B0604020202020204" pitchFamily="34" charset="0"/>
-                <a:buChar char="•"/>
-              </a:pPr>
-              <a:r>
-                <a:rPr lang="en-US" sz="4300" dirty="0"/>
-                <a:t>Hopfield Networks minimize an energy function over time, converging into a stable state that corresponds to a stored pattern</a:t>
-              </a:r>
-            </a:p>
-          </p:txBody>
-        </p:sp>
-      </p:grpSp>
-      <p:grpSp>
-        <p:nvGrpSpPr>
-          <p:cNvPr id="50" name="Group 49">
-            <a:extLst>
-              <a:ext uri="{FF2B5EF4-FFF2-40B4-BE49-F238E27FC236}">
-                <a16:creationId xmlns:a16="http://schemas.microsoft.com/office/drawing/2014/main" id="{2FA4672C-9405-44D9-13DB-4E5B4BDDC3F9}"/>
-              </a:ext>
-            </a:extLst>
-          </p:cNvPr>
-          <p:cNvGrpSpPr/>
-          <p:nvPr/>
-        </p:nvGrpSpPr>
-        <p:grpSpPr>
-          <a:xfrm>
-            <a:off x="31819963" y="34851460"/>
-            <a:ext cx="9812144" cy="1412104"/>
-            <a:chOff x="31819963" y="34308083"/>
-            <a:chExt cx="9812144" cy="1412104"/>
-          </a:xfrm>
-        </p:grpSpPr>
-        <p:sp>
-          <p:nvSpPr>
-            <p:cNvPr id="25" name="TextBox 24">
-              <a:extLst>
-                <a:ext uri="{FF2B5EF4-FFF2-40B4-BE49-F238E27FC236}">
-                  <a16:creationId xmlns:a16="http://schemas.microsoft.com/office/drawing/2014/main" id="{5CD0A039-A54A-0BA7-5B7C-DA5ADC83179A}"/>
-                </a:ext>
-              </a:extLst>
-            </p:cNvPr>
-            <p:cNvSpPr txBox="1"/>
-            <p:nvPr/>
-          </p:nvSpPr>
-          <p:spPr>
-            <a:xfrm>
-              <a:off x="34033637" y="34308083"/>
-              <a:ext cx="5384800" cy="861774"/>
-            </a:xfrm>
-            <a:prstGeom prst="rect">
-              <a:avLst/>
-            </a:prstGeom>
-            <a:noFill/>
-          </p:spPr>
-          <p:txBody>
-            <a:bodyPr wrap="square" rtlCol="0">
-              <a:spAutoFit/>
-            </a:bodyPr>
-            <a:lstStyle/>
-            <a:p>
-              <a:r>
-                <a:rPr lang="en-US" sz="5000" b="1" u="sng" dirty="0"/>
-                <a:t>Acknowledgements</a:t>
-              </a:r>
-            </a:p>
-          </p:txBody>
-        </p:sp>
-        <p:sp>
-          <p:nvSpPr>
-            <p:cNvPr id="19" name="TextBox 18">
-              <a:extLst>
-                <a:ext uri="{FF2B5EF4-FFF2-40B4-BE49-F238E27FC236}">
-                  <a16:creationId xmlns:a16="http://schemas.microsoft.com/office/drawing/2014/main" id="{50483BB5-7A5E-76D8-C022-C8493A19211B}"/>
-                </a:ext>
-              </a:extLst>
-            </p:cNvPr>
-            <p:cNvSpPr txBox="1"/>
-            <p:nvPr/>
-          </p:nvSpPr>
-          <p:spPr>
-            <a:xfrm>
-              <a:off x="31819963" y="35166189"/>
-              <a:ext cx="9812144" cy="553998"/>
-            </a:xfrm>
-            <a:prstGeom prst="rect">
-              <a:avLst/>
-            </a:prstGeom>
-            <a:noFill/>
-          </p:spPr>
-          <p:txBody>
-            <a:bodyPr wrap="square" rtlCol="0">
-              <a:spAutoFit/>
-            </a:bodyPr>
-            <a:lstStyle/>
-            <a:p>
-              <a:pPr algn="ctr"/>
-              <a:r>
-                <a:rPr lang="en-US" sz="3000" dirty="0"/>
-                <a:t>Thank you to Dr. Chaudhuri for his endless support and insight</a:t>
-              </a:r>
-            </a:p>
-          </p:txBody>
-        </p:sp>
-      </p:grpSp>
-      <p:grpSp>
-        <p:nvGrpSpPr>
-          <p:cNvPr id="54" name="Group 53">
-            <a:extLst>
-              <a:ext uri="{FF2B5EF4-FFF2-40B4-BE49-F238E27FC236}">
-                <a16:creationId xmlns:a16="http://schemas.microsoft.com/office/drawing/2014/main" id="{F3EEB5A8-5393-4FB7-A34A-676CB05C2710}"/>
-              </a:ext>
-            </a:extLst>
-          </p:cNvPr>
-          <p:cNvGrpSpPr/>
-          <p:nvPr/>
-        </p:nvGrpSpPr>
-        <p:grpSpPr>
-          <a:xfrm>
-            <a:off x="31819963" y="36113306"/>
-            <a:ext cx="9812144" cy="1245037"/>
-            <a:chOff x="31819963" y="35779479"/>
-            <a:chExt cx="9812144" cy="1245037"/>
-          </a:xfrm>
-        </p:grpSpPr>
-        <p:sp>
-          <p:nvSpPr>
-            <p:cNvPr id="17" name="TextBox 16">
-              <a:extLst>
-                <a:ext uri="{FF2B5EF4-FFF2-40B4-BE49-F238E27FC236}">
-                  <a16:creationId xmlns:a16="http://schemas.microsoft.com/office/drawing/2014/main" id="{A25FE9D8-7F5F-8E57-81A7-5AE58AECAA8F}"/>
-                </a:ext>
-              </a:extLst>
-            </p:cNvPr>
-            <p:cNvSpPr txBox="1"/>
-            <p:nvPr/>
-          </p:nvSpPr>
-          <p:spPr>
-            <a:xfrm>
-              <a:off x="34696222" y="35779479"/>
-              <a:ext cx="4059630" cy="784830"/>
-            </a:xfrm>
-            <a:prstGeom prst="rect">
-              <a:avLst/>
-            </a:prstGeom>
-            <a:noFill/>
-          </p:spPr>
-          <p:txBody>
-            <a:bodyPr wrap="square" rtlCol="0">
-              <a:spAutoFit/>
-            </a:bodyPr>
-            <a:lstStyle/>
-            <a:p>
-              <a:r>
-                <a:rPr lang="en-US" sz="4500" b="1" u="sng" dirty="0"/>
-                <a:t>Data Availability</a:t>
-              </a:r>
-            </a:p>
-          </p:txBody>
-        </p:sp>
-        <p:sp>
-          <p:nvSpPr>
-            <p:cNvPr id="15" name="TextBox 14">
-              <a:extLst>
-                <a:ext uri="{FF2B5EF4-FFF2-40B4-BE49-F238E27FC236}">
-                  <a16:creationId xmlns:a16="http://schemas.microsoft.com/office/drawing/2014/main" id="{27267F8A-055A-2DAD-49A7-530C661B87CE}"/>
-                </a:ext>
-              </a:extLst>
-            </p:cNvPr>
-            <p:cNvSpPr txBox="1"/>
-            <p:nvPr/>
-          </p:nvSpPr>
-          <p:spPr>
-            <a:xfrm>
-              <a:off x="31819963" y="36532073"/>
-              <a:ext cx="9812144" cy="492443"/>
-            </a:xfrm>
-            <a:prstGeom prst="rect">
-              <a:avLst/>
-            </a:prstGeom>
-            <a:noFill/>
-          </p:spPr>
-          <p:txBody>
-            <a:bodyPr wrap="square" rtlCol="0">
-              <a:spAutoFit/>
-            </a:bodyPr>
-            <a:lstStyle/>
-            <a:p>
-              <a:r>
-                <a:rPr lang="en-US" sz="2600" dirty="0"/>
-                <a:t>GitHub Repository: https://github.com/BrianLi-hello/hopfield-pruning </a:t>
-              </a:r>
-            </a:p>
-          </p:txBody>
-        </p:sp>
-      </p:grpSp>
-      <p:sp>
-        <p:nvSpPr>
-          <p:cNvPr id="22" name="TextBox 21">
-            <a:extLst>
-              <a:ext uri="{FF2B5EF4-FFF2-40B4-BE49-F238E27FC236}">
-                <a16:creationId xmlns:a16="http://schemas.microsoft.com/office/drawing/2014/main" id="{57A99FE2-6063-B64C-D841-02585151AD90}"/>
-              </a:ext>
-            </a:extLst>
-          </p:cNvPr>
-          <p:cNvSpPr txBox="1"/>
-          <p:nvPr/>
-        </p:nvSpPr>
-        <p:spPr>
-          <a:xfrm>
-            <a:off x="20287589" y="7042482"/>
-            <a:ext cx="3698086" cy="1200329"/>
-          </a:xfrm>
-          <a:prstGeom prst="rect">
-            <a:avLst/>
-          </a:prstGeom>
-          <a:noFill/>
-        </p:spPr>
-        <p:txBody>
-          <a:bodyPr wrap="square" rtlCol="0">
-            <a:spAutoFit/>
-          </a:bodyPr>
-          <a:lstStyle/>
-          <a:p>
-            <a:r>
-              <a:rPr lang="en-US" sz="7200" b="1" u="sng" dirty="0"/>
-              <a:t>Methods</a:t>
-            </a:r>
           </a:p>
         </p:txBody>
       </p:sp>
@@ -3844,88 +3413,12 @@
           </a:p>
         </p:txBody>
       </p:sp>
-      <p:sp>
-        <p:nvSpPr>
-          <p:cNvPr id="16" name="TextBox 15">
+      <p:grpSp>
+        <p:nvGrpSpPr>
+          <p:cNvPr id="95" name="Group 94">
             <a:extLst>
               <a:ext uri="{FF2B5EF4-FFF2-40B4-BE49-F238E27FC236}">
-                <a16:creationId xmlns:a16="http://schemas.microsoft.com/office/drawing/2014/main" id="{C594F51D-23D5-902A-E337-2F05127BDFB9}"/>
-              </a:ext>
-            </a:extLst>
-          </p:cNvPr>
-          <p:cNvSpPr txBox="1"/>
-          <p:nvPr/>
-        </p:nvSpPr>
-        <p:spPr>
-          <a:xfrm>
-            <a:off x="16928425" y="24383158"/>
-            <a:ext cx="3324301" cy="707886"/>
-          </a:xfrm>
-          <a:prstGeom prst="rect">
-            <a:avLst/>
-          </a:prstGeom>
-          <a:noFill/>
-        </p:spPr>
-        <p:txBody>
-          <a:bodyPr wrap="square" rtlCol="0">
-            <a:spAutoFit/>
-          </a:bodyPr>
-          <a:lstStyle/>
-          <a:p>
-            <a:r>
-              <a:rPr lang="en-US" sz="4000" b="0" i="0" u="sng" dirty="0">
-                <a:effectLst/>
-                <a:latin typeface="Söhne"/>
-              </a:rPr>
-              <a:t>Sparse Pruning</a:t>
-            </a:r>
-          </a:p>
-        </p:txBody>
-      </p:sp>
-      <p:sp>
-        <p:nvSpPr>
-          <p:cNvPr id="28" name="TextBox 27">
-            <a:extLst>
-              <a:ext uri="{FF2B5EF4-FFF2-40B4-BE49-F238E27FC236}">
-                <a16:creationId xmlns:a16="http://schemas.microsoft.com/office/drawing/2014/main" id="{24CC8388-E815-F14A-1AE2-A28033B1563B}"/>
-              </a:ext>
-            </a:extLst>
-          </p:cNvPr>
-          <p:cNvSpPr txBox="1"/>
-          <p:nvPr/>
-        </p:nvSpPr>
-        <p:spPr>
-          <a:xfrm>
-            <a:off x="30861000" y="33537872"/>
-            <a:ext cx="11730065" cy="1477328"/>
-          </a:xfrm>
-          <a:prstGeom prst="rect">
-            <a:avLst/>
-          </a:prstGeom>
-          <a:noFill/>
-        </p:spPr>
-        <p:txBody>
-          <a:bodyPr wrap="square" rtlCol="0">
-            <a:spAutoFit/>
-          </a:bodyPr>
-          <a:lstStyle/>
-          <a:p>
-            <a:r>
-              <a:rPr lang="en-US" sz="3000" b="0" i="0" dirty="0">
-                <a:effectLst/>
-                <a:latin typeface="Söhne"/>
-              </a:rPr>
-              <a:t>Sparse and magnitude pruning perform roughly the same across various percentages of flipped pixels. This similarity is due to the robustness and redundancy in the weights of the HN that correspond to stored patterns.</a:t>
-            </a:r>
-          </a:p>
-        </p:txBody>
-      </p:sp>
-      <p:grpSp>
-        <p:nvGrpSpPr>
-          <p:cNvPr id="44" name="Group 43">
-            <a:extLst>
-              <a:ext uri="{FF2B5EF4-FFF2-40B4-BE49-F238E27FC236}">
-                <a16:creationId xmlns:a16="http://schemas.microsoft.com/office/drawing/2014/main" id="{E29F254C-B0BF-B8F4-EB24-5F58E87E53E4}"/>
+                <a16:creationId xmlns:a16="http://schemas.microsoft.com/office/drawing/2014/main" id="{5137790A-D833-36F7-7218-219C98152889}"/>
               </a:ext>
             </a:extLst>
           </p:cNvPr>
@@ -3934,113 +3427,38 @@
         </p:nvGrpSpPr>
         <p:grpSpPr>
           <a:xfrm>
-            <a:off x="1808954" y="32346744"/>
-            <a:ext cx="12025596" cy="4615645"/>
-            <a:chOff x="1808954" y="32346744"/>
-            <a:chExt cx="12025596" cy="4615645"/>
+            <a:off x="1357359" y="7020639"/>
+            <a:ext cx="12648290" cy="29941750"/>
+            <a:chOff x="1399708" y="7020639"/>
+            <a:chExt cx="12648290" cy="29941750"/>
           </a:xfrm>
         </p:grpSpPr>
-        <p:sp>
-          <p:nvSpPr>
-            <p:cNvPr id="21" name="TextBox 20">
+        <p:grpSp>
+          <p:nvGrpSpPr>
+            <p:cNvPr id="93" name="Group 92">
               <a:extLst>
                 <a:ext uri="{FF2B5EF4-FFF2-40B4-BE49-F238E27FC236}">
-                  <a16:creationId xmlns:a16="http://schemas.microsoft.com/office/drawing/2014/main" id="{3CB3F5B8-B698-9376-3120-F0ECC39129BA}"/>
+                  <a16:creationId xmlns:a16="http://schemas.microsoft.com/office/drawing/2014/main" id="{9829FB7B-077D-3041-19A2-F97C77EF5FD0}"/>
                 </a:ext>
               </a:extLst>
             </p:cNvPr>
-            <p:cNvSpPr txBox="1"/>
+            <p:cNvGrpSpPr/>
             <p:nvPr/>
-          </p:nvSpPr>
-          <p:spPr>
+          </p:nvGrpSpPr>
+          <p:grpSpPr>
             <a:xfrm>
-              <a:off x="5650578" y="32346744"/>
-              <a:ext cx="4215713" cy="1200329"/>
+              <a:off x="1916278" y="7020639"/>
+              <a:ext cx="11987385" cy="5897030"/>
+              <a:chOff x="1916278" y="7020639"/>
+              <a:chExt cx="11987385" cy="5897030"/>
             </a:xfrm>
-            <a:prstGeom prst="rect">
-              <a:avLst/>
-            </a:prstGeom>
-            <a:noFill/>
-          </p:spPr>
-          <p:txBody>
-            <a:bodyPr wrap="square" rtlCol="0">
-              <a:spAutoFit/>
-            </a:bodyPr>
-            <a:lstStyle/>
-            <a:p>
-              <a:r>
-                <a:rPr lang="en-US" sz="7200" b="1" u="sng" dirty="0"/>
-                <a:t>Objectives</a:t>
-              </a:r>
-            </a:p>
-          </p:txBody>
-        </p:sp>
-        <p:sp>
-          <p:nvSpPr>
-            <p:cNvPr id="31" name="TextBox 30">
-              <a:extLst>
-                <a:ext uri="{FF2B5EF4-FFF2-40B4-BE49-F238E27FC236}">
-                  <a16:creationId xmlns:a16="http://schemas.microsoft.com/office/drawing/2014/main" id="{B7E42F62-4AA3-6FA1-3404-19BD1C953AB6}"/>
-                </a:ext>
-              </a:extLst>
-            </p:cNvPr>
-            <p:cNvSpPr txBox="1"/>
-            <p:nvPr/>
-          </p:nvSpPr>
-          <p:spPr>
-            <a:xfrm>
-              <a:off x="1808954" y="33561458"/>
-              <a:ext cx="12025596" cy="3400931"/>
-            </a:xfrm>
-            <a:prstGeom prst="rect">
-              <a:avLst/>
-            </a:prstGeom>
-            <a:noFill/>
-          </p:spPr>
-          <p:txBody>
-            <a:bodyPr wrap="square" rtlCol="0">
-              <a:spAutoFit/>
-            </a:bodyPr>
-            <a:lstStyle/>
-            <a:p>
-              <a:pPr marL="685800" indent="-685800">
-                <a:buFont typeface="Arial" panose="020B0604020202020204" pitchFamily="34" charset="0"/>
-                <a:buChar char="•"/>
-              </a:pPr>
-              <a:r>
-                <a:rPr lang="en-US" sz="4300" dirty="0"/>
-                <a:t>Discover accurate methods to compare sparse and magnitude pruning of the weight matrix</a:t>
-              </a:r>
-            </a:p>
-            <a:p>
-              <a:pPr marL="685800" indent="-685800">
-                <a:buFont typeface="Arial" panose="020B0604020202020204" pitchFamily="34" charset="0"/>
-                <a:buChar char="•"/>
-              </a:pPr>
-              <a:r>
-                <a:rPr lang="en-US" sz="4300" dirty="0"/>
-                <a:t>Investigate the performance of HNs in retrieving 16x16 and 28x28 binary images in the Caltech 101 </a:t>
-              </a:r>
-              <a:r>
-                <a:rPr lang="en-US" sz="4400" b="0" i="0" dirty="0">
-                  <a:effectLst/>
-                  <a:latin typeface="Söhne"/>
-                </a:rPr>
-                <a:t>Silhouettes Data Set</a:t>
-              </a:r>
-              <a:endParaRPr lang="en-US" sz="4300" dirty="0"/>
-            </a:p>
-          </p:txBody>
-        </p:sp>
-      </p:grpSp>
-      <mc:AlternateContent xmlns:mc="http://schemas.openxmlformats.org/markup-compatibility/2006" xmlns:a14="http://schemas.microsoft.com/office/drawing/2010/main">
-        <mc:Choice Requires="a14">
+          </p:grpSpPr>
           <p:sp>
             <p:nvSpPr>
-              <p:cNvPr id="59" name="TextBox 58">
+              <p:cNvPr id="12" name="TextBox 11">
                 <a:extLst>
                   <a:ext uri="{FF2B5EF4-FFF2-40B4-BE49-F238E27FC236}">
-                    <a16:creationId xmlns:a16="http://schemas.microsoft.com/office/drawing/2014/main" id="{B05C5E3E-C9FF-E169-2F7C-E38C2A49FC35}"/>
+                    <a16:creationId xmlns:a16="http://schemas.microsoft.com/office/drawing/2014/main" id="{6C6EF6E8-1ADB-0DAA-D5A8-ACA213D57094}"/>
                   </a:ext>
                 </a:extLst>
               </p:cNvPr>
@@ -4049,8 +3467,8 @@
             </p:nvSpPr>
             <p:spPr>
               <a:xfrm>
-                <a:off x="2094156" y="19556079"/>
-                <a:ext cx="4865575" cy="2159694"/>
+                <a:off x="5999147" y="7020639"/>
+                <a:ext cx="3602545" cy="1200329"/>
               </a:xfrm>
               <a:prstGeom prst="rect">
                 <a:avLst/>
@@ -4058,333 +3476,24 @@
               <a:noFill/>
             </p:spPr>
             <p:txBody>
-              <a:bodyPr wrap="square" lIns="0" tIns="0" rIns="0" bIns="0" rtlCol="0">
+              <a:bodyPr wrap="square" rtlCol="0">
                 <a:spAutoFit/>
               </a:bodyPr>
               <a:lstStyle/>
               <a:p>
-                <a:pPr algn="ctr"/>
-                <a14:m>
-                  <m:oMathPara xmlns:m="http://schemas.openxmlformats.org/officeDocument/2006/math">
-                    <m:oMathParaPr>
-                      <m:jc m:val="centerGroup"/>
-                    </m:oMathParaPr>
-                    <m:oMath xmlns:m="http://schemas.openxmlformats.org/officeDocument/2006/math">
-                      <m:r>
-                        <a:rPr lang="en-US" sz="3600" i="1" dirty="0" smtClean="0">
-                          <a:latin typeface="Cambria Math" panose="02040503050406030204" pitchFamily="18" charset="0"/>
-                        </a:rPr>
-                        <m:t>𝑑</m:t>
-                      </m:r>
-                      <m:r>
-                        <a:rPr lang="en-US" sz="3500" dirty="0" smtClean="0">
-                          <a:solidFill>
-                            <a:schemeClr val="tx1"/>
-                          </a:solidFill>
-                          <a:latin typeface="Cambria Math" panose="02040503050406030204" pitchFamily="18" charset="0"/>
-                        </a:rPr>
-                        <m:t>≔</m:t>
-                      </m:r>
-                      <m:r>
-                        <m:rPr>
-                          <m:sty m:val="p"/>
-                        </m:rPr>
-                        <a:rPr lang="en-US" sz="3500" b="0" i="0" dirty="0" smtClean="0">
-                          <a:solidFill>
-                            <a:schemeClr val="tx1"/>
-                          </a:solidFill>
-                          <a:latin typeface="Cambria Math" panose="02040503050406030204" pitchFamily="18" charset="0"/>
-                        </a:rPr>
-                        <m:t>input</m:t>
-                      </m:r>
-                      <m:r>
-                        <a:rPr lang="en-US" sz="3500" b="0" i="0" dirty="0" smtClean="0">
-                          <a:solidFill>
-                            <a:schemeClr val="tx1"/>
-                          </a:solidFill>
-                          <a:latin typeface="Cambria Math" panose="02040503050406030204" pitchFamily="18" charset="0"/>
-                        </a:rPr>
-                        <m:t> </m:t>
-                      </m:r>
-                      <m:r>
-                        <m:rPr>
-                          <m:sty m:val="p"/>
-                        </m:rPr>
-                        <a:rPr lang="en-US" sz="3500" b="0" i="0" dirty="0" smtClean="0">
-                          <a:solidFill>
-                            <a:schemeClr val="tx1"/>
-                          </a:solidFill>
-                          <a:latin typeface="Cambria Math" panose="02040503050406030204" pitchFamily="18" charset="0"/>
-                        </a:rPr>
-                        <m:t>length</m:t>
-                      </m:r>
-                    </m:oMath>
-                  </m:oMathPara>
-                </a14:m>
-                <a:endParaRPr lang="en-US" sz="3500" dirty="0">
-                  <a:solidFill>
-                    <a:schemeClr val="tx1"/>
-                  </a:solidFill>
-                  <a:latin typeface="Cambria" panose="02040503050406030204" pitchFamily="18" charset="0"/>
-                  <a:ea typeface="Cambria" panose="02040503050406030204" pitchFamily="18" charset="0"/>
-                </a:endParaRPr>
-              </a:p>
-              <a:p>
-                <a:pPr algn="ctr"/>
-                <a14:m>
-                  <m:oMathPara xmlns:m="http://schemas.openxmlformats.org/officeDocument/2006/math">
-                    <m:oMathParaPr>
-                      <m:jc m:val="centerGroup"/>
-                    </m:oMathParaPr>
-                    <m:oMath xmlns:m="http://schemas.openxmlformats.org/officeDocument/2006/math">
-                      <m:r>
-                        <a:rPr lang="en-US" sz="3600" i="1" dirty="0">
-                          <a:latin typeface="Cambria Math" panose="02040503050406030204" pitchFamily="18" charset="0"/>
-                        </a:rPr>
-                        <m:t>𝑟</m:t>
-                      </m:r>
-                      <m:r>
-                        <a:rPr lang="en-US" sz="3500" dirty="0" smtClean="0">
-                          <a:solidFill>
-                            <a:schemeClr val="tx1"/>
-                          </a:solidFill>
-                          <a:latin typeface="Cambria Math" panose="02040503050406030204" pitchFamily="18" charset="0"/>
-                        </a:rPr>
-                        <m:t>≔</m:t>
-                      </m:r>
-                      <m:r>
-                        <m:rPr>
-                          <m:sty m:val="p"/>
-                        </m:rPr>
-                        <a:rPr lang="en-US" sz="3500" b="0" i="0" dirty="0" smtClean="0">
-                          <a:solidFill>
-                            <a:schemeClr val="tx1"/>
-                          </a:solidFill>
-                          <a:latin typeface="Cambria Math" panose="02040503050406030204" pitchFamily="18" charset="0"/>
-                        </a:rPr>
-                        <m:t>state</m:t>
-                      </m:r>
-                      <m:r>
-                        <a:rPr lang="en-US" sz="3500" b="0" i="0" dirty="0" smtClean="0">
-                          <a:solidFill>
-                            <a:schemeClr val="tx1"/>
-                          </a:solidFill>
-                          <a:latin typeface="Cambria Math" panose="02040503050406030204" pitchFamily="18" charset="0"/>
-                        </a:rPr>
-                        <m:t> </m:t>
-                      </m:r>
-                      <m:r>
-                        <m:rPr>
-                          <m:sty m:val="p"/>
-                        </m:rPr>
-                        <a:rPr lang="en-US" sz="3500" b="0" i="0" dirty="0" smtClean="0">
-                          <a:solidFill>
-                            <a:schemeClr val="tx1"/>
-                          </a:solidFill>
-                          <a:latin typeface="Cambria Math" panose="02040503050406030204" pitchFamily="18" charset="0"/>
-                        </a:rPr>
-                        <m:t>vector</m:t>
-                      </m:r>
-                    </m:oMath>
-                  </m:oMathPara>
-                </a14:m>
-                <a:endParaRPr lang="en-US" sz="3500" b="0" dirty="0">
-                  <a:solidFill>
-                    <a:schemeClr val="tx1"/>
-                  </a:solidFill>
-                  <a:latin typeface="Cambria" panose="02040503050406030204" pitchFamily="18" charset="0"/>
-                </a:endParaRPr>
-              </a:p>
-              <a:p>
-                <a:pPr algn="ctr"/>
                 <a:r>
-                  <a:rPr lang="en-US" sz="3500" b="0" dirty="0">
-                    <a:solidFill>
-                      <a:schemeClr val="tx1"/>
-                    </a:solidFill>
-                    <a:latin typeface="Cambria" panose="02040503050406030204" pitchFamily="18" charset="0"/>
-                  </a:rPr>
-                  <a:t>b </a:t>
-                </a:r>
-                <a14:m>
-                  <m:oMath xmlns:m="http://schemas.openxmlformats.org/officeDocument/2006/math">
-                    <m:r>
-                      <a:rPr lang="en-US" sz="3500" dirty="0" smtClean="0">
-                        <a:solidFill>
-                          <a:schemeClr val="tx1"/>
-                        </a:solidFill>
-                        <a:latin typeface="Cambria Math" panose="02040503050406030204" pitchFamily="18" charset="0"/>
-                      </a:rPr>
-                      <m:t>≔</m:t>
-                    </m:r>
-                    <m:r>
-                      <m:rPr>
-                        <m:sty m:val="p"/>
-                      </m:rPr>
-                      <a:rPr lang="en-US" sz="3500" b="0" i="0" dirty="0" smtClean="0">
-                        <a:solidFill>
-                          <a:schemeClr val="tx1"/>
-                        </a:solidFill>
-                        <a:latin typeface="Cambria Math" panose="02040503050406030204" pitchFamily="18" charset="0"/>
-                      </a:rPr>
-                      <m:t>bias</m:t>
-                    </m:r>
-                    <m:r>
-                      <a:rPr lang="en-US" sz="3500" b="0" i="0" dirty="0" smtClean="0">
-                        <a:solidFill>
-                          <a:schemeClr val="tx1"/>
-                        </a:solidFill>
-                        <a:latin typeface="Cambria Math" panose="02040503050406030204" pitchFamily="18" charset="0"/>
-                      </a:rPr>
-                      <m:t> </m:t>
-                    </m:r>
-                    <m:r>
-                      <m:rPr>
-                        <m:sty m:val="p"/>
-                      </m:rPr>
-                      <a:rPr lang="en-US" sz="3500" b="0" i="0" dirty="0" smtClean="0">
-                        <a:solidFill>
-                          <a:schemeClr val="tx1"/>
-                        </a:solidFill>
-                        <a:latin typeface="Cambria Math" panose="02040503050406030204" pitchFamily="18" charset="0"/>
-                      </a:rPr>
-                      <m:t>vector</m:t>
-                    </m:r>
-                  </m:oMath>
-                </a14:m>
-                <a:endParaRPr lang="en-US" sz="3500" b="0" i="0" dirty="0">
-                  <a:solidFill>
-                    <a:schemeClr val="tx1"/>
-                  </a:solidFill>
-                  <a:latin typeface="Cambria Math" panose="02040503050406030204" pitchFamily="18" charset="0"/>
-                </a:endParaRPr>
-              </a:p>
-              <a:p>
-                <a:pPr algn="ctr"/>
-                <a:r>
-                  <a:rPr lang="el-GR" sz="3500" dirty="0">
-                    <a:latin typeface="Cambria" panose="02040503050406030204" pitchFamily="18" charset="0"/>
-                  </a:rPr>
-                  <a:t>η</a:t>
-                </a:r>
-                <a:r>
-                  <a:rPr lang="en-US" sz="3500" dirty="0">
-                    <a:latin typeface="Cambria" panose="02040503050406030204" pitchFamily="18" charset="0"/>
-                  </a:rPr>
-                  <a:t> </a:t>
-                </a:r>
-                <a14:m>
-                  <m:oMath xmlns:m="http://schemas.openxmlformats.org/officeDocument/2006/math">
-                    <m:r>
-                      <a:rPr lang="en-US" sz="3500" dirty="0">
-                        <a:latin typeface="Cambria Math" panose="02040503050406030204" pitchFamily="18" charset="0"/>
-                      </a:rPr>
-                      <m:t>≔</m:t>
-                    </m:r>
-                    <m:r>
-                      <m:rPr>
-                        <m:sty m:val="p"/>
-                      </m:rPr>
-                      <a:rPr lang="en-US" sz="3500" b="0" i="0" dirty="0" smtClean="0">
-                        <a:latin typeface="Cambria Math" panose="02040503050406030204" pitchFamily="18" charset="0"/>
-                      </a:rPr>
-                      <m:t>random</m:t>
-                    </m:r>
-                    <m:r>
-                      <a:rPr lang="en-US" sz="3500" b="0" i="0" dirty="0" smtClean="0">
-                        <a:latin typeface="Cambria Math" panose="02040503050406030204" pitchFamily="18" charset="0"/>
-                      </a:rPr>
-                      <m:t> </m:t>
-                    </m:r>
-                    <m:r>
-                      <m:rPr>
-                        <m:sty m:val="p"/>
-                      </m:rPr>
-                      <a:rPr lang="en-US" sz="3500" b="0" i="0" dirty="0" smtClean="0">
-                        <a:latin typeface="Cambria Math" panose="02040503050406030204" pitchFamily="18" charset="0"/>
-                      </a:rPr>
-                      <m:t>index</m:t>
-                    </m:r>
-                    <m:r>
-                      <a:rPr lang="en-US" sz="3500" b="0" i="0" dirty="0" smtClean="0">
-                        <a:latin typeface="Cambria Math" panose="02040503050406030204" pitchFamily="18" charset="0"/>
-                      </a:rPr>
-                      <m:t> </m:t>
-                    </m:r>
-                    <m:r>
-                      <m:rPr>
-                        <m:sty m:val="p"/>
-                      </m:rPr>
-                      <a:rPr lang="en-US" sz="3500" b="0" i="0" dirty="0" smtClean="0">
-                        <a:latin typeface="Cambria Math" panose="02040503050406030204" pitchFamily="18" charset="0"/>
-                      </a:rPr>
-                      <m:t>vector</m:t>
-                    </m:r>
-                  </m:oMath>
-                </a14:m>
-                <a:endParaRPr lang="en-US" sz="3500" b="0" dirty="0">
-                  <a:solidFill>
-                    <a:schemeClr val="tx1"/>
-                  </a:solidFill>
-                  <a:latin typeface="Cambria" panose="02040503050406030204" pitchFamily="18" charset="0"/>
-                </a:endParaRPr>
-              </a:p>
-            </p:txBody>
-          </p:sp>
-        </mc:Choice>
-        <mc:Fallback xmlns="">
-          <p:sp>
-            <p:nvSpPr>
-              <p:cNvPr id="59" name="TextBox 58">
-                <a:extLst>
-                  <a:ext uri="{FF2B5EF4-FFF2-40B4-BE49-F238E27FC236}">
-                    <a16:creationId xmlns:a16="http://schemas.microsoft.com/office/drawing/2014/main" id="{B05C5E3E-C9FF-E169-2F7C-E38C2A49FC35}"/>
-                  </a:ext>
-                </a:extLst>
-              </p:cNvPr>
-              <p:cNvSpPr txBox="1">
-                <a:spLocks noRot="1" noChangeAspect="1" noMove="1" noResize="1" noEditPoints="1" noAdjustHandles="1" noChangeArrowheads="1" noChangeShapeType="1" noTextEdit="1"/>
-              </p:cNvSpPr>
-              <p:nvPr/>
-            </p:nvSpPr>
-            <p:spPr>
-              <a:xfrm>
-                <a:off x="2094156" y="19556079"/>
-                <a:ext cx="4865575" cy="2159694"/>
-              </a:xfrm>
-              <a:prstGeom prst="rect">
-                <a:avLst/>
-              </a:prstGeom>
-              <a:blipFill>
-                <a:blip r:embed="rId4"/>
-                <a:stretch>
-                  <a:fillRect l="-5388" b="-11864"/>
-                </a:stretch>
-              </a:blipFill>
-            </p:spPr>
-            <p:txBody>
-              <a:bodyPr/>
-              <a:lstStyle/>
-              <a:p>
-                <a:r>
-                  <a:rPr lang="en-US">
-                    <a:noFill/>
-                  </a:rPr>
-                  <a:t> </a:t>
+                  <a:rPr lang="en-US" sz="7200" b="1" u="sng" dirty="0"/>
+                  <a:t>Abstract</a:t>
                 </a:r>
               </a:p>
             </p:txBody>
           </p:sp>
-        </mc:Fallback>
-      </mc:AlternateContent>
-      <mc:AlternateContent xmlns:mc="http://schemas.openxmlformats.org/markup-compatibility/2006" xmlns:a14="http://schemas.microsoft.com/office/drawing/2010/main">
-        <mc:Choice Requires="a14">
           <p:sp>
             <p:nvSpPr>
-              <p:cNvPr id="74" name="TextBox 73">
+              <p:cNvPr id="40" name="TextBox 39">
                 <a:extLst>
                   <a:ext uri="{FF2B5EF4-FFF2-40B4-BE49-F238E27FC236}">
-                    <a16:creationId xmlns:a16="http://schemas.microsoft.com/office/drawing/2014/main" id="{6FD9BC91-28D5-AE71-0963-86D147BD02CC}"/>
+                    <a16:creationId xmlns:a16="http://schemas.microsoft.com/office/drawing/2014/main" id="{D3C1BD6F-C161-6286-6515-A71D45E045F6}"/>
                   </a:ext>
                 </a:extLst>
               </p:cNvPr>
@@ -4393,8 +3502,8 @@
             </p:nvSpPr>
             <p:spPr>
               <a:xfrm>
-                <a:off x="7118642" y="20186316"/>
-                <a:ext cx="5073596" cy="1201419"/>
+                <a:off x="1916278" y="8193299"/>
+                <a:ext cx="11987385" cy="4724370"/>
               </a:xfrm>
               <a:prstGeom prst="rect">
                 <a:avLst/>
@@ -4402,435 +3511,25 @@
               <a:noFill/>
             </p:spPr>
             <p:txBody>
-              <a:bodyPr wrap="square" lIns="0" tIns="0" rIns="0" bIns="0" rtlCol="0">
+              <a:bodyPr wrap="square" rtlCol="0">
                 <a:spAutoFit/>
               </a:bodyPr>
               <a:lstStyle/>
               <a:p>
-                <a:pPr algn="ctr"/>
-                <a14:m>
-                  <m:oMathPara xmlns:m="http://schemas.openxmlformats.org/officeDocument/2006/math">
-                    <m:oMathParaPr>
-                      <m:jc m:val="centerGroup"/>
-                    </m:oMathParaPr>
-                    <m:oMath xmlns:m="http://schemas.openxmlformats.org/officeDocument/2006/math">
-                      <m:r>
-                        <a:rPr lang="en-US" sz="3500" b="0" i="1" smtClean="0">
-                          <a:solidFill>
-                            <a:schemeClr val="tx1"/>
-                          </a:solidFill>
-                          <a:latin typeface="Cambria Math" panose="02040503050406030204" pitchFamily="18" charset="0"/>
-                          <a:ea typeface="Cambria" panose="02040503050406030204" pitchFamily="18" charset="0"/>
-                        </a:rPr>
-                        <m:t>𝑠𝑖𝑔𝑛</m:t>
-                      </m:r>
-                      <m:r>
-                        <a:rPr lang="en-US" sz="3500" b="0" i="1" smtClean="0">
-                          <a:solidFill>
-                            <a:schemeClr val="tx1"/>
-                          </a:solidFill>
-                          <a:latin typeface="Cambria Math" panose="02040503050406030204" pitchFamily="18" charset="0"/>
-                          <a:ea typeface="Cambria" panose="02040503050406030204" pitchFamily="18" charset="0"/>
-                        </a:rPr>
-                        <m:t>(</m:t>
-                      </m:r>
-                      <m:r>
-                        <a:rPr lang="en-US" sz="3500" b="0" i="1" smtClean="0">
-                          <a:solidFill>
-                            <a:schemeClr val="tx1"/>
-                          </a:solidFill>
-                          <a:latin typeface="Cambria Math" panose="02040503050406030204" pitchFamily="18" charset="0"/>
-                          <a:ea typeface="Cambria" panose="02040503050406030204" pitchFamily="18" charset="0"/>
-                        </a:rPr>
-                        <m:t>𝑥</m:t>
-                      </m:r>
-                      <m:r>
-                        <a:rPr lang="en-US" sz="3500" b="0" i="1" smtClean="0">
-                          <a:solidFill>
-                            <a:schemeClr val="tx1"/>
-                          </a:solidFill>
-                          <a:latin typeface="Cambria Math" panose="02040503050406030204" pitchFamily="18" charset="0"/>
-                          <a:ea typeface="Cambria" panose="02040503050406030204" pitchFamily="18" charset="0"/>
-                        </a:rPr>
-                        <m:t>)=</m:t>
-                      </m:r>
-                      <m:d>
-                        <m:dPr>
-                          <m:begChr m:val="{"/>
-                          <m:endChr m:val=""/>
-                          <m:ctrlPr>
-                            <a:rPr lang="en-US" sz="3500" b="0" i="1" smtClean="0">
-                              <a:solidFill>
-                                <a:schemeClr val="tx1"/>
-                              </a:solidFill>
-                              <a:latin typeface="Cambria Math" panose="02040503050406030204" pitchFamily="18" charset="0"/>
-                              <a:ea typeface="Cambria" panose="02040503050406030204" pitchFamily="18" charset="0"/>
-                            </a:rPr>
-                          </m:ctrlPr>
-                        </m:dPr>
-                        <m:e>
-                          <m:eqArr>
-                            <m:eqArrPr>
-                              <m:ctrlPr>
-                                <a:rPr lang="en-US" sz="3500" b="0" i="1" smtClean="0">
-                                  <a:solidFill>
-                                    <a:schemeClr val="tx1"/>
-                                  </a:solidFill>
-                                  <a:latin typeface="Cambria Math" panose="02040503050406030204" pitchFamily="18" charset="0"/>
-                                  <a:ea typeface="Cambria" panose="02040503050406030204" pitchFamily="18" charset="0"/>
-                                </a:rPr>
-                              </m:ctrlPr>
-                            </m:eqArrPr>
-                            <m:e>
-                              <m:r>
-                                <a:rPr lang="en-US" sz="3500" b="0" i="1" smtClean="0">
-                                  <a:solidFill>
-                                    <a:schemeClr val="tx1"/>
-                                  </a:solidFill>
-                                  <a:latin typeface="Cambria Math" panose="02040503050406030204" pitchFamily="18" charset="0"/>
-                                  <a:ea typeface="Cambria" panose="02040503050406030204" pitchFamily="18" charset="0"/>
-                                </a:rPr>
-                                <m:t>+1 </m:t>
-                              </m:r>
-                              <m:r>
-                                <m:rPr>
-                                  <m:sty m:val="p"/>
-                                </m:rPr>
-                                <a:rPr lang="en-US" sz="3500" b="0" i="0" smtClean="0">
-                                  <a:solidFill>
-                                    <a:schemeClr val="tx1"/>
-                                  </a:solidFill>
-                                  <a:latin typeface="Cambria Math" panose="02040503050406030204" pitchFamily="18" charset="0"/>
-                                  <a:ea typeface="Cambria" panose="02040503050406030204" pitchFamily="18" charset="0"/>
-                                </a:rPr>
-                                <m:t>if</m:t>
-                              </m:r>
-                              <m:r>
-                                <a:rPr lang="en-US" sz="3500" b="0" i="1" smtClean="0">
-                                  <a:solidFill>
-                                    <a:schemeClr val="tx1"/>
-                                  </a:solidFill>
-                                  <a:latin typeface="Cambria Math" panose="02040503050406030204" pitchFamily="18" charset="0"/>
-                                  <a:ea typeface="Cambria" panose="02040503050406030204" pitchFamily="18" charset="0"/>
-                                </a:rPr>
-                                <m:t> </m:t>
-                              </m:r>
-                              <m:r>
-                                <a:rPr lang="en-US" sz="3500" b="0" i="1" smtClean="0">
-                                  <a:solidFill>
-                                    <a:schemeClr val="tx1"/>
-                                  </a:solidFill>
-                                  <a:latin typeface="Cambria Math" panose="02040503050406030204" pitchFamily="18" charset="0"/>
-                                  <a:ea typeface="Cambria" panose="02040503050406030204" pitchFamily="18" charset="0"/>
-                                </a:rPr>
-                                <m:t>𝑥</m:t>
-                              </m:r>
-                              <m:r>
-                                <a:rPr lang="en-US" sz="3500" b="0" i="1" smtClean="0">
-                                  <a:solidFill>
-                                    <a:schemeClr val="tx1"/>
-                                  </a:solidFill>
-                                  <a:latin typeface="Cambria Math" panose="02040503050406030204" pitchFamily="18" charset="0"/>
-                                  <a:ea typeface="Cambria" panose="02040503050406030204" pitchFamily="18" charset="0"/>
-                                </a:rPr>
-                                <m:t>≥0</m:t>
-                              </m:r>
-                            </m:e>
-                            <m:e>
-                              <m:r>
-                                <a:rPr lang="en-US" sz="3500" b="0" i="1" smtClean="0">
-                                  <a:latin typeface="Cambria Math" panose="02040503050406030204" pitchFamily="18" charset="0"/>
-                                </a:rPr>
-                                <m:t>−1 </m:t>
-                              </m:r>
-                              <m:r>
-                                <m:rPr>
-                                  <m:sty m:val="p"/>
-                                </m:rPr>
-                                <a:rPr lang="en-US" sz="3500" b="0" i="0" smtClean="0">
-                                  <a:latin typeface="Cambria Math" panose="02040503050406030204" pitchFamily="18" charset="0"/>
-                                </a:rPr>
-                                <m:t>if</m:t>
-                              </m:r>
-                              <m:r>
-                                <a:rPr lang="en-US" sz="3500" b="0" i="1" smtClean="0">
-                                  <a:latin typeface="Cambria Math" panose="02040503050406030204" pitchFamily="18" charset="0"/>
-                                </a:rPr>
-                                <m:t> </m:t>
-                              </m:r>
-                              <m:r>
-                                <a:rPr lang="en-US" sz="3500" b="0" i="1" smtClean="0">
-                                  <a:latin typeface="Cambria Math" panose="02040503050406030204" pitchFamily="18" charset="0"/>
-                                </a:rPr>
-                                <m:t>𝑥</m:t>
-                              </m:r>
-                              <m:r>
-                                <a:rPr lang="en-US" sz="3500" b="0" i="1" smtClean="0">
-                                  <a:latin typeface="Cambria Math" panose="02040503050406030204" pitchFamily="18" charset="0"/>
-                                </a:rPr>
-                                <m:t>&lt;0</m:t>
-                              </m:r>
-                            </m:e>
-                          </m:eqArr>
-                        </m:e>
-                      </m:d>
-                    </m:oMath>
-                  </m:oMathPara>
-                </a14:m>
-                <a:endParaRPr lang="en-US" sz="3500" dirty="0">
-                  <a:solidFill>
-                    <a:schemeClr val="tx1"/>
-                  </a:solidFill>
-                  <a:latin typeface="Cambria" panose="02040503050406030204" pitchFamily="18" charset="0"/>
-                  <a:ea typeface="Cambria" panose="02040503050406030204" pitchFamily="18" charset="0"/>
-                </a:endParaRPr>
-              </a:p>
-            </p:txBody>
-          </p:sp>
-        </mc:Choice>
-        <mc:Fallback xmlns="">
-          <p:sp>
-            <p:nvSpPr>
-              <p:cNvPr id="74" name="TextBox 73">
-                <a:extLst>
-                  <a:ext uri="{FF2B5EF4-FFF2-40B4-BE49-F238E27FC236}">
-                    <a16:creationId xmlns:a16="http://schemas.microsoft.com/office/drawing/2014/main" id="{6FD9BC91-28D5-AE71-0963-86D147BD02CC}"/>
-                  </a:ext>
-                </a:extLst>
-              </p:cNvPr>
-              <p:cNvSpPr txBox="1">
-                <a:spLocks noRot="1" noChangeAspect="1" noMove="1" noResize="1" noEditPoints="1" noAdjustHandles="1" noChangeArrowheads="1" noChangeShapeType="1" noTextEdit="1"/>
-              </p:cNvSpPr>
-              <p:nvPr/>
-            </p:nvSpPr>
-            <p:spPr>
-              <a:xfrm>
-                <a:off x="7118642" y="20186316"/>
-                <a:ext cx="5073596" cy="1201419"/>
-              </a:xfrm>
-              <a:prstGeom prst="rect">
-                <a:avLst/>
-              </a:prstGeom>
-              <a:blipFill>
-                <a:blip r:embed="rId5"/>
-                <a:stretch>
-                  <a:fillRect/>
-                </a:stretch>
-              </a:blipFill>
-            </p:spPr>
-            <p:txBody>
-              <a:bodyPr/>
-              <a:lstStyle/>
-              <a:p>
                 <a:r>
-                  <a:rPr lang="en-US">
-                    <a:noFill/>
-                  </a:rPr>
-                  <a:t> </a:t>
+                  <a:rPr lang="en-US" sz="4300" dirty="0"/>
+                  <a:t>	This research aimed to examine sparse and magnitude pruning in Hopfield networks (HNs). HNs at evenly spaced sparsity and magnitude intervals were tested. The performance of retrieved patterns were evaluated on the number of matching pixels. Various percentages of noise were introduced to evaluate the performance of these pruning methods.</a:t>
                 </a:r>
               </a:p>
             </p:txBody>
           </p:sp>
-        </mc:Fallback>
-      </mc:AlternateContent>
-      <p:grpSp>
-        <p:nvGrpSpPr>
-          <p:cNvPr id="35" name="Group 34">
-            <a:extLst>
-              <a:ext uri="{FF2B5EF4-FFF2-40B4-BE49-F238E27FC236}">
-                <a16:creationId xmlns:a16="http://schemas.microsoft.com/office/drawing/2014/main" id="{941F8054-7BE7-5C41-CF2C-5E8C596D5E3F}"/>
-              </a:ext>
-            </a:extLst>
-          </p:cNvPr>
-          <p:cNvGrpSpPr/>
-          <p:nvPr/>
-        </p:nvGrpSpPr>
-        <p:grpSpPr>
-          <a:xfrm>
-            <a:off x="1448120" y="21896591"/>
-            <a:ext cx="12502029" cy="5185533"/>
-            <a:chOff x="1448120" y="21896591"/>
-            <a:chExt cx="12502029" cy="5185533"/>
-          </a:xfrm>
-        </p:grpSpPr>
-        <p:sp>
-          <p:nvSpPr>
-            <p:cNvPr id="70" name="TextBox 69">
+        </p:grpSp>
+        <p:grpSp>
+          <p:nvGrpSpPr>
+            <p:cNvPr id="49" name="Group 48">
               <a:extLst>
                 <a:ext uri="{FF2B5EF4-FFF2-40B4-BE49-F238E27FC236}">
-                  <a16:creationId xmlns:a16="http://schemas.microsoft.com/office/drawing/2014/main" id="{9E21499A-754B-5DB8-5AFA-A8D7BE80CDF5}"/>
-                </a:ext>
-              </a:extLst>
-            </p:cNvPr>
-            <p:cNvSpPr txBox="1"/>
-            <p:nvPr/>
-          </p:nvSpPr>
-          <p:spPr>
-            <a:xfrm>
-              <a:off x="1448122" y="21896591"/>
-              <a:ext cx="4109210" cy="661720"/>
-            </a:xfrm>
-            <a:prstGeom prst="rect">
-              <a:avLst/>
-            </a:prstGeom>
-            <a:noFill/>
-          </p:spPr>
-          <p:txBody>
-            <a:bodyPr wrap="square" lIns="0" tIns="0" rIns="0" bIns="0" rtlCol="0">
-              <a:spAutoFit/>
-            </a:bodyPr>
-            <a:lstStyle/>
-            <a:p>
-              <a:pPr algn="r"/>
-              <a:r>
-                <a:rPr lang="en-US" sz="4300" dirty="0"/>
-                <a:t>Inputs:</a:t>
-              </a:r>
-              <a:endParaRPr lang="en-US" sz="4300" dirty="0">
-                <a:solidFill>
-                  <a:schemeClr val="tx1"/>
-                </a:solidFill>
-                <a:latin typeface="Cambria" panose="02040503050406030204" pitchFamily="18" charset="0"/>
-                <a:ea typeface="Cambria" panose="02040503050406030204" pitchFamily="18" charset="0"/>
-              </a:endParaRPr>
-            </a:p>
-          </p:txBody>
-        </p:sp>
-        <p:sp>
-          <p:nvSpPr>
-            <p:cNvPr id="71" name="TextBox 70">
-              <a:extLst>
-                <a:ext uri="{FF2B5EF4-FFF2-40B4-BE49-F238E27FC236}">
-                  <a16:creationId xmlns:a16="http://schemas.microsoft.com/office/drawing/2014/main" id="{1DD61F3A-0F3C-BDA2-6FBB-B904AFF0C6C9}"/>
-                </a:ext>
-              </a:extLst>
-            </p:cNvPr>
-            <p:cNvSpPr txBox="1"/>
-            <p:nvPr/>
-          </p:nvSpPr>
-          <p:spPr>
-            <a:xfrm>
-              <a:off x="1448120" y="23203559"/>
-              <a:ext cx="4109211" cy="661720"/>
-            </a:xfrm>
-            <a:prstGeom prst="rect">
-              <a:avLst/>
-            </a:prstGeom>
-            <a:noFill/>
-          </p:spPr>
-          <p:txBody>
-            <a:bodyPr wrap="square" lIns="0" tIns="0" rIns="0" bIns="0" rtlCol="0">
-              <a:spAutoFit/>
-            </a:bodyPr>
-            <a:lstStyle/>
-            <a:p>
-              <a:pPr algn="r"/>
-              <a:r>
-                <a:rPr lang="en-US" sz="4300" dirty="0"/>
-                <a:t>Weight matrix: </a:t>
-              </a:r>
-              <a:endParaRPr lang="en-US" sz="4300" dirty="0">
-                <a:solidFill>
-                  <a:schemeClr val="tx1"/>
-                </a:solidFill>
-                <a:latin typeface="Cambria" panose="02040503050406030204" pitchFamily="18" charset="0"/>
-                <a:ea typeface="Cambria" panose="02040503050406030204" pitchFamily="18" charset="0"/>
-              </a:endParaRPr>
-            </a:p>
-          </p:txBody>
-        </p:sp>
-        <p:sp>
-          <p:nvSpPr>
-            <p:cNvPr id="73" name="TextBox 72">
-              <a:extLst>
-                <a:ext uri="{FF2B5EF4-FFF2-40B4-BE49-F238E27FC236}">
-                  <a16:creationId xmlns:a16="http://schemas.microsoft.com/office/drawing/2014/main" id="{0ADE9BCB-24E1-A592-D52E-EB2A00C73FD6}"/>
-                </a:ext>
-              </a:extLst>
-            </p:cNvPr>
-            <p:cNvSpPr txBox="1"/>
-            <p:nvPr/>
-          </p:nvSpPr>
-          <p:spPr>
-            <a:xfrm>
-              <a:off x="1448122" y="24788272"/>
-              <a:ext cx="4109210" cy="661720"/>
-            </a:xfrm>
-            <a:prstGeom prst="rect">
-              <a:avLst/>
-            </a:prstGeom>
-            <a:noFill/>
-          </p:spPr>
-          <p:txBody>
-            <a:bodyPr wrap="square" lIns="0" tIns="0" rIns="0" bIns="0" rtlCol="0">
-              <a:spAutoFit/>
-            </a:bodyPr>
-            <a:lstStyle/>
-            <a:p>
-              <a:pPr algn="r"/>
-              <a:r>
-                <a:rPr lang="en-US" sz="4300" dirty="0"/>
-                <a:t>Energy function: </a:t>
-              </a:r>
-              <a:endParaRPr lang="en-US" sz="4300" dirty="0">
-                <a:solidFill>
-                  <a:schemeClr val="tx1"/>
-                </a:solidFill>
-                <a:latin typeface="Cambria" panose="02040503050406030204" pitchFamily="18" charset="0"/>
-                <a:ea typeface="Cambria" panose="02040503050406030204" pitchFamily="18" charset="0"/>
-              </a:endParaRPr>
-            </a:p>
-          </p:txBody>
-        </p:sp>
-        <p:sp>
-          <p:nvSpPr>
-            <p:cNvPr id="7" name="TextBox 6">
-              <a:extLst>
-                <a:ext uri="{FF2B5EF4-FFF2-40B4-BE49-F238E27FC236}">
-                  <a16:creationId xmlns:a16="http://schemas.microsoft.com/office/drawing/2014/main" id="{92FA0A23-8E70-9CBC-1866-3F92C9FF5A57}"/>
-                </a:ext>
-              </a:extLst>
-            </p:cNvPr>
-            <p:cNvSpPr txBox="1"/>
-            <p:nvPr/>
-          </p:nvSpPr>
-          <p:spPr>
-            <a:xfrm>
-              <a:off x="1482390" y="25758685"/>
-              <a:ext cx="4109210" cy="1323439"/>
-            </a:xfrm>
-            <a:prstGeom prst="rect">
-              <a:avLst/>
-            </a:prstGeom>
-            <a:noFill/>
-          </p:spPr>
-          <p:txBody>
-            <a:bodyPr wrap="square" lIns="0" tIns="0" rIns="0" bIns="0" rtlCol="0">
-              <a:spAutoFit/>
-            </a:bodyPr>
-            <a:lstStyle/>
-            <a:p>
-              <a:pPr algn="r"/>
-              <a:r>
-                <a:rPr lang="en-US" sz="4300" dirty="0"/>
-                <a:t>Asynchronous update rule: </a:t>
-              </a:r>
-              <a:endParaRPr lang="en-US" sz="4300" dirty="0">
-                <a:solidFill>
-                  <a:schemeClr val="tx1"/>
-                </a:solidFill>
-                <a:latin typeface="Cambria" panose="02040503050406030204" pitchFamily="18" charset="0"/>
-                <a:ea typeface="Cambria" panose="02040503050406030204" pitchFamily="18" charset="0"/>
-              </a:endParaRPr>
-            </a:p>
-          </p:txBody>
-        </p:sp>
-        <p:grpSp>
-          <p:nvGrpSpPr>
-            <p:cNvPr id="33" name="Group 32">
-              <a:extLst>
-                <a:ext uri="{FF2B5EF4-FFF2-40B4-BE49-F238E27FC236}">
-                  <a16:creationId xmlns:a16="http://schemas.microsoft.com/office/drawing/2014/main" id="{BA63DD7E-F039-AA5B-3AE5-358690B14FBD}"/>
+                  <a16:creationId xmlns:a16="http://schemas.microsoft.com/office/drawing/2014/main" id="{7743D12C-969E-708C-7797-B9F82F90922B}"/>
                 </a:ext>
               </a:extLst>
             </p:cNvPr>
@@ -4839,20 +3538,248 @@
           </p:nvGrpSpPr>
           <p:grpSpPr>
             <a:xfrm>
-              <a:off x="5360732" y="21973077"/>
-              <a:ext cx="8589417" cy="4742405"/>
-              <a:chOff x="5360732" y="21973077"/>
-              <a:chExt cx="8589417" cy="4742405"/>
+              <a:off x="1847164" y="12725507"/>
+              <a:ext cx="11987386" cy="6583386"/>
+              <a:chOff x="1847164" y="12725507"/>
+              <a:chExt cx="11987386" cy="6583386"/>
             </a:xfrm>
           </p:grpSpPr>
-          <mc:AlternateContent xmlns:mc="http://schemas.openxmlformats.org/markup-compatibility/2006" xmlns:a14="http://schemas.microsoft.com/office/drawing/2010/main">
-            <mc:Choice Requires="a14">
+          <p:sp>
+            <p:nvSpPr>
+              <p:cNvPr id="13" name="TextBox 12">
+                <a:extLst>
+                  <a:ext uri="{FF2B5EF4-FFF2-40B4-BE49-F238E27FC236}">
+                    <a16:creationId xmlns:a16="http://schemas.microsoft.com/office/drawing/2014/main" id="{96D71C5E-57FC-5303-6E30-05C0FED04AC8}"/>
+                  </a:ext>
+                </a:extLst>
+              </p:cNvPr>
+              <p:cNvSpPr txBox="1"/>
+              <p:nvPr/>
+            </p:nvSpPr>
+            <p:spPr>
+              <a:xfrm>
+                <a:off x="5557332" y="12725507"/>
+                <a:ext cx="4705279" cy="1200329"/>
+              </a:xfrm>
+              <a:prstGeom prst="rect">
+                <a:avLst/>
+              </a:prstGeom>
+              <a:noFill/>
+            </p:spPr>
+            <p:txBody>
+              <a:bodyPr wrap="square" rtlCol="0">
+                <a:spAutoFit/>
+              </a:bodyPr>
+              <a:lstStyle/>
+              <a:p>
+                <a:r>
+                  <a:rPr lang="en-US" sz="7200" b="1" u="sng" dirty="0"/>
+                  <a:t>Background</a:t>
+                </a:r>
+              </a:p>
+            </p:txBody>
+          </p:sp>
+          <p:sp>
+            <p:nvSpPr>
+              <p:cNvPr id="27" name="TextBox 26">
+                <a:extLst>
+                  <a:ext uri="{FF2B5EF4-FFF2-40B4-BE49-F238E27FC236}">
+                    <a16:creationId xmlns:a16="http://schemas.microsoft.com/office/drawing/2014/main" id="{CCC5C11D-5DAA-475F-EB8E-A95AEB052D49}"/>
+                  </a:ext>
+                </a:extLst>
+              </p:cNvPr>
+              <p:cNvSpPr txBox="1"/>
+              <p:nvPr/>
+            </p:nvSpPr>
+            <p:spPr>
+              <a:xfrm>
+                <a:off x="1847164" y="13922803"/>
+                <a:ext cx="11987386" cy="5386090"/>
+              </a:xfrm>
+              <a:prstGeom prst="rect">
+                <a:avLst/>
+              </a:prstGeom>
+              <a:noFill/>
+            </p:spPr>
+            <p:txBody>
+              <a:bodyPr wrap="square" rtlCol="0">
+                <a:spAutoFit/>
+              </a:bodyPr>
+              <a:lstStyle/>
+              <a:p>
+                <a:pPr marL="685800" indent="-685800">
+                  <a:buFont typeface="Arial" panose="020B0604020202020204" pitchFamily="34" charset="0"/>
+                  <a:buChar char="•"/>
+                </a:pPr>
+                <a:r>
+                  <a:rPr lang="en-US" sz="4300" dirty="0"/>
+                  <a:t>HNs are recurrent artificial neural networks with the ability to store and recall patterns</a:t>
+                </a:r>
+              </a:p>
+              <a:p>
+                <a:pPr marL="685800" indent="-685800">
+                  <a:buFont typeface="Arial" panose="020B0604020202020204" pitchFamily="34" charset="0"/>
+                  <a:buChar char="•"/>
+                </a:pPr>
+                <a:r>
+                  <a:rPr lang="en-US" sz="4300" dirty="0"/>
+                  <a:t>HNs are content-addressable memory systems, making them capable of retrieving stored patterns when presented with noisy inputs</a:t>
+                </a:r>
+              </a:p>
+              <a:p>
+                <a:pPr marL="685800" indent="-685800">
+                  <a:buFont typeface="Arial" panose="020B0604020202020204" pitchFamily="34" charset="0"/>
+                  <a:buChar char="•"/>
+                </a:pPr>
+                <a:r>
+                  <a:rPr lang="en-US" sz="4300" dirty="0"/>
+                  <a:t>HNs minimize an energy function over time, converging into a stable state that corresponds to a stored pattern</a:t>
+                </a:r>
+              </a:p>
+            </p:txBody>
+          </p:sp>
+        </p:grpSp>
+        <p:grpSp>
+          <p:nvGrpSpPr>
+            <p:cNvPr id="44" name="Group 43">
+              <a:extLst>
+                <a:ext uri="{FF2B5EF4-FFF2-40B4-BE49-F238E27FC236}">
+                  <a16:creationId xmlns:a16="http://schemas.microsoft.com/office/drawing/2014/main" id="{E29F254C-B0BF-B8F4-EB24-5F58E87E53E4}"/>
+                </a:ext>
+              </a:extLst>
+            </p:cNvPr>
+            <p:cNvGrpSpPr/>
+            <p:nvPr/>
+          </p:nvGrpSpPr>
+          <p:grpSpPr>
+            <a:xfrm>
+              <a:off x="1808954" y="32346744"/>
+              <a:ext cx="12025596" cy="4615645"/>
+              <a:chOff x="1808954" y="32346744"/>
+              <a:chExt cx="12025596" cy="4615645"/>
+            </a:xfrm>
+          </p:grpSpPr>
+          <p:sp>
+            <p:nvSpPr>
+              <p:cNvPr id="21" name="TextBox 20">
+                <a:extLst>
+                  <a:ext uri="{FF2B5EF4-FFF2-40B4-BE49-F238E27FC236}">
+                    <a16:creationId xmlns:a16="http://schemas.microsoft.com/office/drawing/2014/main" id="{3CB3F5B8-B698-9376-3120-F0ECC39129BA}"/>
+                  </a:ext>
+                </a:extLst>
+              </p:cNvPr>
+              <p:cNvSpPr txBox="1"/>
+              <p:nvPr/>
+            </p:nvSpPr>
+            <p:spPr>
+              <a:xfrm>
+                <a:off x="5650578" y="32346744"/>
+                <a:ext cx="4215713" cy="1200329"/>
+              </a:xfrm>
+              <a:prstGeom prst="rect">
+                <a:avLst/>
+              </a:prstGeom>
+              <a:noFill/>
+            </p:spPr>
+            <p:txBody>
+              <a:bodyPr wrap="square" rtlCol="0">
+                <a:spAutoFit/>
+              </a:bodyPr>
+              <a:lstStyle/>
+              <a:p>
+                <a:r>
+                  <a:rPr lang="en-US" sz="7200" b="1" u="sng" dirty="0"/>
+                  <a:t>Objectives</a:t>
+                </a:r>
+              </a:p>
+            </p:txBody>
+          </p:sp>
+          <p:sp>
+            <p:nvSpPr>
+              <p:cNvPr id="31" name="TextBox 30">
+                <a:extLst>
+                  <a:ext uri="{FF2B5EF4-FFF2-40B4-BE49-F238E27FC236}">
+                    <a16:creationId xmlns:a16="http://schemas.microsoft.com/office/drawing/2014/main" id="{B7E42F62-4AA3-6FA1-3404-19BD1C953AB6}"/>
+                  </a:ext>
+                </a:extLst>
+              </p:cNvPr>
+              <p:cNvSpPr txBox="1"/>
+              <p:nvPr/>
+            </p:nvSpPr>
+            <p:spPr>
+              <a:xfrm>
+                <a:off x="1808954" y="33561458"/>
+                <a:ext cx="12025596" cy="3400931"/>
+              </a:xfrm>
+              <a:prstGeom prst="rect">
+                <a:avLst/>
+              </a:prstGeom>
+              <a:noFill/>
+            </p:spPr>
+            <p:txBody>
+              <a:bodyPr wrap="square" rtlCol="0">
+                <a:spAutoFit/>
+              </a:bodyPr>
+              <a:lstStyle/>
+              <a:p>
+                <a:pPr marL="685800" indent="-685800">
+                  <a:buFont typeface="Arial" panose="020B0604020202020204" pitchFamily="34" charset="0"/>
+                  <a:buChar char="•"/>
+                </a:pPr>
+                <a:r>
+                  <a:rPr lang="en-US" sz="4300" dirty="0"/>
+                  <a:t>Discover accurate methods to compare sparse and magnitude pruning of the weight matrix</a:t>
+                </a:r>
+              </a:p>
+              <a:p>
+                <a:pPr marL="685800" indent="-685800">
+                  <a:buFont typeface="Arial" panose="020B0604020202020204" pitchFamily="34" charset="0"/>
+                  <a:buChar char="•"/>
+                </a:pPr>
+                <a:r>
+                  <a:rPr lang="en-US" sz="4300" dirty="0"/>
+                  <a:t>Investigate the performance of HNs in retrieving 16x16 and 28x28 binary images in the Caltech 101 </a:t>
+                </a:r>
+                <a:r>
+                  <a:rPr lang="en-US" sz="4400" b="0" i="0" dirty="0">
+                    <a:effectLst/>
+                    <a:latin typeface="Söhne"/>
+                  </a:rPr>
+                  <a:t>Silhouettes Data Set</a:t>
+                </a:r>
+                <a:endParaRPr lang="en-US" sz="4300" dirty="0"/>
+              </a:p>
+            </p:txBody>
+          </p:sp>
+        </p:grpSp>
+        <p:grpSp>
+          <p:nvGrpSpPr>
+            <p:cNvPr id="94" name="Group 93">
+              <a:extLst>
+                <a:ext uri="{FF2B5EF4-FFF2-40B4-BE49-F238E27FC236}">
+                  <a16:creationId xmlns:a16="http://schemas.microsoft.com/office/drawing/2014/main" id="{E163AC85-1F52-9DB2-B3FE-6F9713F8283C}"/>
+                </a:ext>
+              </a:extLst>
+            </p:cNvPr>
+            <p:cNvGrpSpPr/>
+            <p:nvPr/>
+          </p:nvGrpSpPr>
+          <p:grpSpPr>
+            <a:xfrm>
+              <a:off x="1448120" y="19556079"/>
+              <a:ext cx="12502029" cy="7526045"/>
+              <a:chOff x="1448120" y="19556079"/>
+              <a:chExt cx="12502029" cy="7526045"/>
+            </a:xfrm>
+          </p:grpSpPr>
+          <mc:AlternateContent xmlns:mc="http://schemas.openxmlformats.org/markup-compatibility/2006">
+            <mc:Choice xmlns:a14="http://schemas.microsoft.com/office/drawing/2010/main" Requires="a14">
               <p:sp>
                 <p:nvSpPr>
-                  <p:cNvPr id="51" name="TextBox 50">
+                  <p:cNvPr id="59" name="TextBox 58">
                     <a:extLst>
                       <a:ext uri="{FF2B5EF4-FFF2-40B4-BE49-F238E27FC236}">
-                        <a16:creationId xmlns:a16="http://schemas.microsoft.com/office/drawing/2014/main" id="{B4D5F08D-B9F7-556F-DDC5-F8999995071A}"/>
+                        <a16:creationId xmlns:a16="http://schemas.microsoft.com/office/drawing/2014/main" id="{B05C5E3E-C9FF-E169-2F7C-E38C2A49FC35}"/>
                       </a:ext>
                     </a:extLst>
                   </p:cNvPr>
@@ -4861,8 +3788,8 @@
                 </p:nvSpPr>
                 <p:spPr>
                   <a:xfrm>
-                    <a:off x="5360732" y="21973077"/>
-                    <a:ext cx="8589417" cy="516873"/>
+                    <a:off x="2094156" y="19556079"/>
+                    <a:ext cx="4865575" cy="2159694"/>
                   </a:xfrm>
                   <a:prstGeom prst="rect">
                     <a:avLst/>
@@ -4882,121 +3809,514 @@
                           <m:jc m:val="centerGroup"/>
                         </m:oMathParaPr>
                         <m:oMath xmlns:m="http://schemas.openxmlformats.org/officeDocument/2006/math">
-                          <m:sSub>
-                            <m:sSubPr>
-                              <m:ctrlPr>
-                                <a:rPr lang="en-US" sz="3300" i="1" smtClean="0">
-                                  <a:solidFill>
-                                    <a:schemeClr val="tx1"/>
-                                  </a:solidFill>
-                                  <a:latin typeface="Cambria Math" panose="02040503050406030204" pitchFamily="18" charset="0"/>
-                                </a:rPr>
-                              </m:ctrlPr>
-                            </m:sSubPr>
-                            <m:e>
-                              <m:r>
-                                <a:rPr lang="en-US" sz="3300" i="1">
-                                  <a:solidFill>
-                                    <a:schemeClr val="tx1"/>
-                                  </a:solidFill>
-                                  <a:latin typeface="Cambria Math" panose="02040503050406030204" pitchFamily="18" charset="0"/>
-                                </a:rPr>
-                                <m:t>𝑥</m:t>
-                              </m:r>
-                            </m:e>
-                            <m:sub>
-                              <m:r>
-                                <a:rPr lang="en-US" sz="3300" i="1">
-                                  <a:solidFill>
-                                    <a:schemeClr val="tx1"/>
-                                  </a:solidFill>
-                                  <a:latin typeface="Cambria Math" panose="02040503050406030204" pitchFamily="18" charset="0"/>
-                                </a:rPr>
-                                <m:t>𝑖</m:t>
-                              </m:r>
-                            </m:sub>
-                          </m:sSub>
                           <m:r>
-                            <a:rPr lang="en-US" sz="3300" i="0">
+                            <a:rPr lang="en-US" sz="3600" i="1" dirty="0" smtClean="0">
+                              <a:latin typeface="Cambria Math" panose="02040503050406030204" pitchFamily="18" charset="0"/>
+                            </a:rPr>
+                            <m:t>𝑑</m:t>
+                          </m:r>
+                          <m:r>
+                            <a:rPr lang="en-US" sz="3500" dirty="0" smtClean="0">
                               <a:solidFill>
                                 <a:schemeClr val="tx1"/>
                               </a:solidFill>
                               <a:latin typeface="Cambria Math" panose="02040503050406030204" pitchFamily="18" charset="0"/>
                             </a:rPr>
-                            <m:t>∈</m:t>
+                            <m:t>≔</m:t>
                           </m:r>
-                          <m:sSup>
-                            <m:sSupPr>
+                          <m:r>
+                            <m:rPr>
+                              <m:sty m:val="p"/>
+                            </m:rPr>
+                            <a:rPr lang="en-US" sz="3500" b="0" i="0" dirty="0" smtClean="0">
+                              <a:solidFill>
+                                <a:schemeClr val="tx1"/>
+                              </a:solidFill>
+                              <a:latin typeface="Cambria Math" panose="02040503050406030204" pitchFamily="18" charset="0"/>
+                            </a:rPr>
+                            <m:t>input</m:t>
+                          </m:r>
+                          <m:r>
+                            <a:rPr lang="en-US" sz="3500" b="0" i="0" dirty="0" smtClean="0">
+                              <a:solidFill>
+                                <a:schemeClr val="tx1"/>
+                              </a:solidFill>
+                              <a:latin typeface="Cambria Math" panose="02040503050406030204" pitchFamily="18" charset="0"/>
+                            </a:rPr>
+                            <m:t> </m:t>
+                          </m:r>
+                          <m:r>
+                            <m:rPr>
+                              <m:sty m:val="p"/>
+                            </m:rPr>
+                            <a:rPr lang="en-US" sz="3500" b="0" i="0" dirty="0" smtClean="0">
+                              <a:solidFill>
+                                <a:schemeClr val="tx1"/>
+                              </a:solidFill>
+                              <a:latin typeface="Cambria Math" panose="02040503050406030204" pitchFamily="18" charset="0"/>
+                            </a:rPr>
+                            <m:t>length</m:t>
+                          </m:r>
+                        </m:oMath>
+                      </m:oMathPara>
+                    </a14:m>
+                    <a:endParaRPr lang="en-US" sz="3500" dirty="0">
+                      <a:solidFill>
+                        <a:schemeClr val="tx1"/>
+                      </a:solidFill>
+                      <a:latin typeface="Cambria" panose="02040503050406030204" pitchFamily="18" charset="0"/>
+                      <a:ea typeface="Cambria" panose="02040503050406030204" pitchFamily="18" charset="0"/>
+                    </a:endParaRPr>
+                  </a:p>
+                  <a:p>
+                    <a:pPr algn="ctr"/>
+                    <a14:m>
+                      <m:oMathPara xmlns:m="http://schemas.openxmlformats.org/officeDocument/2006/math">
+                        <m:oMathParaPr>
+                          <m:jc m:val="centerGroup"/>
+                        </m:oMathParaPr>
+                        <m:oMath xmlns:m="http://schemas.openxmlformats.org/officeDocument/2006/math">
+                          <m:r>
+                            <a:rPr lang="en-US" sz="3600" i="1" dirty="0">
+                              <a:latin typeface="Cambria Math" panose="02040503050406030204" pitchFamily="18" charset="0"/>
+                            </a:rPr>
+                            <m:t>𝑟</m:t>
+                          </m:r>
+                          <m:r>
+                            <a:rPr lang="en-US" sz="3500" dirty="0" smtClean="0">
+                              <a:solidFill>
+                                <a:schemeClr val="tx1"/>
+                              </a:solidFill>
+                              <a:latin typeface="Cambria Math" panose="02040503050406030204" pitchFamily="18" charset="0"/>
+                            </a:rPr>
+                            <m:t>≔</m:t>
+                          </m:r>
+                          <m:r>
+                            <m:rPr>
+                              <m:sty m:val="p"/>
+                            </m:rPr>
+                            <a:rPr lang="en-US" sz="3500" b="0" i="0" dirty="0" smtClean="0">
+                              <a:solidFill>
+                                <a:schemeClr val="tx1"/>
+                              </a:solidFill>
+                              <a:latin typeface="Cambria Math" panose="02040503050406030204" pitchFamily="18" charset="0"/>
+                            </a:rPr>
+                            <m:t>state</m:t>
+                          </m:r>
+                          <m:r>
+                            <a:rPr lang="en-US" sz="3500" b="0" i="0" dirty="0" smtClean="0">
+                              <a:solidFill>
+                                <a:schemeClr val="tx1"/>
+                              </a:solidFill>
+                              <a:latin typeface="Cambria Math" panose="02040503050406030204" pitchFamily="18" charset="0"/>
+                            </a:rPr>
+                            <m:t> </m:t>
+                          </m:r>
+                          <m:r>
+                            <m:rPr>
+                              <m:sty m:val="p"/>
+                            </m:rPr>
+                            <a:rPr lang="en-US" sz="3500" b="0" i="0" dirty="0" smtClean="0">
+                              <a:solidFill>
+                                <a:schemeClr val="tx1"/>
+                              </a:solidFill>
+                              <a:latin typeface="Cambria Math" panose="02040503050406030204" pitchFamily="18" charset="0"/>
+                            </a:rPr>
+                            <m:t>vector</m:t>
+                          </m:r>
+                        </m:oMath>
+                      </m:oMathPara>
+                    </a14:m>
+                    <a:endParaRPr lang="en-US" sz="3500" b="0" dirty="0">
+                      <a:solidFill>
+                        <a:schemeClr val="tx1"/>
+                      </a:solidFill>
+                      <a:latin typeface="Cambria" panose="02040503050406030204" pitchFamily="18" charset="0"/>
+                    </a:endParaRPr>
+                  </a:p>
+                  <a:p>
+                    <a:pPr algn="ctr"/>
+                    <a:r>
+                      <a:rPr lang="en-US" sz="3500" b="0" dirty="0">
+                        <a:solidFill>
+                          <a:schemeClr val="tx1"/>
+                        </a:solidFill>
+                        <a:latin typeface="Cambria" panose="02040503050406030204" pitchFamily="18" charset="0"/>
+                      </a:rPr>
+                      <a:t>b </a:t>
+                    </a:r>
+                    <a14:m>
+                      <m:oMath xmlns:m="http://schemas.openxmlformats.org/officeDocument/2006/math">
+                        <m:r>
+                          <a:rPr lang="en-US" sz="3500" dirty="0" smtClean="0">
+                            <a:solidFill>
+                              <a:schemeClr val="tx1"/>
+                            </a:solidFill>
+                            <a:latin typeface="Cambria Math" panose="02040503050406030204" pitchFamily="18" charset="0"/>
+                          </a:rPr>
+                          <m:t>≔</m:t>
+                        </m:r>
+                        <m:r>
+                          <m:rPr>
+                            <m:sty m:val="p"/>
+                          </m:rPr>
+                          <a:rPr lang="en-US" sz="3500" b="0" i="0" dirty="0" smtClean="0">
+                            <a:solidFill>
+                              <a:schemeClr val="tx1"/>
+                            </a:solidFill>
+                            <a:latin typeface="Cambria Math" panose="02040503050406030204" pitchFamily="18" charset="0"/>
+                          </a:rPr>
+                          <m:t>bias</m:t>
+                        </m:r>
+                        <m:r>
+                          <a:rPr lang="en-US" sz="3500" b="0" i="0" dirty="0" smtClean="0">
+                            <a:solidFill>
+                              <a:schemeClr val="tx1"/>
+                            </a:solidFill>
+                            <a:latin typeface="Cambria Math" panose="02040503050406030204" pitchFamily="18" charset="0"/>
+                          </a:rPr>
+                          <m:t> </m:t>
+                        </m:r>
+                        <m:r>
+                          <m:rPr>
+                            <m:sty m:val="p"/>
+                          </m:rPr>
+                          <a:rPr lang="en-US" sz="3500" b="0" i="0" dirty="0" smtClean="0">
+                            <a:solidFill>
+                              <a:schemeClr val="tx1"/>
+                            </a:solidFill>
+                            <a:latin typeface="Cambria Math" panose="02040503050406030204" pitchFamily="18" charset="0"/>
+                          </a:rPr>
+                          <m:t>vector</m:t>
+                        </m:r>
+                      </m:oMath>
+                    </a14:m>
+                    <a:endParaRPr lang="en-US" sz="3500" b="0" i="0" dirty="0">
+                      <a:solidFill>
+                        <a:schemeClr val="tx1"/>
+                      </a:solidFill>
+                      <a:latin typeface="Cambria Math" panose="02040503050406030204" pitchFamily="18" charset="0"/>
+                    </a:endParaRPr>
+                  </a:p>
+                  <a:p>
+                    <a:pPr algn="ctr"/>
+                    <a:r>
+                      <a:rPr lang="el-GR" sz="3500" dirty="0">
+                        <a:latin typeface="Cambria" panose="02040503050406030204" pitchFamily="18" charset="0"/>
+                      </a:rPr>
+                      <a:t>η</a:t>
+                    </a:r>
+                    <a:r>
+                      <a:rPr lang="en-US" sz="3500" dirty="0">
+                        <a:latin typeface="Cambria" panose="02040503050406030204" pitchFamily="18" charset="0"/>
+                      </a:rPr>
+                      <a:t> </a:t>
+                    </a:r>
+                    <a14:m>
+                      <m:oMath xmlns:m="http://schemas.openxmlformats.org/officeDocument/2006/math">
+                        <m:r>
+                          <a:rPr lang="en-US" sz="3500" dirty="0">
+                            <a:latin typeface="Cambria Math" panose="02040503050406030204" pitchFamily="18" charset="0"/>
+                          </a:rPr>
+                          <m:t>≔</m:t>
+                        </m:r>
+                        <m:r>
+                          <m:rPr>
+                            <m:sty m:val="p"/>
+                          </m:rPr>
+                          <a:rPr lang="en-US" sz="3500" b="0" i="0" dirty="0" smtClean="0">
+                            <a:latin typeface="Cambria Math" panose="02040503050406030204" pitchFamily="18" charset="0"/>
+                          </a:rPr>
+                          <m:t>random</m:t>
+                        </m:r>
+                        <m:r>
+                          <a:rPr lang="en-US" sz="3500" b="0" i="0" dirty="0" smtClean="0">
+                            <a:latin typeface="Cambria Math" panose="02040503050406030204" pitchFamily="18" charset="0"/>
+                          </a:rPr>
+                          <m:t> </m:t>
+                        </m:r>
+                        <m:r>
+                          <m:rPr>
+                            <m:sty m:val="p"/>
+                          </m:rPr>
+                          <a:rPr lang="en-US" sz="3500" b="0" i="0" dirty="0" smtClean="0">
+                            <a:latin typeface="Cambria Math" panose="02040503050406030204" pitchFamily="18" charset="0"/>
+                          </a:rPr>
+                          <m:t>index</m:t>
+                        </m:r>
+                        <m:r>
+                          <a:rPr lang="en-US" sz="3500" b="0" i="0" dirty="0" smtClean="0">
+                            <a:latin typeface="Cambria Math" panose="02040503050406030204" pitchFamily="18" charset="0"/>
+                          </a:rPr>
+                          <m:t> </m:t>
+                        </m:r>
+                        <m:r>
+                          <m:rPr>
+                            <m:sty m:val="p"/>
+                          </m:rPr>
+                          <a:rPr lang="en-US" sz="3500" b="0" i="0" dirty="0" smtClean="0">
+                            <a:latin typeface="Cambria Math" panose="02040503050406030204" pitchFamily="18" charset="0"/>
+                          </a:rPr>
+                          <m:t>vector</m:t>
+                        </m:r>
+                      </m:oMath>
+                    </a14:m>
+                    <a:endParaRPr lang="en-US" sz="3500" b="0" dirty="0">
+                      <a:solidFill>
+                        <a:schemeClr val="tx1"/>
+                      </a:solidFill>
+                      <a:latin typeface="Cambria" panose="02040503050406030204" pitchFamily="18" charset="0"/>
+                    </a:endParaRPr>
+                  </a:p>
+                </p:txBody>
+              </p:sp>
+            </mc:Choice>
+            <mc:Fallback>
+              <p:sp>
+                <p:nvSpPr>
+                  <p:cNvPr id="59" name="TextBox 58">
+                    <a:extLst>
+                      <a:ext uri="{FF2B5EF4-FFF2-40B4-BE49-F238E27FC236}">
+                        <a16:creationId xmlns:a16="http://schemas.microsoft.com/office/drawing/2014/main" id="{B05C5E3E-C9FF-E169-2F7C-E38C2A49FC35}"/>
+                      </a:ext>
+                    </a:extLst>
+                  </p:cNvPr>
+                  <p:cNvSpPr txBox="1">
+                    <a:spLocks noRot="1" noChangeAspect="1" noMove="1" noResize="1" noEditPoints="1" noAdjustHandles="1" noChangeArrowheads="1" noChangeShapeType="1" noTextEdit="1"/>
+                  </p:cNvSpPr>
+                  <p:nvPr/>
+                </p:nvSpPr>
+                <p:spPr>
+                  <a:xfrm>
+                    <a:off x="2094156" y="19556079"/>
+                    <a:ext cx="4865575" cy="2159694"/>
+                  </a:xfrm>
+                  <a:prstGeom prst="rect">
+                    <a:avLst/>
+                  </a:prstGeom>
+                  <a:blipFill>
+                    <a:blip r:embed="rId4"/>
+                    <a:stretch>
+                      <a:fillRect l="-5388" b="-11864"/>
+                    </a:stretch>
+                  </a:blipFill>
+                </p:spPr>
+                <p:txBody>
+                  <a:bodyPr/>
+                  <a:lstStyle/>
+                  <a:p>
+                    <a:r>
+                      <a:rPr lang="en-US">
+                        <a:noFill/>
+                      </a:rPr>
+                      <a:t> </a:t>
+                    </a:r>
+                  </a:p>
+                </p:txBody>
+              </p:sp>
+            </mc:Fallback>
+          </mc:AlternateContent>
+          <mc:AlternateContent xmlns:mc="http://schemas.openxmlformats.org/markup-compatibility/2006">
+            <mc:Choice xmlns:a14="http://schemas.microsoft.com/office/drawing/2010/main" Requires="a14">
+              <p:sp>
+                <p:nvSpPr>
+                  <p:cNvPr id="74" name="TextBox 73">
+                    <a:extLst>
+                      <a:ext uri="{FF2B5EF4-FFF2-40B4-BE49-F238E27FC236}">
+                        <a16:creationId xmlns:a16="http://schemas.microsoft.com/office/drawing/2014/main" id="{6FD9BC91-28D5-AE71-0963-86D147BD02CC}"/>
+                      </a:ext>
+                    </a:extLst>
+                  </p:cNvPr>
+                  <p:cNvSpPr txBox="1"/>
+                  <p:nvPr/>
+                </p:nvSpPr>
+                <p:spPr>
+                  <a:xfrm>
+                    <a:off x="7324027" y="19896547"/>
+                    <a:ext cx="5392673" cy="1201419"/>
+                  </a:xfrm>
+                  <a:prstGeom prst="rect">
+                    <a:avLst/>
+                  </a:prstGeom>
+                  <a:noFill/>
+                </p:spPr>
+                <p:txBody>
+                  <a:bodyPr wrap="square" lIns="0" tIns="0" rIns="0" bIns="0" rtlCol="0">
+                    <a:spAutoFit/>
+                  </a:bodyPr>
+                  <a:lstStyle/>
+                  <a:p>
+                    <a:pPr algn="ctr"/>
+                    <a14:m>
+                      <m:oMathPara xmlns:m="http://schemas.openxmlformats.org/officeDocument/2006/math">
+                        <m:oMathParaPr>
+                          <m:jc m:val="centerGroup"/>
+                        </m:oMathParaPr>
+                        <m:oMath xmlns:m="http://schemas.openxmlformats.org/officeDocument/2006/math">
+                          <m:r>
+                            <a:rPr lang="en-US" sz="3500" b="0" i="1" smtClean="0">
+                              <a:solidFill>
+                                <a:schemeClr val="tx1"/>
+                              </a:solidFill>
+                              <a:latin typeface="Cambria Math" panose="02040503050406030204" pitchFamily="18" charset="0"/>
+                              <a:ea typeface="Cambria" panose="02040503050406030204" pitchFamily="18" charset="0"/>
+                            </a:rPr>
+                            <m:t>𝑠𝑖𝑔𝑛</m:t>
+                          </m:r>
+                          <m:r>
+                            <a:rPr lang="en-US" sz="3500" b="0" i="1" smtClean="0">
+                              <a:solidFill>
+                                <a:schemeClr val="tx1"/>
+                              </a:solidFill>
+                              <a:latin typeface="Cambria Math" panose="02040503050406030204" pitchFamily="18" charset="0"/>
+                              <a:ea typeface="Cambria" panose="02040503050406030204" pitchFamily="18" charset="0"/>
+                            </a:rPr>
+                            <m:t>(</m:t>
+                          </m:r>
+                          <m:r>
+                            <a:rPr lang="en-US" sz="3500" b="0" i="1" smtClean="0">
+                              <a:solidFill>
+                                <a:schemeClr val="tx1"/>
+                              </a:solidFill>
+                              <a:latin typeface="Cambria Math" panose="02040503050406030204" pitchFamily="18" charset="0"/>
+                              <a:ea typeface="Cambria" panose="02040503050406030204" pitchFamily="18" charset="0"/>
+                            </a:rPr>
+                            <m:t>𝑥</m:t>
+                          </m:r>
+                          <m:r>
+                            <a:rPr lang="en-US" sz="3500" b="0" i="1" smtClean="0">
+                              <a:solidFill>
+                                <a:schemeClr val="tx1"/>
+                              </a:solidFill>
+                              <a:latin typeface="Cambria Math" panose="02040503050406030204" pitchFamily="18" charset="0"/>
+                              <a:ea typeface="Cambria" panose="02040503050406030204" pitchFamily="18" charset="0"/>
+                            </a:rPr>
+                            <m:t>)=</m:t>
+                          </m:r>
+                          <m:d>
+                            <m:dPr>
+                              <m:begChr m:val="{"/>
+                              <m:endChr m:val=""/>
                               <m:ctrlPr>
-                                <a:rPr lang="en-US" sz="3300" i="1">
+                                <a:rPr lang="en-US" sz="3500" b="0" i="1" smtClean="0">
                                   <a:solidFill>
                                     <a:schemeClr val="tx1"/>
                                   </a:solidFill>
                                   <a:latin typeface="Cambria Math" panose="02040503050406030204" pitchFamily="18" charset="0"/>
+                                  <a:ea typeface="Cambria" panose="02040503050406030204" pitchFamily="18" charset="0"/>
                                 </a:rPr>
                               </m:ctrlPr>
-                            </m:sSupPr>
+                            </m:dPr>
                             <m:e>
-                              <m:d>
-                                <m:dPr>
-                                  <m:begChr m:val="{"/>
-                                  <m:endChr m:val="}"/>
+                              <m:eqArr>
+                                <m:eqArrPr>
                                   <m:ctrlPr>
-                                    <a:rPr lang="en-US" sz="3300" i="1">
+                                    <a:rPr lang="en-US" sz="3500" b="0" i="1" smtClean="0">
                                       <a:solidFill>
                                         <a:schemeClr val="tx1"/>
                                       </a:solidFill>
                                       <a:latin typeface="Cambria Math" panose="02040503050406030204" pitchFamily="18" charset="0"/>
+                                      <a:ea typeface="Cambria" panose="02040503050406030204" pitchFamily="18" charset="0"/>
                                     </a:rPr>
                                   </m:ctrlPr>
-                                </m:dPr>
+                                </m:eqArrPr>
                                 <m:e>
                                   <m:r>
-                                    <a:rPr lang="en-US" sz="3300" i="0">
+                                    <a:rPr lang="en-US" sz="3500" b="0" i="1" smtClean="0">
                                       <a:solidFill>
                                         <a:schemeClr val="tx1"/>
                                       </a:solidFill>
                                       <a:latin typeface="Cambria Math" panose="02040503050406030204" pitchFamily="18" charset="0"/>
+                                      <a:ea typeface="Cambria" panose="02040503050406030204" pitchFamily="18" charset="0"/>
                                     </a:rPr>
-                                    <m:t>−1,</m:t>
+                                    <m:t>+1 </m:t>
                                   </m:r>
                                   <m:r>
-                                    <a:rPr lang="en-US" sz="3300" b="0" i="0" smtClean="0">
+                                    <m:rPr>
+                                      <m:sty m:val="p"/>
+                                    </m:rPr>
+                                    <a:rPr lang="en-US" sz="3500" b="0" i="0" smtClean="0">
                                       <a:solidFill>
                                         <a:schemeClr val="tx1"/>
                                       </a:solidFill>
+                                      <a:latin typeface="Cambria Math" panose="02040503050406030204" pitchFamily="18" charset="0"/>
+                                      <a:ea typeface="Cambria" panose="02040503050406030204" pitchFamily="18" charset="0"/>
+                                    </a:rPr>
+                                    <m:t>if</m:t>
+                                  </m:r>
+                                  <m:r>
+                                    <a:rPr lang="en-US" sz="3500" b="0" i="1" smtClean="0">
+                                      <a:solidFill>
+                                        <a:schemeClr val="tx1"/>
+                                      </a:solidFill>
+                                      <a:latin typeface="Cambria Math" panose="02040503050406030204" pitchFamily="18" charset="0"/>
+                                      <a:ea typeface="Cambria" panose="02040503050406030204" pitchFamily="18" charset="0"/>
+                                    </a:rPr>
+                                    <m:t> </m:t>
+                                  </m:r>
+                                  <m:r>
+                                    <a:rPr lang="en-US" sz="3500" b="0" i="1" smtClean="0">
+                                      <a:solidFill>
+                                        <a:schemeClr val="tx1"/>
+                                      </a:solidFill>
+                                      <a:latin typeface="Cambria Math" panose="02040503050406030204" pitchFamily="18" charset="0"/>
+                                      <a:ea typeface="Cambria" panose="02040503050406030204" pitchFamily="18" charset="0"/>
+                                    </a:rPr>
+                                    <m:t>𝑥</m:t>
+                                  </m:r>
+                                  <m:r>
+                                    <a:rPr lang="en-US" sz="3500" b="0" i="1" smtClean="0">
+                                      <a:solidFill>
+                                        <a:schemeClr val="tx1"/>
+                                      </a:solidFill>
+                                      <a:latin typeface="Cambria Math" panose="02040503050406030204" pitchFamily="18" charset="0"/>
+                                      <a:ea typeface="Cambria" panose="02040503050406030204" pitchFamily="18" charset="0"/>
+                                    </a:rPr>
+                                    <m:t>≥0</m:t>
+                                  </m:r>
+                                </m:e>
+                                <m:e>
+                                  <m:r>
+                                    <a:rPr lang="en-US" sz="3500" b="0" i="1" smtClean="0">
+                                      <a:latin typeface="Cambria Math" panose="02040503050406030204" pitchFamily="18" charset="0"/>
+                                    </a:rPr>
+                                    <m:t>−1 </m:t>
+                                  </m:r>
+                                  <m:r>
+                                    <m:rPr>
+                                      <m:sty m:val="p"/>
+                                    </m:rPr>
+                                    <a:rPr lang="en-US" sz="3500" b="0" i="0" smtClean="0">
+                                      <a:latin typeface="Cambria Math" panose="02040503050406030204" pitchFamily="18" charset="0"/>
+                                    </a:rPr>
+                                    <m:t>if</m:t>
+                                  </m:r>
+                                  <m:r>
+                                    <a:rPr lang="en-US" sz="3500" b="0" i="1" smtClean="0">
                                       <a:latin typeface="Cambria Math" panose="02040503050406030204" pitchFamily="18" charset="0"/>
                                     </a:rPr>
                                     <m:t> </m:t>
                                   </m:r>
                                   <m:r>
-                                    <a:rPr lang="en-US" sz="3300" i="0">
-                                      <a:solidFill>
-                                        <a:schemeClr val="tx1"/>
-                                      </a:solidFill>
+                                    <a:rPr lang="en-US" sz="3500" b="0" i="1" smtClean="0">
                                       <a:latin typeface="Cambria Math" panose="02040503050406030204" pitchFamily="18" charset="0"/>
                                     </a:rPr>
-                                    <m:t>1</m:t>
+                                    <m:t>𝑥</m:t>
+                                  </m:r>
+                                  <m:r>
+                                    <a:rPr lang="en-US" sz="3500" b="0" i="1" smtClean="0">
+                                      <a:latin typeface="Cambria Math" panose="02040503050406030204" pitchFamily="18" charset="0"/>
+                                    </a:rPr>
+                                    <m:t>&lt;0</m:t>
                                   </m:r>
                                 </m:e>
-                              </m:d>
+                              </m:eqArr>
                             </m:e>
-                            <m:sup>
-                              <m:r>
-                                <a:rPr lang="en-US" sz="3300" i="1">
-                                  <a:solidFill>
-                                    <a:schemeClr val="tx1"/>
-                                  </a:solidFill>
-                                  <a:latin typeface="Cambria Math" panose="02040503050406030204" pitchFamily="18" charset="0"/>
-                                </a:rPr>
-                                <m:t>𝑑</m:t>
-                              </m:r>
-                            </m:sup>
-                          </m:sSup>
+                          </m:d>
                         </m:oMath>
                       </m:oMathPara>
                     </a14:m>
-                    <a:endParaRPr lang="en-US" sz="3300" dirty="0">
+                    <a:endParaRPr lang="en-US" sz="3500" dirty="0">
                       <a:solidFill>
                         <a:schemeClr val="tx1"/>
                       </a:solidFill>
@@ -5007,13 +4327,13 @@
                 </p:txBody>
               </p:sp>
             </mc:Choice>
-            <mc:Fallback xmlns="">
+            <mc:Fallback>
               <p:sp>
                 <p:nvSpPr>
-                  <p:cNvPr id="51" name="TextBox 50">
+                  <p:cNvPr id="74" name="TextBox 73">
                     <a:extLst>
                       <a:ext uri="{FF2B5EF4-FFF2-40B4-BE49-F238E27FC236}">
-                        <a16:creationId xmlns:a16="http://schemas.microsoft.com/office/drawing/2014/main" id="{B4D5F08D-B9F7-556F-DDC5-F8999995071A}"/>
+                        <a16:creationId xmlns:a16="http://schemas.microsoft.com/office/drawing/2014/main" id="{6FD9BC91-28D5-AE71-0963-86D147BD02CC}"/>
                       </a:ext>
                     </a:extLst>
                   </p:cNvPr>
@@ -5024,14 +4344,14 @@
                 </p:nvSpPr>
                 <p:spPr>
                   <a:xfrm>
-                    <a:off x="5360732" y="21973077"/>
-                    <a:ext cx="8589417" cy="516873"/>
+                    <a:off x="7324027" y="19896547"/>
+                    <a:ext cx="5392673" cy="1201419"/>
                   </a:xfrm>
                   <a:prstGeom prst="rect">
                     <a:avLst/>
                   </a:prstGeom>
                   <a:blipFill>
-                    <a:blip r:embed="rId6"/>
+                    <a:blip r:embed="rId5"/>
                     <a:stretch>
                       <a:fillRect/>
                     </a:stretch>
@@ -5052,93 +4372,259 @@
               </p:sp>
             </mc:Fallback>
           </mc:AlternateContent>
-          <mc:AlternateContent xmlns:mc="http://schemas.openxmlformats.org/markup-compatibility/2006" xmlns:a14="http://schemas.microsoft.com/office/drawing/2010/main">
-            <mc:Choice Requires="a14">
-              <p:sp>
-                <p:nvSpPr>
-                  <p:cNvPr id="52" name="TextBox 51">
-                    <a:extLst>
-                      <a:ext uri="{FF2B5EF4-FFF2-40B4-BE49-F238E27FC236}">
-                        <a16:creationId xmlns:a16="http://schemas.microsoft.com/office/drawing/2014/main" id="{E5F7748C-FC27-F919-B2FA-EFC6EFA3EDAF}"/>
-                      </a:ext>
-                    </a:extLst>
-                  </p:cNvPr>
-                  <p:cNvSpPr txBox="1"/>
-                  <p:nvPr/>
-                </p:nvSpPr>
-                <p:spPr>
-                  <a:xfrm>
-                    <a:off x="5360732" y="23001495"/>
-                    <a:ext cx="8589417" cy="1232325"/>
-                  </a:xfrm>
-                  <a:prstGeom prst="rect">
-                    <a:avLst/>
-                  </a:prstGeom>
-                  <a:noFill/>
-                </p:spPr>
-                <p:txBody>
-                  <a:bodyPr wrap="square" lIns="0" tIns="0" rIns="0" bIns="0" rtlCol="0">
-                    <a:spAutoFit/>
-                  </a:bodyPr>
-                  <a:lstStyle/>
-                  <a:p>
-                    <a:pPr algn="ctr"/>
-                    <a14:m>
-                      <m:oMathPara xmlns:m="http://schemas.openxmlformats.org/officeDocument/2006/math">
-                        <m:oMathParaPr>
-                          <m:jc m:val="centerGroup"/>
-                        </m:oMathParaPr>
-                        <m:oMath xmlns:m="http://schemas.openxmlformats.org/officeDocument/2006/math">
-                          <m:r>
-                            <a:rPr lang="en-US" sz="3300" i="1" dirty="0" smtClean="0">
-                              <a:solidFill>
-                                <a:schemeClr val="tx1"/>
-                              </a:solidFill>
-                              <a:latin typeface="Cambria Math" panose="02040503050406030204" pitchFamily="18" charset="0"/>
-                            </a:rPr>
-                            <m:t>𝑊</m:t>
-                          </m:r>
-                          <m:r>
-                            <a:rPr lang="en-US" sz="3300" i="0" dirty="0">
-                              <a:solidFill>
-                                <a:schemeClr val="tx1"/>
-                              </a:solidFill>
-                              <a:latin typeface="Cambria Math" panose="02040503050406030204" pitchFamily="18" charset="0"/>
-                            </a:rPr>
-                            <m:t>=</m:t>
-                          </m:r>
-                          <m:nary>
-                            <m:naryPr>
-                              <m:chr m:val="∑"/>
-                              <m:limLoc m:val="undOvr"/>
-                              <m:grow m:val="on"/>
-                              <m:supHide m:val="on"/>
-                              <m:ctrlPr>
-                                <a:rPr lang="en-US" sz="3300" i="1" dirty="0">
-                                  <a:solidFill>
-                                    <a:schemeClr val="tx1"/>
-                                  </a:solidFill>
-                                  <a:latin typeface="Cambria Math" panose="02040503050406030204" pitchFamily="18" charset="0"/>
-                                </a:rPr>
-                              </m:ctrlPr>
-                            </m:naryPr>
-                            <m:sub>
-                              <m:r>
-                                <a:rPr lang="en-US" sz="3300" i="1" dirty="0">
-                                  <a:solidFill>
-                                    <a:schemeClr val="tx1"/>
-                                  </a:solidFill>
-                                  <a:latin typeface="Cambria Math" panose="02040503050406030204" pitchFamily="18" charset="0"/>
-                                </a:rPr>
-                                <m:t>𝑖</m:t>
-                              </m:r>
-                            </m:sub>
-                            <m:sup/>
-                            <m:e>
+          <p:grpSp>
+            <p:nvGrpSpPr>
+              <p:cNvPr id="35" name="Group 34">
+                <a:extLst>
+                  <a:ext uri="{FF2B5EF4-FFF2-40B4-BE49-F238E27FC236}">
+                    <a16:creationId xmlns:a16="http://schemas.microsoft.com/office/drawing/2014/main" id="{941F8054-7BE7-5C41-CF2C-5E8C596D5E3F}"/>
+                  </a:ext>
+                </a:extLst>
+              </p:cNvPr>
+              <p:cNvGrpSpPr/>
+              <p:nvPr/>
+            </p:nvGrpSpPr>
+            <p:grpSpPr>
+              <a:xfrm>
+                <a:off x="1448120" y="21896591"/>
+                <a:ext cx="12502029" cy="5185533"/>
+                <a:chOff x="1448120" y="21896591"/>
+                <a:chExt cx="12502029" cy="5185533"/>
+              </a:xfrm>
+            </p:grpSpPr>
+            <p:sp>
+              <p:nvSpPr>
+                <p:cNvPr id="70" name="TextBox 69">
+                  <a:extLst>
+                    <a:ext uri="{FF2B5EF4-FFF2-40B4-BE49-F238E27FC236}">
+                      <a16:creationId xmlns:a16="http://schemas.microsoft.com/office/drawing/2014/main" id="{9E21499A-754B-5DB8-5AFA-A8D7BE80CDF5}"/>
+                    </a:ext>
+                  </a:extLst>
+                </p:cNvPr>
+                <p:cNvSpPr txBox="1"/>
+                <p:nvPr/>
+              </p:nvSpPr>
+              <p:spPr>
+                <a:xfrm>
+                  <a:off x="1448122" y="21896591"/>
+                  <a:ext cx="4109210" cy="661720"/>
+                </a:xfrm>
+                <a:prstGeom prst="rect">
+                  <a:avLst/>
+                </a:prstGeom>
+                <a:noFill/>
+              </p:spPr>
+              <p:txBody>
+                <a:bodyPr wrap="square" lIns="0" tIns="0" rIns="0" bIns="0" rtlCol="0">
+                  <a:spAutoFit/>
+                </a:bodyPr>
+                <a:lstStyle/>
+                <a:p>
+                  <a:pPr algn="r"/>
+                  <a:r>
+                    <a:rPr lang="en-US" sz="4300" dirty="0"/>
+                    <a:t>Inputs:</a:t>
+                  </a:r>
+                  <a:endParaRPr lang="en-US" sz="4300" dirty="0">
+                    <a:solidFill>
+                      <a:schemeClr val="tx1"/>
+                    </a:solidFill>
+                    <a:latin typeface="Cambria" panose="02040503050406030204" pitchFamily="18" charset="0"/>
+                    <a:ea typeface="Cambria" panose="02040503050406030204" pitchFamily="18" charset="0"/>
+                  </a:endParaRPr>
+                </a:p>
+              </p:txBody>
+            </p:sp>
+            <p:sp>
+              <p:nvSpPr>
+                <p:cNvPr id="71" name="TextBox 70">
+                  <a:extLst>
+                    <a:ext uri="{FF2B5EF4-FFF2-40B4-BE49-F238E27FC236}">
+                      <a16:creationId xmlns:a16="http://schemas.microsoft.com/office/drawing/2014/main" id="{1DD61F3A-0F3C-BDA2-6FBB-B904AFF0C6C9}"/>
+                    </a:ext>
+                  </a:extLst>
+                </p:cNvPr>
+                <p:cNvSpPr txBox="1"/>
+                <p:nvPr/>
+              </p:nvSpPr>
+              <p:spPr>
+                <a:xfrm>
+                  <a:off x="1448120" y="23203559"/>
+                  <a:ext cx="4109211" cy="661720"/>
+                </a:xfrm>
+                <a:prstGeom prst="rect">
+                  <a:avLst/>
+                </a:prstGeom>
+                <a:noFill/>
+              </p:spPr>
+              <p:txBody>
+                <a:bodyPr wrap="square" lIns="0" tIns="0" rIns="0" bIns="0" rtlCol="0">
+                  <a:spAutoFit/>
+                </a:bodyPr>
+                <a:lstStyle/>
+                <a:p>
+                  <a:pPr algn="r"/>
+                  <a:r>
+                    <a:rPr lang="en-US" sz="4300" dirty="0"/>
+                    <a:t>Weight matrix: </a:t>
+                  </a:r>
+                  <a:endParaRPr lang="en-US" sz="4300" dirty="0">
+                    <a:solidFill>
+                      <a:schemeClr val="tx1"/>
+                    </a:solidFill>
+                    <a:latin typeface="Cambria" panose="02040503050406030204" pitchFamily="18" charset="0"/>
+                    <a:ea typeface="Cambria" panose="02040503050406030204" pitchFamily="18" charset="0"/>
+                  </a:endParaRPr>
+                </a:p>
+              </p:txBody>
+            </p:sp>
+            <p:sp>
+              <p:nvSpPr>
+                <p:cNvPr id="73" name="TextBox 72">
+                  <a:extLst>
+                    <a:ext uri="{FF2B5EF4-FFF2-40B4-BE49-F238E27FC236}">
+                      <a16:creationId xmlns:a16="http://schemas.microsoft.com/office/drawing/2014/main" id="{0ADE9BCB-24E1-A592-D52E-EB2A00C73FD6}"/>
+                    </a:ext>
+                  </a:extLst>
+                </p:cNvPr>
+                <p:cNvSpPr txBox="1"/>
+                <p:nvPr/>
+              </p:nvSpPr>
+              <p:spPr>
+                <a:xfrm>
+                  <a:off x="1448122" y="24788272"/>
+                  <a:ext cx="4109210" cy="661720"/>
+                </a:xfrm>
+                <a:prstGeom prst="rect">
+                  <a:avLst/>
+                </a:prstGeom>
+                <a:noFill/>
+              </p:spPr>
+              <p:txBody>
+                <a:bodyPr wrap="square" lIns="0" tIns="0" rIns="0" bIns="0" rtlCol="0">
+                  <a:spAutoFit/>
+                </a:bodyPr>
+                <a:lstStyle/>
+                <a:p>
+                  <a:pPr algn="r"/>
+                  <a:r>
+                    <a:rPr lang="en-US" sz="4300" dirty="0"/>
+                    <a:t>Energy function: </a:t>
+                  </a:r>
+                  <a:endParaRPr lang="en-US" sz="4300" dirty="0">
+                    <a:solidFill>
+                      <a:schemeClr val="tx1"/>
+                    </a:solidFill>
+                    <a:latin typeface="Cambria" panose="02040503050406030204" pitchFamily="18" charset="0"/>
+                    <a:ea typeface="Cambria" panose="02040503050406030204" pitchFamily="18" charset="0"/>
+                  </a:endParaRPr>
+                </a:p>
+              </p:txBody>
+            </p:sp>
+            <p:sp>
+              <p:nvSpPr>
+                <p:cNvPr id="7" name="TextBox 6">
+                  <a:extLst>
+                    <a:ext uri="{FF2B5EF4-FFF2-40B4-BE49-F238E27FC236}">
+                      <a16:creationId xmlns:a16="http://schemas.microsoft.com/office/drawing/2014/main" id="{92FA0A23-8E70-9CBC-1866-3F92C9FF5A57}"/>
+                    </a:ext>
+                  </a:extLst>
+                </p:cNvPr>
+                <p:cNvSpPr txBox="1"/>
+                <p:nvPr/>
+              </p:nvSpPr>
+              <p:spPr>
+                <a:xfrm>
+                  <a:off x="1482390" y="25758685"/>
+                  <a:ext cx="4109210" cy="1323439"/>
+                </a:xfrm>
+                <a:prstGeom prst="rect">
+                  <a:avLst/>
+                </a:prstGeom>
+                <a:noFill/>
+              </p:spPr>
+              <p:txBody>
+                <a:bodyPr wrap="square" lIns="0" tIns="0" rIns="0" bIns="0" rtlCol="0">
+                  <a:spAutoFit/>
+                </a:bodyPr>
+                <a:lstStyle/>
+                <a:p>
+                  <a:pPr algn="r"/>
+                  <a:r>
+                    <a:rPr lang="en-US" sz="4300" dirty="0"/>
+                    <a:t>Asynchronous update rule: </a:t>
+                  </a:r>
+                  <a:endParaRPr lang="en-US" sz="4300" dirty="0">
+                    <a:solidFill>
+                      <a:schemeClr val="tx1"/>
+                    </a:solidFill>
+                    <a:latin typeface="Cambria" panose="02040503050406030204" pitchFamily="18" charset="0"/>
+                    <a:ea typeface="Cambria" panose="02040503050406030204" pitchFamily="18" charset="0"/>
+                  </a:endParaRPr>
+                </a:p>
+              </p:txBody>
+            </p:sp>
+            <p:grpSp>
+              <p:nvGrpSpPr>
+                <p:cNvPr id="33" name="Group 32">
+                  <a:extLst>
+                    <a:ext uri="{FF2B5EF4-FFF2-40B4-BE49-F238E27FC236}">
+                      <a16:creationId xmlns:a16="http://schemas.microsoft.com/office/drawing/2014/main" id="{BA63DD7E-F039-AA5B-3AE5-358690B14FBD}"/>
+                    </a:ext>
+                  </a:extLst>
+                </p:cNvPr>
+                <p:cNvGrpSpPr/>
+                <p:nvPr/>
+              </p:nvGrpSpPr>
+              <p:grpSpPr>
+                <a:xfrm>
+                  <a:off x="5360732" y="21973077"/>
+                  <a:ext cx="8589417" cy="4742405"/>
+                  <a:chOff x="5360732" y="21973077"/>
+                  <a:chExt cx="8589417" cy="4742405"/>
+                </a:xfrm>
+              </p:grpSpPr>
+              <mc:AlternateContent xmlns:mc="http://schemas.openxmlformats.org/markup-compatibility/2006" xmlns:a14="http://schemas.microsoft.com/office/drawing/2010/main">
+                <mc:Choice Requires="a14">
+                  <p:sp>
+                    <p:nvSpPr>
+                      <p:cNvPr id="51" name="TextBox 50">
+                        <a:extLst>
+                          <a:ext uri="{FF2B5EF4-FFF2-40B4-BE49-F238E27FC236}">
+                            <a16:creationId xmlns:a16="http://schemas.microsoft.com/office/drawing/2014/main" id="{B4D5F08D-B9F7-556F-DDC5-F8999995071A}"/>
+                          </a:ext>
+                        </a:extLst>
+                      </p:cNvPr>
+                      <p:cNvSpPr txBox="1"/>
+                      <p:nvPr/>
+                    </p:nvSpPr>
+                    <p:spPr>
+                      <a:xfrm>
+                        <a:off x="5360732" y="21973077"/>
+                        <a:ext cx="8589417" cy="516873"/>
+                      </a:xfrm>
+                      <a:prstGeom prst="rect">
+                        <a:avLst/>
+                      </a:prstGeom>
+                      <a:noFill/>
+                    </p:spPr>
+                    <p:txBody>
+                      <a:bodyPr wrap="square" lIns="0" tIns="0" rIns="0" bIns="0" rtlCol="0">
+                        <a:spAutoFit/>
+                      </a:bodyPr>
+                      <a:lstStyle/>
+                      <a:p>
+                        <a:pPr algn="ctr"/>
+                        <a14:m>
+                          <m:oMathPara xmlns:m="http://schemas.openxmlformats.org/officeDocument/2006/math">
+                            <m:oMathParaPr>
+                              <m:jc m:val="centerGroup"/>
+                            </m:oMathParaPr>
+                            <m:oMath xmlns:m="http://schemas.openxmlformats.org/officeDocument/2006/math">
                               <m:sSub>
                                 <m:sSubPr>
                                   <m:ctrlPr>
-                                    <a:rPr lang="en-US" sz="3300" i="1" dirty="0">
+                                    <a:rPr lang="en-US" sz="3300" i="1" smtClean="0">
                                       <a:solidFill>
                                         <a:schemeClr val="tx1"/>
                                       </a:solidFill>
@@ -5148,7 +4634,7 @@
                                 </m:sSubPr>
                                 <m:e>
                                   <m:r>
-                                    <a:rPr lang="en-US" sz="3300" i="1" dirty="0">
+                                    <a:rPr lang="en-US" sz="3300" i="1">
                                       <a:solidFill>
                                         <a:schemeClr val="tx1"/>
                                       </a:solidFill>
@@ -5157,6 +4643,224 @@
                                     <m:t>𝑥</m:t>
                                   </m:r>
                                 </m:e>
+                                <m:sub>
+                                  <m:r>
+                                    <a:rPr lang="en-US" sz="3300" i="1">
+                                      <a:solidFill>
+                                        <a:schemeClr val="tx1"/>
+                                      </a:solidFill>
+                                      <a:latin typeface="Cambria Math" panose="02040503050406030204" pitchFamily="18" charset="0"/>
+                                    </a:rPr>
+                                    <m:t>𝑖</m:t>
+                                  </m:r>
+                                </m:sub>
+                              </m:sSub>
+                              <m:r>
+                                <a:rPr lang="en-US" sz="3300" i="0">
+                                  <a:solidFill>
+                                    <a:schemeClr val="tx1"/>
+                                  </a:solidFill>
+                                  <a:latin typeface="Cambria Math" panose="02040503050406030204" pitchFamily="18" charset="0"/>
+                                </a:rPr>
+                                <m:t>∈</m:t>
+                              </m:r>
+                              <m:sSup>
+                                <m:sSupPr>
+                                  <m:ctrlPr>
+                                    <a:rPr lang="en-US" sz="3300" i="1">
+                                      <a:solidFill>
+                                        <a:schemeClr val="tx1"/>
+                                      </a:solidFill>
+                                      <a:latin typeface="Cambria Math" panose="02040503050406030204" pitchFamily="18" charset="0"/>
+                                    </a:rPr>
+                                  </m:ctrlPr>
+                                </m:sSupPr>
+                                <m:e>
+                                  <m:d>
+                                    <m:dPr>
+                                      <m:begChr m:val="{"/>
+                                      <m:endChr m:val="}"/>
+                                      <m:ctrlPr>
+                                        <a:rPr lang="en-US" sz="3300" i="1">
+                                          <a:solidFill>
+                                            <a:schemeClr val="tx1"/>
+                                          </a:solidFill>
+                                          <a:latin typeface="Cambria Math" panose="02040503050406030204" pitchFamily="18" charset="0"/>
+                                        </a:rPr>
+                                      </m:ctrlPr>
+                                    </m:dPr>
+                                    <m:e>
+                                      <m:r>
+                                        <a:rPr lang="en-US" sz="3300" i="0">
+                                          <a:solidFill>
+                                            <a:schemeClr val="tx1"/>
+                                          </a:solidFill>
+                                          <a:latin typeface="Cambria Math" panose="02040503050406030204" pitchFamily="18" charset="0"/>
+                                        </a:rPr>
+                                        <m:t>−1,</m:t>
+                                      </m:r>
+                                      <m:r>
+                                        <a:rPr lang="en-US" sz="3300" b="0" i="0" smtClean="0">
+                                          <a:solidFill>
+                                            <a:schemeClr val="tx1"/>
+                                          </a:solidFill>
+                                          <a:latin typeface="Cambria Math" panose="02040503050406030204" pitchFamily="18" charset="0"/>
+                                        </a:rPr>
+                                        <m:t> </m:t>
+                                      </m:r>
+                                      <m:r>
+                                        <a:rPr lang="en-US" sz="3300" i="0">
+                                          <a:solidFill>
+                                            <a:schemeClr val="tx1"/>
+                                          </a:solidFill>
+                                          <a:latin typeface="Cambria Math" panose="02040503050406030204" pitchFamily="18" charset="0"/>
+                                        </a:rPr>
+                                        <m:t>1</m:t>
+                                      </m:r>
+                                    </m:e>
+                                  </m:d>
+                                </m:e>
+                                <m:sup>
+                                  <m:r>
+                                    <a:rPr lang="en-US" sz="3300" i="1">
+                                      <a:solidFill>
+                                        <a:schemeClr val="tx1"/>
+                                      </a:solidFill>
+                                      <a:latin typeface="Cambria Math" panose="02040503050406030204" pitchFamily="18" charset="0"/>
+                                    </a:rPr>
+                                    <m:t>𝑑</m:t>
+                                  </m:r>
+                                </m:sup>
+                              </m:sSup>
+                            </m:oMath>
+                          </m:oMathPara>
+                        </a14:m>
+                        <a:endParaRPr lang="en-US" sz="3300" dirty="0">
+                          <a:solidFill>
+                            <a:schemeClr val="tx1"/>
+                          </a:solidFill>
+                          <a:latin typeface="Cambria" panose="02040503050406030204" pitchFamily="18" charset="0"/>
+                          <a:ea typeface="Cambria" panose="02040503050406030204" pitchFamily="18" charset="0"/>
+                        </a:endParaRPr>
+                      </a:p>
+                    </p:txBody>
+                  </p:sp>
+                </mc:Choice>
+                <mc:Fallback xmlns="">
+                  <p:sp>
+                    <p:nvSpPr>
+                      <p:cNvPr id="51" name="TextBox 50">
+                        <a:extLst>
+                          <a:ext uri="{FF2B5EF4-FFF2-40B4-BE49-F238E27FC236}">
+                            <a16:creationId xmlns:a16="http://schemas.microsoft.com/office/drawing/2014/main" id="{B4D5F08D-B9F7-556F-DDC5-F8999995071A}"/>
+                          </a:ext>
+                        </a:extLst>
+                      </p:cNvPr>
+                      <p:cNvSpPr txBox="1">
+                        <a:spLocks noRot="1" noChangeAspect="1" noMove="1" noResize="1" noEditPoints="1" noAdjustHandles="1" noChangeArrowheads="1" noChangeShapeType="1" noTextEdit="1"/>
+                      </p:cNvSpPr>
+                      <p:nvPr/>
+                    </p:nvSpPr>
+                    <p:spPr>
+                      <a:xfrm>
+                        <a:off x="5360732" y="21973077"/>
+                        <a:ext cx="8589417" cy="516873"/>
+                      </a:xfrm>
+                      <a:prstGeom prst="rect">
+                        <a:avLst/>
+                      </a:prstGeom>
+                      <a:blipFill>
+                        <a:blip r:embed="rId6"/>
+                        <a:stretch>
+                          <a:fillRect/>
+                        </a:stretch>
+                      </a:blipFill>
+                    </p:spPr>
+                    <p:txBody>
+                      <a:bodyPr/>
+                      <a:lstStyle/>
+                      <a:p>
+                        <a:r>
+                          <a:rPr lang="en-US">
+                            <a:noFill/>
+                          </a:rPr>
+                          <a:t> </a:t>
+                        </a:r>
+                      </a:p>
+                    </p:txBody>
+                  </p:sp>
+                </mc:Fallback>
+              </mc:AlternateContent>
+              <mc:AlternateContent xmlns:mc="http://schemas.openxmlformats.org/markup-compatibility/2006" xmlns:a14="http://schemas.microsoft.com/office/drawing/2010/main">
+                <mc:Choice Requires="a14">
+                  <p:sp>
+                    <p:nvSpPr>
+                      <p:cNvPr id="52" name="TextBox 51">
+                        <a:extLst>
+                          <a:ext uri="{FF2B5EF4-FFF2-40B4-BE49-F238E27FC236}">
+                            <a16:creationId xmlns:a16="http://schemas.microsoft.com/office/drawing/2014/main" id="{E5F7748C-FC27-F919-B2FA-EFC6EFA3EDAF}"/>
+                          </a:ext>
+                        </a:extLst>
+                      </p:cNvPr>
+                      <p:cNvSpPr txBox="1"/>
+                      <p:nvPr/>
+                    </p:nvSpPr>
+                    <p:spPr>
+                      <a:xfrm>
+                        <a:off x="5360732" y="23001495"/>
+                        <a:ext cx="8589417" cy="1232325"/>
+                      </a:xfrm>
+                      <a:prstGeom prst="rect">
+                        <a:avLst/>
+                      </a:prstGeom>
+                      <a:noFill/>
+                    </p:spPr>
+                    <p:txBody>
+                      <a:bodyPr wrap="square" lIns="0" tIns="0" rIns="0" bIns="0" rtlCol="0">
+                        <a:spAutoFit/>
+                      </a:bodyPr>
+                      <a:lstStyle/>
+                      <a:p>
+                        <a:pPr algn="ctr"/>
+                        <a14:m>
+                          <m:oMathPara xmlns:m="http://schemas.openxmlformats.org/officeDocument/2006/math">
+                            <m:oMathParaPr>
+                              <m:jc m:val="centerGroup"/>
+                            </m:oMathParaPr>
+                            <m:oMath xmlns:m="http://schemas.openxmlformats.org/officeDocument/2006/math">
+                              <m:r>
+                                <a:rPr lang="en-US" sz="3300" i="1" dirty="0" smtClean="0">
+                                  <a:solidFill>
+                                    <a:schemeClr val="tx1"/>
+                                  </a:solidFill>
+                                  <a:latin typeface="Cambria Math" panose="02040503050406030204" pitchFamily="18" charset="0"/>
+                                </a:rPr>
+                                <m:t>𝑊</m:t>
+                              </m:r>
+                              <m:r>
+                                <a:rPr lang="en-US" sz="3300" i="0" dirty="0">
+                                  <a:solidFill>
+                                    <a:schemeClr val="tx1"/>
+                                  </a:solidFill>
+                                  <a:latin typeface="Cambria Math" panose="02040503050406030204" pitchFamily="18" charset="0"/>
+                                </a:rPr>
+                                <m:t>=</m:t>
+                              </m:r>
+                              <m:nary>
+                                <m:naryPr>
+                                  <m:chr m:val="∑"/>
+                                  <m:limLoc m:val="undOvr"/>
+                                  <m:grow m:val="on"/>
+                                  <m:supHide m:val="on"/>
+                                  <m:ctrlPr>
+                                    <a:rPr lang="en-US" sz="3300" i="1" dirty="0">
+                                      <a:solidFill>
+                                        <a:schemeClr val="tx1"/>
+                                      </a:solidFill>
+                                      <a:latin typeface="Cambria Math" panose="02040503050406030204" pitchFamily="18" charset="0"/>
+                                    </a:rPr>
+                                  </m:ctrlPr>
+                                </m:naryPr>
                                 <m:sub>
                                   <m:r>
                                     <a:rPr lang="en-US" sz="3300" i="1" dirty="0">
@@ -5168,9 +4872,205 @@
                                     <m:t>𝑖</m:t>
                                   </m:r>
                                 </m:sub>
-                              </m:sSub>
-                              <m:sSubSup>
-                                <m:sSubSupPr>
+                                <m:sup/>
+                                <m:e>
+                                  <m:sSub>
+                                    <m:sSubPr>
+                                      <m:ctrlPr>
+                                        <a:rPr lang="en-US" sz="3300" i="1" dirty="0">
+                                          <a:solidFill>
+                                            <a:schemeClr val="tx1"/>
+                                          </a:solidFill>
+                                          <a:latin typeface="Cambria Math" panose="02040503050406030204" pitchFamily="18" charset="0"/>
+                                        </a:rPr>
+                                      </m:ctrlPr>
+                                    </m:sSubPr>
+                                    <m:e>
+                                      <m:r>
+                                        <a:rPr lang="en-US" sz="3300" i="1" dirty="0">
+                                          <a:solidFill>
+                                            <a:schemeClr val="tx1"/>
+                                          </a:solidFill>
+                                          <a:latin typeface="Cambria Math" panose="02040503050406030204" pitchFamily="18" charset="0"/>
+                                        </a:rPr>
+                                        <m:t>𝑥</m:t>
+                                      </m:r>
+                                    </m:e>
+                                    <m:sub>
+                                      <m:r>
+                                        <a:rPr lang="en-US" sz="3300" i="1" dirty="0">
+                                          <a:solidFill>
+                                            <a:schemeClr val="tx1"/>
+                                          </a:solidFill>
+                                          <a:latin typeface="Cambria Math" panose="02040503050406030204" pitchFamily="18" charset="0"/>
+                                        </a:rPr>
+                                        <m:t>𝑖</m:t>
+                                      </m:r>
+                                    </m:sub>
+                                  </m:sSub>
+                                  <m:sSubSup>
+                                    <m:sSubSupPr>
+                                      <m:ctrlPr>
+                                        <a:rPr lang="en-US" sz="3300" i="1" dirty="0">
+                                          <a:solidFill>
+                                            <a:schemeClr val="tx1"/>
+                                          </a:solidFill>
+                                          <a:latin typeface="Cambria Math" panose="02040503050406030204" pitchFamily="18" charset="0"/>
+                                        </a:rPr>
+                                      </m:ctrlPr>
+                                    </m:sSubSupPr>
+                                    <m:e>
+                                      <m:r>
+                                        <a:rPr lang="en-US" sz="3300" i="1" dirty="0">
+                                          <a:solidFill>
+                                            <a:schemeClr val="tx1"/>
+                                          </a:solidFill>
+                                          <a:latin typeface="Cambria Math" panose="02040503050406030204" pitchFamily="18" charset="0"/>
+                                        </a:rPr>
+                                        <m:t>𝑥</m:t>
+                                      </m:r>
+                                    </m:e>
+                                    <m:sub>
+                                      <m:r>
+                                        <a:rPr lang="en-US" sz="3300" i="1" dirty="0">
+                                          <a:solidFill>
+                                            <a:schemeClr val="tx1"/>
+                                          </a:solidFill>
+                                          <a:latin typeface="Cambria Math" panose="02040503050406030204" pitchFamily="18" charset="0"/>
+                                        </a:rPr>
+                                        <m:t>𝑖</m:t>
+                                      </m:r>
+                                    </m:sub>
+                                    <m:sup>
+                                      <m:r>
+                                        <a:rPr lang="en-US" sz="3300" i="1" dirty="0">
+                                          <a:solidFill>
+                                            <a:schemeClr val="tx1"/>
+                                          </a:solidFill>
+                                          <a:latin typeface="Cambria Math" panose="02040503050406030204" pitchFamily="18" charset="0"/>
+                                        </a:rPr>
+                                        <m:t>𝑇</m:t>
+                                      </m:r>
+                                    </m:sup>
+                                  </m:sSubSup>
+                                </m:e>
+                              </m:nary>
+                            </m:oMath>
+                          </m:oMathPara>
+                        </a14:m>
+                        <a:endParaRPr lang="en-US" sz="3300" dirty="0">
+                          <a:solidFill>
+                            <a:schemeClr val="tx1"/>
+                          </a:solidFill>
+                          <a:latin typeface="Cambria" panose="02040503050406030204" pitchFamily="18" charset="0"/>
+                          <a:ea typeface="Cambria" panose="02040503050406030204" pitchFamily="18" charset="0"/>
+                        </a:endParaRPr>
+                      </a:p>
+                    </p:txBody>
+                  </p:sp>
+                </mc:Choice>
+                <mc:Fallback xmlns="">
+                  <p:sp>
+                    <p:nvSpPr>
+                      <p:cNvPr id="52" name="TextBox 51">
+                        <a:extLst>
+                          <a:ext uri="{FF2B5EF4-FFF2-40B4-BE49-F238E27FC236}">
+                            <a16:creationId xmlns:a16="http://schemas.microsoft.com/office/drawing/2014/main" id="{E5F7748C-FC27-F919-B2FA-EFC6EFA3EDAF}"/>
+                          </a:ext>
+                        </a:extLst>
+                      </p:cNvPr>
+                      <p:cNvSpPr txBox="1">
+                        <a:spLocks noRot="1" noChangeAspect="1" noMove="1" noResize="1" noEditPoints="1" noAdjustHandles="1" noChangeArrowheads="1" noChangeShapeType="1" noTextEdit="1"/>
+                      </p:cNvSpPr>
+                      <p:nvPr/>
+                    </p:nvSpPr>
+                    <p:spPr>
+                      <a:xfrm>
+                        <a:off x="5360732" y="23001495"/>
+                        <a:ext cx="8589417" cy="1232325"/>
+                      </a:xfrm>
+                      <a:prstGeom prst="rect">
+                        <a:avLst/>
+                      </a:prstGeom>
+                      <a:blipFill>
+                        <a:blip r:embed="rId7"/>
+                        <a:stretch>
+                          <a:fillRect/>
+                        </a:stretch>
+                      </a:blipFill>
+                    </p:spPr>
+                    <p:txBody>
+                      <a:bodyPr/>
+                      <a:lstStyle/>
+                      <a:p>
+                        <a:r>
+                          <a:rPr lang="en-US">
+                            <a:noFill/>
+                          </a:rPr>
+                          <a:t> </a:t>
+                        </a:r>
+                      </a:p>
+                    </p:txBody>
+                  </p:sp>
+                </mc:Fallback>
+              </mc:AlternateContent>
+              <mc:AlternateContent xmlns:mc="http://schemas.openxmlformats.org/markup-compatibility/2006" xmlns:a14="http://schemas.microsoft.com/office/drawing/2010/main">
+                <mc:Choice Requires="a14">
+                  <p:sp>
+                    <p:nvSpPr>
+                      <p:cNvPr id="53" name="TextBox 52">
+                        <a:extLst>
+                          <a:ext uri="{FF2B5EF4-FFF2-40B4-BE49-F238E27FC236}">
+                            <a16:creationId xmlns:a16="http://schemas.microsoft.com/office/drawing/2014/main" id="{66E211D9-C951-653B-EC25-CBEC95284484}"/>
+                          </a:ext>
+                        </a:extLst>
+                      </p:cNvPr>
+                      <p:cNvSpPr txBox="1"/>
+                      <p:nvPr/>
+                    </p:nvSpPr>
+                    <p:spPr>
+                      <a:xfrm>
+                        <a:off x="5360732" y="24639688"/>
+                        <a:ext cx="8589417" cy="950709"/>
+                      </a:xfrm>
+                      <a:prstGeom prst="rect">
+                        <a:avLst/>
+                      </a:prstGeom>
+                      <a:noFill/>
+                    </p:spPr>
+                    <p:txBody>
+                      <a:bodyPr wrap="square" lIns="0" tIns="0" rIns="0" bIns="0" rtlCol="0">
+                        <a:spAutoFit/>
+                      </a:bodyPr>
+                      <a:lstStyle/>
+                      <a:p>
+                        <a:pPr algn="ctr"/>
+                        <a14:m>
+                          <m:oMathPara xmlns:m="http://schemas.openxmlformats.org/officeDocument/2006/math">
+                            <m:oMathParaPr>
+                              <m:jc m:val="centerGroup"/>
+                            </m:oMathParaPr>
+                            <m:oMath xmlns:m="http://schemas.openxmlformats.org/officeDocument/2006/math">
+                              <m:r>
+                                <a:rPr lang="en-US" sz="3300" i="1" dirty="0" smtClean="0">
+                                  <a:solidFill>
+                                    <a:schemeClr val="tx1"/>
+                                  </a:solidFill>
+                                  <a:latin typeface="Cambria Math" panose="02040503050406030204" pitchFamily="18" charset="0"/>
+                                </a:rPr>
+                                <m:t>𝐸</m:t>
+                              </m:r>
+                              <m:r>
+                                <a:rPr lang="en-US" sz="3300" i="0" dirty="0">
+                                  <a:solidFill>
+                                    <a:schemeClr val="tx1"/>
+                                  </a:solidFill>
+                                  <a:latin typeface="Cambria Math" panose="02040503050406030204" pitchFamily="18" charset="0"/>
+                                </a:rPr>
+                                <m:t>=−</m:t>
+                              </m:r>
+                              <m:f>
+                                <m:fPr>
                                   <m:ctrlPr>
                                     <a:rPr lang="en-US" sz="3300" i="1" dirty="0">
                                       <a:solidFill>
@@ -5179,32 +5079,55 @@
                                       <a:latin typeface="Cambria Math" panose="02040503050406030204" pitchFamily="18" charset="0"/>
                                     </a:rPr>
                                   </m:ctrlPr>
-                                </m:sSubSupPr>
-                                <m:e>
+                                </m:fPr>
+                                <m:num>
                                   <m:r>
-                                    <a:rPr lang="en-US" sz="3300" i="1" dirty="0">
+                                    <a:rPr lang="en-US" sz="3300" i="0" dirty="0">
                                       <a:solidFill>
                                         <a:schemeClr val="tx1"/>
                                       </a:solidFill>
                                       <a:latin typeface="Cambria Math" panose="02040503050406030204" pitchFamily="18" charset="0"/>
                                     </a:rPr>
-                                    <m:t>𝑥</m:t>
+                                    <m:t>1</m:t>
                                   </m:r>
-                                </m:e>
-                                <m:sub>
+                                </m:num>
+                                <m:den>
                                   <m:r>
-                                    <a:rPr lang="en-US" sz="3300" i="1" dirty="0">
+                                    <a:rPr lang="en-US" sz="3300" i="0" dirty="0">
                                       <a:solidFill>
                                         <a:schemeClr val="tx1"/>
                                       </a:solidFill>
                                       <a:latin typeface="Cambria Math" panose="02040503050406030204" pitchFamily="18" charset="0"/>
                                     </a:rPr>
-                                    <m:t>𝑖</m:t>
+                                    <m:t>2</m:t>
                                   </m:r>
-                                </m:sub>
+                                </m:den>
+                              </m:f>
+                              <m:sSup>
+                                <m:sSupPr>
+                                  <m:ctrlPr>
+                                    <a:rPr lang="en-US" sz="3300" i="1" dirty="0" smtClean="0">
+                                      <a:solidFill>
+                                        <a:schemeClr val="tx1"/>
+                                      </a:solidFill>
+                                      <a:latin typeface="Cambria Math" panose="02040503050406030204" pitchFamily="18" charset="0"/>
+                                    </a:rPr>
+                                  </m:ctrlPr>
+                                </m:sSupPr>
+                                <m:e>
+                                  <m:r>
+                                    <a:rPr lang="en-US" sz="3300" b="0" i="1" dirty="0" smtClean="0">
+                                      <a:solidFill>
+                                        <a:schemeClr val="tx1"/>
+                                      </a:solidFill>
+                                      <a:latin typeface="Cambria Math" panose="02040503050406030204" pitchFamily="18" charset="0"/>
+                                    </a:rPr>
+                                    <m:t>𝑟</m:t>
+                                  </m:r>
+                                </m:e>
                                 <m:sup>
                                   <m:r>
-                                    <a:rPr lang="en-US" sz="3300" i="1" dirty="0">
+                                    <a:rPr lang="en-US" sz="3300" b="0" i="1" dirty="0" smtClean="0">
                                       <a:solidFill>
                                         <a:schemeClr val="tx1"/>
                                       </a:solidFill>
@@ -5213,135 +5136,16 @@
                                     <m:t>𝑇</m:t>
                                   </m:r>
                                 </m:sup>
-                              </m:sSubSup>
-                            </m:e>
-                          </m:nary>
-                        </m:oMath>
-                      </m:oMathPara>
-                    </a14:m>
-                    <a:endParaRPr lang="en-US" sz="3300" dirty="0">
-                      <a:solidFill>
-                        <a:schemeClr val="tx1"/>
-                      </a:solidFill>
-                      <a:latin typeface="Cambria" panose="02040503050406030204" pitchFamily="18" charset="0"/>
-                      <a:ea typeface="Cambria" panose="02040503050406030204" pitchFamily="18" charset="0"/>
-                    </a:endParaRPr>
-                  </a:p>
-                </p:txBody>
-              </p:sp>
-            </mc:Choice>
-            <mc:Fallback xmlns="">
-              <p:sp>
-                <p:nvSpPr>
-                  <p:cNvPr id="52" name="TextBox 51">
-                    <a:extLst>
-                      <a:ext uri="{FF2B5EF4-FFF2-40B4-BE49-F238E27FC236}">
-                        <a16:creationId xmlns:a16="http://schemas.microsoft.com/office/drawing/2014/main" id="{E5F7748C-FC27-F919-B2FA-EFC6EFA3EDAF}"/>
-                      </a:ext>
-                    </a:extLst>
-                  </p:cNvPr>
-                  <p:cNvSpPr txBox="1">
-                    <a:spLocks noRot="1" noChangeAspect="1" noMove="1" noResize="1" noEditPoints="1" noAdjustHandles="1" noChangeArrowheads="1" noChangeShapeType="1" noTextEdit="1"/>
-                  </p:cNvSpPr>
-                  <p:nvPr/>
-                </p:nvSpPr>
-                <p:spPr>
-                  <a:xfrm>
-                    <a:off x="5360732" y="23001495"/>
-                    <a:ext cx="8589417" cy="1232325"/>
-                  </a:xfrm>
-                  <a:prstGeom prst="rect">
-                    <a:avLst/>
-                  </a:prstGeom>
-                  <a:blipFill>
-                    <a:blip r:embed="rId7"/>
-                    <a:stretch>
-                      <a:fillRect/>
-                    </a:stretch>
-                  </a:blipFill>
-                </p:spPr>
-                <p:txBody>
-                  <a:bodyPr/>
-                  <a:lstStyle/>
-                  <a:p>
-                    <a:r>
-                      <a:rPr lang="en-US">
-                        <a:noFill/>
-                      </a:rPr>
-                      <a:t> </a:t>
-                    </a:r>
-                  </a:p>
-                </p:txBody>
-              </p:sp>
-            </mc:Fallback>
-          </mc:AlternateContent>
-          <mc:AlternateContent xmlns:mc="http://schemas.openxmlformats.org/markup-compatibility/2006" xmlns:a14="http://schemas.microsoft.com/office/drawing/2010/main">
-            <mc:Choice Requires="a14">
-              <p:sp>
-                <p:nvSpPr>
-                  <p:cNvPr id="53" name="TextBox 52">
-                    <a:extLst>
-                      <a:ext uri="{FF2B5EF4-FFF2-40B4-BE49-F238E27FC236}">
-                        <a16:creationId xmlns:a16="http://schemas.microsoft.com/office/drawing/2014/main" id="{66E211D9-C951-653B-EC25-CBEC95284484}"/>
-                      </a:ext>
-                    </a:extLst>
-                  </p:cNvPr>
-                  <p:cNvSpPr txBox="1"/>
-                  <p:nvPr/>
-                </p:nvSpPr>
-                <p:spPr>
-                  <a:xfrm>
-                    <a:off x="5360732" y="24639688"/>
-                    <a:ext cx="8589417" cy="950709"/>
-                  </a:xfrm>
-                  <a:prstGeom prst="rect">
-                    <a:avLst/>
-                  </a:prstGeom>
-                  <a:noFill/>
-                </p:spPr>
-                <p:txBody>
-                  <a:bodyPr wrap="square" lIns="0" tIns="0" rIns="0" bIns="0" rtlCol="0">
-                    <a:spAutoFit/>
-                  </a:bodyPr>
-                  <a:lstStyle/>
-                  <a:p>
-                    <a:pPr algn="ctr"/>
-                    <a14:m>
-                      <m:oMathPara xmlns:m="http://schemas.openxmlformats.org/officeDocument/2006/math">
-                        <m:oMathParaPr>
-                          <m:jc m:val="centerGroup"/>
-                        </m:oMathParaPr>
-                        <m:oMath xmlns:m="http://schemas.openxmlformats.org/officeDocument/2006/math">
-                          <m:r>
-                            <a:rPr lang="en-US" sz="3300" i="1" dirty="0" smtClean="0">
-                              <a:solidFill>
-                                <a:schemeClr val="tx1"/>
-                              </a:solidFill>
-                              <a:latin typeface="Cambria Math" panose="02040503050406030204" pitchFamily="18" charset="0"/>
-                            </a:rPr>
-                            <m:t>𝐸</m:t>
-                          </m:r>
-                          <m:r>
-                            <a:rPr lang="en-US" sz="3300" i="0" dirty="0">
-                              <a:solidFill>
-                                <a:schemeClr val="tx1"/>
-                              </a:solidFill>
-                              <a:latin typeface="Cambria Math" panose="02040503050406030204" pitchFamily="18" charset="0"/>
-                            </a:rPr>
-                            <m:t>=−</m:t>
-                          </m:r>
-                          <m:f>
-                            <m:fPr>
-                              <m:ctrlPr>
-                                <a:rPr lang="en-US" sz="3300" i="1" dirty="0">
+                              </m:sSup>
+                              <m:r>
+                                <a:rPr lang="en-US" sz="3300" b="0" i="1" dirty="0" smtClean="0">
                                   <a:solidFill>
                                     <a:schemeClr val="tx1"/>
                                   </a:solidFill>
                                   <a:latin typeface="Cambria Math" panose="02040503050406030204" pitchFamily="18" charset="0"/>
                                 </a:rPr>
-                              </m:ctrlPr>
-                            </m:fPr>
-                            <m:num>
+                                <m:t>𝑊𝑟</m:t>
+                              </m:r>
                               <m:r>
                                 <a:rPr lang="en-US" sz="3300" i="0" dirty="0">
                                   <a:solidFill>
@@ -5349,10 +5153,42 @@
                                   </a:solidFill>
                                   <a:latin typeface="Cambria Math" panose="02040503050406030204" pitchFamily="18" charset="0"/>
                                 </a:rPr>
-                                <m:t>1</m:t>
+                                <m:t>−</m:t>
                               </m:r>
-                            </m:num>
-                            <m:den>
+                              <m:sSup>
+                                <m:sSupPr>
+                                  <m:ctrlPr>
+                                    <a:rPr lang="en-US" sz="3300" i="1" dirty="0" smtClean="0">
+                                      <a:solidFill>
+                                        <a:schemeClr val="tx1"/>
+                                      </a:solidFill>
+                                      <a:latin typeface="Cambria Math" panose="02040503050406030204" pitchFamily="18" charset="0"/>
+                                    </a:rPr>
+                                  </m:ctrlPr>
+                                </m:sSupPr>
+                                <m:e>
+                                  <m:r>
+                                    <a:rPr lang="en-US" sz="3300" i="0" dirty="0">
+                                      <a:solidFill>
+                                        <a:schemeClr val="tx1"/>
+                                      </a:solidFill>
+                                      <a:latin typeface="Cambria Math" panose="02040503050406030204" pitchFamily="18" charset="0"/>
+                                    </a:rPr>
+                                    <m:t>𝑏</m:t>
+                                  </m:r>
+                                </m:e>
+                                <m:sup>
+                                  <m:r>
+                                    <a:rPr lang="en-US" sz="3300" i="0" dirty="0">
+                                      <a:solidFill>
+                                        <a:schemeClr val="tx1"/>
+                                      </a:solidFill>
+                                      <a:latin typeface="Cambria Math" panose="02040503050406030204" pitchFamily="18" charset="0"/>
+                                    </a:rPr>
+                                    <m:t>𝑇</m:t>
+                                  </m:r>
+                                </m:sup>
+                              </m:sSup>
                               <m:r>
                                 <a:rPr lang="en-US" sz="3300" i="0" dirty="0">
                                   <a:solidFill>
@@ -5360,24 +5196,10 @@
                                   </a:solidFill>
                                   <a:latin typeface="Cambria Math" panose="02040503050406030204" pitchFamily="18" charset="0"/>
                                 </a:rPr>
-                                <m:t>2</m:t>
+                                <m:t>⋅</m:t>
                               </m:r>
-                            </m:den>
-                          </m:f>
-                          <m:sSup>
-                            <m:sSupPr>
-                              <m:ctrlPr>
-                                <a:rPr lang="en-US" sz="3300" i="1" dirty="0" smtClean="0">
-                                  <a:solidFill>
-                                    <a:schemeClr val="tx1"/>
-                                  </a:solidFill>
-                                  <a:latin typeface="Cambria Math" panose="02040503050406030204" pitchFamily="18" charset="0"/>
-                                </a:rPr>
-                              </m:ctrlPr>
-                            </m:sSupPr>
-                            <m:e>
                               <m:r>
-                                <a:rPr lang="en-US" sz="3300" b="0" i="1" dirty="0" smtClean="0">
+                                <a:rPr lang="en-US" sz="3300" i="1" dirty="0">
                                   <a:solidFill>
                                     <a:schemeClr val="tx1"/>
                                   </a:solidFill>
@@ -5385,208 +5207,162 @@
                                 </a:rPr>
                                 <m:t>𝑟</m:t>
                               </m:r>
-                            </m:e>
-                            <m:sup>
-                              <m:r>
-                                <a:rPr lang="en-US" sz="3300" b="0" i="1" dirty="0" smtClean="0">
-                                  <a:solidFill>
-                                    <a:schemeClr val="tx1"/>
-                                  </a:solidFill>
-                                  <a:latin typeface="Cambria Math" panose="02040503050406030204" pitchFamily="18" charset="0"/>
-                                </a:rPr>
-                                <m:t>𝑇</m:t>
-                              </m:r>
-                            </m:sup>
-                          </m:sSup>
-                          <m:r>
-                            <a:rPr lang="en-US" sz="3300" b="0" i="1" dirty="0" smtClean="0">
-                              <a:solidFill>
-                                <a:schemeClr val="tx1"/>
-                              </a:solidFill>
-                              <a:latin typeface="Cambria Math" panose="02040503050406030204" pitchFamily="18" charset="0"/>
-                            </a:rPr>
-                            <m:t>𝑊𝑟</m:t>
-                          </m:r>
-                          <m:r>
-                            <a:rPr lang="en-US" sz="3300" i="0" dirty="0">
-                              <a:solidFill>
-                                <a:schemeClr val="tx1"/>
-                              </a:solidFill>
-                              <a:latin typeface="Cambria Math" panose="02040503050406030204" pitchFamily="18" charset="0"/>
-                            </a:rPr>
-                            <m:t>−</m:t>
-                          </m:r>
-                          <m:sSup>
-                            <m:sSupPr>
-                              <m:ctrlPr>
-                                <a:rPr lang="en-US" sz="3300" i="1" dirty="0" smtClean="0">
-                                  <a:solidFill>
-                                    <a:schemeClr val="tx1"/>
-                                  </a:solidFill>
-                                  <a:latin typeface="Cambria Math" panose="02040503050406030204" pitchFamily="18" charset="0"/>
-                                </a:rPr>
-                              </m:ctrlPr>
-                            </m:sSupPr>
-                            <m:e>
-                              <m:r>
-                                <a:rPr lang="en-US" sz="3300" i="0" dirty="0">
-                                  <a:solidFill>
-                                    <a:schemeClr val="tx1"/>
-                                  </a:solidFill>
-                                  <a:latin typeface="Cambria Math" panose="02040503050406030204" pitchFamily="18" charset="0"/>
-                                </a:rPr>
-                                <m:t>𝑏</m:t>
-                              </m:r>
-                            </m:e>
-                            <m:sup>
-                              <m:r>
-                                <a:rPr lang="en-US" sz="3300" i="0" dirty="0">
-                                  <a:solidFill>
-                                    <a:schemeClr val="tx1"/>
-                                  </a:solidFill>
-                                  <a:latin typeface="Cambria Math" panose="02040503050406030204" pitchFamily="18" charset="0"/>
-                                </a:rPr>
-                                <m:t>𝑇</m:t>
-                              </m:r>
-                            </m:sup>
-                          </m:sSup>
-                          <m:r>
-                            <a:rPr lang="en-US" sz="3300" i="0" dirty="0">
-                              <a:solidFill>
-                                <a:schemeClr val="tx1"/>
-                              </a:solidFill>
-                              <a:latin typeface="Cambria Math" panose="02040503050406030204" pitchFamily="18" charset="0"/>
-                            </a:rPr>
-                            <m:t>⋅</m:t>
-                          </m:r>
-                          <m:r>
-                            <a:rPr lang="en-US" sz="3300" i="1" dirty="0">
-                              <a:solidFill>
-                                <a:schemeClr val="tx1"/>
-                              </a:solidFill>
-                              <a:latin typeface="Cambria Math" panose="02040503050406030204" pitchFamily="18" charset="0"/>
-                            </a:rPr>
-                            <m:t>𝑟</m:t>
-                          </m:r>
-                        </m:oMath>
-                      </m:oMathPara>
-                    </a14:m>
-                    <a:endParaRPr lang="en-US" sz="3300" dirty="0">
-                      <a:solidFill>
-                        <a:schemeClr val="tx1"/>
-                      </a:solidFill>
-                      <a:latin typeface="Cambria" panose="02040503050406030204" pitchFamily="18" charset="0"/>
-                      <a:ea typeface="Cambria" panose="02040503050406030204" pitchFamily="18" charset="0"/>
-                    </a:endParaRPr>
-                  </a:p>
-                </p:txBody>
-              </p:sp>
-            </mc:Choice>
-            <mc:Fallback xmlns="">
-              <p:sp>
-                <p:nvSpPr>
-                  <p:cNvPr id="53" name="TextBox 52">
-                    <a:extLst>
-                      <a:ext uri="{FF2B5EF4-FFF2-40B4-BE49-F238E27FC236}">
-                        <a16:creationId xmlns:a16="http://schemas.microsoft.com/office/drawing/2014/main" id="{66E211D9-C951-653B-EC25-CBEC95284484}"/>
-                      </a:ext>
-                    </a:extLst>
-                  </p:cNvPr>
-                  <p:cNvSpPr txBox="1">
-                    <a:spLocks noRot="1" noChangeAspect="1" noMove="1" noResize="1" noEditPoints="1" noAdjustHandles="1" noChangeArrowheads="1" noChangeShapeType="1" noTextEdit="1"/>
-                  </p:cNvSpPr>
-                  <p:nvPr/>
-                </p:nvSpPr>
-                <p:spPr>
-                  <a:xfrm>
-                    <a:off x="5360732" y="24639688"/>
-                    <a:ext cx="8589417" cy="950709"/>
-                  </a:xfrm>
-                  <a:prstGeom prst="rect">
-                    <a:avLst/>
-                  </a:prstGeom>
-                  <a:blipFill>
-                    <a:blip r:embed="rId8"/>
-                    <a:stretch>
-                      <a:fillRect/>
-                    </a:stretch>
-                  </a:blipFill>
-                </p:spPr>
-                <p:txBody>
-                  <a:bodyPr/>
-                  <a:lstStyle/>
-                  <a:p>
-                    <a:r>
-                      <a:rPr lang="en-US">
-                        <a:noFill/>
-                      </a:rPr>
-                      <a:t> </a:t>
-                    </a:r>
-                  </a:p>
-                </p:txBody>
-              </p:sp>
-            </mc:Fallback>
-          </mc:AlternateContent>
-          <mc:AlternateContent xmlns:mc="http://schemas.openxmlformats.org/markup-compatibility/2006" xmlns:a14="http://schemas.microsoft.com/office/drawing/2010/main">
-            <mc:Choice Requires="a14">
-              <p:sp>
-                <p:nvSpPr>
-                  <p:cNvPr id="14" name="TextBox 13">
-                    <a:extLst>
-                      <a:ext uri="{FF2B5EF4-FFF2-40B4-BE49-F238E27FC236}">
-                        <a16:creationId xmlns:a16="http://schemas.microsoft.com/office/drawing/2014/main" id="{854CC427-CE62-15B7-AE76-1108C42C7865}"/>
-                      </a:ext>
-                    </a:extLst>
-                  </p:cNvPr>
-                  <p:cNvSpPr txBox="1"/>
-                  <p:nvPr/>
-                </p:nvSpPr>
-                <p:spPr>
-                  <a:xfrm>
-                    <a:off x="5360732" y="26238428"/>
-                    <a:ext cx="8589417" cy="477054"/>
-                  </a:xfrm>
-                  <a:prstGeom prst="rect">
-                    <a:avLst/>
-                  </a:prstGeom>
-                  <a:noFill/>
-                </p:spPr>
-                <p:txBody>
-                  <a:bodyPr wrap="square" lIns="0" tIns="0" rIns="0" bIns="0" rtlCol="0">
-                    <a:spAutoFit/>
-                  </a:bodyPr>
-                  <a:lstStyle/>
-                  <a:p>
-                    <a:pPr algn="ctr"/>
-                    <a14:m>
-                      <m:oMathPara xmlns:m="http://schemas.openxmlformats.org/officeDocument/2006/math">
-                        <m:oMathParaPr>
-                          <m:jc m:val="centerGroup"/>
-                        </m:oMathParaPr>
-                        <m:oMath xmlns:m="http://schemas.openxmlformats.org/officeDocument/2006/math">
-                          <m:r>
-                            <a:rPr lang="en-US" sz="3100" b="0" i="1" smtClean="0">
-                              <a:solidFill>
-                                <a:schemeClr val="tx1"/>
-                              </a:solidFill>
-                              <a:latin typeface="Cambria Math" panose="02040503050406030204" pitchFamily="18" charset="0"/>
-                              <a:ea typeface="Cambria" panose="02040503050406030204" pitchFamily="18" charset="0"/>
-                            </a:rPr>
-                            <m:t>𝑟</m:t>
-                          </m:r>
-                          <m:d>
-                            <m:dPr>
-                              <m:ctrlPr>
-                                <a:rPr lang="en-US" sz="3100" b="0" i="1" smtClean="0">
-                                  <a:solidFill>
-                                    <a:schemeClr val="tx1"/>
-                                  </a:solidFill>
-                                  <a:latin typeface="Cambria Math" panose="02040503050406030204" pitchFamily="18" charset="0"/>
-                                  <a:ea typeface="Cambria" panose="02040503050406030204" pitchFamily="18" charset="0"/>
-                                </a:rPr>
-                              </m:ctrlPr>
-                            </m:dPr>
-                            <m:e>
+                            </m:oMath>
+                          </m:oMathPara>
+                        </a14:m>
+                        <a:endParaRPr lang="en-US" sz="3300" dirty="0">
+                          <a:solidFill>
+                            <a:schemeClr val="tx1"/>
+                          </a:solidFill>
+                          <a:latin typeface="Cambria" panose="02040503050406030204" pitchFamily="18" charset="0"/>
+                          <a:ea typeface="Cambria" panose="02040503050406030204" pitchFamily="18" charset="0"/>
+                        </a:endParaRPr>
+                      </a:p>
+                    </p:txBody>
+                  </p:sp>
+                </mc:Choice>
+                <mc:Fallback xmlns="">
+                  <p:sp>
+                    <p:nvSpPr>
+                      <p:cNvPr id="53" name="TextBox 52">
+                        <a:extLst>
+                          <a:ext uri="{FF2B5EF4-FFF2-40B4-BE49-F238E27FC236}">
+                            <a16:creationId xmlns:a16="http://schemas.microsoft.com/office/drawing/2014/main" id="{66E211D9-C951-653B-EC25-CBEC95284484}"/>
+                          </a:ext>
+                        </a:extLst>
+                      </p:cNvPr>
+                      <p:cNvSpPr txBox="1">
+                        <a:spLocks noRot="1" noChangeAspect="1" noMove="1" noResize="1" noEditPoints="1" noAdjustHandles="1" noChangeArrowheads="1" noChangeShapeType="1" noTextEdit="1"/>
+                      </p:cNvSpPr>
+                      <p:nvPr/>
+                    </p:nvSpPr>
+                    <p:spPr>
+                      <a:xfrm>
+                        <a:off x="5360732" y="24639688"/>
+                        <a:ext cx="8589417" cy="950709"/>
+                      </a:xfrm>
+                      <a:prstGeom prst="rect">
+                        <a:avLst/>
+                      </a:prstGeom>
+                      <a:blipFill>
+                        <a:blip r:embed="rId8"/>
+                        <a:stretch>
+                          <a:fillRect/>
+                        </a:stretch>
+                      </a:blipFill>
+                    </p:spPr>
+                    <p:txBody>
+                      <a:bodyPr/>
+                      <a:lstStyle/>
+                      <a:p>
+                        <a:r>
+                          <a:rPr lang="en-US">
+                            <a:noFill/>
+                          </a:rPr>
+                          <a:t> </a:t>
+                        </a:r>
+                      </a:p>
+                    </p:txBody>
+                  </p:sp>
+                </mc:Fallback>
+              </mc:AlternateContent>
+              <mc:AlternateContent xmlns:mc="http://schemas.openxmlformats.org/markup-compatibility/2006" xmlns:a14="http://schemas.microsoft.com/office/drawing/2010/main">
+                <mc:Choice Requires="a14">
+                  <p:sp>
+                    <p:nvSpPr>
+                      <p:cNvPr id="14" name="TextBox 13">
+                        <a:extLst>
+                          <a:ext uri="{FF2B5EF4-FFF2-40B4-BE49-F238E27FC236}">
+                            <a16:creationId xmlns:a16="http://schemas.microsoft.com/office/drawing/2014/main" id="{854CC427-CE62-15B7-AE76-1108C42C7865}"/>
+                          </a:ext>
+                        </a:extLst>
+                      </p:cNvPr>
+                      <p:cNvSpPr txBox="1"/>
+                      <p:nvPr/>
+                    </p:nvSpPr>
+                    <p:spPr>
+                      <a:xfrm>
+                        <a:off x="5360732" y="26238428"/>
+                        <a:ext cx="8589417" cy="477054"/>
+                      </a:xfrm>
+                      <a:prstGeom prst="rect">
+                        <a:avLst/>
+                      </a:prstGeom>
+                      <a:noFill/>
+                    </p:spPr>
+                    <p:txBody>
+                      <a:bodyPr wrap="square" lIns="0" tIns="0" rIns="0" bIns="0" rtlCol="0">
+                        <a:spAutoFit/>
+                      </a:bodyPr>
+                      <a:lstStyle/>
+                      <a:p>
+                        <a:pPr algn="ctr"/>
+                        <a14:m>
+                          <m:oMathPara xmlns:m="http://schemas.openxmlformats.org/officeDocument/2006/math">
+                            <m:oMathParaPr>
+                              <m:jc m:val="centerGroup"/>
+                            </m:oMathParaPr>
+                            <m:oMath xmlns:m="http://schemas.openxmlformats.org/officeDocument/2006/math">
+                              <m:sSub>
+                                <m:sSubPr>
+                                  <m:ctrlPr>
+                                    <a:rPr lang="en-US" sz="3100" i="1" dirty="0" smtClean="0">
+                                      <a:latin typeface="Cambria Math" panose="02040503050406030204" pitchFamily="18" charset="0"/>
+                                    </a:rPr>
+                                  </m:ctrlPr>
+                                </m:sSubPr>
+                                <m:e>
+                                  <m:r>
+                                    <a:rPr lang="en-US" sz="3100" b="0" i="1" dirty="0" smtClean="0">
+                                      <a:latin typeface="Cambria Math" panose="02040503050406030204" pitchFamily="18" charset="0"/>
+                                    </a:rPr>
+                                    <m:t>𝑟</m:t>
+                                  </m:r>
+                                </m:e>
+                                <m:sub>
+                                  <m:r>
+                                    <a:rPr lang="en-US" sz="3100" i="1" dirty="0">
+                                      <a:latin typeface="Cambria Math" panose="02040503050406030204" pitchFamily="18" charset="0"/>
+                                    </a:rPr>
+                                    <m:t>𝑖</m:t>
+                                  </m:r>
+                                </m:sub>
+                              </m:sSub>
+                              <m:d>
+                                <m:dPr>
+                                  <m:ctrlPr>
+                                    <a:rPr lang="en-US" sz="3100" b="0" i="1" smtClean="0">
+                                      <a:solidFill>
+                                        <a:schemeClr val="tx1"/>
+                                      </a:solidFill>
+                                      <a:latin typeface="Cambria Math" panose="02040503050406030204" pitchFamily="18" charset="0"/>
+                                      <a:ea typeface="Cambria" panose="02040503050406030204" pitchFamily="18" charset="0"/>
+                                    </a:rPr>
+                                  </m:ctrlPr>
+                                </m:dPr>
+                                <m:e>
+                                  <m:r>
+                                    <a:rPr lang="en-US" sz="3100" b="0" i="1" smtClean="0">
+                                      <a:solidFill>
+                                        <a:schemeClr val="tx1"/>
+                                      </a:solidFill>
+                                      <a:latin typeface="Cambria Math" panose="02040503050406030204" pitchFamily="18" charset="0"/>
+                                      <a:ea typeface="Cambria" panose="02040503050406030204" pitchFamily="18" charset="0"/>
+                                    </a:rPr>
+                                    <m:t>𝑡</m:t>
+                                  </m:r>
+                                  <m:r>
+                                    <a:rPr lang="en-US" sz="3100" b="0" i="1" smtClean="0">
+                                      <a:solidFill>
+                                        <a:schemeClr val="tx1"/>
+                                      </a:solidFill>
+                                      <a:latin typeface="Cambria Math" panose="02040503050406030204" pitchFamily="18" charset="0"/>
+                                      <a:ea typeface="Cambria" panose="02040503050406030204" pitchFamily="18" charset="0"/>
+                                    </a:rPr>
+                                    <m:t>+1</m:t>
+                                  </m:r>
+                                </m:e>
+                              </m:d>
                               <m:r>
                                 <a:rPr lang="en-US" sz="3100" b="0" i="1" smtClean="0">
                                   <a:solidFill>
@@ -5595,7 +5371,34 @@
                                   <a:latin typeface="Cambria Math" panose="02040503050406030204" pitchFamily="18" charset="0"/>
                                   <a:ea typeface="Cambria" panose="02040503050406030204" pitchFamily="18" charset="0"/>
                                 </a:rPr>
+                                <m:t>=</m:t>
+                              </m:r>
+                              <m:r>
+                                <m:rPr>
+                                  <m:nor/>
+                                </m:rPr>
+                                <a:rPr lang="el-GR" sz="3100" dirty="0">
+                                  <a:latin typeface="Cambria" panose="02040503050406030204" pitchFamily="18" charset="0"/>
+                                </a:rPr>
+                                <m:t>η</m:t>
+                              </m:r>
+                              <m:r>
+                                <a:rPr lang="en-US" sz="3100" b="0" i="1" dirty="0" smtClean="0">
+                                  <a:latin typeface="Cambria Math" panose="02040503050406030204" pitchFamily="18" charset="0"/>
+                                </a:rPr>
+                                <m:t>(</m:t>
+                              </m:r>
+                              <m:r>
+                                <a:rPr lang="en-US" sz="3100" b="0" i="1" dirty="0" smtClean="0">
+                                  <a:latin typeface="Cambria Math" panose="02040503050406030204" pitchFamily="18" charset="0"/>
+                                </a:rPr>
                                 <m:t>𝑡</m:t>
+                              </m:r>
+                              <m:r>
+                                <a:rPr lang="en-US" sz="3100" b="0" i="1" dirty="0" smtClean="0">
+                                  <a:latin typeface="Cambria Math" panose="02040503050406030204" pitchFamily="18" charset="0"/>
+                                </a:rPr>
+                                <m:t>)∘</m:t>
                               </m:r>
                               <m:r>
                                 <a:rPr lang="en-US" sz="3100" b="0" i="1" smtClean="0">
@@ -5605,43 +5408,8 @@
                                   <a:latin typeface="Cambria Math" panose="02040503050406030204" pitchFamily="18" charset="0"/>
                                   <a:ea typeface="Cambria" panose="02040503050406030204" pitchFamily="18" charset="0"/>
                                 </a:rPr>
-                                <m:t>+1</m:t>
+                                <m:t>𝑠𝑖𝑔𝑛</m:t>
                               </m:r>
-                            </m:e>
-                          </m:d>
-                          <m:r>
-                            <a:rPr lang="en-US" sz="3100" b="0" i="1" smtClean="0">
-                              <a:solidFill>
-                                <a:schemeClr val="tx1"/>
-                              </a:solidFill>
-                              <a:latin typeface="Cambria Math" panose="02040503050406030204" pitchFamily="18" charset="0"/>
-                              <a:ea typeface="Cambria" panose="02040503050406030204" pitchFamily="18" charset="0"/>
-                            </a:rPr>
-                            <m:t>=</m:t>
-                          </m:r>
-                          <m:r>
-                            <a:rPr lang="en-US" sz="3100" b="0" i="1" smtClean="0">
-                              <a:solidFill>
-                                <a:schemeClr val="tx1"/>
-                              </a:solidFill>
-                              <a:latin typeface="Cambria Math" panose="02040503050406030204" pitchFamily="18" charset="0"/>
-                              <a:ea typeface="Cambria" panose="02040503050406030204" pitchFamily="18" charset="0"/>
-                            </a:rPr>
-                            <m:t>𝑟</m:t>
-                          </m:r>
-                          <m:d>
-                            <m:dPr>
-                              <m:ctrlPr>
-                                <a:rPr lang="en-US" sz="3100" b="0" i="1" smtClean="0">
-                                  <a:solidFill>
-                                    <a:schemeClr val="tx1"/>
-                                  </a:solidFill>
-                                  <a:latin typeface="Cambria Math" panose="02040503050406030204" pitchFamily="18" charset="0"/>
-                                  <a:ea typeface="Cambria" panose="02040503050406030204" pitchFamily="18" charset="0"/>
-                                </a:rPr>
-                              </m:ctrlPr>
-                            </m:dPr>
-                            <m:e>
                               <m:r>
                                 <a:rPr lang="en-US" sz="3100" b="0" i="1" smtClean="0">
                                   <a:solidFill>
@@ -5650,226 +5418,1035 @@
                                   <a:latin typeface="Cambria Math" panose="02040503050406030204" pitchFamily="18" charset="0"/>
                                   <a:ea typeface="Cambria" panose="02040503050406030204" pitchFamily="18" charset="0"/>
                                 </a:rPr>
-                                <m:t>𝑡</m:t>
+                                <m:t>(</m:t>
                               </m:r>
-                            </m:e>
-                          </m:d>
-                          <m:r>
-                            <a:rPr lang="en-US" sz="3100" b="0" i="1" smtClean="0">
-                              <a:solidFill>
-                                <a:schemeClr val="tx1"/>
-                              </a:solidFill>
-                              <a:latin typeface="Cambria Math" panose="02040503050406030204" pitchFamily="18" charset="0"/>
-                              <a:ea typeface="Cambria" panose="02040503050406030204" pitchFamily="18" charset="0"/>
-                            </a:rPr>
-                            <m:t>+</m:t>
-                          </m:r>
-                          <m:r>
-                            <m:rPr>
-                              <m:nor/>
-                            </m:rPr>
-                            <a:rPr lang="el-GR" sz="3100" dirty="0">
-                              <a:latin typeface="Cambria" panose="02040503050406030204" pitchFamily="18" charset="0"/>
-                            </a:rPr>
-                            <m:t>η</m:t>
-                          </m:r>
-                          <m:r>
-                            <a:rPr lang="en-US" sz="3100" b="0" i="1" dirty="0" smtClean="0">
-                              <a:latin typeface="Cambria Math" panose="02040503050406030204" pitchFamily="18" charset="0"/>
-                            </a:rPr>
-                            <m:t>(</m:t>
-                          </m:r>
-                          <m:r>
-                            <a:rPr lang="en-US" sz="3100" b="0" i="1" dirty="0" smtClean="0">
-                              <a:latin typeface="Cambria Math" panose="02040503050406030204" pitchFamily="18" charset="0"/>
-                            </a:rPr>
-                            <m:t>𝑡</m:t>
-                          </m:r>
-                          <m:r>
-                            <a:rPr lang="en-US" sz="3100" b="0" i="1" dirty="0" smtClean="0">
-                              <a:latin typeface="Cambria Math" panose="02040503050406030204" pitchFamily="18" charset="0"/>
-                            </a:rPr>
-                            <m:t>)∘</m:t>
-                          </m:r>
-                          <m:r>
-                            <a:rPr lang="en-US" sz="3100" b="0" i="1" smtClean="0">
-                              <a:solidFill>
-                                <a:schemeClr val="tx1"/>
-                              </a:solidFill>
-                              <a:latin typeface="Cambria Math" panose="02040503050406030204" pitchFamily="18" charset="0"/>
-                              <a:ea typeface="Cambria" panose="02040503050406030204" pitchFamily="18" charset="0"/>
-                            </a:rPr>
-                            <m:t>𝑠𝑖𝑔𝑛</m:t>
-                          </m:r>
-                          <m:r>
-                            <a:rPr lang="en-US" sz="3100" b="0" i="1" smtClean="0">
-                              <a:solidFill>
-                                <a:schemeClr val="tx1"/>
-                              </a:solidFill>
-                              <a:latin typeface="Cambria Math" panose="02040503050406030204" pitchFamily="18" charset="0"/>
-                              <a:ea typeface="Cambria" panose="02040503050406030204" pitchFamily="18" charset="0"/>
-                            </a:rPr>
-                            <m:t>(</m:t>
-                          </m:r>
-                          <m:r>
-                            <a:rPr lang="en-US" sz="3100" b="0" i="1" smtClean="0">
-                              <a:solidFill>
-                                <a:schemeClr val="tx1"/>
-                              </a:solidFill>
-                              <a:latin typeface="Cambria Math" panose="02040503050406030204" pitchFamily="18" charset="0"/>
-                              <a:ea typeface="Cambria" panose="02040503050406030204" pitchFamily="18" charset="0"/>
-                            </a:rPr>
-                            <m:t>𝑊𝑟</m:t>
-                          </m:r>
-                          <m:r>
-                            <a:rPr lang="en-US" sz="3100" b="0" i="1" smtClean="0">
-                              <a:solidFill>
-                                <a:schemeClr val="tx1"/>
-                              </a:solidFill>
-                              <a:latin typeface="Cambria Math" panose="02040503050406030204" pitchFamily="18" charset="0"/>
-                              <a:ea typeface="Cambria" panose="02040503050406030204" pitchFamily="18" charset="0"/>
-                            </a:rPr>
-                            <m:t>(</m:t>
-                          </m:r>
-                          <m:r>
-                            <a:rPr lang="en-US" sz="3100" b="0" i="1" smtClean="0">
-                              <a:solidFill>
-                                <a:schemeClr val="tx1"/>
-                              </a:solidFill>
-                              <a:latin typeface="Cambria Math" panose="02040503050406030204" pitchFamily="18" charset="0"/>
-                              <a:ea typeface="Cambria" panose="02040503050406030204" pitchFamily="18" charset="0"/>
-                            </a:rPr>
-                            <m:t>𝑡</m:t>
-                          </m:r>
-                          <m:r>
-                            <a:rPr lang="en-US" sz="3100" b="0" i="1" smtClean="0">
-                              <a:solidFill>
-                                <a:schemeClr val="tx1"/>
-                              </a:solidFill>
-                              <a:latin typeface="Cambria Math" panose="02040503050406030204" pitchFamily="18" charset="0"/>
-                              <a:ea typeface="Cambria" panose="02040503050406030204" pitchFamily="18" charset="0"/>
-                            </a:rPr>
-                            <m:t>)−</m:t>
-                          </m:r>
-                          <m:r>
-                            <a:rPr lang="en-US" sz="3100" b="0" i="1" smtClean="0">
-                              <a:latin typeface="Cambria Math" panose="02040503050406030204" pitchFamily="18" charset="0"/>
-                              <a:ea typeface="Cambria" panose="02040503050406030204" pitchFamily="18" charset="0"/>
-                            </a:rPr>
-                            <m:t>𝑏</m:t>
-                          </m:r>
-                          <m:r>
-                            <a:rPr lang="en-US" sz="3100" b="0" i="1" smtClean="0">
-                              <a:latin typeface="Cambria Math" panose="02040503050406030204" pitchFamily="18" charset="0"/>
-                              <a:ea typeface="Cambria" panose="02040503050406030204" pitchFamily="18" charset="0"/>
-                            </a:rPr>
-                            <m:t>)</m:t>
-                          </m:r>
-                        </m:oMath>
-                      </m:oMathPara>
-                    </a14:m>
-                    <a:endParaRPr lang="en-US" sz="3100" dirty="0">
-                      <a:solidFill>
-                        <a:schemeClr val="tx1"/>
-                      </a:solidFill>
-                      <a:latin typeface="Cambria" panose="02040503050406030204" pitchFamily="18" charset="0"/>
-                      <a:ea typeface="Cambria" panose="02040503050406030204" pitchFamily="18" charset="0"/>
-                    </a:endParaRPr>
-                  </a:p>
-                </p:txBody>
-              </p:sp>
-            </mc:Choice>
-            <mc:Fallback xmlns="">
-              <p:sp>
-                <p:nvSpPr>
-                  <p:cNvPr id="14" name="TextBox 13">
-                    <a:extLst>
-                      <a:ext uri="{FF2B5EF4-FFF2-40B4-BE49-F238E27FC236}">
-                        <a16:creationId xmlns:a16="http://schemas.microsoft.com/office/drawing/2014/main" id="{854CC427-CE62-15B7-AE76-1108C42C7865}"/>
-                      </a:ext>
-                    </a:extLst>
-                  </p:cNvPr>
-                  <p:cNvSpPr txBox="1">
-                    <a:spLocks noRot="1" noChangeAspect="1" noMove="1" noResize="1" noEditPoints="1" noAdjustHandles="1" noChangeArrowheads="1" noChangeShapeType="1" noTextEdit="1"/>
-                  </p:cNvSpPr>
-                  <p:nvPr/>
-                </p:nvSpPr>
-                <p:spPr>
-                  <a:xfrm>
-                    <a:off x="5360732" y="26238428"/>
-                    <a:ext cx="8589417" cy="477054"/>
-                  </a:xfrm>
-                  <a:prstGeom prst="rect">
-                    <a:avLst/>
-                  </a:prstGeom>
-                  <a:blipFill>
-                    <a:blip r:embed="rId9"/>
-                    <a:stretch>
-                      <a:fillRect/>
-                    </a:stretch>
-                  </a:blipFill>
-                </p:spPr>
-                <p:txBody>
-                  <a:bodyPr/>
-                  <a:lstStyle/>
-                  <a:p>
-                    <a:r>
-                      <a:rPr lang="en-US">
-                        <a:noFill/>
-                      </a:rPr>
-                      <a:t> </a:t>
-                    </a:r>
-                  </a:p>
-                </p:txBody>
-              </p:sp>
-            </mc:Fallback>
-          </mc:AlternateContent>
+                              <m:r>
+                                <a:rPr lang="en-US" sz="3100" b="0" i="1" smtClean="0">
+                                  <a:solidFill>
+                                    <a:schemeClr val="tx1"/>
+                                  </a:solidFill>
+                                  <a:latin typeface="Cambria Math" panose="02040503050406030204" pitchFamily="18" charset="0"/>
+                                  <a:ea typeface="Cambria" panose="02040503050406030204" pitchFamily="18" charset="0"/>
+                                </a:rPr>
+                                <m:t>𝑊</m:t>
+                              </m:r>
+                              <m:sSub>
+                                <m:sSubPr>
+                                  <m:ctrlPr>
+                                    <a:rPr lang="en-US" sz="3100" i="1" dirty="0">
+                                      <a:latin typeface="Cambria Math" panose="02040503050406030204" pitchFamily="18" charset="0"/>
+                                    </a:rPr>
+                                  </m:ctrlPr>
+                                </m:sSubPr>
+                                <m:e>
+                                  <m:r>
+                                    <a:rPr lang="en-US" sz="3100" b="0" i="1" dirty="0" smtClean="0">
+                                      <a:latin typeface="Cambria Math" panose="02040503050406030204" pitchFamily="18" charset="0"/>
+                                    </a:rPr>
+                                    <m:t>𝑟</m:t>
+                                  </m:r>
+                                </m:e>
+                                <m:sub>
+                                  <m:r>
+                                    <a:rPr lang="en-US" sz="3100" i="1" dirty="0">
+                                      <a:latin typeface="Cambria Math" panose="02040503050406030204" pitchFamily="18" charset="0"/>
+                                    </a:rPr>
+                                    <m:t>𝑖</m:t>
+                                  </m:r>
+                                </m:sub>
+                              </m:sSub>
+                              <m:d>
+                                <m:dPr>
+                                  <m:ctrlPr>
+                                    <a:rPr lang="en-US" sz="3100" b="0" i="1" smtClean="0">
+                                      <a:solidFill>
+                                        <a:schemeClr val="tx1"/>
+                                      </a:solidFill>
+                                      <a:latin typeface="Cambria Math" panose="02040503050406030204" pitchFamily="18" charset="0"/>
+                                      <a:ea typeface="Cambria" panose="02040503050406030204" pitchFamily="18" charset="0"/>
+                                    </a:rPr>
+                                  </m:ctrlPr>
+                                </m:dPr>
+                                <m:e>
+                                  <m:r>
+                                    <a:rPr lang="en-US" sz="3100" b="0" i="1" smtClean="0">
+                                      <a:solidFill>
+                                        <a:schemeClr val="tx1"/>
+                                      </a:solidFill>
+                                      <a:latin typeface="Cambria Math" panose="02040503050406030204" pitchFamily="18" charset="0"/>
+                                      <a:ea typeface="Cambria" panose="02040503050406030204" pitchFamily="18" charset="0"/>
+                                    </a:rPr>
+                                    <m:t>𝑡</m:t>
+                                  </m:r>
+                                </m:e>
+                              </m:d>
+                              <m:r>
+                                <a:rPr lang="en-US" sz="3100" b="0" i="1" smtClean="0">
+                                  <a:solidFill>
+                                    <a:schemeClr val="tx1"/>
+                                  </a:solidFill>
+                                  <a:latin typeface="Cambria Math" panose="02040503050406030204" pitchFamily="18" charset="0"/>
+                                  <a:ea typeface="Cambria" panose="02040503050406030204" pitchFamily="18" charset="0"/>
+                                </a:rPr>
+                                <m:t>+</m:t>
+                              </m:r>
+                              <m:r>
+                                <a:rPr lang="en-US" sz="3100" b="0" i="1" smtClean="0">
+                                  <a:latin typeface="Cambria Math" panose="02040503050406030204" pitchFamily="18" charset="0"/>
+                                  <a:ea typeface="Cambria" panose="02040503050406030204" pitchFamily="18" charset="0"/>
+                                </a:rPr>
+                                <m:t>𝑏</m:t>
+                              </m:r>
+                              <m:r>
+                                <a:rPr lang="en-US" sz="3100" b="0" i="1" smtClean="0">
+                                  <a:latin typeface="Cambria Math" panose="02040503050406030204" pitchFamily="18" charset="0"/>
+                                  <a:ea typeface="Cambria" panose="02040503050406030204" pitchFamily="18" charset="0"/>
+                                </a:rPr>
+                                <m:t>)</m:t>
+                              </m:r>
+                            </m:oMath>
+                          </m:oMathPara>
+                        </a14:m>
+                        <a:endParaRPr lang="en-US" sz="3100" dirty="0">
+                          <a:solidFill>
+                            <a:schemeClr val="tx1"/>
+                          </a:solidFill>
+                          <a:latin typeface="Cambria" panose="02040503050406030204" pitchFamily="18" charset="0"/>
+                          <a:ea typeface="Cambria" panose="02040503050406030204" pitchFamily="18" charset="0"/>
+                        </a:endParaRPr>
+                      </a:p>
+                    </p:txBody>
+                  </p:sp>
+                </mc:Choice>
+                <mc:Fallback xmlns="">
+                  <p:sp>
+                    <p:nvSpPr>
+                      <p:cNvPr id="14" name="TextBox 13">
+                        <a:extLst>
+                          <a:ext uri="{FF2B5EF4-FFF2-40B4-BE49-F238E27FC236}">
+                            <a16:creationId xmlns:a16="http://schemas.microsoft.com/office/drawing/2014/main" id="{854CC427-CE62-15B7-AE76-1108C42C7865}"/>
+                          </a:ext>
+                        </a:extLst>
+                      </p:cNvPr>
+                      <p:cNvSpPr txBox="1">
+                        <a:spLocks noRot="1" noChangeAspect="1" noMove="1" noResize="1" noEditPoints="1" noAdjustHandles="1" noChangeArrowheads="1" noChangeShapeType="1" noTextEdit="1"/>
+                      </p:cNvSpPr>
+                      <p:nvPr/>
+                    </p:nvSpPr>
+                    <p:spPr>
+                      <a:xfrm>
+                        <a:off x="5360732" y="26238428"/>
+                        <a:ext cx="8589417" cy="477054"/>
+                      </a:xfrm>
+                      <a:prstGeom prst="rect">
+                        <a:avLst/>
+                      </a:prstGeom>
+                      <a:blipFill>
+                        <a:blip r:embed="rId9"/>
+                        <a:stretch>
+                          <a:fillRect/>
+                        </a:stretch>
+                      </a:blipFill>
+                    </p:spPr>
+                    <p:txBody>
+                      <a:bodyPr/>
+                      <a:lstStyle/>
+                      <a:p>
+                        <a:r>
+                          <a:rPr lang="en-US">
+                            <a:noFill/>
+                          </a:rPr>
+                          <a:t> </a:t>
+                        </a:r>
+                      </a:p>
+                    </p:txBody>
+                  </p:sp>
+                </mc:Fallback>
+              </mc:AlternateContent>
+            </p:grpSp>
+          </p:grpSp>
+        </p:grpSp>
+        <p:grpSp>
+          <p:nvGrpSpPr>
+            <p:cNvPr id="48" name="Group 47">
+              <a:extLst>
+                <a:ext uri="{FF2B5EF4-FFF2-40B4-BE49-F238E27FC236}">
+                  <a16:creationId xmlns:a16="http://schemas.microsoft.com/office/drawing/2014/main" id="{3FB3A1E9-268B-F82A-BF03-A5CC6A126B11}"/>
+                </a:ext>
+              </a:extLst>
+            </p:cNvPr>
+            <p:cNvGrpSpPr/>
+            <p:nvPr/>
+          </p:nvGrpSpPr>
+          <p:grpSpPr>
+            <a:xfrm>
+              <a:off x="1399708" y="27323101"/>
+              <a:ext cx="12648290" cy="5235272"/>
+              <a:chOff x="1399708" y="27323101"/>
+              <a:chExt cx="12648290" cy="5235272"/>
+            </a:xfrm>
+          </p:grpSpPr>
+          <p:grpSp>
+            <p:nvGrpSpPr>
+              <p:cNvPr id="75" name="Group 74">
+                <a:extLst>
+                  <a:ext uri="{FF2B5EF4-FFF2-40B4-BE49-F238E27FC236}">
+                    <a16:creationId xmlns:a16="http://schemas.microsoft.com/office/drawing/2014/main" id="{351336EB-D767-2D72-EB75-57E938EDD067}"/>
+                  </a:ext>
+                </a:extLst>
+              </p:cNvPr>
+              <p:cNvGrpSpPr/>
+              <p:nvPr/>
+            </p:nvGrpSpPr>
+            <p:grpSpPr>
+              <a:xfrm>
+                <a:off x="1399708" y="27330687"/>
+                <a:ext cx="5409361" cy="5205105"/>
+                <a:chOff x="2693897" y="26811022"/>
+                <a:chExt cx="5409361" cy="5205105"/>
+              </a:xfrm>
+            </p:grpSpPr>
+            <p:pic>
+              <p:nvPicPr>
+                <p:cNvPr id="62" name="Graphic 61">
+                  <a:extLst>
+                    <a:ext uri="{FF2B5EF4-FFF2-40B4-BE49-F238E27FC236}">
+                      <a16:creationId xmlns:a16="http://schemas.microsoft.com/office/drawing/2014/main" id="{4A92EC2B-C0B1-4491-AB4D-5D2BF9A76ED5}"/>
+                    </a:ext>
+                  </a:extLst>
+                </p:cNvPr>
+                <p:cNvPicPr>
+                  <a:picLocks noChangeAspect="1"/>
+                </p:cNvPicPr>
+                <p:nvPr/>
+              </p:nvPicPr>
+              <p:blipFill>
+                <a:blip r:embed="rId10">
+                  <a:extLst>
+                    <a:ext uri="{96DAC541-7B7A-43D3-8B79-37D633B846F1}">
+                      <asvg:svgBlip xmlns:asvg="http://schemas.microsoft.com/office/drawing/2016/SVG/main" r:embed="rId11"/>
+                    </a:ext>
+                  </a:extLst>
+                </a:blip>
+                <a:stretch>
+                  <a:fillRect/>
+                </a:stretch>
+              </p:blipFill>
+              <p:spPr>
+                <a:xfrm>
+                  <a:off x="2693897" y="26811022"/>
+                  <a:ext cx="5409361" cy="5205105"/>
+                </a:xfrm>
+                <a:prstGeom prst="rect">
+                  <a:avLst/>
+                </a:prstGeom>
+              </p:spPr>
+            </p:pic>
+            <mc:AlternateContent xmlns:mc="http://schemas.openxmlformats.org/markup-compatibility/2006" xmlns:a14="http://schemas.microsoft.com/office/drawing/2010/main">
+              <mc:Choice Requires="a14">
+                <p:sp>
+                  <p:nvSpPr>
+                    <p:cNvPr id="58" name="TextBox 57">
+                      <a:extLst>
+                        <a:ext uri="{FF2B5EF4-FFF2-40B4-BE49-F238E27FC236}">
+                          <a16:creationId xmlns:a16="http://schemas.microsoft.com/office/drawing/2014/main" id="{7A3ACF50-76FF-88E1-C307-7811C783BA08}"/>
+                        </a:ext>
+                      </a:extLst>
+                    </p:cNvPr>
+                    <p:cNvSpPr txBox="1"/>
+                    <p:nvPr/>
+                  </p:nvSpPr>
+                  <p:spPr>
+                    <a:xfrm>
+                      <a:off x="5328890" y="27014656"/>
+                      <a:ext cx="381277" cy="445284"/>
+                    </a:xfrm>
+                    <a:prstGeom prst="rect">
+                      <a:avLst/>
+                    </a:prstGeom>
+                    <a:noFill/>
+                  </p:spPr>
+                  <p:txBody>
+                    <a:bodyPr wrap="square" lIns="0" tIns="0" rIns="0" bIns="0" rtlCol="0">
+                      <a:spAutoFit/>
+                    </a:bodyPr>
+                    <a:lstStyle/>
+                    <a:p>
+                      <a:pPr algn="ctr"/>
+                      <a14:m>
+                        <m:oMathPara xmlns:m="http://schemas.openxmlformats.org/officeDocument/2006/math">
+                          <m:oMathParaPr>
+                            <m:jc m:val="centerGroup"/>
+                          </m:oMathParaPr>
+                          <m:oMath xmlns:m="http://schemas.openxmlformats.org/officeDocument/2006/math">
+                            <m:sSub>
+                              <m:sSubPr>
+                                <m:ctrlPr>
+                                  <a:rPr lang="en-US" sz="3500" i="1" smtClean="0">
+                                    <a:solidFill>
+                                      <a:schemeClr val="tx1"/>
+                                    </a:solidFill>
+                                    <a:latin typeface="Cambria Math" panose="02040503050406030204" pitchFamily="18" charset="0"/>
+                                    <a:ea typeface="Cambria" panose="02040503050406030204" pitchFamily="18" charset="0"/>
+                                  </a:rPr>
+                                </m:ctrlPr>
+                              </m:sSubPr>
+                              <m:e>
+                                <m:r>
+                                  <a:rPr lang="en-US" sz="3500" b="0" i="1" smtClean="0">
+                                    <a:solidFill>
+                                      <a:schemeClr val="tx1"/>
+                                    </a:solidFill>
+                                    <a:latin typeface="Cambria Math" panose="02040503050406030204" pitchFamily="18" charset="0"/>
+                                    <a:ea typeface="Cambria" panose="02040503050406030204" pitchFamily="18" charset="0"/>
+                                  </a:rPr>
+                                  <m:t>𝑟</m:t>
+                                </m:r>
+                              </m:e>
+                              <m:sub>
+                                <m:r>
+                                  <a:rPr lang="en-US" sz="3500" b="0" i="1" smtClean="0">
+                                    <a:solidFill>
+                                      <a:schemeClr val="tx1"/>
+                                    </a:solidFill>
+                                    <a:latin typeface="Cambria Math" panose="02040503050406030204" pitchFamily="18" charset="0"/>
+                                    <a:ea typeface="Cambria" panose="02040503050406030204" pitchFamily="18" charset="0"/>
+                                  </a:rPr>
+                                  <m:t>1</m:t>
+                                </m:r>
+                              </m:sub>
+                            </m:sSub>
+                          </m:oMath>
+                        </m:oMathPara>
+                      </a14:m>
+                      <a:endParaRPr lang="en-US" sz="3500" dirty="0">
+                        <a:solidFill>
+                          <a:schemeClr val="tx1"/>
+                        </a:solidFill>
+                        <a:latin typeface="Cambria" panose="02040503050406030204" pitchFamily="18" charset="0"/>
+                        <a:ea typeface="Cambria" panose="02040503050406030204" pitchFamily="18" charset="0"/>
+                      </a:endParaRPr>
+                    </a:p>
+                  </p:txBody>
+                </p:sp>
+              </mc:Choice>
+              <mc:Fallback xmlns="">
+                <p:sp>
+                  <p:nvSpPr>
+                    <p:cNvPr id="58" name="TextBox 57">
+                      <a:extLst>
+                        <a:ext uri="{FF2B5EF4-FFF2-40B4-BE49-F238E27FC236}">
+                          <a16:creationId xmlns:a16="http://schemas.microsoft.com/office/drawing/2014/main" id="{7A3ACF50-76FF-88E1-C307-7811C783BA08}"/>
+                        </a:ext>
+                      </a:extLst>
+                    </p:cNvPr>
+                    <p:cNvSpPr txBox="1">
+                      <a:spLocks noRot="1" noChangeAspect="1" noMove="1" noResize="1" noEditPoints="1" noAdjustHandles="1" noChangeArrowheads="1" noChangeShapeType="1" noTextEdit="1"/>
+                    </p:cNvSpPr>
+                    <p:nvPr/>
+                  </p:nvSpPr>
+                  <p:spPr>
+                    <a:xfrm>
+                      <a:off x="5328890" y="27014656"/>
+                      <a:ext cx="381277" cy="445284"/>
+                    </a:xfrm>
+                    <a:prstGeom prst="rect">
+                      <a:avLst/>
+                    </a:prstGeom>
+                    <a:blipFill>
+                      <a:blip r:embed="rId12"/>
+                      <a:stretch>
+                        <a:fillRect l="-9677" b="-17568"/>
+                      </a:stretch>
+                    </a:blipFill>
+                  </p:spPr>
+                  <p:txBody>
+                    <a:bodyPr/>
+                    <a:lstStyle/>
+                    <a:p>
+                      <a:r>
+                        <a:rPr lang="en-US">
+                          <a:noFill/>
+                        </a:rPr>
+                        <a:t> </a:t>
+                      </a:r>
+                    </a:p>
+                  </p:txBody>
+                </p:sp>
+              </mc:Fallback>
+            </mc:AlternateContent>
+            <mc:AlternateContent xmlns:mc="http://schemas.openxmlformats.org/markup-compatibility/2006" xmlns:a14="http://schemas.microsoft.com/office/drawing/2010/main">
+              <mc:Choice Requires="a14">
+                <p:sp>
+                  <p:nvSpPr>
+                    <p:cNvPr id="63" name="TextBox 62">
+                      <a:extLst>
+                        <a:ext uri="{FF2B5EF4-FFF2-40B4-BE49-F238E27FC236}">
+                          <a16:creationId xmlns:a16="http://schemas.microsoft.com/office/drawing/2014/main" id="{73AE35D4-D180-27EE-7F77-4A029354D8A7}"/>
+                        </a:ext>
+                      </a:extLst>
+                    </p:cNvPr>
+                    <p:cNvSpPr txBox="1"/>
+                    <p:nvPr/>
+                  </p:nvSpPr>
+                  <p:spPr>
+                    <a:xfrm>
+                      <a:off x="3099301" y="28539653"/>
+                      <a:ext cx="402936" cy="445284"/>
+                    </a:xfrm>
+                    <a:prstGeom prst="rect">
+                      <a:avLst/>
+                    </a:prstGeom>
+                    <a:noFill/>
+                  </p:spPr>
+                  <p:txBody>
+                    <a:bodyPr wrap="square" lIns="0" tIns="0" rIns="0" bIns="0" rtlCol="0">
+                      <a:spAutoFit/>
+                    </a:bodyPr>
+                    <a:lstStyle/>
+                    <a:p>
+                      <a:pPr algn="ctr"/>
+                      <a14:m>
+                        <m:oMathPara xmlns:m="http://schemas.openxmlformats.org/officeDocument/2006/math">
+                          <m:oMathParaPr>
+                            <m:jc m:val="centerGroup"/>
+                          </m:oMathParaPr>
+                          <m:oMath xmlns:m="http://schemas.openxmlformats.org/officeDocument/2006/math">
+                            <m:sSub>
+                              <m:sSubPr>
+                                <m:ctrlPr>
+                                  <a:rPr lang="en-US" sz="3500" i="1" smtClean="0">
+                                    <a:solidFill>
+                                      <a:schemeClr val="tx1"/>
+                                    </a:solidFill>
+                                    <a:latin typeface="Cambria Math" panose="02040503050406030204" pitchFamily="18" charset="0"/>
+                                    <a:ea typeface="Cambria" panose="02040503050406030204" pitchFamily="18" charset="0"/>
+                                  </a:rPr>
+                                </m:ctrlPr>
+                              </m:sSubPr>
+                              <m:e>
+                                <m:r>
+                                  <a:rPr lang="en-US" sz="3500" b="0" i="1" smtClean="0">
+                                    <a:solidFill>
+                                      <a:schemeClr val="tx1"/>
+                                    </a:solidFill>
+                                    <a:latin typeface="Cambria Math" panose="02040503050406030204" pitchFamily="18" charset="0"/>
+                                    <a:ea typeface="Cambria" panose="02040503050406030204" pitchFamily="18" charset="0"/>
+                                  </a:rPr>
+                                  <m:t>𝑟</m:t>
+                                </m:r>
+                              </m:e>
+                              <m:sub>
+                                <m:r>
+                                  <a:rPr lang="en-US" sz="3500" b="0" i="1" smtClean="0">
+                                    <a:solidFill>
+                                      <a:schemeClr val="tx1"/>
+                                    </a:solidFill>
+                                    <a:latin typeface="Cambria Math" panose="02040503050406030204" pitchFamily="18" charset="0"/>
+                                    <a:ea typeface="Cambria" panose="02040503050406030204" pitchFamily="18" charset="0"/>
+                                  </a:rPr>
+                                  <m:t>2</m:t>
+                                </m:r>
+                              </m:sub>
+                            </m:sSub>
+                          </m:oMath>
+                        </m:oMathPara>
+                      </a14:m>
+                      <a:endParaRPr lang="en-US" sz="3500" dirty="0">
+                        <a:solidFill>
+                          <a:schemeClr val="tx1"/>
+                        </a:solidFill>
+                        <a:latin typeface="Cambria" panose="02040503050406030204" pitchFamily="18" charset="0"/>
+                        <a:ea typeface="Cambria" panose="02040503050406030204" pitchFamily="18" charset="0"/>
+                      </a:endParaRPr>
+                    </a:p>
+                  </p:txBody>
+                </p:sp>
+              </mc:Choice>
+              <mc:Fallback xmlns="">
+                <p:sp>
+                  <p:nvSpPr>
+                    <p:cNvPr id="63" name="TextBox 62">
+                      <a:extLst>
+                        <a:ext uri="{FF2B5EF4-FFF2-40B4-BE49-F238E27FC236}">
+                          <a16:creationId xmlns:a16="http://schemas.microsoft.com/office/drawing/2014/main" id="{73AE35D4-D180-27EE-7F77-4A029354D8A7}"/>
+                        </a:ext>
+                      </a:extLst>
+                    </p:cNvPr>
+                    <p:cNvSpPr txBox="1">
+                      <a:spLocks noRot="1" noChangeAspect="1" noMove="1" noResize="1" noEditPoints="1" noAdjustHandles="1" noChangeArrowheads="1" noChangeShapeType="1" noTextEdit="1"/>
+                    </p:cNvSpPr>
+                    <p:nvPr/>
+                  </p:nvSpPr>
+                  <p:spPr>
+                    <a:xfrm>
+                      <a:off x="3099301" y="28539653"/>
+                      <a:ext cx="402936" cy="445284"/>
+                    </a:xfrm>
+                    <a:prstGeom prst="rect">
+                      <a:avLst/>
+                    </a:prstGeom>
+                    <a:blipFill>
+                      <a:blip r:embed="rId13"/>
+                      <a:stretch>
+                        <a:fillRect l="-7576" b="-17808"/>
+                      </a:stretch>
+                    </a:blipFill>
+                  </p:spPr>
+                  <p:txBody>
+                    <a:bodyPr/>
+                    <a:lstStyle/>
+                    <a:p>
+                      <a:r>
+                        <a:rPr lang="en-US">
+                          <a:noFill/>
+                        </a:rPr>
+                        <a:t> </a:t>
+                      </a:r>
+                    </a:p>
+                  </p:txBody>
+                </p:sp>
+              </mc:Fallback>
+            </mc:AlternateContent>
+            <mc:AlternateContent xmlns:mc="http://schemas.openxmlformats.org/markup-compatibility/2006" xmlns:a14="http://schemas.microsoft.com/office/drawing/2010/main">
+              <mc:Choice Requires="a14">
+                <p:sp>
+                  <p:nvSpPr>
+                    <p:cNvPr id="64" name="TextBox 63">
+                      <a:extLst>
+                        <a:ext uri="{FF2B5EF4-FFF2-40B4-BE49-F238E27FC236}">
+                          <a16:creationId xmlns:a16="http://schemas.microsoft.com/office/drawing/2014/main" id="{6C899C02-07C1-4977-8A5A-271F6CBAEA9B}"/>
+                        </a:ext>
+                      </a:extLst>
+                    </p:cNvPr>
+                    <p:cNvSpPr txBox="1"/>
+                    <p:nvPr/>
+                  </p:nvSpPr>
+                  <p:spPr>
+                    <a:xfrm>
+                      <a:off x="3723888" y="31153584"/>
+                      <a:ext cx="646053" cy="445284"/>
+                    </a:xfrm>
+                    <a:prstGeom prst="rect">
+                      <a:avLst/>
+                    </a:prstGeom>
+                    <a:noFill/>
+                  </p:spPr>
+                  <p:txBody>
+                    <a:bodyPr wrap="square" lIns="0" tIns="0" rIns="0" bIns="0" rtlCol="0">
+                      <a:spAutoFit/>
+                    </a:bodyPr>
+                    <a:lstStyle/>
+                    <a:p>
+                      <a:pPr algn="ctr"/>
+                      <a14:m>
+                        <m:oMathPara xmlns:m="http://schemas.openxmlformats.org/officeDocument/2006/math">
+                          <m:oMathParaPr>
+                            <m:jc m:val="centerGroup"/>
+                          </m:oMathParaPr>
+                          <m:oMath xmlns:m="http://schemas.openxmlformats.org/officeDocument/2006/math">
+                            <m:sSub>
+                              <m:sSubPr>
+                                <m:ctrlPr>
+                                  <a:rPr lang="en-US" sz="3500" i="1" smtClean="0">
+                                    <a:solidFill>
+                                      <a:schemeClr val="tx1"/>
+                                    </a:solidFill>
+                                    <a:latin typeface="Cambria Math" panose="02040503050406030204" pitchFamily="18" charset="0"/>
+                                    <a:ea typeface="Cambria" panose="02040503050406030204" pitchFamily="18" charset="0"/>
+                                  </a:rPr>
+                                </m:ctrlPr>
+                              </m:sSubPr>
+                              <m:e>
+                                <m:r>
+                                  <a:rPr lang="en-US" sz="3500" b="0" i="1" smtClean="0">
+                                    <a:solidFill>
+                                      <a:schemeClr val="tx1"/>
+                                    </a:solidFill>
+                                    <a:latin typeface="Cambria Math" panose="02040503050406030204" pitchFamily="18" charset="0"/>
+                                    <a:ea typeface="Cambria" panose="02040503050406030204" pitchFamily="18" charset="0"/>
+                                  </a:rPr>
+                                  <m:t>𝑟</m:t>
+                                </m:r>
+                              </m:e>
+                              <m:sub>
+                                <m:r>
+                                  <a:rPr lang="en-US" sz="3500" b="0" i="1" smtClean="0">
+                                    <a:solidFill>
+                                      <a:schemeClr val="tx1"/>
+                                    </a:solidFill>
+                                    <a:latin typeface="Cambria Math" panose="02040503050406030204" pitchFamily="18" charset="0"/>
+                                    <a:ea typeface="Cambria" panose="02040503050406030204" pitchFamily="18" charset="0"/>
+                                  </a:rPr>
+                                  <m:t>3</m:t>
+                                </m:r>
+                              </m:sub>
+                            </m:sSub>
+                          </m:oMath>
+                        </m:oMathPara>
+                      </a14:m>
+                      <a:endParaRPr lang="en-US" sz="3500" dirty="0">
+                        <a:solidFill>
+                          <a:schemeClr val="tx1"/>
+                        </a:solidFill>
+                        <a:latin typeface="Cambria" panose="02040503050406030204" pitchFamily="18" charset="0"/>
+                        <a:ea typeface="Cambria" panose="02040503050406030204" pitchFamily="18" charset="0"/>
+                      </a:endParaRPr>
+                    </a:p>
+                  </p:txBody>
+                </p:sp>
+              </mc:Choice>
+              <mc:Fallback xmlns="">
+                <p:sp>
+                  <p:nvSpPr>
+                    <p:cNvPr id="64" name="TextBox 63">
+                      <a:extLst>
+                        <a:ext uri="{FF2B5EF4-FFF2-40B4-BE49-F238E27FC236}">
+                          <a16:creationId xmlns:a16="http://schemas.microsoft.com/office/drawing/2014/main" id="{6C899C02-07C1-4977-8A5A-271F6CBAEA9B}"/>
+                        </a:ext>
+                      </a:extLst>
+                    </p:cNvPr>
+                    <p:cNvSpPr txBox="1">
+                      <a:spLocks noRot="1" noChangeAspect="1" noMove="1" noResize="1" noEditPoints="1" noAdjustHandles="1" noChangeArrowheads="1" noChangeShapeType="1" noTextEdit="1"/>
+                    </p:cNvSpPr>
+                    <p:nvPr/>
+                  </p:nvSpPr>
+                  <p:spPr>
+                    <a:xfrm>
+                      <a:off x="3723888" y="31153584"/>
+                      <a:ext cx="646053" cy="445284"/>
+                    </a:xfrm>
+                    <a:prstGeom prst="rect">
+                      <a:avLst/>
+                    </a:prstGeom>
+                    <a:blipFill>
+                      <a:blip r:embed="rId14"/>
+                      <a:stretch>
+                        <a:fillRect b="-17568"/>
+                      </a:stretch>
+                    </a:blipFill>
+                  </p:spPr>
+                  <p:txBody>
+                    <a:bodyPr/>
+                    <a:lstStyle/>
+                    <a:p>
+                      <a:r>
+                        <a:rPr lang="en-US">
+                          <a:noFill/>
+                        </a:rPr>
+                        <a:t> </a:t>
+                      </a:r>
+                    </a:p>
+                  </p:txBody>
+                </p:sp>
+              </mc:Fallback>
+            </mc:AlternateContent>
+            <mc:AlternateContent xmlns:mc="http://schemas.openxmlformats.org/markup-compatibility/2006" xmlns:a14="http://schemas.microsoft.com/office/drawing/2010/main">
+              <mc:Choice Requires="a14">
+                <p:sp>
+                  <p:nvSpPr>
+                    <p:cNvPr id="65" name="TextBox 64">
+                      <a:extLst>
+                        <a:ext uri="{FF2B5EF4-FFF2-40B4-BE49-F238E27FC236}">
+                          <a16:creationId xmlns:a16="http://schemas.microsoft.com/office/drawing/2014/main" id="{2380B307-1573-1CFC-AE00-0397754DFB83}"/>
+                        </a:ext>
+                      </a:extLst>
+                    </p:cNvPr>
+                    <p:cNvSpPr txBox="1"/>
+                    <p:nvPr/>
+                  </p:nvSpPr>
+                  <p:spPr>
+                    <a:xfrm>
+                      <a:off x="6447493" y="31183564"/>
+                      <a:ext cx="646053" cy="445284"/>
+                    </a:xfrm>
+                    <a:prstGeom prst="rect">
+                      <a:avLst/>
+                    </a:prstGeom>
+                    <a:noFill/>
+                  </p:spPr>
+                  <p:txBody>
+                    <a:bodyPr wrap="square" lIns="0" tIns="0" rIns="0" bIns="0" rtlCol="0">
+                      <a:spAutoFit/>
+                    </a:bodyPr>
+                    <a:lstStyle/>
+                    <a:p>
+                      <a:pPr algn="ctr"/>
+                      <a14:m>
+                        <m:oMathPara xmlns:m="http://schemas.openxmlformats.org/officeDocument/2006/math">
+                          <m:oMathParaPr>
+                            <m:jc m:val="centerGroup"/>
+                          </m:oMathParaPr>
+                          <m:oMath xmlns:m="http://schemas.openxmlformats.org/officeDocument/2006/math">
+                            <m:sSub>
+                              <m:sSubPr>
+                                <m:ctrlPr>
+                                  <a:rPr lang="en-US" sz="3500" i="1" smtClean="0">
+                                    <a:solidFill>
+                                      <a:schemeClr val="tx1"/>
+                                    </a:solidFill>
+                                    <a:latin typeface="Cambria Math" panose="02040503050406030204" pitchFamily="18" charset="0"/>
+                                    <a:ea typeface="Cambria" panose="02040503050406030204" pitchFamily="18" charset="0"/>
+                                  </a:rPr>
+                                </m:ctrlPr>
+                              </m:sSubPr>
+                              <m:e>
+                                <m:r>
+                                  <a:rPr lang="en-US" sz="3500" b="0" i="1" smtClean="0">
+                                    <a:solidFill>
+                                      <a:schemeClr val="tx1"/>
+                                    </a:solidFill>
+                                    <a:latin typeface="Cambria Math" panose="02040503050406030204" pitchFamily="18" charset="0"/>
+                                    <a:ea typeface="Cambria" panose="02040503050406030204" pitchFamily="18" charset="0"/>
+                                  </a:rPr>
+                                  <m:t>𝑟</m:t>
+                                </m:r>
+                              </m:e>
+                              <m:sub>
+                                <m:r>
+                                  <a:rPr lang="en-US" sz="3500" b="0" i="1" smtClean="0">
+                                    <a:solidFill>
+                                      <a:schemeClr val="tx1"/>
+                                    </a:solidFill>
+                                    <a:latin typeface="Cambria Math" panose="02040503050406030204" pitchFamily="18" charset="0"/>
+                                    <a:ea typeface="Cambria" panose="02040503050406030204" pitchFamily="18" charset="0"/>
+                                  </a:rPr>
+                                  <m:t>4</m:t>
+                                </m:r>
+                              </m:sub>
+                            </m:sSub>
+                          </m:oMath>
+                        </m:oMathPara>
+                      </a14:m>
+                      <a:endParaRPr lang="en-US" sz="3500" dirty="0">
+                        <a:solidFill>
+                          <a:schemeClr val="tx1"/>
+                        </a:solidFill>
+                        <a:latin typeface="Cambria" panose="02040503050406030204" pitchFamily="18" charset="0"/>
+                        <a:ea typeface="Cambria" panose="02040503050406030204" pitchFamily="18" charset="0"/>
+                      </a:endParaRPr>
+                    </a:p>
+                  </p:txBody>
+                </p:sp>
+              </mc:Choice>
+              <mc:Fallback xmlns="">
+                <p:sp>
+                  <p:nvSpPr>
+                    <p:cNvPr id="65" name="TextBox 64">
+                      <a:extLst>
+                        <a:ext uri="{FF2B5EF4-FFF2-40B4-BE49-F238E27FC236}">
+                          <a16:creationId xmlns:a16="http://schemas.microsoft.com/office/drawing/2014/main" id="{2380B307-1573-1CFC-AE00-0397754DFB83}"/>
+                        </a:ext>
+                      </a:extLst>
+                    </p:cNvPr>
+                    <p:cNvSpPr txBox="1">
+                      <a:spLocks noRot="1" noChangeAspect="1" noMove="1" noResize="1" noEditPoints="1" noAdjustHandles="1" noChangeArrowheads="1" noChangeShapeType="1" noTextEdit="1"/>
+                    </p:cNvSpPr>
+                    <p:nvPr/>
+                  </p:nvSpPr>
+                  <p:spPr>
+                    <a:xfrm>
+                      <a:off x="6447493" y="31183564"/>
+                      <a:ext cx="646053" cy="445284"/>
+                    </a:xfrm>
+                    <a:prstGeom prst="rect">
+                      <a:avLst/>
+                    </a:prstGeom>
+                    <a:blipFill>
+                      <a:blip r:embed="rId15"/>
+                      <a:stretch>
+                        <a:fillRect b="-19178"/>
+                      </a:stretch>
+                    </a:blipFill>
+                  </p:spPr>
+                  <p:txBody>
+                    <a:bodyPr/>
+                    <a:lstStyle/>
+                    <a:p>
+                      <a:r>
+                        <a:rPr lang="en-US">
+                          <a:noFill/>
+                        </a:rPr>
+                        <a:t> </a:t>
+                      </a:r>
+                    </a:p>
+                  </p:txBody>
+                </p:sp>
+              </mc:Fallback>
+            </mc:AlternateContent>
+            <mc:AlternateContent xmlns:mc="http://schemas.openxmlformats.org/markup-compatibility/2006" xmlns:a14="http://schemas.microsoft.com/office/drawing/2010/main">
+              <mc:Choice Requires="a14">
+                <p:sp>
+                  <p:nvSpPr>
+                    <p:cNvPr id="66" name="TextBox 65">
+                      <a:extLst>
+                        <a:ext uri="{FF2B5EF4-FFF2-40B4-BE49-F238E27FC236}">
+                          <a16:creationId xmlns:a16="http://schemas.microsoft.com/office/drawing/2014/main" id="{D1551B19-F02E-ED86-0104-10EC96C912E9}"/>
+                        </a:ext>
+                      </a:extLst>
+                    </p:cNvPr>
+                    <p:cNvSpPr txBox="1"/>
+                    <p:nvPr/>
+                  </p:nvSpPr>
+                  <p:spPr>
+                    <a:xfrm>
+                      <a:off x="7448330" y="28628427"/>
+                      <a:ext cx="455414" cy="445284"/>
+                    </a:xfrm>
+                    <a:prstGeom prst="rect">
+                      <a:avLst/>
+                    </a:prstGeom>
+                    <a:noFill/>
+                  </p:spPr>
+                  <p:txBody>
+                    <a:bodyPr wrap="square" lIns="0" tIns="0" rIns="0" bIns="0" rtlCol="0">
+                      <a:spAutoFit/>
+                    </a:bodyPr>
+                    <a:lstStyle/>
+                    <a:p>
+                      <a:pPr algn="ctr"/>
+                      <a14:m>
+                        <m:oMathPara xmlns:m="http://schemas.openxmlformats.org/officeDocument/2006/math">
+                          <m:oMathParaPr>
+                            <m:jc m:val="centerGroup"/>
+                          </m:oMathParaPr>
+                          <m:oMath xmlns:m="http://schemas.openxmlformats.org/officeDocument/2006/math">
+                            <m:sSub>
+                              <m:sSubPr>
+                                <m:ctrlPr>
+                                  <a:rPr lang="en-US" sz="3500" i="1" smtClean="0">
+                                    <a:solidFill>
+                                      <a:schemeClr val="tx1"/>
+                                    </a:solidFill>
+                                    <a:latin typeface="Cambria Math" panose="02040503050406030204" pitchFamily="18" charset="0"/>
+                                    <a:ea typeface="Cambria" panose="02040503050406030204" pitchFamily="18" charset="0"/>
+                                  </a:rPr>
+                                </m:ctrlPr>
+                              </m:sSubPr>
+                              <m:e>
+                                <m:r>
+                                  <a:rPr lang="en-US" sz="3500" b="0" i="1" smtClean="0">
+                                    <a:solidFill>
+                                      <a:schemeClr val="tx1"/>
+                                    </a:solidFill>
+                                    <a:latin typeface="Cambria Math" panose="02040503050406030204" pitchFamily="18" charset="0"/>
+                                    <a:ea typeface="Cambria" panose="02040503050406030204" pitchFamily="18" charset="0"/>
+                                  </a:rPr>
+                                  <m:t>𝑟</m:t>
+                                </m:r>
+                              </m:e>
+                              <m:sub>
+                                <m:r>
+                                  <a:rPr lang="en-US" sz="3500" b="0" i="1" smtClean="0">
+                                    <a:solidFill>
+                                      <a:schemeClr val="tx1"/>
+                                    </a:solidFill>
+                                    <a:latin typeface="Cambria Math" panose="02040503050406030204" pitchFamily="18" charset="0"/>
+                                    <a:ea typeface="Cambria" panose="02040503050406030204" pitchFamily="18" charset="0"/>
+                                  </a:rPr>
+                                  <m:t>5</m:t>
+                                </m:r>
+                              </m:sub>
+                            </m:sSub>
+                          </m:oMath>
+                        </m:oMathPara>
+                      </a14:m>
+                      <a:endParaRPr lang="en-US" sz="3500" dirty="0">
+                        <a:solidFill>
+                          <a:schemeClr val="tx1"/>
+                        </a:solidFill>
+                        <a:latin typeface="Cambria" panose="02040503050406030204" pitchFamily="18" charset="0"/>
+                        <a:ea typeface="Cambria" panose="02040503050406030204" pitchFamily="18" charset="0"/>
+                      </a:endParaRPr>
+                    </a:p>
+                  </p:txBody>
+                </p:sp>
+              </mc:Choice>
+              <mc:Fallback xmlns="">
+                <p:sp>
+                  <p:nvSpPr>
+                    <p:cNvPr id="66" name="TextBox 65">
+                      <a:extLst>
+                        <a:ext uri="{FF2B5EF4-FFF2-40B4-BE49-F238E27FC236}">
+                          <a16:creationId xmlns:a16="http://schemas.microsoft.com/office/drawing/2014/main" id="{D1551B19-F02E-ED86-0104-10EC96C912E9}"/>
+                        </a:ext>
+                      </a:extLst>
+                    </p:cNvPr>
+                    <p:cNvSpPr txBox="1">
+                      <a:spLocks noRot="1" noChangeAspect="1" noMove="1" noResize="1" noEditPoints="1" noAdjustHandles="1" noChangeArrowheads="1" noChangeShapeType="1" noTextEdit="1"/>
+                    </p:cNvSpPr>
+                    <p:nvPr/>
+                  </p:nvSpPr>
+                  <p:spPr>
+                    <a:xfrm>
+                      <a:off x="7448330" y="28628427"/>
+                      <a:ext cx="455414" cy="445284"/>
+                    </a:xfrm>
+                    <a:prstGeom prst="rect">
+                      <a:avLst/>
+                    </a:prstGeom>
+                    <a:blipFill>
+                      <a:blip r:embed="rId16"/>
+                      <a:stretch>
+                        <a:fillRect l="-1351" b="-19178"/>
+                      </a:stretch>
+                    </a:blipFill>
+                  </p:spPr>
+                  <p:txBody>
+                    <a:bodyPr/>
+                    <a:lstStyle/>
+                    <a:p>
+                      <a:r>
+                        <a:rPr lang="en-US">
+                          <a:noFill/>
+                        </a:rPr>
+                        <a:t> </a:t>
+                      </a:r>
+                    </a:p>
+                  </p:txBody>
+                </p:sp>
+              </mc:Fallback>
+            </mc:AlternateContent>
+          </p:grpSp>
+          <p:grpSp>
+            <p:nvGrpSpPr>
+              <p:cNvPr id="47" name="Group 46">
+                <a:extLst>
+                  <a:ext uri="{FF2B5EF4-FFF2-40B4-BE49-F238E27FC236}">
+                    <a16:creationId xmlns:a16="http://schemas.microsoft.com/office/drawing/2014/main" id="{08660012-B81C-DBFD-1A30-8BD9C4874689}"/>
+                  </a:ext>
+                </a:extLst>
+              </p:cNvPr>
+              <p:cNvGrpSpPr/>
+              <p:nvPr/>
+            </p:nvGrpSpPr>
+            <p:grpSpPr>
+              <a:xfrm>
+                <a:off x="6505637" y="27323101"/>
+                <a:ext cx="7542361" cy="5235272"/>
+                <a:chOff x="6505637" y="27230221"/>
+                <a:chExt cx="7542361" cy="5235272"/>
+              </a:xfrm>
+            </p:grpSpPr>
+            <p:pic>
+              <p:nvPicPr>
+                <p:cNvPr id="42" name="Picture 41" descr="A colorful graph with red dots">
+                  <a:extLst>
+                    <a:ext uri="{FF2B5EF4-FFF2-40B4-BE49-F238E27FC236}">
+                      <a16:creationId xmlns:a16="http://schemas.microsoft.com/office/drawing/2014/main" id="{C49D3B07-707F-FFB5-FF17-03FFBCF6A282}"/>
+                    </a:ext>
+                  </a:extLst>
+                </p:cNvPr>
+                <p:cNvPicPr>
+                  <a:picLocks noChangeAspect="1"/>
+                </p:cNvPicPr>
+                <p:nvPr/>
+              </p:nvPicPr>
+              <p:blipFill>
+                <a:blip r:embed="rId17"/>
+                <a:stretch>
+                  <a:fillRect/>
+                </a:stretch>
+              </p:blipFill>
+              <p:spPr>
+                <a:xfrm>
+                  <a:off x="8762784" y="27495593"/>
+                  <a:ext cx="5285214" cy="4622940"/>
+                </a:xfrm>
+                <a:prstGeom prst="rect">
+                  <a:avLst/>
+                </a:prstGeom>
+              </p:spPr>
+            </p:pic>
+            <p:sp>
+              <p:nvSpPr>
+                <p:cNvPr id="45" name="TextBox 44">
+                  <a:extLst>
+                    <a:ext uri="{FF2B5EF4-FFF2-40B4-BE49-F238E27FC236}">
+                      <a16:creationId xmlns:a16="http://schemas.microsoft.com/office/drawing/2014/main" id="{2CFFC752-7DB4-FB51-BD5D-324139516525}"/>
+                    </a:ext>
+                  </a:extLst>
+                </p:cNvPr>
+                <p:cNvSpPr txBox="1"/>
+                <p:nvPr/>
+              </p:nvSpPr>
+              <p:spPr>
+                <a:xfrm>
+                  <a:off x="6505637" y="27230221"/>
+                  <a:ext cx="2505593" cy="923330"/>
+                </a:xfrm>
+                <a:prstGeom prst="rect">
+                  <a:avLst/>
+                </a:prstGeom>
+                <a:noFill/>
+              </p:spPr>
+              <p:txBody>
+                <a:bodyPr wrap="square" rtlCol="0">
+                  <a:spAutoFit/>
+                </a:bodyPr>
+                <a:lstStyle/>
+                <a:p>
+                  <a:pPr algn="ctr"/>
+                  <a:r>
+                    <a:rPr lang="en-US" sz="2700" dirty="0">
+                      <a:latin typeface="Söhne"/>
+                    </a:rPr>
+                    <a:t>Randomly Initialized State</a:t>
+                  </a:r>
+                  <a:endParaRPr lang="en-US" sz="2700" b="0" i="0" dirty="0">
+                    <a:effectLst/>
+                    <a:latin typeface="Söhne"/>
+                  </a:endParaRPr>
+                </a:p>
+              </p:txBody>
+            </p:sp>
+            <p:sp>
+              <p:nvSpPr>
+                <p:cNvPr id="46" name="TextBox 45">
+                  <a:extLst>
+                    <a:ext uri="{FF2B5EF4-FFF2-40B4-BE49-F238E27FC236}">
+                      <a16:creationId xmlns:a16="http://schemas.microsoft.com/office/drawing/2014/main" id="{CF35FA97-7180-0503-4124-3F2AC9B4CCA2}"/>
+                    </a:ext>
+                  </a:extLst>
+                </p:cNvPr>
+                <p:cNvSpPr txBox="1"/>
+                <p:nvPr/>
+              </p:nvSpPr>
+              <p:spPr>
+                <a:xfrm>
+                  <a:off x="8762784" y="31957662"/>
+                  <a:ext cx="2901505" cy="507831"/>
+                </a:xfrm>
+                <a:prstGeom prst="rect">
+                  <a:avLst/>
+                </a:prstGeom>
+                <a:noFill/>
+              </p:spPr>
+              <p:txBody>
+                <a:bodyPr wrap="square" rtlCol="0">
+                  <a:spAutoFit/>
+                </a:bodyPr>
+                <a:lstStyle/>
+                <a:p>
+                  <a:pPr algn="ctr"/>
+                  <a:r>
+                    <a:rPr lang="en-US" sz="2700" dirty="0">
+                      <a:latin typeface="Söhne"/>
+                    </a:rPr>
+                    <a:t>Final Stable State</a:t>
+                  </a:r>
+                </a:p>
+              </p:txBody>
+            </p:sp>
+          </p:grpSp>
         </p:grpSp>
       </p:grpSp>
-      <p:sp>
-        <p:nvSpPr>
-          <p:cNvPr id="2" name="TextBox 1">
+      <p:grpSp>
+        <p:nvGrpSpPr>
+          <p:cNvPr id="98" name="Group 97">
             <a:extLst>
               <a:ext uri="{FF2B5EF4-FFF2-40B4-BE49-F238E27FC236}">
-                <a16:creationId xmlns:a16="http://schemas.microsoft.com/office/drawing/2014/main" id="{94609B7C-ED16-01C6-7FEB-04D80F9DD017}"/>
-              </a:ext>
-            </a:extLst>
-          </p:cNvPr>
-          <p:cNvSpPr txBox="1"/>
-          <p:nvPr/>
-        </p:nvSpPr>
-        <p:spPr>
-          <a:xfrm>
-            <a:off x="23247897" y="24351482"/>
-            <a:ext cx="4175962" cy="707886"/>
-          </a:xfrm>
-          <a:prstGeom prst="rect">
-            <a:avLst/>
-          </a:prstGeom>
-          <a:noFill/>
-        </p:spPr>
-        <p:txBody>
-          <a:bodyPr wrap="square" rtlCol="0">
-            <a:spAutoFit/>
-          </a:bodyPr>
-          <a:lstStyle/>
-          <a:p>
-            <a:r>
-              <a:rPr lang="en-US" sz="4000" b="0" i="0" u="sng" dirty="0">
-                <a:effectLst/>
-                <a:latin typeface="Söhne"/>
-              </a:rPr>
-              <a:t>Magnitude Pruning</a:t>
-            </a:r>
-          </a:p>
-        </p:txBody>
-      </p:sp>
-      <p:grpSp>
-        <p:nvGrpSpPr>
-          <p:cNvPr id="48" name="Group 47">
-            <a:extLst>
-              <a:ext uri="{FF2B5EF4-FFF2-40B4-BE49-F238E27FC236}">
-                <a16:creationId xmlns:a16="http://schemas.microsoft.com/office/drawing/2014/main" id="{3FB3A1E9-268B-F82A-BF03-A5CC6A126B11}"/>
+                <a16:creationId xmlns:a16="http://schemas.microsoft.com/office/drawing/2014/main" id="{B92F5CAE-FE74-DD04-BC88-EC68F9EBC62E}"/>
               </a:ext>
             </a:extLst>
           </p:cNvPr>
@@ -5878,18 +6455,18 @@
         </p:nvGrpSpPr>
         <p:grpSpPr>
           <a:xfrm>
-            <a:off x="1399708" y="27323101"/>
-            <a:ext cx="12648290" cy="5219884"/>
-            <a:chOff x="1399708" y="27323101"/>
-            <a:chExt cx="12648290" cy="5219884"/>
+            <a:off x="15480672" y="7020639"/>
+            <a:ext cx="12929855" cy="29329824"/>
+            <a:chOff x="15580965" y="7042482"/>
+            <a:chExt cx="12929855" cy="29329824"/>
           </a:xfrm>
         </p:grpSpPr>
         <p:grpSp>
           <p:nvGrpSpPr>
-            <p:cNvPr id="75" name="Group 74">
+            <p:cNvPr id="96" name="Group 95">
               <a:extLst>
                 <a:ext uri="{FF2B5EF4-FFF2-40B4-BE49-F238E27FC236}">
-                  <a16:creationId xmlns:a16="http://schemas.microsoft.com/office/drawing/2014/main" id="{351336EB-D767-2D72-EB75-57E938EDD067}"/>
+                  <a16:creationId xmlns:a16="http://schemas.microsoft.com/office/drawing/2014/main" id="{74C7E268-7FBC-DB14-6198-66EA35A0B117}"/>
                 </a:ext>
               </a:extLst>
             </p:cNvPr>
@@ -5898,770 +6475,18 @@
           </p:nvGrpSpPr>
           <p:grpSpPr>
             <a:xfrm>
-              <a:off x="1399708" y="27330687"/>
-              <a:ext cx="5409361" cy="5205105"/>
-              <a:chOff x="2693897" y="26811022"/>
-              <a:chExt cx="5409361" cy="5205105"/>
+              <a:off x="15580965" y="7042482"/>
+              <a:ext cx="12929855" cy="17037967"/>
+              <a:chOff x="15580965" y="7042482"/>
+              <a:chExt cx="12929855" cy="17037967"/>
             </a:xfrm>
           </p:grpSpPr>
-          <p:pic>
-            <p:nvPicPr>
-              <p:cNvPr id="62" name="Graphic 61">
+          <p:sp>
+            <p:nvSpPr>
+              <p:cNvPr id="22" name="TextBox 21">
                 <a:extLst>
                   <a:ext uri="{FF2B5EF4-FFF2-40B4-BE49-F238E27FC236}">
-                    <a16:creationId xmlns:a16="http://schemas.microsoft.com/office/drawing/2014/main" id="{4A92EC2B-C0B1-4491-AB4D-5D2BF9A76ED5}"/>
-                  </a:ext>
-                </a:extLst>
-              </p:cNvPr>
-              <p:cNvPicPr>
-                <a:picLocks noChangeAspect="1"/>
-              </p:cNvPicPr>
-              <p:nvPr/>
-            </p:nvPicPr>
-            <p:blipFill>
-              <a:blip r:embed="rId10">
-                <a:extLst>
-                  <a:ext uri="{96DAC541-7B7A-43D3-8B79-37D633B846F1}">
-                    <asvg:svgBlip xmlns:asvg="http://schemas.microsoft.com/office/drawing/2016/SVG/main" r:embed="rId11"/>
-                  </a:ext>
-                </a:extLst>
-              </a:blip>
-              <a:stretch>
-                <a:fillRect/>
-              </a:stretch>
-            </p:blipFill>
-            <p:spPr>
-              <a:xfrm>
-                <a:off x="2693897" y="26811022"/>
-                <a:ext cx="5409361" cy="5205105"/>
-              </a:xfrm>
-              <a:prstGeom prst="rect">
-                <a:avLst/>
-              </a:prstGeom>
-            </p:spPr>
-          </p:pic>
-          <mc:AlternateContent xmlns:mc="http://schemas.openxmlformats.org/markup-compatibility/2006" xmlns:a14="http://schemas.microsoft.com/office/drawing/2010/main">
-            <mc:Choice Requires="a14">
-              <p:sp>
-                <p:nvSpPr>
-                  <p:cNvPr id="58" name="TextBox 57">
-                    <a:extLst>
-                      <a:ext uri="{FF2B5EF4-FFF2-40B4-BE49-F238E27FC236}">
-                        <a16:creationId xmlns:a16="http://schemas.microsoft.com/office/drawing/2014/main" id="{7A3ACF50-76FF-88E1-C307-7811C783BA08}"/>
-                      </a:ext>
-                    </a:extLst>
-                  </p:cNvPr>
-                  <p:cNvSpPr txBox="1"/>
-                  <p:nvPr/>
-                </p:nvSpPr>
-                <p:spPr>
-                  <a:xfrm>
-                    <a:off x="5328890" y="27014656"/>
-                    <a:ext cx="381277" cy="445284"/>
-                  </a:xfrm>
-                  <a:prstGeom prst="rect">
-                    <a:avLst/>
-                  </a:prstGeom>
-                  <a:noFill/>
-                </p:spPr>
-                <p:txBody>
-                  <a:bodyPr wrap="square" lIns="0" tIns="0" rIns="0" bIns="0" rtlCol="0">
-                    <a:spAutoFit/>
-                  </a:bodyPr>
-                  <a:lstStyle/>
-                  <a:p>
-                    <a:pPr algn="ctr"/>
-                    <a14:m>
-                      <m:oMathPara xmlns:m="http://schemas.openxmlformats.org/officeDocument/2006/math">
-                        <m:oMathParaPr>
-                          <m:jc m:val="centerGroup"/>
-                        </m:oMathParaPr>
-                        <m:oMath xmlns:m="http://schemas.openxmlformats.org/officeDocument/2006/math">
-                          <m:sSub>
-                            <m:sSubPr>
-                              <m:ctrlPr>
-                                <a:rPr lang="en-US" sz="3500" i="1" smtClean="0">
-                                  <a:solidFill>
-                                    <a:schemeClr val="tx1"/>
-                                  </a:solidFill>
-                                  <a:latin typeface="Cambria Math" panose="02040503050406030204" pitchFamily="18" charset="0"/>
-                                  <a:ea typeface="Cambria" panose="02040503050406030204" pitchFamily="18" charset="0"/>
-                                </a:rPr>
-                              </m:ctrlPr>
-                            </m:sSubPr>
-                            <m:e>
-                              <m:r>
-                                <a:rPr lang="en-US" sz="3500" b="0" i="1" smtClean="0">
-                                  <a:solidFill>
-                                    <a:schemeClr val="tx1"/>
-                                  </a:solidFill>
-                                  <a:latin typeface="Cambria Math" panose="02040503050406030204" pitchFamily="18" charset="0"/>
-                                  <a:ea typeface="Cambria" panose="02040503050406030204" pitchFamily="18" charset="0"/>
-                                </a:rPr>
-                                <m:t>𝑟</m:t>
-                              </m:r>
-                            </m:e>
-                            <m:sub>
-                              <m:r>
-                                <a:rPr lang="en-US" sz="3500" b="0" i="1" smtClean="0">
-                                  <a:solidFill>
-                                    <a:schemeClr val="tx1"/>
-                                  </a:solidFill>
-                                  <a:latin typeface="Cambria Math" panose="02040503050406030204" pitchFamily="18" charset="0"/>
-                                  <a:ea typeface="Cambria" panose="02040503050406030204" pitchFamily="18" charset="0"/>
-                                </a:rPr>
-                                <m:t>1</m:t>
-                              </m:r>
-                            </m:sub>
-                          </m:sSub>
-                        </m:oMath>
-                      </m:oMathPara>
-                    </a14:m>
-                    <a:endParaRPr lang="en-US" sz="3500" dirty="0">
-                      <a:solidFill>
-                        <a:schemeClr val="tx1"/>
-                      </a:solidFill>
-                      <a:latin typeface="Cambria" panose="02040503050406030204" pitchFamily="18" charset="0"/>
-                      <a:ea typeface="Cambria" panose="02040503050406030204" pitchFamily="18" charset="0"/>
-                    </a:endParaRPr>
-                  </a:p>
-                </p:txBody>
-              </p:sp>
-            </mc:Choice>
-            <mc:Fallback xmlns="">
-              <p:sp>
-                <p:nvSpPr>
-                  <p:cNvPr id="58" name="TextBox 57">
-                    <a:extLst>
-                      <a:ext uri="{FF2B5EF4-FFF2-40B4-BE49-F238E27FC236}">
-                        <a16:creationId xmlns:a16="http://schemas.microsoft.com/office/drawing/2014/main" id="{7A3ACF50-76FF-88E1-C307-7811C783BA08}"/>
-                      </a:ext>
-                    </a:extLst>
-                  </p:cNvPr>
-                  <p:cNvSpPr txBox="1">
-                    <a:spLocks noRot="1" noChangeAspect="1" noMove="1" noResize="1" noEditPoints="1" noAdjustHandles="1" noChangeArrowheads="1" noChangeShapeType="1" noTextEdit="1"/>
-                  </p:cNvSpPr>
-                  <p:nvPr/>
-                </p:nvSpPr>
-                <p:spPr>
-                  <a:xfrm>
-                    <a:off x="5328890" y="27014656"/>
-                    <a:ext cx="381277" cy="445284"/>
-                  </a:xfrm>
-                  <a:prstGeom prst="rect">
-                    <a:avLst/>
-                  </a:prstGeom>
-                  <a:blipFill>
-                    <a:blip r:embed="rId12"/>
-                    <a:stretch>
-                      <a:fillRect l="-9677" b="-17568"/>
-                    </a:stretch>
-                  </a:blipFill>
-                </p:spPr>
-                <p:txBody>
-                  <a:bodyPr/>
-                  <a:lstStyle/>
-                  <a:p>
-                    <a:r>
-                      <a:rPr lang="en-US">
-                        <a:noFill/>
-                      </a:rPr>
-                      <a:t> </a:t>
-                    </a:r>
-                  </a:p>
-                </p:txBody>
-              </p:sp>
-            </mc:Fallback>
-          </mc:AlternateContent>
-          <mc:AlternateContent xmlns:mc="http://schemas.openxmlformats.org/markup-compatibility/2006" xmlns:a14="http://schemas.microsoft.com/office/drawing/2010/main">
-            <mc:Choice Requires="a14">
-              <p:sp>
-                <p:nvSpPr>
-                  <p:cNvPr id="63" name="TextBox 62">
-                    <a:extLst>
-                      <a:ext uri="{FF2B5EF4-FFF2-40B4-BE49-F238E27FC236}">
-                        <a16:creationId xmlns:a16="http://schemas.microsoft.com/office/drawing/2014/main" id="{73AE35D4-D180-27EE-7F77-4A029354D8A7}"/>
-                      </a:ext>
-                    </a:extLst>
-                  </p:cNvPr>
-                  <p:cNvSpPr txBox="1"/>
-                  <p:nvPr/>
-                </p:nvSpPr>
-                <p:spPr>
-                  <a:xfrm>
-                    <a:off x="3099301" y="28539653"/>
-                    <a:ext cx="402936" cy="445284"/>
-                  </a:xfrm>
-                  <a:prstGeom prst="rect">
-                    <a:avLst/>
-                  </a:prstGeom>
-                  <a:noFill/>
-                </p:spPr>
-                <p:txBody>
-                  <a:bodyPr wrap="square" lIns="0" tIns="0" rIns="0" bIns="0" rtlCol="0">
-                    <a:spAutoFit/>
-                  </a:bodyPr>
-                  <a:lstStyle/>
-                  <a:p>
-                    <a:pPr algn="ctr"/>
-                    <a14:m>
-                      <m:oMathPara xmlns:m="http://schemas.openxmlformats.org/officeDocument/2006/math">
-                        <m:oMathParaPr>
-                          <m:jc m:val="centerGroup"/>
-                        </m:oMathParaPr>
-                        <m:oMath xmlns:m="http://schemas.openxmlformats.org/officeDocument/2006/math">
-                          <m:sSub>
-                            <m:sSubPr>
-                              <m:ctrlPr>
-                                <a:rPr lang="en-US" sz="3500" i="1" smtClean="0">
-                                  <a:solidFill>
-                                    <a:schemeClr val="tx1"/>
-                                  </a:solidFill>
-                                  <a:latin typeface="Cambria Math" panose="02040503050406030204" pitchFamily="18" charset="0"/>
-                                  <a:ea typeface="Cambria" panose="02040503050406030204" pitchFamily="18" charset="0"/>
-                                </a:rPr>
-                              </m:ctrlPr>
-                            </m:sSubPr>
-                            <m:e>
-                              <m:r>
-                                <a:rPr lang="en-US" sz="3500" b="0" i="1" smtClean="0">
-                                  <a:solidFill>
-                                    <a:schemeClr val="tx1"/>
-                                  </a:solidFill>
-                                  <a:latin typeface="Cambria Math" panose="02040503050406030204" pitchFamily="18" charset="0"/>
-                                  <a:ea typeface="Cambria" panose="02040503050406030204" pitchFamily="18" charset="0"/>
-                                </a:rPr>
-                                <m:t>𝑟</m:t>
-                              </m:r>
-                            </m:e>
-                            <m:sub>
-                              <m:r>
-                                <a:rPr lang="en-US" sz="3500" b="0" i="1" smtClean="0">
-                                  <a:solidFill>
-                                    <a:schemeClr val="tx1"/>
-                                  </a:solidFill>
-                                  <a:latin typeface="Cambria Math" panose="02040503050406030204" pitchFamily="18" charset="0"/>
-                                  <a:ea typeface="Cambria" panose="02040503050406030204" pitchFamily="18" charset="0"/>
-                                </a:rPr>
-                                <m:t>2</m:t>
-                              </m:r>
-                            </m:sub>
-                          </m:sSub>
-                        </m:oMath>
-                      </m:oMathPara>
-                    </a14:m>
-                    <a:endParaRPr lang="en-US" sz="3500" dirty="0">
-                      <a:solidFill>
-                        <a:schemeClr val="tx1"/>
-                      </a:solidFill>
-                      <a:latin typeface="Cambria" panose="02040503050406030204" pitchFamily="18" charset="0"/>
-                      <a:ea typeface="Cambria" panose="02040503050406030204" pitchFamily="18" charset="0"/>
-                    </a:endParaRPr>
-                  </a:p>
-                </p:txBody>
-              </p:sp>
-            </mc:Choice>
-            <mc:Fallback xmlns="">
-              <p:sp>
-                <p:nvSpPr>
-                  <p:cNvPr id="63" name="TextBox 62">
-                    <a:extLst>
-                      <a:ext uri="{FF2B5EF4-FFF2-40B4-BE49-F238E27FC236}">
-                        <a16:creationId xmlns:a16="http://schemas.microsoft.com/office/drawing/2014/main" id="{73AE35D4-D180-27EE-7F77-4A029354D8A7}"/>
-                      </a:ext>
-                    </a:extLst>
-                  </p:cNvPr>
-                  <p:cNvSpPr txBox="1">
-                    <a:spLocks noRot="1" noChangeAspect="1" noMove="1" noResize="1" noEditPoints="1" noAdjustHandles="1" noChangeArrowheads="1" noChangeShapeType="1" noTextEdit="1"/>
-                  </p:cNvSpPr>
-                  <p:nvPr/>
-                </p:nvSpPr>
-                <p:spPr>
-                  <a:xfrm>
-                    <a:off x="3099301" y="28539653"/>
-                    <a:ext cx="402936" cy="445284"/>
-                  </a:xfrm>
-                  <a:prstGeom prst="rect">
-                    <a:avLst/>
-                  </a:prstGeom>
-                  <a:blipFill>
-                    <a:blip r:embed="rId13"/>
-                    <a:stretch>
-                      <a:fillRect l="-7576" b="-17808"/>
-                    </a:stretch>
-                  </a:blipFill>
-                </p:spPr>
-                <p:txBody>
-                  <a:bodyPr/>
-                  <a:lstStyle/>
-                  <a:p>
-                    <a:r>
-                      <a:rPr lang="en-US">
-                        <a:noFill/>
-                      </a:rPr>
-                      <a:t> </a:t>
-                    </a:r>
-                  </a:p>
-                </p:txBody>
-              </p:sp>
-            </mc:Fallback>
-          </mc:AlternateContent>
-          <mc:AlternateContent xmlns:mc="http://schemas.openxmlformats.org/markup-compatibility/2006" xmlns:a14="http://schemas.microsoft.com/office/drawing/2010/main">
-            <mc:Choice Requires="a14">
-              <p:sp>
-                <p:nvSpPr>
-                  <p:cNvPr id="64" name="TextBox 63">
-                    <a:extLst>
-                      <a:ext uri="{FF2B5EF4-FFF2-40B4-BE49-F238E27FC236}">
-                        <a16:creationId xmlns:a16="http://schemas.microsoft.com/office/drawing/2014/main" id="{6C899C02-07C1-4977-8A5A-271F6CBAEA9B}"/>
-                      </a:ext>
-                    </a:extLst>
-                  </p:cNvPr>
-                  <p:cNvSpPr txBox="1"/>
-                  <p:nvPr/>
-                </p:nvSpPr>
-                <p:spPr>
-                  <a:xfrm>
-                    <a:off x="3723888" y="31153584"/>
-                    <a:ext cx="646053" cy="445284"/>
-                  </a:xfrm>
-                  <a:prstGeom prst="rect">
-                    <a:avLst/>
-                  </a:prstGeom>
-                  <a:noFill/>
-                </p:spPr>
-                <p:txBody>
-                  <a:bodyPr wrap="square" lIns="0" tIns="0" rIns="0" bIns="0" rtlCol="0">
-                    <a:spAutoFit/>
-                  </a:bodyPr>
-                  <a:lstStyle/>
-                  <a:p>
-                    <a:pPr algn="ctr"/>
-                    <a14:m>
-                      <m:oMathPara xmlns:m="http://schemas.openxmlformats.org/officeDocument/2006/math">
-                        <m:oMathParaPr>
-                          <m:jc m:val="centerGroup"/>
-                        </m:oMathParaPr>
-                        <m:oMath xmlns:m="http://schemas.openxmlformats.org/officeDocument/2006/math">
-                          <m:sSub>
-                            <m:sSubPr>
-                              <m:ctrlPr>
-                                <a:rPr lang="en-US" sz="3500" i="1" smtClean="0">
-                                  <a:solidFill>
-                                    <a:schemeClr val="tx1"/>
-                                  </a:solidFill>
-                                  <a:latin typeface="Cambria Math" panose="02040503050406030204" pitchFamily="18" charset="0"/>
-                                  <a:ea typeface="Cambria" panose="02040503050406030204" pitchFamily="18" charset="0"/>
-                                </a:rPr>
-                              </m:ctrlPr>
-                            </m:sSubPr>
-                            <m:e>
-                              <m:r>
-                                <a:rPr lang="en-US" sz="3500" b="0" i="1" smtClean="0">
-                                  <a:solidFill>
-                                    <a:schemeClr val="tx1"/>
-                                  </a:solidFill>
-                                  <a:latin typeface="Cambria Math" panose="02040503050406030204" pitchFamily="18" charset="0"/>
-                                  <a:ea typeface="Cambria" panose="02040503050406030204" pitchFamily="18" charset="0"/>
-                                </a:rPr>
-                                <m:t>𝑟</m:t>
-                              </m:r>
-                            </m:e>
-                            <m:sub>
-                              <m:r>
-                                <a:rPr lang="en-US" sz="3500" b="0" i="1" smtClean="0">
-                                  <a:solidFill>
-                                    <a:schemeClr val="tx1"/>
-                                  </a:solidFill>
-                                  <a:latin typeface="Cambria Math" panose="02040503050406030204" pitchFamily="18" charset="0"/>
-                                  <a:ea typeface="Cambria" panose="02040503050406030204" pitchFamily="18" charset="0"/>
-                                </a:rPr>
-                                <m:t>3</m:t>
-                              </m:r>
-                            </m:sub>
-                          </m:sSub>
-                        </m:oMath>
-                      </m:oMathPara>
-                    </a14:m>
-                    <a:endParaRPr lang="en-US" sz="3500" dirty="0">
-                      <a:solidFill>
-                        <a:schemeClr val="tx1"/>
-                      </a:solidFill>
-                      <a:latin typeface="Cambria" panose="02040503050406030204" pitchFamily="18" charset="0"/>
-                      <a:ea typeface="Cambria" panose="02040503050406030204" pitchFamily="18" charset="0"/>
-                    </a:endParaRPr>
-                  </a:p>
-                </p:txBody>
-              </p:sp>
-            </mc:Choice>
-            <mc:Fallback xmlns="">
-              <p:sp>
-                <p:nvSpPr>
-                  <p:cNvPr id="64" name="TextBox 63">
-                    <a:extLst>
-                      <a:ext uri="{FF2B5EF4-FFF2-40B4-BE49-F238E27FC236}">
-                        <a16:creationId xmlns:a16="http://schemas.microsoft.com/office/drawing/2014/main" id="{6C899C02-07C1-4977-8A5A-271F6CBAEA9B}"/>
-                      </a:ext>
-                    </a:extLst>
-                  </p:cNvPr>
-                  <p:cNvSpPr txBox="1">
-                    <a:spLocks noRot="1" noChangeAspect="1" noMove="1" noResize="1" noEditPoints="1" noAdjustHandles="1" noChangeArrowheads="1" noChangeShapeType="1" noTextEdit="1"/>
-                  </p:cNvSpPr>
-                  <p:nvPr/>
-                </p:nvSpPr>
-                <p:spPr>
-                  <a:xfrm>
-                    <a:off x="3723888" y="31153584"/>
-                    <a:ext cx="646053" cy="445284"/>
-                  </a:xfrm>
-                  <a:prstGeom prst="rect">
-                    <a:avLst/>
-                  </a:prstGeom>
-                  <a:blipFill>
-                    <a:blip r:embed="rId14"/>
-                    <a:stretch>
-                      <a:fillRect b="-17568"/>
-                    </a:stretch>
-                  </a:blipFill>
-                </p:spPr>
-                <p:txBody>
-                  <a:bodyPr/>
-                  <a:lstStyle/>
-                  <a:p>
-                    <a:r>
-                      <a:rPr lang="en-US">
-                        <a:noFill/>
-                      </a:rPr>
-                      <a:t> </a:t>
-                    </a:r>
-                  </a:p>
-                </p:txBody>
-              </p:sp>
-            </mc:Fallback>
-          </mc:AlternateContent>
-          <mc:AlternateContent xmlns:mc="http://schemas.openxmlformats.org/markup-compatibility/2006" xmlns:a14="http://schemas.microsoft.com/office/drawing/2010/main">
-            <mc:Choice Requires="a14">
-              <p:sp>
-                <p:nvSpPr>
-                  <p:cNvPr id="65" name="TextBox 64">
-                    <a:extLst>
-                      <a:ext uri="{FF2B5EF4-FFF2-40B4-BE49-F238E27FC236}">
-                        <a16:creationId xmlns:a16="http://schemas.microsoft.com/office/drawing/2014/main" id="{2380B307-1573-1CFC-AE00-0397754DFB83}"/>
-                      </a:ext>
-                    </a:extLst>
-                  </p:cNvPr>
-                  <p:cNvSpPr txBox="1"/>
-                  <p:nvPr/>
-                </p:nvSpPr>
-                <p:spPr>
-                  <a:xfrm>
-                    <a:off x="6447493" y="31183564"/>
-                    <a:ext cx="646053" cy="445284"/>
-                  </a:xfrm>
-                  <a:prstGeom prst="rect">
-                    <a:avLst/>
-                  </a:prstGeom>
-                  <a:noFill/>
-                </p:spPr>
-                <p:txBody>
-                  <a:bodyPr wrap="square" lIns="0" tIns="0" rIns="0" bIns="0" rtlCol="0">
-                    <a:spAutoFit/>
-                  </a:bodyPr>
-                  <a:lstStyle/>
-                  <a:p>
-                    <a:pPr algn="ctr"/>
-                    <a14:m>
-                      <m:oMathPara xmlns:m="http://schemas.openxmlformats.org/officeDocument/2006/math">
-                        <m:oMathParaPr>
-                          <m:jc m:val="centerGroup"/>
-                        </m:oMathParaPr>
-                        <m:oMath xmlns:m="http://schemas.openxmlformats.org/officeDocument/2006/math">
-                          <m:sSub>
-                            <m:sSubPr>
-                              <m:ctrlPr>
-                                <a:rPr lang="en-US" sz="3500" i="1" smtClean="0">
-                                  <a:solidFill>
-                                    <a:schemeClr val="tx1"/>
-                                  </a:solidFill>
-                                  <a:latin typeface="Cambria Math" panose="02040503050406030204" pitchFamily="18" charset="0"/>
-                                  <a:ea typeface="Cambria" panose="02040503050406030204" pitchFamily="18" charset="0"/>
-                                </a:rPr>
-                              </m:ctrlPr>
-                            </m:sSubPr>
-                            <m:e>
-                              <m:r>
-                                <a:rPr lang="en-US" sz="3500" b="0" i="1" smtClean="0">
-                                  <a:solidFill>
-                                    <a:schemeClr val="tx1"/>
-                                  </a:solidFill>
-                                  <a:latin typeface="Cambria Math" panose="02040503050406030204" pitchFamily="18" charset="0"/>
-                                  <a:ea typeface="Cambria" panose="02040503050406030204" pitchFamily="18" charset="0"/>
-                                </a:rPr>
-                                <m:t>𝑟</m:t>
-                              </m:r>
-                            </m:e>
-                            <m:sub>
-                              <m:r>
-                                <a:rPr lang="en-US" sz="3500" b="0" i="1" smtClean="0">
-                                  <a:solidFill>
-                                    <a:schemeClr val="tx1"/>
-                                  </a:solidFill>
-                                  <a:latin typeface="Cambria Math" panose="02040503050406030204" pitchFamily="18" charset="0"/>
-                                  <a:ea typeface="Cambria" panose="02040503050406030204" pitchFamily="18" charset="0"/>
-                                </a:rPr>
-                                <m:t>4</m:t>
-                              </m:r>
-                            </m:sub>
-                          </m:sSub>
-                        </m:oMath>
-                      </m:oMathPara>
-                    </a14:m>
-                    <a:endParaRPr lang="en-US" sz="3500" dirty="0">
-                      <a:solidFill>
-                        <a:schemeClr val="tx1"/>
-                      </a:solidFill>
-                      <a:latin typeface="Cambria" panose="02040503050406030204" pitchFamily="18" charset="0"/>
-                      <a:ea typeface="Cambria" panose="02040503050406030204" pitchFamily="18" charset="0"/>
-                    </a:endParaRPr>
-                  </a:p>
-                </p:txBody>
-              </p:sp>
-            </mc:Choice>
-            <mc:Fallback xmlns="">
-              <p:sp>
-                <p:nvSpPr>
-                  <p:cNvPr id="65" name="TextBox 64">
-                    <a:extLst>
-                      <a:ext uri="{FF2B5EF4-FFF2-40B4-BE49-F238E27FC236}">
-                        <a16:creationId xmlns:a16="http://schemas.microsoft.com/office/drawing/2014/main" id="{2380B307-1573-1CFC-AE00-0397754DFB83}"/>
-                      </a:ext>
-                    </a:extLst>
-                  </p:cNvPr>
-                  <p:cNvSpPr txBox="1">
-                    <a:spLocks noRot="1" noChangeAspect="1" noMove="1" noResize="1" noEditPoints="1" noAdjustHandles="1" noChangeArrowheads="1" noChangeShapeType="1" noTextEdit="1"/>
-                  </p:cNvSpPr>
-                  <p:nvPr/>
-                </p:nvSpPr>
-                <p:spPr>
-                  <a:xfrm>
-                    <a:off x="6447493" y="31183564"/>
-                    <a:ext cx="646053" cy="445284"/>
-                  </a:xfrm>
-                  <a:prstGeom prst="rect">
-                    <a:avLst/>
-                  </a:prstGeom>
-                  <a:blipFill>
-                    <a:blip r:embed="rId15"/>
-                    <a:stretch>
-                      <a:fillRect b="-19178"/>
-                    </a:stretch>
-                  </a:blipFill>
-                </p:spPr>
-                <p:txBody>
-                  <a:bodyPr/>
-                  <a:lstStyle/>
-                  <a:p>
-                    <a:r>
-                      <a:rPr lang="en-US">
-                        <a:noFill/>
-                      </a:rPr>
-                      <a:t> </a:t>
-                    </a:r>
-                  </a:p>
-                </p:txBody>
-              </p:sp>
-            </mc:Fallback>
-          </mc:AlternateContent>
-          <mc:AlternateContent xmlns:mc="http://schemas.openxmlformats.org/markup-compatibility/2006" xmlns:a14="http://schemas.microsoft.com/office/drawing/2010/main">
-            <mc:Choice Requires="a14">
-              <p:sp>
-                <p:nvSpPr>
-                  <p:cNvPr id="66" name="TextBox 65">
-                    <a:extLst>
-                      <a:ext uri="{FF2B5EF4-FFF2-40B4-BE49-F238E27FC236}">
-                        <a16:creationId xmlns:a16="http://schemas.microsoft.com/office/drawing/2014/main" id="{D1551B19-F02E-ED86-0104-10EC96C912E9}"/>
-                      </a:ext>
-                    </a:extLst>
-                  </p:cNvPr>
-                  <p:cNvSpPr txBox="1"/>
-                  <p:nvPr/>
-                </p:nvSpPr>
-                <p:spPr>
-                  <a:xfrm>
-                    <a:off x="7448330" y="28628427"/>
-                    <a:ext cx="455414" cy="445284"/>
-                  </a:xfrm>
-                  <a:prstGeom prst="rect">
-                    <a:avLst/>
-                  </a:prstGeom>
-                  <a:noFill/>
-                </p:spPr>
-                <p:txBody>
-                  <a:bodyPr wrap="square" lIns="0" tIns="0" rIns="0" bIns="0" rtlCol="0">
-                    <a:spAutoFit/>
-                  </a:bodyPr>
-                  <a:lstStyle/>
-                  <a:p>
-                    <a:pPr algn="ctr"/>
-                    <a14:m>
-                      <m:oMathPara xmlns:m="http://schemas.openxmlformats.org/officeDocument/2006/math">
-                        <m:oMathParaPr>
-                          <m:jc m:val="centerGroup"/>
-                        </m:oMathParaPr>
-                        <m:oMath xmlns:m="http://schemas.openxmlformats.org/officeDocument/2006/math">
-                          <m:sSub>
-                            <m:sSubPr>
-                              <m:ctrlPr>
-                                <a:rPr lang="en-US" sz="3500" i="1" smtClean="0">
-                                  <a:solidFill>
-                                    <a:schemeClr val="tx1"/>
-                                  </a:solidFill>
-                                  <a:latin typeface="Cambria Math" panose="02040503050406030204" pitchFamily="18" charset="0"/>
-                                  <a:ea typeface="Cambria" panose="02040503050406030204" pitchFamily="18" charset="0"/>
-                                </a:rPr>
-                              </m:ctrlPr>
-                            </m:sSubPr>
-                            <m:e>
-                              <m:r>
-                                <a:rPr lang="en-US" sz="3500" b="0" i="1" smtClean="0">
-                                  <a:solidFill>
-                                    <a:schemeClr val="tx1"/>
-                                  </a:solidFill>
-                                  <a:latin typeface="Cambria Math" panose="02040503050406030204" pitchFamily="18" charset="0"/>
-                                  <a:ea typeface="Cambria" panose="02040503050406030204" pitchFamily="18" charset="0"/>
-                                </a:rPr>
-                                <m:t>𝑟</m:t>
-                              </m:r>
-                            </m:e>
-                            <m:sub>
-                              <m:r>
-                                <a:rPr lang="en-US" sz="3500" b="0" i="1" smtClean="0">
-                                  <a:solidFill>
-                                    <a:schemeClr val="tx1"/>
-                                  </a:solidFill>
-                                  <a:latin typeface="Cambria Math" panose="02040503050406030204" pitchFamily="18" charset="0"/>
-                                  <a:ea typeface="Cambria" panose="02040503050406030204" pitchFamily="18" charset="0"/>
-                                </a:rPr>
-                                <m:t>5</m:t>
-                              </m:r>
-                            </m:sub>
-                          </m:sSub>
-                        </m:oMath>
-                      </m:oMathPara>
-                    </a14:m>
-                    <a:endParaRPr lang="en-US" sz="3500" dirty="0">
-                      <a:solidFill>
-                        <a:schemeClr val="tx1"/>
-                      </a:solidFill>
-                      <a:latin typeface="Cambria" panose="02040503050406030204" pitchFamily="18" charset="0"/>
-                      <a:ea typeface="Cambria" panose="02040503050406030204" pitchFamily="18" charset="0"/>
-                    </a:endParaRPr>
-                  </a:p>
-                </p:txBody>
-              </p:sp>
-            </mc:Choice>
-            <mc:Fallback xmlns="">
-              <p:sp>
-                <p:nvSpPr>
-                  <p:cNvPr id="66" name="TextBox 65">
-                    <a:extLst>
-                      <a:ext uri="{FF2B5EF4-FFF2-40B4-BE49-F238E27FC236}">
-                        <a16:creationId xmlns:a16="http://schemas.microsoft.com/office/drawing/2014/main" id="{D1551B19-F02E-ED86-0104-10EC96C912E9}"/>
-                      </a:ext>
-                    </a:extLst>
-                  </p:cNvPr>
-                  <p:cNvSpPr txBox="1">
-                    <a:spLocks noRot="1" noChangeAspect="1" noMove="1" noResize="1" noEditPoints="1" noAdjustHandles="1" noChangeArrowheads="1" noChangeShapeType="1" noTextEdit="1"/>
-                  </p:cNvSpPr>
-                  <p:nvPr/>
-                </p:nvSpPr>
-                <p:spPr>
-                  <a:xfrm>
-                    <a:off x="7448330" y="28628427"/>
-                    <a:ext cx="455414" cy="445284"/>
-                  </a:xfrm>
-                  <a:prstGeom prst="rect">
-                    <a:avLst/>
-                  </a:prstGeom>
-                  <a:blipFill>
-                    <a:blip r:embed="rId16"/>
-                    <a:stretch>
-                      <a:fillRect l="-1351" b="-19178"/>
-                    </a:stretch>
-                  </a:blipFill>
-                </p:spPr>
-                <p:txBody>
-                  <a:bodyPr/>
-                  <a:lstStyle/>
-                  <a:p>
-                    <a:r>
-                      <a:rPr lang="en-US">
-                        <a:noFill/>
-                      </a:rPr>
-                      <a:t> </a:t>
-                    </a:r>
-                  </a:p>
-                </p:txBody>
-              </p:sp>
-            </mc:Fallback>
-          </mc:AlternateContent>
-        </p:grpSp>
-        <p:grpSp>
-          <p:nvGrpSpPr>
-            <p:cNvPr id="47" name="Group 46">
-              <a:extLst>
-                <a:ext uri="{FF2B5EF4-FFF2-40B4-BE49-F238E27FC236}">
-                  <a16:creationId xmlns:a16="http://schemas.microsoft.com/office/drawing/2014/main" id="{08660012-B81C-DBFD-1A30-8BD9C4874689}"/>
-                </a:ext>
-              </a:extLst>
-            </p:cNvPr>
-            <p:cNvGrpSpPr/>
-            <p:nvPr/>
-          </p:nvGrpSpPr>
-          <p:grpSpPr>
-            <a:xfrm>
-              <a:off x="6505637" y="27323101"/>
-              <a:ext cx="7542361" cy="5219884"/>
-              <a:chOff x="6505637" y="27230221"/>
-              <a:chExt cx="7542361" cy="5219884"/>
-            </a:xfrm>
-          </p:grpSpPr>
-          <p:pic>
-            <p:nvPicPr>
-              <p:cNvPr id="42" name="Picture 41" descr="A colorful graph with red dots">
-                <a:extLst>
-                  <a:ext uri="{FF2B5EF4-FFF2-40B4-BE49-F238E27FC236}">
-                    <a16:creationId xmlns:a16="http://schemas.microsoft.com/office/drawing/2014/main" id="{C49D3B07-707F-FFB5-FF17-03FFBCF6A282}"/>
-                  </a:ext>
-                </a:extLst>
-              </p:cNvPr>
-              <p:cNvPicPr>
-                <a:picLocks noChangeAspect="1"/>
-              </p:cNvPicPr>
-              <p:nvPr/>
-            </p:nvPicPr>
-            <p:blipFill>
-              <a:blip r:embed="rId17"/>
-              <a:stretch>
-                <a:fillRect/>
-              </a:stretch>
-            </p:blipFill>
-            <p:spPr>
-              <a:xfrm>
-                <a:off x="8762784" y="27495593"/>
-                <a:ext cx="5285214" cy="4622940"/>
-              </a:xfrm>
-              <a:prstGeom prst="rect">
-                <a:avLst/>
-              </a:prstGeom>
-            </p:spPr>
-          </p:pic>
-          <p:sp>
-            <p:nvSpPr>
-              <p:cNvPr id="45" name="TextBox 44">
-                <a:extLst>
-                  <a:ext uri="{FF2B5EF4-FFF2-40B4-BE49-F238E27FC236}">
-                    <a16:creationId xmlns:a16="http://schemas.microsoft.com/office/drawing/2014/main" id="{2CFFC752-7DB4-FB51-BD5D-324139516525}"/>
+                    <a16:creationId xmlns:a16="http://schemas.microsoft.com/office/drawing/2014/main" id="{57A99FE2-6063-B64C-D841-02585151AD90}"/>
                   </a:ext>
                 </a:extLst>
               </p:cNvPr>
@@ -6670,8 +6495,8 @@
             </p:nvSpPr>
             <p:spPr>
               <a:xfrm>
-                <a:off x="6505637" y="27230221"/>
-                <a:ext cx="2505593" cy="892552"/>
+                <a:off x="20287589" y="7042482"/>
+                <a:ext cx="3698086" cy="1200329"/>
               </a:xfrm>
               <a:prstGeom prst="rect">
                 <a:avLst/>
@@ -6684,26 +6509,189 @@
               </a:bodyPr>
               <a:lstStyle/>
               <a:p>
-                <a:pPr algn="ctr"/>
                 <a:r>
-                  <a:rPr lang="en-US" sz="2600" dirty="0">
-                    <a:latin typeface="Söhne"/>
-                  </a:rPr>
-                  <a:t>Randomly Initialized State</a:t>
+                  <a:rPr lang="en-US" sz="7200" b="1" u="sng" dirty="0"/>
+                  <a:t>Methods</a:t>
                 </a:r>
-                <a:endParaRPr lang="en-US" sz="2600" b="0" i="0" dirty="0">
-                  <a:effectLst/>
-                  <a:latin typeface="Söhne"/>
-                </a:endParaRPr>
               </a:p>
             </p:txBody>
           </p:sp>
+          <p:pic>
+            <p:nvPicPr>
+              <p:cNvPr id="34" name="Picture 33">
+                <a:extLst>
+                  <a:ext uri="{FF2B5EF4-FFF2-40B4-BE49-F238E27FC236}">
+                    <a16:creationId xmlns:a16="http://schemas.microsoft.com/office/drawing/2014/main" id="{B7F435BF-8256-8EAC-D658-01E729F6AD7C}"/>
+                  </a:ext>
+                </a:extLst>
+              </p:cNvPr>
+              <p:cNvPicPr>
+                <a:picLocks noChangeAspect="1"/>
+              </p:cNvPicPr>
+              <p:nvPr/>
+            </p:nvPicPr>
+            <p:blipFill>
+              <a:blip r:embed="rId18"/>
+              <a:stretch>
+                <a:fillRect/>
+              </a:stretch>
+            </p:blipFill>
+            <p:spPr>
+              <a:xfrm>
+                <a:off x="16764322" y="8453978"/>
+                <a:ext cx="4905375" cy="4524375"/>
+              </a:xfrm>
+              <a:prstGeom prst="rect">
+                <a:avLst/>
+              </a:prstGeom>
+            </p:spPr>
+          </p:pic>
+          <p:pic>
+            <p:nvPicPr>
+              <p:cNvPr id="56" name="Picture 55">
+                <a:extLst>
+                  <a:ext uri="{FF2B5EF4-FFF2-40B4-BE49-F238E27FC236}">
+                    <a16:creationId xmlns:a16="http://schemas.microsoft.com/office/drawing/2014/main" id="{520B931B-3E00-73DE-0CDE-7986AAEAF22C}"/>
+                  </a:ext>
+                </a:extLst>
+              </p:cNvPr>
+              <p:cNvPicPr>
+                <a:picLocks noChangeAspect="1"/>
+              </p:cNvPicPr>
+              <p:nvPr/>
+            </p:nvPicPr>
+            <p:blipFill>
+              <a:blip r:embed="rId19"/>
+              <a:stretch>
+                <a:fillRect/>
+              </a:stretch>
+            </p:blipFill>
+            <p:spPr>
+              <a:xfrm>
+                <a:off x="22141343" y="8435913"/>
+                <a:ext cx="6096000" cy="4572000"/>
+              </a:xfrm>
+              <a:prstGeom prst="rect">
+                <a:avLst/>
+              </a:prstGeom>
+            </p:spPr>
+          </p:pic>
+          <p:pic>
+            <p:nvPicPr>
+              <p:cNvPr id="68" name="Picture 67">
+                <a:extLst>
+                  <a:ext uri="{FF2B5EF4-FFF2-40B4-BE49-F238E27FC236}">
+                    <a16:creationId xmlns:a16="http://schemas.microsoft.com/office/drawing/2014/main" id="{293BF0C1-D22F-F599-3866-8775BB3FC296}"/>
+                  </a:ext>
+                </a:extLst>
+              </p:cNvPr>
+              <p:cNvPicPr>
+                <a:picLocks noChangeAspect="1"/>
+              </p:cNvPicPr>
+              <p:nvPr/>
+            </p:nvPicPr>
+            <p:blipFill rotWithShape="1">
+              <a:blip r:embed="rId20"/>
+              <a:srcRect b="74516"/>
+              <a:stretch/>
+            </p:blipFill>
+            <p:spPr>
+              <a:xfrm>
+                <a:off x="16021582" y="13168080"/>
+                <a:ext cx="12230100" cy="2400658"/>
+              </a:xfrm>
+              <a:prstGeom prst="rect">
+                <a:avLst/>
+              </a:prstGeom>
+            </p:spPr>
+          </p:pic>
+          <p:pic>
+            <p:nvPicPr>
+              <p:cNvPr id="5" name="Picture 4">
+                <a:extLst>
+                  <a:ext uri="{FF2B5EF4-FFF2-40B4-BE49-F238E27FC236}">
+                    <a16:creationId xmlns:a16="http://schemas.microsoft.com/office/drawing/2014/main" id="{D058193E-5EF9-D7DA-808A-3707ED28DE07}"/>
+                  </a:ext>
+                </a:extLst>
+              </p:cNvPr>
+              <p:cNvPicPr>
+                <a:picLocks noChangeAspect="1"/>
+              </p:cNvPicPr>
+              <p:nvPr/>
+            </p:nvPicPr>
+            <p:blipFill>
+              <a:blip r:embed="rId21"/>
+              <a:stretch>
+                <a:fillRect/>
+              </a:stretch>
+            </p:blipFill>
+            <p:spPr>
+              <a:xfrm>
+                <a:off x="15580965" y="15613936"/>
+                <a:ext cx="6349885" cy="8466513"/>
+              </a:xfrm>
+              <a:prstGeom prst="rect">
+                <a:avLst/>
+              </a:prstGeom>
+            </p:spPr>
+          </p:pic>
+          <p:pic>
+            <p:nvPicPr>
+              <p:cNvPr id="29" name="Picture 28">
+                <a:extLst>
+                  <a:ext uri="{FF2B5EF4-FFF2-40B4-BE49-F238E27FC236}">
+                    <a16:creationId xmlns:a16="http://schemas.microsoft.com/office/drawing/2014/main" id="{CB862ECB-1D8C-5E6A-F73F-621172CD8A7B}"/>
+                  </a:ext>
+                </a:extLst>
+              </p:cNvPr>
+              <p:cNvPicPr>
+                <a:picLocks noChangeAspect="1"/>
+              </p:cNvPicPr>
+              <p:nvPr/>
+            </p:nvPicPr>
+            <p:blipFill>
+              <a:blip r:embed="rId22"/>
+              <a:stretch>
+                <a:fillRect/>
+              </a:stretch>
+            </p:blipFill>
+            <p:spPr>
+              <a:xfrm>
+                <a:off x="22160935" y="15613936"/>
+                <a:ext cx="6349885" cy="8466513"/>
+              </a:xfrm>
+              <a:prstGeom prst="rect">
+                <a:avLst/>
+              </a:prstGeom>
+            </p:spPr>
+          </p:pic>
+        </p:grpSp>
+        <p:grpSp>
+          <p:nvGrpSpPr>
+            <p:cNvPr id="97" name="Group 96">
+              <a:extLst>
+                <a:ext uri="{FF2B5EF4-FFF2-40B4-BE49-F238E27FC236}">
+                  <a16:creationId xmlns:a16="http://schemas.microsoft.com/office/drawing/2014/main" id="{B5A4C104-3607-F867-E9A5-F5BC12398920}"/>
+                </a:ext>
+              </a:extLst>
+            </p:cNvPr>
+            <p:cNvGrpSpPr/>
+            <p:nvPr/>
+          </p:nvGrpSpPr>
+          <p:grpSpPr>
+            <a:xfrm>
+              <a:off x="15923548" y="24351482"/>
+              <a:ext cx="11886937" cy="12020824"/>
+              <a:chOff x="15923548" y="24351482"/>
+              <a:chExt cx="11886937" cy="12020824"/>
+            </a:xfrm>
+          </p:grpSpPr>
           <p:sp>
             <p:nvSpPr>
-              <p:cNvPr id="46" name="TextBox 45">
+              <p:cNvPr id="16" name="TextBox 15">
                 <a:extLst>
                   <a:ext uri="{FF2B5EF4-FFF2-40B4-BE49-F238E27FC236}">
-                    <a16:creationId xmlns:a16="http://schemas.microsoft.com/office/drawing/2014/main" id="{CF35FA97-7180-0503-4124-3F2AC9B4CCA2}"/>
+                    <a16:creationId xmlns:a16="http://schemas.microsoft.com/office/drawing/2014/main" id="{C594F51D-23D5-902A-E337-2F05127BDFB9}"/>
                   </a:ext>
                 </a:extLst>
               </p:cNvPr>
@@ -6712,8 +6700,8 @@
             </p:nvSpPr>
             <p:spPr>
               <a:xfrm>
-                <a:off x="8762784" y="31957662"/>
-                <a:ext cx="2901505" cy="492443"/>
+                <a:off x="16928425" y="24383158"/>
+                <a:ext cx="3324301" cy="707886"/>
               </a:xfrm>
               <a:prstGeom prst="rect">
                 <a:avLst/>
@@ -6726,437 +6714,666 @@
               </a:bodyPr>
               <a:lstStyle/>
               <a:p>
-                <a:pPr algn="ctr"/>
                 <a:r>
-                  <a:rPr lang="en-US" sz="2600" dirty="0">
+                  <a:rPr lang="en-US" sz="4000" b="0" i="0" u="sng" dirty="0">
+                    <a:effectLst/>
                     <a:latin typeface="Söhne"/>
                   </a:rPr>
-                  <a:t>Final Stable State</a:t>
+                  <a:t>Sparse Pruning</a:t>
                 </a:r>
               </a:p>
             </p:txBody>
           </p:sp>
+          <p:sp>
+            <p:nvSpPr>
+              <p:cNvPr id="2" name="TextBox 1">
+                <a:extLst>
+                  <a:ext uri="{FF2B5EF4-FFF2-40B4-BE49-F238E27FC236}">
+                    <a16:creationId xmlns:a16="http://schemas.microsoft.com/office/drawing/2014/main" id="{94609B7C-ED16-01C6-7FEB-04D80F9DD017}"/>
+                  </a:ext>
+                </a:extLst>
+              </p:cNvPr>
+              <p:cNvSpPr txBox="1"/>
+              <p:nvPr/>
+            </p:nvSpPr>
+            <p:spPr>
+              <a:xfrm>
+                <a:off x="23247897" y="24351482"/>
+                <a:ext cx="4175962" cy="707886"/>
+              </a:xfrm>
+              <a:prstGeom prst="rect">
+                <a:avLst/>
+              </a:prstGeom>
+              <a:noFill/>
+            </p:spPr>
+            <p:txBody>
+              <a:bodyPr wrap="square" rtlCol="0">
+                <a:spAutoFit/>
+              </a:bodyPr>
+              <a:lstStyle/>
+              <a:p>
+                <a:r>
+                  <a:rPr lang="en-US" sz="4000" b="0" i="0" u="sng" dirty="0">
+                    <a:effectLst/>
+                    <a:latin typeface="Söhne"/>
+                  </a:rPr>
+                  <a:t>Magnitude Pruning</a:t>
+                </a:r>
+              </a:p>
+            </p:txBody>
+          </p:sp>
+          <p:pic>
+            <p:nvPicPr>
+              <p:cNvPr id="87" name="Picture 86">
+                <a:extLst>
+                  <a:ext uri="{FF2B5EF4-FFF2-40B4-BE49-F238E27FC236}">
+                    <a16:creationId xmlns:a16="http://schemas.microsoft.com/office/drawing/2014/main" id="{4356ACE9-05EE-5B71-B3B2-84C18E6B83E2}"/>
+                  </a:ext>
+                </a:extLst>
+              </p:cNvPr>
+              <p:cNvPicPr>
+                <a:picLocks noChangeAspect="1"/>
+              </p:cNvPicPr>
+              <p:nvPr/>
+            </p:nvPicPr>
+            <p:blipFill>
+              <a:blip r:embed="rId23"/>
+              <a:stretch>
+                <a:fillRect/>
+              </a:stretch>
+            </p:blipFill>
+            <p:spPr>
+              <a:xfrm>
+                <a:off x="16275857" y="25136242"/>
+                <a:ext cx="4629437" cy="3830046"/>
+              </a:xfrm>
+              <a:prstGeom prst="rect">
+                <a:avLst/>
+              </a:prstGeom>
+            </p:spPr>
+          </p:pic>
+          <p:pic>
+            <p:nvPicPr>
+              <p:cNvPr id="36" name="Picture 35">
+                <a:extLst>
+                  <a:ext uri="{FF2B5EF4-FFF2-40B4-BE49-F238E27FC236}">
+                    <a16:creationId xmlns:a16="http://schemas.microsoft.com/office/drawing/2014/main" id="{97565F35-80CE-A668-C7BB-9E1186D78942}"/>
+                  </a:ext>
+                </a:extLst>
+              </p:cNvPr>
+              <p:cNvPicPr>
+                <a:picLocks noChangeAspect="1"/>
+              </p:cNvPicPr>
+              <p:nvPr/>
+            </p:nvPicPr>
+            <p:blipFill>
+              <a:blip r:embed="rId24"/>
+              <a:stretch>
+                <a:fillRect/>
+              </a:stretch>
+            </p:blipFill>
+            <p:spPr>
+              <a:xfrm>
+                <a:off x="22708080" y="25024724"/>
+                <a:ext cx="4962525" cy="4114800"/>
+              </a:xfrm>
+              <a:prstGeom prst="rect">
+                <a:avLst/>
+              </a:prstGeom>
+            </p:spPr>
+          </p:pic>
+          <p:pic>
+            <p:nvPicPr>
+              <p:cNvPr id="38" name="Picture 37">
+                <a:extLst>
+                  <a:ext uri="{FF2B5EF4-FFF2-40B4-BE49-F238E27FC236}">
+                    <a16:creationId xmlns:a16="http://schemas.microsoft.com/office/drawing/2014/main" id="{DFEC8077-5E30-D8EE-ADF6-AD273AB72D0C}"/>
+                  </a:ext>
+                </a:extLst>
+              </p:cNvPr>
+              <p:cNvPicPr>
+                <a:picLocks noChangeAspect="1"/>
+              </p:cNvPicPr>
+              <p:nvPr/>
+            </p:nvPicPr>
+            <p:blipFill>
+              <a:blip r:embed="rId25"/>
+              <a:stretch>
+                <a:fillRect/>
+              </a:stretch>
+            </p:blipFill>
+            <p:spPr>
+              <a:xfrm>
+                <a:off x="22543654" y="29242377"/>
+                <a:ext cx="5266831" cy="7129929"/>
+              </a:xfrm>
+              <a:prstGeom prst="rect">
+                <a:avLst/>
+              </a:prstGeom>
+            </p:spPr>
+          </p:pic>
+          <p:pic>
+            <p:nvPicPr>
+              <p:cNvPr id="43" name="Picture 42">
+                <a:extLst>
+                  <a:ext uri="{FF2B5EF4-FFF2-40B4-BE49-F238E27FC236}">
+                    <a16:creationId xmlns:a16="http://schemas.microsoft.com/office/drawing/2014/main" id="{FBB31C8F-D3FD-B216-17AC-6B4881406CF8}"/>
+                  </a:ext>
+                </a:extLst>
+              </p:cNvPr>
+              <p:cNvPicPr>
+                <a:picLocks noChangeAspect="1"/>
+              </p:cNvPicPr>
+              <p:nvPr/>
+            </p:nvPicPr>
+            <p:blipFill>
+              <a:blip r:embed="rId26"/>
+              <a:stretch>
+                <a:fillRect/>
+              </a:stretch>
+            </p:blipFill>
+            <p:spPr>
+              <a:xfrm>
+                <a:off x="15923548" y="29221168"/>
+                <a:ext cx="5282498" cy="7151138"/>
+              </a:xfrm>
+              <a:prstGeom prst="rect">
+                <a:avLst/>
+              </a:prstGeom>
+            </p:spPr>
+          </p:pic>
         </p:grpSp>
       </p:grpSp>
-      <p:pic>
-        <p:nvPicPr>
-          <p:cNvPr id="34" name="Picture 33">
+      <p:grpSp>
+        <p:nvGrpSpPr>
+          <p:cNvPr id="103" name="Group 102">
             <a:extLst>
               <a:ext uri="{FF2B5EF4-FFF2-40B4-BE49-F238E27FC236}">
-                <a16:creationId xmlns:a16="http://schemas.microsoft.com/office/drawing/2014/main" id="{B7F435BF-8256-8EAC-D658-01E729F6AD7C}"/>
+                <a16:creationId xmlns:a16="http://schemas.microsoft.com/office/drawing/2014/main" id="{D91B8BA9-AE32-B32F-8787-F15473B26556}"/>
               </a:ext>
             </a:extLst>
           </p:cNvPr>
-          <p:cNvPicPr>
-            <a:picLocks noChangeAspect="1"/>
-          </p:cNvPicPr>
+          <p:cNvGrpSpPr/>
           <p:nvPr/>
-        </p:nvPicPr>
-        <p:blipFill>
-          <a:blip r:embed="rId18"/>
-          <a:stretch>
-            <a:fillRect/>
-          </a:stretch>
-        </p:blipFill>
-        <p:spPr>
+        </p:nvGrpSpPr>
+        <p:grpSpPr>
           <a:xfrm>
-            <a:off x="16764322" y="8453978"/>
-            <a:ext cx="4905375" cy="4524375"/>
+            <a:off x="29566287" y="7042482"/>
+            <a:ext cx="12938182" cy="30333155"/>
+            <a:chOff x="29566287" y="7042482"/>
+            <a:chExt cx="12938182" cy="30333155"/>
           </a:xfrm>
-          <a:prstGeom prst="rect">
-            <a:avLst/>
-          </a:prstGeom>
-        </p:spPr>
-      </p:pic>
-      <p:pic>
-        <p:nvPicPr>
-          <p:cNvPr id="56" name="Picture 55">
-            <a:extLst>
-              <a:ext uri="{FF2B5EF4-FFF2-40B4-BE49-F238E27FC236}">
-                <a16:creationId xmlns:a16="http://schemas.microsoft.com/office/drawing/2014/main" id="{520B931B-3E00-73DE-0CDE-7986AAEAF22C}"/>
-              </a:ext>
-            </a:extLst>
-          </p:cNvPr>
-          <p:cNvPicPr>
-            <a:picLocks noChangeAspect="1"/>
-          </p:cNvPicPr>
-          <p:nvPr/>
-        </p:nvPicPr>
-        <p:blipFill>
-          <a:blip r:embed="rId19"/>
-          <a:stretch>
-            <a:fillRect/>
-          </a:stretch>
-        </p:blipFill>
-        <p:spPr>
-          <a:xfrm>
-            <a:off x="22141343" y="8435913"/>
-            <a:ext cx="6096000" cy="4572000"/>
-          </a:xfrm>
-          <a:prstGeom prst="rect">
-            <a:avLst/>
-          </a:prstGeom>
-        </p:spPr>
-      </p:pic>
-      <p:pic>
-        <p:nvPicPr>
-          <p:cNvPr id="68" name="Picture 67">
-            <a:extLst>
-              <a:ext uri="{FF2B5EF4-FFF2-40B4-BE49-F238E27FC236}">
-                <a16:creationId xmlns:a16="http://schemas.microsoft.com/office/drawing/2014/main" id="{293BF0C1-D22F-F599-3866-8775BB3FC296}"/>
-              </a:ext>
-            </a:extLst>
-          </p:cNvPr>
-          <p:cNvPicPr>
-            <a:picLocks noChangeAspect="1"/>
-          </p:cNvPicPr>
-          <p:nvPr/>
-        </p:nvPicPr>
-        <p:blipFill rotWithShape="1">
-          <a:blip r:embed="rId20"/>
-          <a:srcRect b="74516"/>
-          <a:stretch/>
-        </p:blipFill>
-        <p:spPr>
-          <a:xfrm>
-            <a:off x="16021582" y="13168080"/>
-            <a:ext cx="12230100" cy="2400658"/>
-          </a:xfrm>
-          <a:prstGeom prst="rect">
-            <a:avLst/>
-          </a:prstGeom>
-        </p:spPr>
-      </p:pic>
-      <p:pic>
-        <p:nvPicPr>
-          <p:cNvPr id="72" name="Picture 71">
-            <a:extLst>
-              <a:ext uri="{FF2B5EF4-FFF2-40B4-BE49-F238E27FC236}">
-                <a16:creationId xmlns:a16="http://schemas.microsoft.com/office/drawing/2014/main" id="{FC9FE949-84E0-8CC0-820F-1E84DBC11FF4}"/>
-              </a:ext>
-            </a:extLst>
-          </p:cNvPr>
-          <p:cNvPicPr>
-            <a:picLocks noChangeAspect="1"/>
-          </p:cNvPicPr>
-          <p:nvPr/>
-        </p:nvPicPr>
-        <p:blipFill>
-          <a:blip r:embed="rId21"/>
-          <a:stretch>
-            <a:fillRect/>
-          </a:stretch>
-        </p:blipFill>
-        <p:spPr>
-          <a:xfrm>
-            <a:off x="15449070" y="15568738"/>
-            <a:ext cx="6463565" cy="8618086"/>
-          </a:xfrm>
-          <a:prstGeom prst="rect">
-            <a:avLst/>
-          </a:prstGeom>
-        </p:spPr>
-      </p:pic>
-      <p:pic>
-        <p:nvPicPr>
-          <p:cNvPr id="81" name="Picture 80">
-            <a:extLst>
-              <a:ext uri="{FF2B5EF4-FFF2-40B4-BE49-F238E27FC236}">
-                <a16:creationId xmlns:a16="http://schemas.microsoft.com/office/drawing/2014/main" id="{F4C7B820-2552-CA30-4451-B8BF5AE8B64F}"/>
-              </a:ext>
-            </a:extLst>
-          </p:cNvPr>
-          <p:cNvPicPr>
-            <a:picLocks noChangeAspect="1"/>
-          </p:cNvPicPr>
-          <p:nvPr/>
-        </p:nvPicPr>
-        <p:blipFill>
-          <a:blip r:embed="rId22"/>
-          <a:stretch>
-            <a:fillRect/>
-          </a:stretch>
-        </p:blipFill>
-        <p:spPr>
-          <a:xfrm>
-            <a:off x="22093229" y="15539761"/>
-            <a:ext cx="6485298" cy="8647064"/>
-          </a:xfrm>
-          <a:prstGeom prst="rect">
-            <a:avLst/>
-          </a:prstGeom>
-        </p:spPr>
-      </p:pic>
-      <p:pic>
-        <p:nvPicPr>
-          <p:cNvPr id="87" name="Picture 86">
-            <a:extLst>
-              <a:ext uri="{FF2B5EF4-FFF2-40B4-BE49-F238E27FC236}">
-                <a16:creationId xmlns:a16="http://schemas.microsoft.com/office/drawing/2014/main" id="{4356ACE9-05EE-5B71-B3B2-84C18E6B83E2}"/>
-              </a:ext>
-            </a:extLst>
-          </p:cNvPr>
-          <p:cNvPicPr>
-            <a:picLocks noChangeAspect="1"/>
-          </p:cNvPicPr>
-          <p:nvPr/>
-        </p:nvPicPr>
-        <p:blipFill>
-          <a:blip r:embed="rId23"/>
-          <a:stretch>
-            <a:fillRect/>
-          </a:stretch>
-        </p:blipFill>
-        <p:spPr>
-          <a:xfrm>
-            <a:off x="16275857" y="25136242"/>
-            <a:ext cx="4629437" cy="3830046"/>
-          </a:xfrm>
-          <a:prstGeom prst="rect">
-            <a:avLst/>
-          </a:prstGeom>
-        </p:spPr>
-      </p:pic>
-      <p:pic>
-        <p:nvPicPr>
-          <p:cNvPr id="89" name="Picture 88">
-            <a:extLst>
-              <a:ext uri="{FF2B5EF4-FFF2-40B4-BE49-F238E27FC236}">
-                <a16:creationId xmlns:a16="http://schemas.microsoft.com/office/drawing/2014/main" id="{5D486DEC-2124-C83B-6F54-9408E2CF5C6B}"/>
-              </a:ext>
-            </a:extLst>
-          </p:cNvPr>
-          <p:cNvPicPr>
-            <a:picLocks noChangeAspect="1"/>
-          </p:cNvPicPr>
-          <p:nvPr/>
-        </p:nvPicPr>
-        <p:blipFill>
-          <a:blip r:embed="rId24"/>
-          <a:stretch>
-            <a:fillRect/>
-          </a:stretch>
-        </p:blipFill>
-        <p:spPr>
-          <a:xfrm>
-            <a:off x="15943768" y="29078721"/>
-            <a:ext cx="5560507" cy="7414010"/>
-          </a:xfrm>
-          <a:prstGeom prst="rect">
-            <a:avLst/>
-          </a:prstGeom>
-        </p:spPr>
-      </p:pic>
-      <p:pic>
-        <p:nvPicPr>
-          <p:cNvPr id="99" name="Picture 98">
-            <a:extLst>
-              <a:ext uri="{FF2B5EF4-FFF2-40B4-BE49-F238E27FC236}">
-                <a16:creationId xmlns:a16="http://schemas.microsoft.com/office/drawing/2014/main" id="{C83A2037-4368-34EE-E5D6-2A0DFCF3BAE8}"/>
-              </a:ext>
-            </a:extLst>
-          </p:cNvPr>
-          <p:cNvPicPr>
-            <a:picLocks noChangeAspect="1"/>
-          </p:cNvPicPr>
-          <p:nvPr/>
-        </p:nvPicPr>
-        <p:blipFill>
-          <a:blip r:embed="rId25"/>
-          <a:stretch>
-            <a:fillRect/>
-          </a:stretch>
-        </p:blipFill>
-        <p:spPr>
-          <a:xfrm>
-            <a:off x="29832027" y="19871080"/>
-            <a:ext cx="6518808" cy="4043311"/>
-          </a:xfrm>
-          <a:prstGeom prst="rect">
-            <a:avLst/>
-          </a:prstGeom>
-        </p:spPr>
-      </p:pic>
-      <p:pic>
-        <p:nvPicPr>
-          <p:cNvPr id="105" name="Picture 104">
-            <a:extLst>
-              <a:ext uri="{FF2B5EF4-FFF2-40B4-BE49-F238E27FC236}">
-                <a16:creationId xmlns:a16="http://schemas.microsoft.com/office/drawing/2014/main" id="{2A8E478C-40D2-A8B9-4E1F-EF90E96065D6}"/>
-              </a:ext>
-            </a:extLst>
-          </p:cNvPr>
-          <p:cNvPicPr>
-            <a:picLocks noChangeAspect="1"/>
-          </p:cNvPicPr>
-          <p:nvPr/>
-        </p:nvPicPr>
-        <p:blipFill>
-          <a:blip r:embed="rId26"/>
-          <a:stretch>
-            <a:fillRect/>
-          </a:stretch>
-        </p:blipFill>
-        <p:spPr>
-          <a:xfrm>
-            <a:off x="36497198" y="19880919"/>
-            <a:ext cx="6518809" cy="4043312"/>
-          </a:xfrm>
-          <a:prstGeom prst="rect">
-            <a:avLst/>
-          </a:prstGeom>
-        </p:spPr>
-      </p:pic>
-      <p:pic>
-        <p:nvPicPr>
-          <p:cNvPr id="111" name="Picture 110">
-            <a:extLst>
-              <a:ext uri="{FF2B5EF4-FFF2-40B4-BE49-F238E27FC236}">
-                <a16:creationId xmlns:a16="http://schemas.microsoft.com/office/drawing/2014/main" id="{63500B43-AE5B-D4F2-EBD0-B1CDEF130AE8}"/>
-              </a:ext>
-            </a:extLst>
-          </p:cNvPr>
-          <p:cNvPicPr>
-            <a:picLocks noChangeAspect="1"/>
-          </p:cNvPicPr>
-          <p:nvPr/>
-        </p:nvPicPr>
-        <p:blipFill>
-          <a:blip r:embed="rId27"/>
-          <a:stretch>
-            <a:fillRect/>
-          </a:stretch>
-        </p:blipFill>
-        <p:spPr>
-          <a:xfrm>
-            <a:off x="32379463" y="6945876"/>
-            <a:ext cx="7942743" cy="6328495"/>
-          </a:xfrm>
-          <a:prstGeom prst="rect">
-            <a:avLst/>
-          </a:prstGeom>
-        </p:spPr>
-      </p:pic>
-      <p:pic>
-        <p:nvPicPr>
-          <p:cNvPr id="113" name="Picture 112">
-            <a:extLst>
-              <a:ext uri="{FF2B5EF4-FFF2-40B4-BE49-F238E27FC236}">
-                <a16:creationId xmlns:a16="http://schemas.microsoft.com/office/drawing/2014/main" id="{6FCF18CA-4510-51CF-1B32-3CA67B268E94}"/>
-              </a:ext>
-            </a:extLst>
-          </p:cNvPr>
-          <p:cNvPicPr>
-            <a:picLocks noChangeAspect="1"/>
-          </p:cNvPicPr>
-          <p:nvPr/>
-        </p:nvPicPr>
-        <p:blipFill>
-          <a:blip r:embed="rId28"/>
-          <a:stretch>
-            <a:fillRect/>
-          </a:stretch>
-        </p:blipFill>
-        <p:spPr>
-          <a:xfrm>
-            <a:off x="32481655" y="13274371"/>
-            <a:ext cx="8031085" cy="6424868"/>
-          </a:xfrm>
-          <a:prstGeom prst="rect">
-            <a:avLst/>
-          </a:prstGeom>
-        </p:spPr>
-      </p:pic>
-      <p:pic>
-        <p:nvPicPr>
-          <p:cNvPr id="119" name="Picture 118">
-            <a:extLst>
-              <a:ext uri="{FF2B5EF4-FFF2-40B4-BE49-F238E27FC236}">
-                <a16:creationId xmlns:a16="http://schemas.microsoft.com/office/drawing/2014/main" id="{46D3606A-2CF4-CA60-BC45-D3B0EEE7F06A}"/>
-              </a:ext>
-            </a:extLst>
-          </p:cNvPr>
-          <p:cNvPicPr>
-            <a:picLocks noChangeAspect="1"/>
-          </p:cNvPicPr>
-          <p:nvPr/>
-        </p:nvPicPr>
-        <p:blipFill>
-          <a:blip r:embed="rId29"/>
-          <a:stretch>
-            <a:fillRect/>
-          </a:stretch>
-        </p:blipFill>
-        <p:spPr>
-          <a:xfrm>
-            <a:off x="22985908" y="25059368"/>
-            <a:ext cx="4629437" cy="3999834"/>
-          </a:xfrm>
-          <a:prstGeom prst="rect">
-            <a:avLst/>
-          </a:prstGeom>
-        </p:spPr>
-      </p:pic>
-      <p:pic>
-        <p:nvPicPr>
-          <p:cNvPr id="26" name="Picture 25">
-            <a:extLst>
-              <a:ext uri="{FF2B5EF4-FFF2-40B4-BE49-F238E27FC236}">
-                <a16:creationId xmlns:a16="http://schemas.microsoft.com/office/drawing/2014/main" id="{36BE6560-BD2D-8B0D-4B96-0144DC372D3E}"/>
-              </a:ext>
-            </a:extLst>
-          </p:cNvPr>
-          <p:cNvPicPr>
-            <a:picLocks noChangeAspect="1"/>
-          </p:cNvPicPr>
-          <p:nvPr/>
-        </p:nvPicPr>
-        <p:blipFill>
-          <a:blip r:embed="rId30"/>
-          <a:stretch>
-            <a:fillRect/>
-          </a:stretch>
-        </p:blipFill>
-        <p:spPr>
-          <a:xfrm>
-            <a:off x="22553844" y="29182343"/>
-            <a:ext cx="5479928" cy="7306572"/>
-          </a:xfrm>
-          <a:prstGeom prst="rect">
-            <a:avLst/>
-          </a:prstGeom>
-        </p:spPr>
-      </p:pic>
-      <p:pic>
-        <p:nvPicPr>
-          <p:cNvPr id="39" name="Picture 38">
-            <a:extLst>
-              <a:ext uri="{FF2B5EF4-FFF2-40B4-BE49-F238E27FC236}">
-                <a16:creationId xmlns:a16="http://schemas.microsoft.com/office/drawing/2014/main" id="{4A6CB7CF-B017-604C-D1A8-98A3B20D58BE}"/>
-              </a:ext>
-            </a:extLst>
-          </p:cNvPr>
-          <p:cNvPicPr>
-            <a:picLocks noChangeAspect="1"/>
-          </p:cNvPicPr>
-          <p:nvPr/>
-        </p:nvPicPr>
-        <p:blipFill>
-          <a:blip r:embed="rId31"/>
-          <a:stretch>
-            <a:fillRect/>
-          </a:stretch>
-        </p:blipFill>
-        <p:spPr>
-          <a:xfrm>
-            <a:off x="32050133" y="24062889"/>
-            <a:ext cx="8601403" cy="8601403"/>
-          </a:xfrm>
-          <a:prstGeom prst="rect">
-            <a:avLst/>
-          </a:prstGeom>
-        </p:spPr>
-      </p:pic>
+        </p:grpSpPr>
+        <p:grpSp>
+          <p:nvGrpSpPr>
+            <p:cNvPr id="102" name="Group 101">
+              <a:extLst>
+                <a:ext uri="{FF2B5EF4-FFF2-40B4-BE49-F238E27FC236}">
+                  <a16:creationId xmlns:a16="http://schemas.microsoft.com/office/drawing/2014/main" id="{0F1B507D-8AB5-C460-C610-DF4F4C3B55B4}"/>
+                </a:ext>
+              </a:extLst>
+            </p:cNvPr>
+            <p:cNvGrpSpPr/>
+            <p:nvPr/>
+          </p:nvGrpSpPr>
+          <p:grpSpPr>
+            <a:xfrm>
+              <a:off x="30467601" y="32444226"/>
+              <a:ext cx="11730065" cy="4931411"/>
+              <a:chOff x="30467601" y="32444226"/>
+              <a:chExt cx="11730065" cy="4931411"/>
+            </a:xfrm>
+          </p:grpSpPr>
+          <p:grpSp>
+            <p:nvGrpSpPr>
+              <p:cNvPr id="50" name="Group 49">
+                <a:extLst>
+                  <a:ext uri="{FF2B5EF4-FFF2-40B4-BE49-F238E27FC236}">
+                    <a16:creationId xmlns:a16="http://schemas.microsoft.com/office/drawing/2014/main" id="{2FA4672C-9405-44D9-13DB-4E5B4BDDC3F9}"/>
+                  </a:ext>
+                </a:extLst>
+              </p:cNvPr>
+              <p:cNvGrpSpPr/>
+              <p:nvPr/>
+            </p:nvGrpSpPr>
+            <p:grpSpPr>
+              <a:xfrm>
+                <a:off x="31426564" y="34868754"/>
+                <a:ext cx="9812144" cy="1412104"/>
+                <a:chOff x="31819963" y="34308083"/>
+                <a:chExt cx="9812144" cy="1412104"/>
+              </a:xfrm>
+            </p:grpSpPr>
+            <p:sp>
+              <p:nvSpPr>
+                <p:cNvPr id="25" name="TextBox 24">
+                  <a:extLst>
+                    <a:ext uri="{FF2B5EF4-FFF2-40B4-BE49-F238E27FC236}">
+                      <a16:creationId xmlns:a16="http://schemas.microsoft.com/office/drawing/2014/main" id="{5CD0A039-A54A-0BA7-5B7C-DA5ADC83179A}"/>
+                    </a:ext>
+                  </a:extLst>
+                </p:cNvPr>
+                <p:cNvSpPr txBox="1"/>
+                <p:nvPr/>
+              </p:nvSpPr>
+              <p:spPr>
+                <a:xfrm>
+                  <a:off x="34033637" y="34308083"/>
+                  <a:ext cx="5384800" cy="861774"/>
+                </a:xfrm>
+                <a:prstGeom prst="rect">
+                  <a:avLst/>
+                </a:prstGeom>
+                <a:noFill/>
+              </p:spPr>
+              <p:txBody>
+                <a:bodyPr wrap="square" rtlCol="0">
+                  <a:spAutoFit/>
+                </a:bodyPr>
+                <a:lstStyle/>
+                <a:p>
+                  <a:r>
+                    <a:rPr lang="en-US" sz="5000" b="1" u="sng" dirty="0"/>
+                    <a:t>Acknowledgements</a:t>
+                  </a:r>
+                </a:p>
+              </p:txBody>
+            </p:sp>
+            <p:sp>
+              <p:nvSpPr>
+                <p:cNvPr id="19" name="TextBox 18">
+                  <a:extLst>
+                    <a:ext uri="{FF2B5EF4-FFF2-40B4-BE49-F238E27FC236}">
+                      <a16:creationId xmlns:a16="http://schemas.microsoft.com/office/drawing/2014/main" id="{50483BB5-7A5E-76D8-C022-C8493A19211B}"/>
+                    </a:ext>
+                  </a:extLst>
+                </p:cNvPr>
+                <p:cNvSpPr txBox="1"/>
+                <p:nvPr/>
+              </p:nvSpPr>
+              <p:spPr>
+                <a:xfrm>
+                  <a:off x="31819963" y="35166189"/>
+                  <a:ext cx="9812144" cy="553998"/>
+                </a:xfrm>
+                <a:prstGeom prst="rect">
+                  <a:avLst/>
+                </a:prstGeom>
+                <a:noFill/>
+              </p:spPr>
+              <p:txBody>
+                <a:bodyPr wrap="square" rtlCol="0">
+                  <a:spAutoFit/>
+                </a:bodyPr>
+                <a:lstStyle/>
+                <a:p>
+                  <a:pPr algn="ctr"/>
+                  <a:r>
+                    <a:rPr lang="en-US" sz="3000" dirty="0"/>
+                    <a:t>Thank you to Dr. Chaudhuri for his endless support and insight</a:t>
+                  </a:r>
+                </a:p>
+              </p:txBody>
+            </p:sp>
+          </p:grpSp>
+          <p:grpSp>
+            <p:nvGrpSpPr>
+              <p:cNvPr id="54" name="Group 53">
+                <a:extLst>
+                  <a:ext uri="{FF2B5EF4-FFF2-40B4-BE49-F238E27FC236}">
+                    <a16:creationId xmlns:a16="http://schemas.microsoft.com/office/drawing/2014/main" id="{F3EEB5A8-5393-4FB7-A34A-676CB05C2710}"/>
+                  </a:ext>
+                </a:extLst>
+              </p:cNvPr>
+              <p:cNvGrpSpPr/>
+              <p:nvPr/>
+            </p:nvGrpSpPr>
+            <p:grpSpPr>
+              <a:xfrm>
+                <a:off x="31426564" y="36130600"/>
+                <a:ext cx="9812144" cy="1245037"/>
+                <a:chOff x="31819963" y="35779479"/>
+                <a:chExt cx="9812144" cy="1245037"/>
+              </a:xfrm>
+            </p:grpSpPr>
+            <p:sp>
+              <p:nvSpPr>
+                <p:cNvPr id="17" name="TextBox 16">
+                  <a:extLst>
+                    <a:ext uri="{FF2B5EF4-FFF2-40B4-BE49-F238E27FC236}">
+                      <a16:creationId xmlns:a16="http://schemas.microsoft.com/office/drawing/2014/main" id="{A25FE9D8-7F5F-8E57-81A7-5AE58AECAA8F}"/>
+                    </a:ext>
+                  </a:extLst>
+                </p:cNvPr>
+                <p:cNvSpPr txBox="1"/>
+                <p:nvPr/>
+              </p:nvSpPr>
+              <p:spPr>
+                <a:xfrm>
+                  <a:off x="34696222" y="35779479"/>
+                  <a:ext cx="4059630" cy="784830"/>
+                </a:xfrm>
+                <a:prstGeom prst="rect">
+                  <a:avLst/>
+                </a:prstGeom>
+                <a:noFill/>
+              </p:spPr>
+              <p:txBody>
+                <a:bodyPr wrap="square" rtlCol="0">
+                  <a:spAutoFit/>
+                </a:bodyPr>
+                <a:lstStyle/>
+                <a:p>
+                  <a:r>
+                    <a:rPr lang="en-US" sz="4500" b="1" u="sng" dirty="0"/>
+                    <a:t>Data Availability</a:t>
+                  </a:r>
+                </a:p>
+              </p:txBody>
+            </p:sp>
+            <p:sp>
+              <p:nvSpPr>
+                <p:cNvPr id="15" name="TextBox 14">
+                  <a:extLst>
+                    <a:ext uri="{FF2B5EF4-FFF2-40B4-BE49-F238E27FC236}">
+                      <a16:creationId xmlns:a16="http://schemas.microsoft.com/office/drawing/2014/main" id="{27267F8A-055A-2DAD-49A7-530C661B87CE}"/>
+                    </a:ext>
+                  </a:extLst>
+                </p:cNvPr>
+                <p:cNvSpPr txBox="1"/>
+                <p:nvPr/>
+              </p:nvSpPr>
+              <p:spPr>
+                <a:xfrm>
+                  <a:off x="31819963" y="36532073"/>
+                  <a:ext cx="9812144" cy="492443"/>
+                </a:xfrm>
+                <a:prstGeom prst="rect">
+                  <a:avLst/>
+                </a:prstGeom>
+                <a:noFill/>
+              </p:spPr>
+              <p:txBody>
+                <a:bodyPr wrap="square" rtlCol="0">
+                  <a:spAutoFit/>
+                </a:bodyPr>
+                <a:lstStyle/>
+                <a:p>
+                  <a:r>
+                    <a:rPr lang="en-US" sz="2600" dirty="0"/>
+                    <a:t>GitHub Repository: https://github.com/BrianLi-hello/hopfield-pruning </a:t>
+                  </a:r>
+                </a:p>
+              </p:txBody>
+            </p:sp>
+          </p:grpSp>
+          <p:grpSp>
+            <p:nvGrpSpPr>
+              <p:cNvPr id="101" name="Group 100">
+                <a:extLst>
+                  <a:ext uri="{FF2B5EF4-FFF2-40B4-BE49-F238E27FC236}">
+                    <a16:creationId xmlns:a16="http://schemas.microsoft.com/office/drawing/2014/main" id="{32A69249-FF0C-BE3A-0611-F4EF129A6571}"/>
+                  </a:ext>
+                </a:extLst>
+              </p:cNvPr>
+              <p:cNvGrpSpPr/>
+              <p:nvPr/>
+            </p:nvGrpSpPr>
+            <p:grpSpPr>
+              <a:xfrm>
+                <a:off x="30467601" y="32444226"/>
+                <a:ext cx="11730065" cy="2588268"/>
+                <a:chOff x="30467601" y="32444226"/>
+                <a:chExt cx="11730065" cy="2588268"/>
+              </a:xfrm>
+            </p:grpSpPr>
+            <p:sp>
+              <p:nvSpPr>
+                <p:cNvPr id="24" name="TextBox 23">
+                  <a:extLst>
+                    <a:ext uri="{FF2B5EF4-FFF2-40B4-BE49-F238E27FC236}">
+                      <a16:creationId xmlns:a16="http://schemas.microsoft.com/office/drawing/2014/main" id="{E764A168-943E-4FA4-9845-5972A6CAF640}"/>
+                    </a:ext>
+                  </a:extLst>
+                </p:cNvPr>
+                <p:cNvSpPr txBox="1"/>
+                <p:nvPr/>
+              </p:nvSpPr>
+              <p:spPr>
+                <a:xfrm>
+                  <a:off x="34832118" y="32444226"/>
+                  <a:ext cx="3001033" cy="1200329"/>
+                </a:xfrm>
+                <a:prstGeom prst="rect">
+                  <a:avLst/>
+                </a:prstGeom>
+                <a:noFill/>
+              </p:spPr>
+              <p:txBody>
+                <a:bodyPr wrap="square" rtlCol="0">
+                  <a:spAutoFit/>
+                </a:bodyPr>
+                <a:lstStyle/>
+                <a:p>
+                  <a:r>
+                    <a:rPr lang="en-US" sz="7200" b="1" u="sng" dirty="0"/>
+                    <a:t>Results</a:t>
+                  </a:r>
+                </a:p>
+              </p:txBody>
+            </p:sp>
+            <p:sp>
+              <p:nvSpPr>
+                <p:cNvPr id="28" name="TextBox 27">
+                  <a:extLst>
+                    <a:ext uri="{FF2B5EF4-FFF2-40B4-BE49-F238E27FC236}">
+                      <a16:creationId xmlns:a16="http://schemas.microsoft.com/office/drawing/2014/main" id="{24CC8388-E815-F14A-1AE2-A28033B1563B}"/>
+                    </a:ext>
+                  </a:extLst>
+                </p:cNvPr>
+                <p:cNvSpPr txBox="1"/>
+                <p:nvPr/>
+              </p:nvSpPr>
+              <p:spPr>
+                <a:xfrm>
+                  <a:off x="30467601" y="33555166"/>
+                  <a:ext cx="11730065" cy="1477328"/>
+                </a:xfrm>
+                <a:prstGeom prst="rect">
+                  <a:avLst/>
+                </a:prstGeom>
+                <a:noFill/>
+              </p:spPr>
+              <p:txBody>
+                <a:bodyPr wrap="square" rtlCol="0">
+                  <a:spAutoFit/>
+                </a:bodyPr>
+                <a:lstStyle/>
+                <a:p>
+                  <a:r>
+                    <a:rPr lang="en-US" sz="3000" b="0" i="0" dirty="0">
+                      <a:effectLst/>
+                      <a:latin typeface="Söhne"/>
+                    </a:rPr>
+                    <a:t>Sparse and magnitude pruning perform roughly the same across various percentages of flipped pixels. This similarity is due to the robustness and redundancy in the weights of the HN that correspond to stored patterns.</a:t>
+                  </a:r>
+                </a:p>
+              </p:txBody>
+            </p:sp>
+          </p:grpSp>
+        </p:grpSp>
+        <p:grpSp>
+          <p:nvGrpSpPr>
+            <p:cNvPr id="100" name="Group 99">
+              <a:extLst>
+                <a:ext uri="{FF2B5EF4-FFF2-40B4-BE49-F238E27FC236}">
+                  <a16:creationId xmlns:a16="http://schemas.microsoft.com/office/drawing/2014/main" id="{198F6EE5-EFB6-34F2-425B-8765E45FAD76}"/>
+                </a:ext>
+              </a:extLst>
+            </p:cNvPr>
+            <p:cNvGrpSpPr/>
+            <p:nvPr/>
+          </p:nvGrpSpPr>
+          <p:grpSpPr>
+            <a:xfrm>
+              <a:off x="29566287" y="7042482"/>
+              <a:ext cx="12938182" cy="25725378"/>
+              <a:chOff x="29566287" y="7042482"/>
+              <a:chExt cx="12938182" cy="25725378"/>
+            </a:xfrm>
+          </p:grpSpPr>
+          <p:pic>
+            <p:nvPicPr>
+              <p:cNvPr id="57" name="Picture 56">
+                <a:extLst>
+                  <a:ext uri="{FF2B5EF4-FFF2-40B4-BE49-F238E27FC236}">
+                    <a16:creationId xmlns:a16="http://schemas.microsoft.com/office/drawing/2014/main" id="{C0BDCA64-D90D-54E1-5946-96E3840D7FF1}"/>
+                  </a:ext>
+                </a:extLst>
+              </p:cNvPr>
+              <p:cNvPicPr>
+                <a:picLocks noChangeAspect="1"/>
+              </p:cNvPicPr>
+              <p:nvPr/>
+            </p:nvPicPr>
+            <p:blipFill>
+              <a:blip r:embed="rId27"/>
+              <a:stretch>
+                <a:fillRect/>
+              </a:stretch>
+            </p:blipFill>
+            <p:spPr>
+              <a:xfrm>
+                <a:off x="31075803" y="7042482"/>
+                <a:ext cx="9919007" cy="6573741"/>
+              </a:xfrm>
+              <a:prstGeom prst="rect">
+                <a:avLst/>
+              </a:prstGeom>
+            </p:spPr>
+          </p:pic>
+          <p:pic>
+            <p:nvPicPr>
+              <p:cNvPr id="61" name="Picture 60">
+                <a:extLst>
+                  <a:ext uri="{FF2B5EF4-FFF2-40B4-BE49-F238E27FC236}">
+                    <a16:creationId xmlns:a16="http://schemas.microsoft.com/office/drawing/2014/main" id="{8BD783E8-DC92-D996-1B34-237CF1727E8C}"/>
+                  </a:ext>
+                </a:extLst>
+              </p:cNvPr>
+              <p:cNvPicPr>
+                <a:picLocks noChangeAspect="1"/>
+              </p:cNvPicPr>
+              <p:nvPr/>
+            </p:nvPicPr>
+            <p:blipFill>
+              <a:blip r:embed="rId28"/>
+              <a:stretch>
+                <a:fillRect/>
+              </a:stretch>
+            </p:blipFill>
+            <p:spPr>
+              <a:xfrm>
+                <a:off x="31075803" y="13592551"/>
+                <a:ext cx="9919007" cy="6612670"/>
+              </a:xfrm>
+              <a:prstGeom prst="rect">
+                <a:avLst/>
+              </a:prstGeom>
+            </p:spPr>
+          </p:pic>
+          <p:pic>
+            <p:nvPicPr>
+              <p:cNvPr id="84" name="Picture 83">
+                <a:extLst>
+                  <a:ext uri="{FF2B5EF4-FFF2-40B4-BE49-F238E27FC236}">
+                    <a16:creationId xmlns:a16="http://schemas.microsoft.com/office/drawing/2014/main" id="{78D66668-7CC0-DDBE-BC93-A558402D4AD3}"/>
+                  </a:ext>
+                </a:extLst>
+              </p:cNvPr>
+              <p:cNvPicPr>
+                <a:picLocks noChangeAspect="1"/>
+              </p:cNvPicPr>
+              <p:nvPr/>
+            </p:nvPicPr>
+            <p:blipFill>
+              <a:blip r:embed="rId29"/>
+              <a:stretch>
+                <a:fillRect/>
+              </a:stretch>
+            </p:blipFill>
+            <p:spPr>
+              <a:xfrm>
+                <a:off x="31082296" y="24033491"/>
+                <a:ext cx="10500673" cy="8734369"/>
+              </a:xfrm>
+              <a:prstGeom prst="rect">
+                <a:avLst/>
+              </a:prstGeom>
+            </p:spPr>
+          </p:pic>
+          <p:pic>
+            <p:nvPicPr>
+              <p:cNvPr id="86" name="Picture 85">
+                <a:extLst>
+                  <a:ext uri="{FF2B5EF4-FFF2-40B4-BE49-F238E27FC236}">
+                    <a16:creationId xmlns:a16="http://schemas.microsoft.com/office/drawing/2014/main" id="{0451E939-EED2-3BDC-C54D-E84D0EA691E2}"/>
+                  </a:ext>
+                </a:extLst>
+              </p:cNvPr>
+              <p:cNvPicPr>
+                <a:picLocks noChangeAspect="1"/>
+              </p:cNvPicPr>
+              <p:nvPr/>
+            </p:nvPicPr>
+            <p:blipFill>
+              <a:blip r:embed="rId30"/>
+              <a:stretch>
+                <a:fillRect/>
+              </a:stretch>
+            </p:blipFill>
+            <p:spPr>
+              <a:xfrm>
+                <a:off x="36772558" y="20328814"/>
+                <a:ext cx="5731911" cy="3559742"/>
+              </a:xfrm>
+              <a:prstGeom prst="rect">
+                <a:avLst/>
+              </a:prstGeom>
+            </p:spPr>
+          </p:pic>
+          <p:pic>
+            <p:nvPicPr>
+              <p:cNvPr id="90" name="Picture 89">
+                <a:extLst>
+                  <a:ext uri="{FF2B5EF4-FFF2-40B4-BE49-F238E27FC236}">
+                    <a16:creationId xmlns:a16="http://schemas.microsoft.com/office/drawing/2014/main" id="{03E7A37C-DB35-CED9-96DF-147D74CC8390}"/>
+                  </a:ext>
+                </a:extLst>
+              </p:cNvPr>
+              <p:cNvPicPr>
+                <a:picLocks noChangeAspect="1"/>
+              </p:cNvPicPr>
+              <p:nvPr/>
+            </p:nvPicPr>
+            <p:blipFill>
+              <a:blip r:embed="rId31"/>
+              <a:stretch>
+                <a:fillRect/>
+              </a:stretch>
+            </p:blipFill>
+            <p:spPr>
+              <a:xfrm>
+                <a:off x="29566287" y="20497257"/>
+                <a:ext cx="7000886" cy="3244198"/>
+              </a:xfrm>
+              <a:prstGeom prst="rect">
+                <a:avLst/>
+              </a:prstGeom>
+            </p:spPr>
+          </p:pic>
+        </p:grpSp>
+      </p:grpSp>
     </p:spTree>
     <p:extLst>
       <p:ext uri="{BB962C8B-B14F-4D97-AF65-F5344CB8AC3E}">
